--- a/thesis/phd_talk/PhD_talk.pptx
+++ b/thesis/phd_talk/PhD_talk.pptx
@@ -4,15 +4,18 @@
   <p:sldMasterIdLst>
     <p:sldMasterId id="2147483648" r:id="rId1"/>
   </p:sldMasterIdLst>
+  <p:notesMasterIdLst>
+    <p:notesMasterId r:id="rId41"/>
+  </p:notesMasterIdLst>
   <p:sldIdLst>
     <p:sldId id="257" r:id="rId2"/>
     <p:sldId id="259" r:id="rId3"/>
     <p:sldId id="261" r:id="rId4"/>
     <p:sldId id="263" r:id="rId5"/>
     <p:sldId id="264" r:id="rId6"/>
-    <p:sldId id="262" r:id="rId7"/>
-    <p:sldId id="266" r:id="rId8"/>
-    <p:sldId id="267" r:id="rId9"/>
+    <p:sldId id="267" r:id="rId7"/>
+    <p:sldId id="300" r:id="rId8"/>
+    <p:sldId id="262" r:id="rId9"/>
     <p:sldId id="265" r:id="rId10"/>
     <p:sldId id="268" r:id="rId11"/>
     <p:sldId id="269" r:id="rId12"/>
@@ -175,6 +178,440 @@
 </p:presentation>
 </file>
 
+<file path=ppt/notesMasters/notesMaster1.xml><?xml version="1.0" encoding="utf-8"?>
+<p:notesMaster xmlns:a="http://schemas.openxmlformats.org/drawingml/2006/main" xmlns:r="http://schemas.openxmlformats.org/officeDocument/2006/relationships" xmlns:p="http://schemas.openxmlformats.org/presentationml/2006/main">
+  <p:cSld>
+    <p:bg>
+      <p:bgRef idx="1001">
+        <a:schemeClr val="bg1"/>
+      </p:bgRef>
+    </p:bg>
+    <p:spTree>
+      <p:nvGrpSpPr>
+        <p:cNvPr id="1" name=""/>
+        <p:cNvGrpSpPr/>
+        <p:nvPr/>
+      </p:nvGrpSpPr>
+      <p:grpSpPr>
+        <a:xfrm>
+          <a:off x="0" y="0"/>
+          <a:ext cx="0" cy="0"/>
+          <a:chOff x="0" y="0"/>
+          <a:chExt cx="0" cy="0"/>
+        </a:xfrm>
+      </p:grpSpPr>
+      <p:sp>
+        <p:nvSpPr>
+          <p:cNvPr id="2" name="Header Placeholder 1"/>
+          <p:cNvSpPr>
+            <a:spLocks noGrp="1"/>
+          </p:cNvSpPr>
+          <p:nvPr>
+            <p:ph type="hdr" sz="quarter"/>
+          </p:nvPr>
+        </p:nvSpPr>
+        <p:spPr>
+          <a:xfrm>
+            <a:off x="0" y="0"/>
+            <a:ext cx="2971800" cy="457200"/>
+          </a:xfrm>
+          <a:prstGeom prst="rect">
+            <a:avLst/>
+          </a:prstGeom>
+        </p:spPr>
+        <p:txBody>
+          <a:bodyPr vert="horz" lIns="91440" tIns="45720" rIns="91440" bIns="45720" rtlCol="0"/>
+          <a:lstStyle>
+            <a:lvl1pPr algn="l">
+              <a:defRPr sz="1200"/>
+            </a:lvl1pPr>
+          </a:lstStyle>
+          <a:p>
+            <a:endParaRPr lang="en-US"/>
+          </a:p>
+        </p:txBody>
+      </p:sp>
+      <p:sp>
+        <p:nvSpPr>
+          <p:cNvPr id="3" name="Date Placeholder 2"/>
+          <p:cNvSpPr>
+            <a:spLocks noGrp="1"/>
+          </p:cNvSpPr>
+          <p:nvPr>
+            <p:ph type="dt" idx="1"/>
+          </p:nvPr>
+        </p:nvSpPr>
+        <p:spPr>
+          <a:xfrm>
+            <a:off x="3884613" y="0"/>
+            <a:ext cx="2971800" cy="457200"/>
+          </a:xfrm>
+          <a:prstGeom prst="rect">
+            <a:avLst/>
+          </a:prstGeom>
+        </p:spPr>
+        <p:txBody>
+          <a:bodyPr vert="horz" lIns="91440" tIns="45720" rIns="91440" bIns="45720" rtlCol="0"/>
+          <a:lstStyle>
+            <a:lvl1pPr algn="r">
+              <a:defRPr sz="1200"/>
+            </a:lvl1pPr>
+          </a:lstStyle>
+          <a:p>
+            <a:fld id="{F88DE0FE-EC7B-4448-A476-ADBFEDF282ED}" type="datetimeFigureOut">
+              <a:rPr lang="en-US" smtClean="0"/>
+              <a:t>2012/10/08</a:t>
+            </a:fld>
+            <a:endParaRPr lang="en-US"/>
+          </a:p>
+        </p:txBody>
+      </p:sp>
+      <p:sp>
+        <p:nvSpPr>
+          <p:cNvPr id="4" name="Slide Image Placeholder 3"/>
+          <p:cNvSpPr>
+            <a:spLocks noGrp="1" noRot="1" noChangeAspect="1"/>
+          </p:cNvSpPr>
+          <p:nvPr>
+            <p:ph type="sldImg" idx="2"/>
+          </p:nvPr>
+        </p:nvSpPr>
+        <p:spPr>
+          <a:xfrm>
+            <a:off x="1143000" y="685800"/>
+            <a:ext cx="4572000" cy="3429000"/>
+          </a:xfrm>
+          <a:prstGeom prst="rect">
+            <a:avLst/>
+          </a:prstGeom>
+          <a:noFill/>
+          <a:ln w="12700">
+            <a:solidFill>
+              <a:prstClr val="black"/>
+            </a:solidFill>
+          </a:ln>
+        </p:spPr>
+        <p:txBody>
+          <a:bodyPr vert="horz" lIns="91440" tIns="45720" rIns="91440" bIns="45720" rtlCol="0" anchor="ctr"/>
+          <a:lstStyle/>
+          <a:p>
+            <a:endParaRPr lang="en-US"/>
+          </a:p>
+        </p:txBody>
+      </p:sp>
+      <p:sp>
+        <p:nvSpPr>
+          <p:cNvPr id="5" name="Notes Placeholder 4"/>
+          <p:cNvSpPr>
+            <a:spLocks noGrp="1"/>
+          </p:cNvSpPr>
+          <p:nvPr>
+            <p:ph type="body" sz="quarter" idx="3"/>
+          </p:nvPr>
+        </p:nvSpPr>
+        <p:spPr>
+          <a:xfrm>
+            <a:off x="685800" y="4343400"/>
+            <a:ext cx="5486400" cy="4114800"/>
+          </a:xfrm>
+          <a:prstGeom prst="rect">
+            <a:avLst/>
+          </a:prstGeom>
+        </p:spPr>
+        <p:txBody>
+          <a:bodyPr vert="horz" lIns="91440" tIns="45720" rIns="91440" bIns="45720" rtlCol="0"/>
+          <a:lstStyle/>
+          <a:p>
+            <a:pPr lvl="0"/>
+            <a:r>
+              <a:rPr lang="en-US" smtClean="0"/>
+              <a:t>Click to edit Master text styles</a:t>
+            </a:r>
+          </a:p>
+          <a:p>
+            <a:pPr lvl="1"/>
+            <a:r>
+              <a:rPr lang="en-US" smtClean="0"/>
+              <a:t>Second level</a:t>
+            </a:r>
+          </a:p>
+          <a:p>
+            <a:pPr lvl="2"/>
+            <a:r>
+              <a:rPr lang="en-US" smtClean="0"/>
+              <a:t>Third level</a:t>
+            </a:r>
+          </a:p>
+          <a:p>
+            <a:pPr lvl="3"/>
+            <a:r>
+              <a:rPr lang="en-US" smtClean="0"/>
+              <a:t>Fourth level</a:t>
+            </a:r>
+          </a:p>
+          <a:p>
+            <a:pPr lvl="4"/>
+            <a:r>
+              <a:rPr lang="en-US" smtClean="0"/>
+              <a:t>Fifth level</a:t>
+            </a:r>
+            <a:endParaRPr lang="en-US"/>
+          </a:p>
+        </p:txBody>
+      </p:sp>
+      <p:sp>
+        <p:nvSpPr>
+          <p:cNvPr id="6" name="Footer Placeholder 5"/>
+          <p:cNvSpPr>
+            <a:spLocks noGrp="1"/>
+          </p:cNvSpPr>
+          <p:nvPr>
+            <p:ph type="ftr" sz="quarter" idx="4"/>
+          </p:nvPr>
+        </p:nvSpPr>
+        <p:spPr>
+          <a:xfrm>
+            <a:off x="0" y="8685213"/>
+            <a:ext cx="2971800" cy="457200"/>
+          </a:xfrm>
+          <a:prstGeom prst="rect">
+            <a:avLst/>
+          </a:prstGeom>
+        </p:spPr>
+        <p:txBody>
+          <a:bodyPr vert="horz" lIns="91440" tIns="45720" rIns="91440" bIns="45720" rtlCol="0" anchor="b"/>
+          <a:lstStyle>
+            <a:lvl1pPr algn="l">
+              <a:defRPr sz="1200"/>
+            </a:lvl1pPr>
+          </a:lstStyle>
+          <a:p>
+            <a:endParaRPr lang="en-US"/>
+          </a:p>
+        </p:txBody>
+      </p:sp>
+      <p:sp>
+        <p:nvSpPr>
+          <p:cNvPr id="7" name="Slide Number Placeholder 6"/>
+          <p:cNvSpPr>
+            <a:spLocks noGrp="1"/>
+          </p:cNvSpPr>
+          <p:nvPr>
+            <p:ph type="sldNum" sz="quarter" idx="5"/>
+          </p:nvPr>
+        </p:nvSpPr>
+        <p:spPr>
+          <a:xfrm>
+            <a:off x="3884613" y="8685213"/>
+            <a:ext cx="2971800" cy="457200"/>
+          </a:xfrm>
+          <a:prstGeom prst="rect">
+            <a:avLst/>
+          </a:prstGeom>
+        </p:spPr>
+        <p:txBody>
+          <a:bodyPr vert="horz" lIns="91440" tIns="45720" rIns="91440" bIns="45720" rtlCol="0" anchor="b"/>
+          <a:lstStyle>
+            <a:lvl1pPr algn="r">
+              <a:defRPr sz="1200"/>
+            </a:lvl1pPr>
+          </a:lstStyle>
+          <a:p>
+            <a:fld id="{D4231AF1-F3E1-464A-AEFC-6647F4ADC47E}" type="slidenum">
+              <a:rPr lang="en-US" smtClean="0"/>
+              <a:t>‹#›</a:t>
+            </a:fld>
+            <a:endParaRPr lang="en-US"/>
+          </a:p>
+        </p:txBody>
+      </p:sp>
+    </p:spTree>
+    <p:extLst>
+      <p:ext uri="{BB962C8B-B14F-4D97-AF65-F5344CB8AC3E}">
+        <p14:creationId xmlns:p14="http://schemas.microsoft.com/office/powerpoint/2010/main" val="732802971"/>
+      </p:ext>
+    </p:extLst>
+  </p:cSld>
+  <p:clrMap bg1="lt1" tx1="dk1" bg2="lt2" tx2="dk2" accent1="accent1" accent2="accent2" accent3="accent3" accent4="accent4" accent5="accent5" accent6="accent6" hlink="hlink" folHlink="folHlink"/>
+  <p:notesStyle>
+    <a:lvl1pPr marL="0" algn="l" defTabSz="457200" rtl="0" eaLnBrk="1" latinLnBrk="0" hangingPunct="1">
+      <a:defRPr sz="1200" kern="1200">
+        <a:solidFill>
+          <a:schemeClr val="tx1"/>
+        </a:solidFill>
+        <a:latin typeface="+mn-lt"/>
+        <a:ea typeface="+mn-ea"/>
+        <a:cs typeface="+mn-cs"/>
+      </a:defRPr>
+    </a:lvl1pPr>
+    <a:lvl2pPr marL="457200" algn="l" defTabSz="457200" rtl="0" eaLnBrk="1" latinLnBrk="0" hangingPunct="1">
+      <a:defRPr sz="1200" kern="1200">
+        <a:solidFill>
+          <a:schemeClr val="tx1"/>
+        </a:solidFill>
+        <a:latin typeface="+mn-lt"/>
+        <a:ea typeface="+mn-ea"/>
+        <a:cs typeface="+mn-cs"/>
+      </a:defRPr>
+    </a:lvl2pPr>
+    <a:lvl3pPr marL="914400" algn="l" defTabSz="457200" rtl="0" eaLnBrk="1" latinLnBrk="0" hangingPunct="1">
+      <a:defRPr sz="1200" kern="1200">
+        <a:solidFill>
+          <a:schemeClr val="tx1"/>
+        </a:solidFill>
+        <a:latin typeface="+mn-lt"/>
+        <a:ea typeface="+mn-ea"/>
+        <a:cs typeface="+mn-cs"/>
+      </a:defRPr>
+    </a:lvl3pPr>
+    <a:lvl4pPr marL="1371600" algn="l" defTabSz="457200" rtl="0" eaLnBrk="1" latinLnBrk="0" hangingPunct="1">
+      <a:defRPr sz="1200" kern="1200">
+        <a:solidFill>
+          <a:schemeClr val="tx1"/>
+        </a:solidFill>
+        <a:latin typeface="+mn-lt"/>
+        <a:ea typeface="+mn-ea"/>
+        <a:cs typeface="+mn-cs"/>
+      </a:defRPr>
+    </a:lvl4pPr>
+    <a:lvl5pPr marL="1828800" algn="l" defTabSz="457200" rtl="0" eaLnBrk="1" latinLnBrk="0" hangingPunct="1">
+      <a:defRPr sz="1200" kern="1200">
+        <a:solidFill>
+          <a:schemeClr val="tx1"/>
+        </a:solidFill>
+        <a:latin typeface="+mn-lt"/>
+        <a:ea typeface="+mn-ea"/>
+        <a:cs typeface="+mn-cs"/>
+      </a:defRPr>
+    </a:lvl5pPr>
+    <a:lvl6pPr marL="2286000" algn="l" defTabSz="457200" rtl="0" eaLnBrk="1" latinLnBrk="0" hangingPunct="1">
+      <a:defRPr sz="1200" kern="1200">
+        <a:solidFill>
+          <a:schemeClr val="tx1"/>
+        </a:solidFill>
+        <a:latin typeface="+mn-lt"/>
+        <a:ea typeface="+mn-ea"/>
+        <a:cs typeface="+mn-cs"/>
+      </a:defRPr>
+    </a:lvl6pPr>
+    <a:lvl7pPr marL="2743200" algn="l" defTabSz="457200" rtl="0" eaLnBrk="1" latinLnBrk="0" hangingPunct="1">
+      <a:defRPr sz="1200" kern="1200">
+        <a:solidFill>
+          <a:schemeClr val="tx1"/>
+        </a:solidFill>
+        <a:latin typeface="+mn-lt"/>
+        <a:ea typeface="+mn-ea"/>
+        <a:cs typeface="+mn-cs"/>
+      </a:defRPr>
+    </a:lvl7pPr>
+    <a:lvl8pPr marL="3200400" algn="l" defTabSz="457200" rtl="0" eaLnBrk="1" latinLnBrk="0" hangingPunct="1">
+      <a:defRPr sz="1200" kern="1200">
+        <a:solidFill>
+          <a:schemeClr val="tx1"/>
+        </a:solidFill>
+        <a:latin typeface="+mn-lt"/>
+        <a:ea typeface="+mn-ea"/>
+        <a:cs typeface="+mn-cs"/>
+      </a:defRPr>
+    </a:lvl8pPr>
+    <a:lvl9pPr marL="3657600" algn="l" defTabSz="457200" rtl="0" eaLnBrk="1" latinLnBrk="0" hangingPunct="1">
+      <a:defRPr sz="1200" kern="1200">
+        <a:solidFill>
+          <a:schemeClr val="tx1"/>
+        </a:solidFill>
+        <a:latin typeface="+mn-lt"/>
+        <a:ea typeface="+mn-ea"/>
+        <a:cs typeface="+mn-cs"/>
+      </a:defRPr>
+    </a:lvl9pPr>
+  </p:notesStyle>
+</p:notesMaster>
+</file>
+
+<file path=ppt/notesSlides/notesSlide1.xml><?xml version="1.0" encoding="utf-8"?>
+<p:notes xmlns:a="http://schemas.openxmlformats.org/drawingml/2006/main" xmlns:r="http://schemas.openxmlformats.org/officeDocument/2006/relationships" xmlns:p="http://schemas.openxmlformats.org/presentationml/2006/main">
+  <p:cSld>
+    <p:spTree>
+      <p:nvGrpSpPr>
+        <p:cNvPr id="1" name=""/>
+        <p:cNvGrpSpPr/>
+        <p:nvPr/>
+      </p:nvGrpSpPr>
+      <p:grpSpPr>
+        <a:xfrm>
+          <a:off x="0" y="0"/>
+          <a:ext cx="0" cy="0"/>
+          <a:chOff x="0" y="0"/>
+          <a:chExt cx="0" cy="0"/>
+        </a:xfrm>
+      </p:grpSpPr>
+      <p:sp>
+        <p:nvSpPr>
+          <p:cNvPr id="2" name="Slide Image Placeholder 1"/>
+          <p:cNvSpPr>
+            <a:spLocks noGrp="1" noRot="1" noChangeAspect="1"/>
+          </p:cNvSpPr>
+          <p:nvPr>
+            <p:ph type="sldImg"/>
+          </p:nvPr>
+        </p:nvSpPr>
+        <p:spPr/>
+      </p:sp>
+      <p:sp>
+        <p:nvSpPr>
+          <p:cNvPr id="3" name="Notes Placeholder 2"/>
+          <p:cNvSpPr>
+            <a:spLocks noGrp="1"/>
+          </p:cNvSpPr>
+          <p:nvPr>
+            <p:ph type="body" idx="1"/>
+          </p:nvPr>
+        </p:nvSpPr>
+        <p:spPr/>
+        <p:txBody>
+          <a:bodyPr/>
+          <a:lstStyle/>
+          <a:p>
+            <a:endParaRPr lang="en-US" dirty="0"/>
+          </a:p>
+        </p:txBody>
+      </p:sp>
+      <p:sp>
+        <p:nvSpPr>
+          <p:cNvPr id="4" name="Slide Number Placeholder 3"/>
+          <p:cNvSpPr>
+            <a:spLocks noGrp="1"/>
+          </p:cNvSpPr>
+          <p:nvPr>
+            <p:ph type="sldNum" sz="quarter" idx="10"/>
+          </p:nvPr>
+        </p:nvSpPr>
+        <p:spPr/>
+        <p:txBody>
+          <a:bodyPr/>
+          <a:lstStyle/>
+          <a:p>
+            <a:fld id="{D4231AF1-F3E1-464A-AEFC-6647F4ADC47E}" type="slidenum">
+              <a:rPr lang="en-US" smtClean="0"/>
+              <a:t>8</a:t>
+            </a:fld>
+            <a:endParaRPr lang="en-US"/>
+          </a:p>
+        </p:txBody>
+      </p:sp>
+    </p:spTree>
+    <p:extLst>
+      <p:ext uri="{BB962C8B-B14F-4D97-AF65-F5344CB8AC3E}">
+        <p14:creationId xmlns:p14="http://schemas.microsoft.com/office/powerpoint/2010/main" val="1396222083"/>
+      </p:ext>
+    </p:extLst>
+  </p:cSld>
+  <p:clrMapOvr>
+    <a:masterClrMapping/>
+  </p:clrMapOvr>
+</p:notes>
+</file>
+
 <file path=ppt/slideLayouts/slideLayout1.xml><?xml version="1.0" encoding="utf-8"?>
 <p:sldLayout xmlns:a="http://schemas.openxmlformats.org/drawingml/2006/main" xmlns:r="http://schemas.openxmlformats.org/officeDocument/2006/relationships" xmlns:p="http://schemas.openxmlformats.org/presentationml/2006/main" type="title" preserve="1">
   <p:cSld name="Title Slide">
@@ -361,7 +798,7 @@
             <a:fld id="{3DBDE37E-CB06-4B79-93C7-D4500F90DA3C}" type="datetimeFigureOut">
               <a:rPr lang="en-US"/>
               <a:pPr/>
-              <a:t>10/5/2012</a:t>
+              <a:t>2012/10/08</a:t>
             </a:fld>
             <a:endParaRPr lang="en-US"/>
           </a:p>
@@ -543,7 +980,7 @@
             <a:fld id="{7CB2F816-2217-40FD-9E22-A5E5B0FC88D0}" type="datetimeFigureOut">
               <a:rPr lang="en-US"/>
               <a:pPr/>
-              <a:t>10/5/2012</a:t>
+              <a:t>2012/10/08</a:t>
             </a:fld>
             <a:endParaRPr lang="en-US"/>
           </a:p>
@@ -735,7 +1172,7 @@
             <a:fld id="{5871EF02-FB29-402D-BF2D-2F5D78358143}" type="datetimeFigureOut">
               <a:rPr lang="en-US"/>
               <a:pPr/>
-              <a:t>10/5/2012</a:t>
+              <a:t>2012/10/08</a:t>
             </a:fld>
             <a:endParaRPr lang="en-US"/>
           </a:p>
@@ -917,7 +1354,7 @@
             <a:fld id="{1F90F688-57D1-4A5E-805A-AA6F666E6DCB}" type="datetimeFigureOut">
               <a:rPr lang="en-US"/>
               <a:pPr/>
-              <a:t>10/5/2012</a:t>
+              <a:t>2012/10/08</a:t>
             </a:fld>
             <a:endParaRPr lang="en-US"/>
           </a:p>
@@ -1175,7 +1612,7 @@
             <a:fld id="{86316768-ED5F-4643-8F34-0BAA5D945208}" type="datetimeFigureOut">
               <a:rPr lang="en-US"/>
               <a:pPr/>
-              <a:t>10/5/2012</a:t>
+              <a:t>2012/10/08</a:t>
             </a:fld>
             <a:endParaRPr lang="en-US"/>
           </a:p>
@@ -1475,7 +1912,7 @@
             <a:fld id="{A664E57C-7D30-46AE-AD4F-3EFB2ECCC049}" type="datetimeFigureOut">
               <a:rPr lang="en-US"/>
               <a:pPr/>
-              <a:t>10/5/2012</a:t>
+              <a:t>2012/10/08</a:t>
             </a:fld>
             <a:endParaRPr lang="en-US"/>
           </a:p>
@@ -1909,7 +2346,7 @@
             <a:fld id="{D50E77B1-474C-4335-8D3B-BB9255ACA0F4}" type="datetimeFigureOut">
               <a:rPr lang="en-US"/>
               <a:pPr/>
-              <a:t>10/5/2012</a:t>
+              <a:t>2012/10/08</a:t>
             </a:fld>
             <a:endParaRPr lang="en-US"/>
           </a:p>
@@ -2039,7 +2476,7 @@
             <a:fld id="{4D7E6BEE-916F-42A8-82C0-F4F82EEEFC0F}" type="datetimeFigureOut">
               <a:rPr lang="en-US"/>
               <a:pPr/>
-              <a:t>10/5/2012</a:t>
+              <a:t>2012/10/08</a:t>
             </a:fld>
             <a:endParaRPr lang="en-US"/>
           </a:p>
@@ -2146,7 +2583,7 @@
             <a:fld id="{BB646075-2E99-4691-9340-AC68F28C0357}" type="datetimeFigureOut">
               <a:rPr lang="en-US"/>
               <a:pPr/>
-              <a:t>10/5/2012</a:t>
+              <a:t>2012/10/08</a:t>
             </a:fld>
             <a:endParaRPr lang="en-US"/>
           </a:p>
@@ -2435,7 +2872,7 @@
             <a:fld id="{8B41057B-B950-4B6F-ACDD-19CE23549766}" type="datetimeFigureOut">
               <a:rPr lang="en-US"/>
               <a:pPr/>
-              <a:t>10/5/2012</a:t>
+              <a:t>2012/10/08</a:t>
             </a:fld>
             <a:endParaRPr lang="en-US"/>
           </a:p>
@@ -2703,7 +3140,7 @@
             <a:fld id="{31165655-5886-46BE-B326-4B99FC0DC3F5}" type="datetimeFigureOut">
               <a:rPr lang="en-US"/>
               <a:pPr/>
-              <a:t>10/5/2012</a:t>
+              <a:t>2012/10/08</a:t>
             </a:fld>
             <a:endParaRPr lang="en-US"/>
           </a:p>
@@ -2945,7 +3382,7 @@
             <a:fld id="{6435AD0D-B3E0-406E-A544-B05638F212A1}" type="datetimeFigureOut">
               <a:rPr lang="en-US"/>
               <a:pPr/>
-              <a:t>10/5/2012</a:t>
+              <a:t>2012/10/08</a:t>
             </a:fld>
             <a:endParaRPr lang="en-US"/>
           </a:p>
@@ -3590,11 +4027,6 @@
               </a:rPr>
               <a:t>John Gilmore</a:t>
             </a:r>
-            <a:endParaRPr lang="en-US" dirty="0" smtClean="0">
-              <a:solidFill>
-                <a:schemeClr val="bg1"/>
-              </a:solidFill>
-            </a:endParaRPr>
           </a:p>
         </p:txBody>
       </p:sp>
@@ -3779,10 +4211,18 @@
   <p:clrMapOvr>
     <a:masterClrMapping/>
   </p:clrMapOvr>
+  <mc:AlternateContent xmlns:mc="http://schemas.openxmlformats.org/markup-compatibility/2006">
+    <mc:Choice xmlns:p14="http://schemas.microsoft.com/office/powerpoint/2010/main" Requires="p14">
+      <p:transition spd="slow" p14:dur="2000" advTm="3597"/>
+    </mc:Choice>
+    <mc:Fallback>
+      <p:transition xmlns:p14="http://schemas.microsoft.com/office/powerpoint/2010/main" spd="slow" advTm="3597"/>
+    </mc:Fallback>
+  </mc:AlternateContent>
   <p:timing>
     <p:tnLst>
       <p:par>
-        <p:cTn id="1" dur="indefinite" restart="never" nodeType="tmRoot"/>
+        <p:cTn xmlns:p14="http://schemas.microsoft.com/office/powerpoint/2010/main" id="1" dur="indefinite" restart="never" nodeType="tmRoot"/>
       </p:par>
     </p:tnLst>
   </p:timing>
@@ -3878,11 +4318,6 @@
               </a:rPr>
               <a:t>State consistency: terminology</a:t>
             </a:r>
-            <a:endParaRPr lang="en-US" dirty="0" smtClean="0">
-              <a:solidFill>
-                <a:schemeClr val="bg1"/>
-              </a:solidFill>
-            </a:endParaRPr>
           </a:p>
         </p:txBody>
       </p:sp>
@@ -4048,10 +4483,18 @@
   <p:clrMapOvr>
     <a:masterClrMapping/>
   </p:clrMapOvr>
+  <mc:AlternateContent xmlns:mc="http://schemas.openxmlformats.org/markup-compatibility/2006">
+    <mc:Choice xmlns:p14="http://schemas.microsoft.com/office/powerpoint/2010/main" Requires="p14">
+      <p:transition spd="slow" p14:dur="2000" advTm="375"/>
+    </mc:Choice>
+    <mc:Fallback>
+      <p:transition xmlns:p14="http://schemas.microsoft.com/office/powerpoint/2010/main" spd="slow" advTm="375"/>
+    </mc:Fallback>
+  </mc:AlternateContent>
   <p:timing>
     <p:tnLst>
       <p:par>
-        <p:cTn id="1" dur="indefinite" restart="never" nodeType="tmRoot"/>
+        <p:cTn xmlns:p14="http://schemas.microsoft.com/office/powerpoint/2010/main" id="1" dur="indefinite" restart="never" nodeType="tmRoot"/>
       </p:par>
     </p:tnLst>
   </p:timing>
@@ -4059,7 +4502,7 @@
 </file>
 
 <file path=ppt/slides/slide11.xml><?xml version="1.0" encoding="utf-8"?>
-<p:sld xmlns:a="http://schemas.openxmlformats.org/drawingml/2006/main" xmlns:r="http://schemas.openxmlformats.org/officeDocument/2006/relationships" xmlns:p="http://schemas.openxmlformats.org/presentationml/2006/main">
+<p:sld xmlns:a="http://schemas.openxmlformats.org/drawingml/2006/main" xmlns:r="http://schemas.openxmlformats.org/officeDocument/2006/relationships" xmlns:p="http://schemas.openxmlformats.org/presentationml/2006/main" show="0">
   <p:cSld>
     <p:spTree>
       <p:nvGrpSpPr>
@@ -4147,11 +4590,6 @@
               </a:rPr>
               <a:t>State consistency: Object creation</a:t>
             </a:r>
-            <a:endParaRPr lang="en-US" dirty="0" smtClean="0">
-              <a:solidFill>
-                <a:schemeClr val="bg1"/>
-              </a:solidFill>
-            </a:endParaRPr>
           </a:p>
         </p:txBody>
       </p:sp>
@@ -4258,10 +4696,18 @@
   <p:clrMapOvr>
     <a:masterClrMapping/>
   </p:clrMapOvr>
+  <mc:AlternateContent xmlns:mc="http://schemas.openxmlformats.org/markup-compatibility/2006">
+    <mc:Choice xmlns:p14="http://schemas.microsoft.com/office/powerpoint/2010/main" Requires="p14">
+      <p:transition spd="slow" p14:dur="2000"/>
+    </mc:Choice>
+    <mc:Fallback>
+      <p:transition xmlns:p14="http://schemas.microsoft.com/office/powerpoint/2010/main" spd="slow"/>
+    </mc:Fallback>
+  </mc:AlternateContent>
   <p:timing>
     <p:tnLst>
       <p:par>
-        <p:cTn id="1" dur="indefinite" restart="never" nodeType="tmRoot"/>
+        <p:cTn xmlns:p14="http://schemas.microsoft.com/office/powerpoint/2010/main" id="1" dur="indefinite" restart="never" nodeType="tmRoot"/>
       </p:par>
     </p:tnLst>
   </p:timing>
@@ -4269,7 +4715,7 @@
 </file>
 
 <file path=ppt/slides/slide12.xml><?xml version="1.0" encoding="utf-8"?>
-<p:sld xmlns:a="http://schemas.openxmlformats.org/drawingml/2006/main" xmlns:r="http://schemas.openxmlformats.org/officeDocument/2006/relationships" xmlns:p="http://schemas.openxmlformats.org/presentationml/2006/main">
+<p:sld xmlns:a="http://schemas.openxmlformats.org/drawingml/2006/main" xmlns:r="http://schemas.openxmlformats.org/officeDocument/2006/relationships" xmlns:p="http://schemas.openxmlformats.org/presentationml/2006/main" show="0">
   <p:cSld>
     <p:spTree>
       <p:nvGrpSpPr>
@@ -4357,11 +4803,6 @@
               </a:rPr>
               <a:t>State consistency: Object query</a:t>
             </a:r>
-            <a:endParaRPr lang="en-US" dirty="0" smtClean="0">
-              <a:solidFill>
-                <a:schemeClr val="bg1"/>
-              </a:solidFill>
-            </a:endParaRPr>
           </a:p>
         </p:txBody>
       </p:sp>
@@ -4468,10 +4909,18 @@
   <p:clrMapOvr>
     <a:masterClrMapping/>
   </p:clrMapOvr>
+  <mc:AlternateContent xmlns:mc="http://schemas.openxmlformats.org/markup-compatibility/2006">
+    <mc:Choice xmlns:p14="http://schemas.microsoft.com/office/powerpoint/2010/main" Requires="p14">
+      <p:transition spd="slow" p14:dur="2000"/>
+    </mc:Choice>
+    <mc:Fallback>
+      <p:transition xmlns:p14="http://schemas.microsoft.com/office/powerpoint/2010/main" spd="slow"/>
+    </mc:Fallback>
+  </mc:AlternateContent>
   <p:timing>
     <p:tnLst>
       <p:par>
-        <p:cTn id="1" dur="indefinite" restart="never" nodeType="tmRoot"/>
+        <p:cTn xmlns:p14="http://schemas.microsoft.com/office/powerpoint/2010/main" id="1" dur="indefinite" restart="never" nodeType="tmRoot"/>
       </p:par>
     </p:tnLst>
   </p:timing>
@@ -4567,11 +5016,6 @@
               </a:rPr>
               <a:t>State consistency: Object update</a:t>
             </a:r>
-            <a:endParaRPr lang="en-US" dirty="0" smtClean="0">
-              <a:solidFill>
-                <a:schemeClr val="bg1"/>
-              </a:solidFill>
-            </a:endParaRPr>
           </a:p>
         </p:txBody>
       </p:sp>
@@ -4678,10 +5122,18 @@
   <p:clrMapOvr>
     <a:masterClrMapping/>
   </p:clrMapOvr>
+  <mc:AlternateContent xmlns:mc="http://schemas.openxmlformats.org/markup-compatibility/2006">
+    <mc:Choice xmlns:p14="http://schemas.microsoft.com/office/powerpoint/2010/main" Requires="p14">
+      <p:transition spd="slow" p14:dur="2000" advTm="390"/>
+    </mc:Choice>
+    <mc:Fallback>
+      <p:transition xmlns:p14="http://schemas.microsoft.com/office/powerpoint/2010/main" spd="slow" advTm="390"/>
+    </mc:Fallback>
+  </mc:AlternateContent>
   <p:timing>
     <p:tnLst>
       <p:par>
-        <p:cTn id="1" dur="indefinite" restart="never" nodeType="tmRoot"/>
+        <p:cTn xmlns:p14="http://schemas.microsoft.com/office/powerpoint/2010/main" id="1" dur="indefinite" restart="never" nodeType="tmRoot"/>
       </p:par>
     </p:tnLst>
   </p:timing>
@@ -4777,11 +5229,6 @@
               </a:rPr>
               <a:t>Generic state consistency model</a:t>
             </a:r>
-            <a:endParaRPr lang="en-US" dirty="0" smtClean="0">
-              <a:solidFill>
-                <a:schemeClr val="bg1"/>
-              </a:solidFill>
-            </a:endParaRPr>
           </a:p>
         </p:txBody>
       </p:sp>
@@ -4873,10 +5320,18 @@
   <p:clrMapOvr>
     <a:masterClrMapping/>
   </p:clrMapOvr>
+  <mc:AlternateContent xmlns:mc="http://schemas.openxmlformats.org/markup-compatibility/2006">
+    <mc:Choice xmlns:p14="http://schemas.microsoft.com/office/powerpoint/2010/main" Requires="p14">
+      <p:transition spd="slow" p14:dur="2000" advTm="627857"/>
+    </mc:Choice>
+    <mc:Fallback>
+      <p:transition xmlns:p14="http://schemas.microsoft.com/office/powerpoint/2010/main" spd="slow" advTm="627857"/>
+    </mc:Fallback>
+  </mc:AlternateContent>
   <p:timing>
     <p:tnLst>
       <p:par>
-        <p:cTn id="1" dur="indefinite" restart="never" nodeType="tmRoot"/>
+        <p:cTn xmlns:p14="http://schemas.microsoft.com/office/powerpoint/2010/main" id="1" dur="indefinite" restart="never" nodeType="tmRoot"/>
       </p:par>
     </p:tnLst>
   </p:timing>
@@ -4972,11 +5427,6 @@
               </a:rPr>
               <a:t>Classic state consistency</a:t>
             </a:r>
-            <a:endParaRPr lang="en-US" dirty="0" smtClean="0">
-              <a:solidFill>
-                <a:schemeClr val="bg1"/>
-              </a:solidFill>
-            </a:endParaRPr>
           </a:p>
         </p:txBody>
       </p:sp>
@@ -5100,10 +5550,18 @@
   <p:clrMapOvr>
     <a:masterClrMapping/>
   </p:clrMapOvr>
+  <mc:AlternateContent xmlns:mc="http://schemas.openxmlformats.org/markup-compatibility/2006">
+    <mc:Choice xmlns:p14="http://schemas.microsoft.com/office/powerpoint/2010/main" Requires="p14">
+      <p:transition spd="slow" p14:dur="2000" advTm="153"/>
+    </mc:Choice>
+    <mc:Fallback>
+      <p:transition xmlns:p14="http://schemas.microsoft.com/office/powerpoint/2010/main" spd="slow" advTm="153"/>
+    </mc:Fallback>
+  </mc:AlternateContent>
   <p:timing>
     <p:tnLst>
       <p:par>
-        <p:cTn id="1" dur="indefinite" restart="never" nodeType="tmRoot"/>
+        <p:cTn xmlns:p14="http://schemas.microsoft.com/office/powerpoint/2010/main" id="1" dur="indefinite" restart="never" nodeType="tmRoot"/>
       </p:par>
     </p:tnLst>
   </p:timing>
@@ -5199,11 +5657,6 @@
               </a:rPr>
               <a:t>P2P MMVE state consistency</a:t>
             </a:r>
-            <a:endParaRPr lang="en-US" dirty="0" smtClean="0">
-              <a:solidFill>
-                <a:schemeClr val="bg1"/>
-              </a:solidFill>
-            </a:endParaRPr>
           </a:p>
         </p:txBody>
       </p:sp>
@@ -5327,10 +5780,18 @@
   <p:clrMapOvr>
     <a:masterClrMapping/>
   </p:clrMapOvr>
+  <mc:AlternateContent xmlns:mc="http://schemas.openxmlformats.org/markup-compatibility/2006">
+    <mc:Choice xmlns:p14="http://schemas.microsoft.com/office/powerpoint/2010/main" Requires="p14">
+      <p:transition spd="slow" p14:dur="2000" advTm="365"/>
+    </mc:Choice>
+    <mc:Fallback>
+      <p:transition xmlns:p14="http://schemas.microsoft.com/office/powerpoint/2010/main" spd="slow" advTm="365"/>
+    </mc:Fallback>
+  </mc:AlternateContent>
   <p:timing>
     <p:tnLst>
       <p:par>
-        <p:cTn id="1" dur="indefinite" restart="never" nodeType="tmRoot"/>
+        <p:cTn xmlns:p14="http://schemas.microsoft.com/office/powerpoint/2010/main" id="1" dur="indefinite" restart="never" nodeType="tmRoot"/>
       </p:par>
     </p:tnLst>
   </p:timing>
@@ -5426,11 +5887,6 @@
               </a:rPr>
               <a:t>State management and persistency</a:t>
             </a:r>
-            <a:endParaRPr lang="en-US" dirty="0" smtClean="0">
-              <a:solidFill>
-                <a:schemeClr val="bg1"/>
-              </a:solidFill>
-            </a:endParaRPr>
           </a:p>
         </p:txBody>
       </p:sp>
@@ -5552,10 +6008,18 @@
   <p:clrMapOvr>
     <a:masterClrMapping/>
   </p:clrMapOvr>
+  <mc:AlternateContent xmlns:mc="http://schemas.openxmlformats.org/markup-compatibility/2006">
+    <mc:Choice xmlns:p14="http://schemas.microsoft.com/office/powerpoint/2010/main" Requires="p14">
+      <p:transition spd="slow" p14:dur="2000" advTm="52261"/>
+    </mc:Choice>
+    <mc:Fallback>
+      <p:transition xmlns:p14="http://schemas.microsoft.com/office/powerpoint/2010/main" spd="slow" advTm="52261"/>
+    </mc:Fallback>
+  </mc:AlternateContent>
   <p:timing>
     <p:tnLst>
       <p:par>
-        <p:cTn id="1" dur="indefinite" restart="never" nodeType="tmRoot"/>
+        <p:cTn xmlns:p14="http://schemas.microsoft.com/office/powerpoint/2010/main" id="1" dur="indefinite" restart="never" nodeType="tmRoot"/>
       </p:par>
     </p:tnLst>
   </p:timing>
@@ -5651,11 +6115,6 @@
               </a:rPr>
               <a:t>MMVE storage requirements</a:t>
             </a:r>
-            <a:endParaRPr lang="en-US" dirty="0" smtClean="0">
-              <a:solidFill>
-                <a:schemeClr val="bg1"/>
-              </a:solidFill>
-            </a:endParaRPr>
           </a:p>
         </p:txBody>
       </p:sp>
@@ -5810,10 +6269,18 @@
   <p:clrMapOvr>
     <a:masterClrMapping/>
   </p:clrMapOvr>
+  <mc:AlternateContent xmlns:mc="http://schemas.openxmlformats.org/markup-compatibility/2006">
+    <mc:Choice xmlns:p14="http://schemas.microsoft.com/office/powerpoint/2010/main" Requires="p14">
+      <p:transition spd="slow" p14:dur="2000" advTm="12968"/>
+    </mc:Choice>
+    <mc:Fallback>
+      <p:transition xmlns:p14="http://schemas.microsoft.com/office/powerpoint/2010/main" spd="slow" advTm="12968"/>
+    </mc:Fallback>
+  </mc:AlternateContent>
   <p:timing>
     <p:tnLst>
       <p:par>
-        <p:cTn id="1" dur="indefinite" restart="never" nodeType="tmRoot"/>
+        <p:cTn xmlns:p14="http://schemas.microsoft.com/office/powerpoint/2010/main" id="1" dur="indefinite" restart="never" nodeType="tmRoot"/>
       </p:par>
     </p:tnLst>
   </p:timing>
@@ -5909,11 +6376,6 @@
               </a:rPr>
               <a:t>P2P MMVE storage types</a:t>
             </a:r>
-            <a:endParaRPr lang="en-US" dirty="0" smtClean="0">
-              <a:solidFill>
-                <a:schemeClr val="bg1"/>
-              </a:solidFill>
-            </a:endParaRPr>
           </a:p>
         </p:txBody>
       </p:sp>
@@ -6020,10 +6482,18 @@
   <p:clrMapOvr>
     <a:masterClrMapping/>
   </p:clrMapOvr>
+  <mc:AlternateContent xmlns:mc="http://schemas.openxmlformats.org/markup-compatibility/2006">
+    <mc:Choice xmlns:p14="http://schemas.microsoft.com/office/powerpoint/2010/main" Requires="p14">
+      <p:transition spd="slow" p14:dur="2000" advTm="203832"/>
+    </mc:Choice>
+    <mc:Fallback>
+      <p:transition xmlns:p14="http://schemas.microsoft.com/office/powerpoint/2010/main" spd="slow" advTm="203832"/>
+    </mc:Fallback>
+  </mc:AlternateContent>
   <p:timing>
     <p:tnLst>
       <p:par>
-        <p:cTn id="1" dur="indefinite" restart="never" nodeType="tmRoot"/>
+        <p:cTn xmlns:p14="http://schemas.microsoft.com/office/powerpoint/2010/main" id="1" dur="indefinite" restart="never" nodeType="tmRoot"/>
       </p:par>
     </p:tnLst>
   </p:timing>
@@ -6120,12 +6590,6 @@
               </a:rPr>
               <a:t>Outline</a:t>
             </a:r>
-            <a:endParaRPr lang="en-US" dirty="0" smtClean="0">
-              <a:solidFill>
-                <a:schemeClr val="bg1"/>
-              </a:solidFill>
-              <a:latin typeface="Verdana" pitchFamily="34" charset="0"/>
-            </a:endParaRPr>
           </a:p>
         </p:txBody>
       </p:sp>
@@ -6304,10 +6768,18 @@
   <p:clrMapOvr>
     <a:masterClrMapping/>
   </p:clrMapOvr>
+  <mc:AlternateContent xmlns:mc="http://schemas.openxmlformats.org/markup-compatibility/2006">
+    <mc:Choice xmlns:p14="http://schemas.microsoft.com/office/powerpoint/2010/main" Requires="p14">
+      <p:transition spd="slow" p14:dur="2000" advTm="326"/>
+    </mc:Choice>
+    <mc:Fallback>
+      <p:transition xmlns:p14="http://schemas.microsoft.com/office/powerpoint/2010/main" spd="slow" advTm="326"/>
+    </mc:Fallback>
+  </mc:AlternateContent>
   <p:timing>
     <p:tnLst>
       <p:par>
-        <p:cTn id="1" dur="indefinite" restart="never" nodeType="tmRoot"/>
+        <p:cTn xmlns:p14="http://schemas.microsoft.com/office/powerpoint/2010/main" id="1" dur="indefinite" restart="never" nodeType="tmRoot"/>
       </p:par>
     </p:tnLst>
   </p:timing>
@@ -6411,11 +6883,6 @@
               </a:rPr>
               <a:t> design</a:t>
             </a:r>
-            <a:endParaRPr lang="en-US" dirty="0" smtClean="0">
-              <a:solidFill>
-                <a:schemeClr val="bg1"/>
-              </a:solidFill>
-            </a:endParaRPr>
           </a:p>
         </p:txBody>
       </p:sp>
@@ -6463,8 +6930,8 @@
         </p:nvSpPr>
         <p:spPr>
           <a:xfrm>
-            <a:off x="457200" y="1600200"/>
-            <a:ext cx="4086225" cy="4525963"/>
+            <a:off x="279400" y="1600200"/>
+            <a:ext cx="5156200" cy="4525963"/>
           </a:xfrm>
         </p:spPr>
         <p:txBody>
@@ -6478,15 +6945,7 @@
                   <a:schemeClr val="bg1"/>
                 </a:solidFill>
               </a:rPr>
-              <a:t>Fulfil</a:t>
-            </a:r>
-            <a:r>
-              <a:rPr lang="en-US" dirty="0" smtClean="0">
-                <a:solidFill>
-                  <a:schemeClr val="bg1"/>
-                </a:solidFill>
-              </a:rPr>
-              <a:t>l P2P MMVE state management and persistency requirements</a:t>
+              <a:t>Fulfill P2P MMVE state management and persistency requirements</a:t>
             </a:r>
           </a:p>
           <a:p>
@@ -6497,8 +6956,32 @@
                   <a:schemeClr val="bg1"/>
                 </a:solidFill>
               </a:rPr>
-              <a:t>Combine multiple storage models in such a way that the disadvantages are removed.</a:t>
-            </a:r>
+              <a:t>Combine multiple storage models in such a way that the disadvantages are removed</a:t>
+            </a:r>
+            <a:r>
+              <a:rPr lang="en-US" dirty="0" smtClean="0">
+                <a:solidFill>
+                  <a:schemeClr val="bg1"/>
+                </a:solidFill>
+              </a:rPr>
+              <a:t>.</a:t>
+            </a:r>
+          </a:p>
+          <a:p>
+            <a:pPr eaLnBrk="1" hangingPunct="1"/>
+            <a:r>
+              <a:rPr lang="en-US" dirty="0" smtClean="0">
+                <a:solidFill>
+                  <a:schemeClr val="bg1"/>
+                </a:solidFill>
+              </a:rPr>
+              <a:t>Satisfy the use cases</a:t>
+            </a:r>
+            <a:endParaRPr lang="en-US" dirty="0" smtClean="0">
+              <a:solidFill>
+                <a:schemeClr val="bg1"/>
+              </a:solidFill>
+            </a:endParaRPr>
           </a:p>
           <a:p>
             <a:endParaRPr lang="en-ZA" dirty="0"/>
@@ -6522,7 +7005,7 @@
         </p:blipFill>
         <p:spPr bwMode="auto">
           <a:xfrm>
-            <a:off x="5033963" y="1600200"/>
+            <a:off x="5580063" y="1600200"/>
             <a:ext cx="3343275" cy="3467100"/>
           </a:xfrm>
           <a:prstGeom prst="rect">
@@ -6537,15 +7020,55 @@
           </a:ln>
         </p:spPr>
       </p:pic>
+      <p:pic>
+        <p:nvPicPr>
+          <p:cNvPr id="7" name="Picture 1"/>
+          <p:cNvPicPr>
+            <a:picLocks noChangeAspect="1"/>
+          </p:cNvPicPr>
+          <p:nvPr/>
+        </p:nvPicPr>
+        <p:blipFill>
+          <a:blip r:embed="rId4"/>
+          <a:srcRect/>
+          <a:stretch>
+            <a:fillRect/>
+          </a:stretch>
+        </p:blipFill>
+        <p:spPr bwMode="auto">
+          <a:xfrm>
+            <a:off x="531813" y="5867400"/>
+            <a:ext cx="2106612" cy="317500"/>
+          </a:xfrm>
+          <a:prstGeom prst="rect">
+            <a:avLst/>
+          </a:prstGeom>
+          <a:noFill/>
+          <a:ln w="9525">
+            <a:noFill/>
+            <a:miter lim="800000"/>
+            <a:headEnd/>
+            <a:tailEnd/>
+          </a:ln>
+        </p:spPr>
+      </p:pic>
     </p:spTree>
   </p:cSld>
   <p:clrMapOvr>
     <a:masterClrMapping/>
   </p:clrMapOvr>
+  <mc:AlternateContent xmlns:mc="http://schemas.openxmlformats.org/markup-compatibility/2006">
+    <mc:Choice xmlns:p14="http://schemas.microsoft.com/office/powerpoint/2010/main" Requires="p14">
+      <p:transition spd="slow" p14:dur="2000" advTm="318"/>
+    </mc:Choice>
+    <mc:Fallback>
+      <p:transition xmlns:p14="http://schemas.microsoft.com/office/powerpoint/2010/main" spd="slow" advTm="318"/>
+    </mc:Fallback>
+  </mc:AlternateContent>
   <p:timing>
     <p:tnLst>
       <p:par>
-        <p:cTn id="1" dur="indefinite" restart="never" nodeType="tmRoot"/>
+        <p:cTn xmlns:p14="http://schemas.microsoft.com/office/powerpoint/2010/main" id="1" dur="indefinite" restart="never" nodeType="tmRoot"/>
       </p:par>
     </p:tnLst>
   </p:timing>
@@ -6649,11 +7172,6 @@
               </a:rPr>
               <a:t> characteristics</a:t>
             </a:r>
-            <a:endParaRPr lang="en-US" dirty="0" smtClean="0">
-              <a:solidFill>
-                <a:schemeClr val="bg1"/>
-              </a:solidFill>
-            </a:endParaRPr>
           </a:p>
         </p:txBody>
       </p:sp>
@@ -6827,10 +7345,18 @@
   <p:clrMapOvr>
     <a:masterClrMapping/>
   </p:clrMapOvr>
+  <mc:AlternateContent xmlns:mc="http://schemas.openxmlformats.org/markup-compatibility/2006">
+    <mc:Choice xmlns:p14="http://schemas.microsoft.com/office/powerpoint/2010/main" Requires="p14">
+      <p:transition spd="slow" p14:dur="2000" advTm="158"/>
+    </mc:Choice>
+    <mc:Fallback>
+      <p:transition xmlns:p14="http://schemas.microsoft.com/office/powerpoint/2010/main" spd="slow" advTm="158"/>
+    </mc:Fallback>
+  </mc:AlternateContent>
   <p:timing>
     <p:tnLst>
       <p:par>
-        <p:cTn id="1" dur="indefinite" restart="never" nodeType="tmRoot"/>
+        <p:cTn xmlns:p14="http://schemas.microsoft.com/office/powerpoint/2010/main" id="1" dur="indefinite" restart="never" nodeType="tmRoot"/>
       </p:par>
     </p:tnLst>
   </p:timing>
@@ -6932,21 +7458,8 @@
                   <a:schemeClr val="bg1"/>
                 </a:solidFill>
               </a:rPr>
-              <a:t> </a:t>
-            </a:r>
-            <a:r>
-              <a:rPr lang="en-US" dirty="0" smtClean="0">
-                <a:solidFill>
-                  <a:schemeClr val="bg1"/>
-                </a:solidFill>
-              </a:rPr>
-              <a:t>geometry</a:t>
-            </a:r>
-            <a:endParaRPr lang="en-US" dirty="0" smtClean="0">
-              <a:solidFill>
-                <a:schemeClr val="bg1"/>
-              </a:solidFill>
-            </a:endParaRPr>
+              <a:t> geometry</a:t>
+            </a:r>
           </a:p>
         </p:txBody>
       </p:sp>
@@ -7053,10 +7566,18 @@
   <p:clrMapOvr>
     <a:masterClrMapping/>
   </p:clrMapOvr>
+  <mc:AlternateContent xmlns:mc="http://schemas.openxmlformats.org/markup-compatibility/2006">
+    <mc:Choice xmlns:p14="http://schemas.microsoft.com/office/powerpoint/2010/main" Requires="p14">
+      <p:transition spd="slow" p14:dur="2000" advTm="172"/>
+    </mc:Choice>
+    <mc:Fallback>
+      <p:transition xmlns:p14="http://schemas.microsoft.com/office/powerpoint/2010/main" spd="slow" advTm="172"/>
+    </mc:Fallback>
+  </mc:AlternateContent>
   <p:timing>
     <p:tnLst>
       <p:par>
-        <p:cTn id="1" dur="indefinite" restart="never" nodeType="tmRoot"/>
+        <p:cTn xmlns:p14="http://schemas.microsoft.com/office/powerpoint/2010/main" id="1" dur="indefinite" restart="never" nodeType="tmRoot"/>
       </p:par>
     </p:tnLst>
   </p:timing>
@@ -7158,21 +7679,8 @@
                   <a:schemeClr val="bg1"/>
                 </a:solidFill>
               </a:rPr>
-              <a:t> </a:t>
-            </a:r>
-            <a:r>
-              <a:rPr lang="en-US" dirty="0" smtClean="0">
-                <a:solidFill>
-                  <a:schemeClr val="bg1"/>
-                </a:solidFill>
-              </a:rPr>
-              <a:t>store request</a:t>
-            </a:r>
-            <a:endParaRPr lang="en-US" dirty="0" smtClean="0">
-              <a:solidFill>
-                <a:schemeClr val="bg1"/>
-              </a:solidFill>
-            </a:endParaRPr>
+              <a:t> store request</a:t>
+            </a:r>
           </a:p>
         </p:txBody>
       </p:sp>
@@ -7279,11 +7787,11 @@
   <p:clrMapOvr>
     <a:masterClrMapping/>
   </p:clrMapOvr>
-  <p:transition/>
+  <p:transition xmlns:p14="http://schemas.microsoft.com/office/powerpoint/2010/main"/>
   <p:timing>
     <p:tnLst>
       <p:par>
-        <p:cTn id="1" dur="indefinite" restart="never" nodeType="tmRoot"/>
+        <p:cTn xmlns:p14="http://schemas.microsoft.com/office/powerpoint/2010/main" id="1" dur="indefinite" restart="never" nodeType="tmRoot"/>
       </p:par>
     </p:tnLst>
   </p:timing>
@@ -7385,21 +7893,8 @@
                   <a:schemeClr val="bg1"/>
                 </a:solidFill>
               </a:rPr>
-              <a:t> </a:t>
-            </a:r>
-            <a:r>
-              <a:rPr lang="en-US" dirty="0" smtClean="0">
-                <a:solidFill>
-                  <a:schemeClr val="bg1"/>
-                </a:solidFill>
-              </a:rPr>
-              <a:t>retrieve request</a:t>
-            </a:r>
-            <a:endParaRPr lang="en-US" dirty="0" smtClean="0">
-              <a:solidFill>
-                <a:schemeClr val="bg1"/>
-              </a:solidFill>
-            </a:endParaRPr>
+              <a:t> retrieve request</a:t>
+            </a:r>
           </a:p>
         </p:txBody>
       </p:sp>
@@ -7506,11 +8001,11 @@
   <p:clrMapOvr>
     <a:masterClrMapping/>
   </p:clrMapOvr>
-  <p:transition/>
+  <p:transition xmlns:p14="http://schemas.microsoft.com/office/powerpoint/2010/main"/>
   <p:timing>
     <p:tnLst>
       <p:par>
-        <p:cTn id="1" dur="indefinite" restart="never" nodeType="tmRoot"/>
+        <p:cTn xmlns:p14="http://schemas.microsoft.com/office/powerpoint/2010/main" id="1" dur="indefinite" restart="never" nodeType="tmRoot"/>
       </p:par>
     </p:tnLst>
   </p:timing>
@@ -7612,7 +8107,23 @@
                   <a:schemeClr val="bg1"/>
                 </a:solidFill>
               </a:rPr>
-              <a:t> implementation</a:t>
+              <a:t> </a:t>
+            </a:r>
+            <a:r>
+              <a:rPr lang="en-US" dirty="0" err="1" smtClean="0">
+                <a:solidFill>
+                  <a:schemeClr val="bg1"/>
+                </a:solidFill>
+              </a:rPr>
+              <a:t>Oversim</a:t>
+            </a:r>
+            <a:r>
+              <a:rPr lang="en-US" dirty="0" smtClean="0">
+                <a:solidFill>
+                  <a:schemeClr val="bg1"/>
+                </a:solidFill>
+              </a:rPr>
+              <a:t> simulation</a:t>
             </a:r>
             <a:endParaRPr lang="en-US" dirty="0" smtClean="0">
               <a:solidFill>
@@ -7692,8 +8203,23 @@
                   <a:schemeClr val="bg1"/>
                 </a:solidFill>
               </a:rPr>
-              <a:t>, based on the </a:t>
-            </a:r>
+              <a:t>, based on </a:t>
+            </a:r>
+            <a:r>
+              <a:rPr lang="en-US" dirty="0" smtClean="0">
+                <a:solidFill>
+                  <a:schemeClr val="bg1"/>
+                </a:solidFill>
+              </a:rPr>
+              <a:t>the</a:t>
+            </a:r>
+            <a:br>
+              <a:rPr lang="en-US" dirty="0" smtClean="0">
+                <a:solidFill>
+                  <a:schemeClr val="bg1"/>
+                </a:solidFill>
+              </a:rPr>
+            </a:br>
             <a:r>
               <a:rPr lang="en-US" dirty="0" err="1" smtClean="0">
                 <a:solidFill>
@@ -7708,36 +8234,76 @@
                   <a:schemeClr val="bg1"/>
                 </a:solidFill>
               </a:rPr>
-              <a:t>++ network simulator.</a:t>
+              <a:t>+</a:t>
+            </a:r>
+            <a:r>
+              <a:rPr lang="en-US" dirty="0" smtClean="0">
+                <a:solidFill>
+                  <a:schemeClr val="bg1"/>
+                </a:solidFill>
+              </a:rPr>
+              <a:t>+ network simulator.</a:t>
             </a:r>
           </a:p>
           <a:p>
             <a:pPr eaLnBrk="1" hangingPunct="1"/>
             <a:r>
-              <a:rPr lang="en-US" dirty="0" smtClean="0">
-                <a:solidFill>
-                  <a:schemeClr val="bg1"/>
-                </a:solidFill>
-              </a:rPr>
-              <a:t>Contains multiple underlay models</a:t>
+              <a:rPr lang="en-US" dirty="0" err="1" smtClean="0">
+                <a:solidFill>
+                  <a:schemeClr val="bg1"/>
+                </a:solidFill>
+              </a:rPr>
+              <a:t>Oversim</a:t>
+            </a:r>
+            <a:r>
+              <a:rPr lang="en-US" dirty="0" smtClean="0">
+                <a:solidFill>
+                  <a:schemeClr val="bg1"/>
+                </a:solidFill>
+              </a:rPr>
+              <a:t> contains </a:t>
+            </a:r>
+            <a:r>
+              <a:rPr lang="en-US" dirty="0" smtClean="0">
+                <a:solidFill>
+                  <a:schemeClr val="bg1"/>
+                </a:solidFill>
+              </a:rPr>
+              <a:t>multiple underlay models</a:t>
             </a:r>
           </a:p>
           <a:p>
             <a:pPr eaLnBrk="1" hangingPunct="1"/>
             <a:r>
-              <a:rPr lang="en-US" dirty="0" smtClean="0">
-                <a:solidFill>
-                  <a:schemeClr val="bg1"/>
-                </a:solidFill>
-              </a:rPr>
-              <a:t>Contains implemented P2P routing overlays (Pastry, Chord, </a:t>
-            </a:r>
-            <a:r>
               <a:rPr lang="en-US" dirty="0" err="1" smtClean="0">
                 <a:solidFill>
                   <a:schemeClr val="bg1"/>
                 </a:solidFill>
               </a:rPr>
+              <a:t>Oversim</a:t>
+            </a:r>
+            <a:r>
+              <a:rPr lang="en-US" dirty="0" smtClean="0">
+                <a:solidFill>
+                  <a:schemeClr val="bg1"/>
+                </a:solidFill>
+              </a:rPr>
+              <a:t> implements many </a:t>
+            </a:r>
+            <a:r>
+              <a:rPr lang="en-US" dirty="0" smtClean="0">
+                <a:solidFill>
+                  <a:schemeClr val="bg1"/>
+                </a:solidFill>
+              </a:rPr>
+              <a:t>P2P routing overlays (Pastry, Chord, </a:t>
+            </a:r>
+            <a:r>
+              <a:rPr lang="en-US" dirty="0" err="1" smtClean="0">
+                <a:solidFill>
+                  <a:schemeClr val="bg1"/>
+                </a:solidFill>
+              </a:rPr>
               <a:t>Kademlia</a:t>
             </a:r>
             <a:r>
@@ -7757,7 +8323,55 @@
                   <a:schemeClr val="bg1"/>
                 </a:solidFill>
               </a:rPr>
-              <a:t>Contains a DHT implementation</a:t>
+              <a:t>Statistics collection framework of </a:t>
+            </a:r>
+            <a:r>
+              <a:rPr lang="en-US" dirty="0" err="1" smtClean="0">
+                <a:solidFill>
+                  <a:schemeClr val="bg1"/>
+                </a:solidFill>
+              </a:rPr>
+              <a:t>Omnet</a:t>
+            </a:r>
+            <a:r>
+              <a:rPr lang="en-US" dirty="0" smtClean="0">
+                <a:solidFill>
+                  <a:schemeClr val="bg1"/>
+                </a:solidFill>
+              </a:rPr>
+              <a:t>++</a:t>
+            </a:r>
+            <a:endParaRPr lang="en-US" dirty="0" smtClean="0">
+              <a:solidFill>
+                <a:schemeClr val="bg1"/>
+              </a:solidFill>
+            </a:endParaRPr>
+          </a:p>
+          <a:p>
+            <a:pPr eaLnBrk="1" hangingPunct="1"/>
+            <a:r>
+              <a:rPr lang="en-US" dirty="0" smtClean="0">
+                <a:solidFill>
+                  <a:schemeClr val="bg1"/>
+                </a:solidFill>
+              </a:rPr>
+              <a:t>Contains a </a:t>
+            </a:r>
+            <a:r>
+              <a:rPr lang="en-US" dirty="0" smtClean="0">
+                <a:solidFill>
+                  <a:schemeClr val="bg1"/>
+                </a:solidFill>
+              </a:rPr>
+              <a:t>DHT storage </a:t>
+            </a:r>
+            <a:r>
+              <a:rPr lang="en-US" dirty="0" smtClean="0">
+                <a:solidFill>
+                  <a:schemeClr val="bg1"/>
+                </a:solidFill>
+              </a:rPr>
+              <a:t>implementation</a:t>
             </a:r>
           </a:p>
           <a:p>
@@ -7802,10 +8416,18 @@
   <p:clrMapOvr>
     <a:masterClrMapping/>
   </p:clrMapOvr>
+  <mc:AlternateContent xmlns:mc="http://schemas.openxmlformats.org/markup-compatibility/2006">
+    <mc:Choice xmlns:p14="http://schemas.microsoft.com/office/powerpoint/2010/main" Requires="p14">
+      <p:transition spd="slow" p14:dur="2000" advTm="119"/>
+    </mc:Choice>
+    <mc:Fallback>
+      <p:transition xmlns:p14="http://schemas.microsoft.com/office/powerpoint/2010/main" spd="slow" advTm="119"/>
+    </mc:Fallback>
+  </mc:AlternateContent>
   <p:timing>
     <p:tnLst>
       <p:par>
-        <p:cTn id="1" dur="indefinite" restart="never" nodeType="tmRoot"/>
+        <p:cTn xmlns:p14="http://schemas.microsoft.com/office/powerpoint/2010/main" id="1" dur="indefinite" restart="never" nodeType="tmRoot"/>
       </p:par>
     </p:tnLst>
   </p:timing>
@@ -7909,11 +8531,6 @@
               </a:rPr>
               <a:t> architecture</a:t>
             </a:r>
-            <a:endParaRPr lang="en-US" dirty="0" smtClean="0">
-              <a:solidFill>
-                <a:schemeClr val="bg1"/>
-              </a:solidFill>
-            </a:endParaRPr>
           </a:p>
         </p:txBody>
       </p:sp>
@@ -8020,10 +8637,18 @@
   <p:clrMapOvr>
     <a:masterClrMapping/>
   </p:clrMapOvr>
+  <mc:AlternateContent xmlns:mc="http://schemas.openxmlformats.org/markup-compatibility/2006">
+    <mc:Choice xmlns:p14="http://schemas.microsoft.com/office/powerpoint/2010/main" Requires="p14">
+      <p:transition spd="slow" p14:dur="2000" advTm="678"/>
+    </mc:Choice>
+    <mc:Fallback>
+      <p:transition xmlns:p14="http://schemas.microsoft.com/office/powerpoint/2010/main" spd="slow" advTm="678"/>
+    </mc:Fallback>
+  </mc:AlternateContent>
   <p:timing>
     <p:tnLst>
       <p:par>
-        <p:cTn id="1" dur="indefinite" restart="never" nodeType="tmRoot"/>
+        <p:cTn xmlns:p14="http://schemas.microsoft.com/office/powerpoint/2010/main" id="1" dur="indefinite" restart="never" nodeType="tmRoot"/>
       </p:par>
     </p:tnLst>
   </p:timing>
@@ -8135,11 +8760,6 @@
               </a:rPr>
               <a:t> architecture</a:t>
             </a:r>
-            <a:endParaRPr lang="en-US" dirty="0" smtClean="0">
-              <a:solidFill>
-                <a:schemeClr val="bg1"/>
-              </a:solidFill>
-            </a:endParaRPr>
           </a:p>
         </p:txBody>
       </p:sp>
@@ -8246,10 +8866,18 @@
   <p:clrMapOvr>
     <a:masterClrMapping/>
   </p:clrMapOvr>
+  <mc:AlternateContent xmlns:mc="http://schemas.openxmlformats.org/markup-compatibility/2006">
+    <mc:Choice xmlns:p14="http://schemas.microsoft.com/office/powerpoint/2010/main" Requires="p14">
+      <p:transition spd="slow" p14:dur="2000" advTm="349"/>
+    </mc:Choice>
+    <mc:Fallback>
+      <p:transition xmlns:p14="http://schemas.microsoft.com/office/powerpoint/2010/main" spd="slow" advTm="349"/>
+    </mc:Fallback>
+  </mc:AlternateContent>
   <p:timing>
     <p:tnLst>
       <p:par>
-        <p:cTn id="1" dur="indefinite" restart="never" nodeType="tmRoot"/>
+        <p:cTn xmlns:p14="http://schemas.microsoft.com/office/powerpoint/2010/main" id="1" dur="indefinite" restart="never" nodeType="tmRoot"/>
       </p:par>
     </p:tnLst>
   </p:timing>
@@ -8338,19 +8966,27 @@
           <a:p>
             <a:pPr eaLnBrk="1" hangingPunct="1"/>
             <a:r>
-              <a:rPr lang="en-US" dirty="0" smtClean="0">
-                <a:solidFill>
-                  <a:schemeClr val="bg1"/>
-                </a:solidFill>
-              </a:rPr>
-              <a:t>Extended </a:t>
-            </a:r>
-            <a:r>
               <a:rPr lang="en-US" dirty="0" err="1" smtClean="0">
                 <a:solidFill>
                   <a:schemeClr val="bg1"/>
                 </a:solidFill>
               </a:rPr>
+              <a:t>Pithos</a:t>
+            </a:r>
+            <a:r>
+              <a:rPr lang="en-US" dirty="0" smtClean="0">
+                <a:solidFill>
+                  <a:schemeClr val="bg1"/>
+                </a:solidFill>
+              </a:rPr>
+              <a:t> </a:t>
+            </a:r>
+            <a:r>
+              <a:rPr lang="en-US" dirty="0" err="1" smtClean="0">
+                <a:solidFill>
+                  <a:schemeClr val="bg1"/>
+                </a:solidFill>
+              </a:rPr>
               <a:t>Oversim</a:t>
             </a:r>
             <a:r>
@@ -8361,11 +8997,6 @@
               </a:rPr>
               <a:t> architecture</a:t>
             </a:r>
-            <a:endParaRPr lang="en-US" dirty="0" smtClean="0">
-              <a:solidFill>
-                <a:schemeClr val="bg1"/>
-              </a:solidFill>
-            </a:endParaRPr>
           </a:p>
         </p:txBody>
       </p:sp>
@@ -8472,10 +9103,18 @@
   <p:clrMapOvr>
     <a:masterClrMapping/>
   </p:clrMapOvr>
+  <mc:AlternateContent xmlns:mc="http://schemas.openxmlformats.org/markup-compatibility/2006">
+    <mc:Choice xmlns:p14="http://schemas.microsoft.com/office/powerpoint/2010/main" Requires="p14">
+      <p:transition spd="slow" p14:dur="2000" advTm="309"/>
+    </mc:Choice>
+    <mc:Fallback>
+      <p:transition xmlns:p14="http://schemas.microsoft.com/office/powerpoint/2010/main" spd="slow" advTm="309"/>
+    </mc:Fallback>
+  </mc:AlternateContent>
   <p:timing>
     <p:tnLst>
       <p:par>
-        <p:cTn id="1" dur="indefinite" restart="never" nodeType="tmRoot"/>
+        <p:cTn xmlns:p14="http://schemas.microsoft.com/office/powerpoint/2010/main" id="1" dur="indefinite" restart="never" nodeType="tmRoot"/>
       </p:par>
     </p:tnLst>
   </p:timing>
@@ -8579,11 +9218,6 @@
               </a:rPr>
               <a:t> evaluation</a:t>
             </a:r>
-            <a:endParaRPr lang="en-US" dirty="0" smtClean="0">
-              <a:solidFill>
-                <a:schemeClr val="bg1"/>
-              </a:solidFill>
-            </a:endParaRPr>
           </a:p>
         </p:txBody>
       </p:sp>
@@ -8677,8 +9311,21 @@
                   <a:schemeClr val="bg1"/>
                 </a:solidFill>
               </a:rPr>
-              <a:t>2500 peers, 100 super peers</a:t>
-            </a:r>
+              <a:t>2500 peers, 100 super </a:t>
+            </a:r>
+            <a:r>
+              <a:rPr lang="en-US" dirty="0" smtClean="0">
+                <a:solidFill>
+                  <a:schemeClr val="bg1"/>
+                </a:solidFill>
+              </a:rPr>
+              <a:t>peers</a:t>
+            </a:r>
+            <a:endParaRPr lang="en-US" dirty="0" smtClean="0">
+              <a:solidFill>
+                <a:schemeClr val="bg1"/>
+              </a:solidFill>
+            </a:endParaRPr>
           </a:p>
           <a:p>
             <a:r>
@@ -8712,45 +9359,26 @@
           </a:p>
           <a:p>
             <a:r>
-              <a:rPr lang="en-US" dirty="0" err="1" smtClean="0">
-                <a:solidFill>
-                  <a:schemeClr val="bg1"/>
-                </a:solidFill>
-              </a:rPr>
-              <a:t>Oversim</a:t>
-            </a:r>
-            <a:r>
-              <a:rPr lang="en-US" dirty="0" smtClean="0">
-                <a:solidFill>
-                  <a:schemeClr val="bg1"/>
-                </a:solidFill>
-              </a:rPr>
-              <a:t> </a:t>
-            </a:r>
-            <a:r>
-              <a:rPr lang="en-US" dirty="0" err="1" smtClean="0">
-                <a:solidFill>
-                  <a:schemeClr val="bg1"/>
-                </a:solidFill>
-              </a:rPr>
-              <a:t>SinpleUnderlay</a:t>
-            </a:r>
-            <a:r>
-              <a:rPr lang="en-US" dirty="0" smtClean="0">
-                <a:solidFill>
-                  <a:schemeClr val="bg1"/>
-                </a:solidFill>
-              </a:rPr>
-              <a:t> </a:t>
-            </a:r>
-            <a:r>
-              <a:rPr lang="en-US" dirty="0" smtClean="0">
-                <a:solidFill>
-                  <a:schemeClr val="bg1"/>
-                </a:solidFill>
-              </a:rPr>
-              <a:t>network</a:t>
-            </a:r>
+              <a:rPr lang="en-US" dirty="0" smtClean="0">
+                <a:solidFill>
+                  <a:schemeClr val="bg1"/>
+                </a:solidFill>
+              </a:rPr>
+              <a:t>Coordinate-based underla</a:t>
+            </a:r>
+            <a:r>
+              <a:rPr lang="en-US" dirty="0" smtClean="0">
+                <a:solidFill>
+                  <a:schemeClr val="bg1"/>
+                </a:solidFill>
+              </a:rPr>
+              <a:t>y network</a:t>
+            </a:r>
+            <a:endParaRPr lang="en-US" dirty="0" smtClean="0">
+              <a:solidFill>
+                <a:schemeClr val="bg1"/>
+              </a:solidFill>
+            </a:endParaRPr>
           </a:p>
           <a:p>
             <a:r>
@@ -8792,10 +9420,18 @@
   <p:clrMapOvr>
     <a:masterClrMapping/>
   </p:clrMapOvr>
+  <mc:AlternateContent xmlns:mc="http://schemas.openxmlformats.org/markup-compatibility/2006">
+    <mc:Choice xmlns:p14="http://schemas.microsoft.com/office/powerpoint/2010/main" Requires="p14">
+      <p:transition spd="slow" p14:dur="2000" advTm="248"/>
+    </mc:Choice>
+    <mc:Fallback>
+      <p:transition xmlns:p14="http://schemas.microsoft.com/office/powerpoint/2010/main" spd="slow" advTm="248"/>
+    </mc:Fallback>
+  </mc:AlternateContent>
   <p:timing>
     <p:tnLst>
       <p:par>
-        <p:cTn id="1" dur="indefinite" restart="never" nodeType="tmRoot"/>
+        <p:cTn xmlns:p14="http://schemas.microsoft.com/office/powerpoint/2010/main" id="1" dur="indefinite" restart="never" nodeType="tmRoot"/>
       </p:par>
     </p:tnLst>
   </p:timing>
@@ -8891,11 +9527,6 @@
               </a:rPr>
               <a:t>Massively Multi-user Virtual Environments (MMVEs)</a:t>
             </a:r>
-            <a:endParaRPr lang="en-US" dirty="0" smtClean="0">
-              <a:solidFill>
-                <a:schemeClr val="bg1"/>
-              </a:solidFill>
-            </a:endParaRPr>
           </a:p>
         </p:txBody>
       </p:sp>
@@ -9085,10 +9716,18 @@
   <p:clrMapOvr>
     <a:masterClrMapping/>
   </p:clrMapOvr>
+  <mc:AlternateContent xmlns:mc="http://schemas.openxmlformats.org/markup-compatibility/2006">
+    <mc:Choice xmlns:p14="http://schemas.microsoft.com/office/powerpoint/2010/main" Requires="p14">
+      <p:transition spd="slow" p14:dur="2000" advTm="216"/>
+    </mc:Choice>
+    <mc:Fallback>
+      <p:transition xmlns:p14="http://schemas.microsoft.com/office/powerpoint/2010/main" spd="slow" advTm="216"/>
+    </mc:Fallback>
+  </mc:AlternateContent>
   <p:timing>
     <p:tnLst>
       <p:par>
-        <p:cTn id="1" dur="indefinite" restart="never" nodeType="tmRoot"/>
+        <p:cTn xmlns:p14="http://schemas.microsoft.com/office/powerpoint/2010/main" id="1" dur="indefinite" restart="never" nodeType="tmRoot"/>
       </p:par>
     </p:tnLst>
   </p:timing>
@@ -9096,7 +9735,7 @@
 </file>
 
 <file path=ppt/slides/slide30.xml><?xml version="1.0" encoding="utf-8"?>
-<p:sld xmlns:a="http://schemas.openxmlformats.org/drawingml/2006/main" xmlns:r="http://schemas.openxmlformats.org/officeDocument/2006/relationships" xmlns:p="http://schemas.openxmlformats.org/presentationml/2006/main">
+<p:sld xmlns:a="http://schemas.openxmlformats.org/drawingml/2006/main" xmlns:r="http://schemas.openxmlformats.org/officeDocument/2006/relationships" xmlns:p="http://schemas.openxmlformats.org/presentationml/2006/main" show="0">
   <p:cSld>
     <p:spTree>
       <p:nvGrpSpPr>
@@ -9184,11 +9823,6 @@
               </a:rPr>
               <a:t>Evaluating storage and retrieval</a:t>
             </a:r>
-            <a:endParaRPr lang="en-US" dirty="0" smtClean="0">
-              <a:solidFill>
-                <a:schemeClr val="bg1"/>
-              </a:solidFill>
-            </a:endParaRPr>
           </a:p>
         </p:txBody>
       </p:sp>
@@ -9297,10 +9931,26 @@
                   <a:schemeClr val="bg1"/>
                 </a:solidFill>
               </a:rPr>
-              <a:t>No malicious nodes</a:t>
-            </a:r>
-          </a:p>
-          <a:p>
+              <a:t>No malicious </a:t>
+            </a:r>
+            <a:r>
+              <a:rPr lang="en-US" dirty="0" smtClean="0">
+                <a:solidFill>
+                  <a:schemeClr val="bg1"/>
+                </a:solidFill>
+              </a:rPr>
+              <a:t>nodes</a:t>
+            </a:r>
+          </a:p>
+          <a:p>
+            <a:r>
+              <a:rPr lang="en-US" dirty="0" smtClean="0">
+                <a:solidFill>
+                  <a:schemeClr val="bg1"/>
+                </a:solidFill>
+              </a:rPr>
+              <a:t>1800s node lifetime</a:t>
+            </a:r>
             <a:endParaRPr lang="en-US" dirty="0" smtClean="0">
               <a:solidFill>
                 <a:schemeClr val="bg1"/>
@@ -9308,6 +9958,13 @@
             </a:endParaRPr>
           </a:p>
           <a:p>
+            <a:endParaRPr lang="en-US" dirty="0" smtClean="0">
+              <a:solidFill>
+                <a:schemeClr val="bg1"/>
+              </a:solidFill>
+            </a:endParaRPr>
+          </a:p>
+          <a:p>
             <a:endParaRPr lang="en-ZA" dirty="0"/>
           </a:p>
         </p:txBody>
@@ -9317,10 +9974,18 @@
   <p:clrMapOvr>
     <a:masterClrMapping/>
   </p:clrMapOvr>
+  <mc:AlternateContent xmlns:mc="http://schemas.openxmlformats.org/markup-compatibility/2006">
+    <mc:Choice xmlns:p14="http://schemas.microsoft.com/office/powerpoint/2010/main" Requires="p14">
+      <p:transition spd="slow" p14:dur="2000"/>
+    </mc:Choice>
+    <mc:Fallback>
+      <p:transition xmlns:p14="http://schemas.microsoft.com/office/powerpoint/2010/main" spd="slow"/>
+    </mc:Fallback>
+  </mc:AlternateContent>
   <p:timing>
     <p:tnLst>
       <p:par>
-        <p:cTn id="1" dur="indefinite" restart="never" nodeType="tmRoot"/>
+        <p:cTn xmlns:p14="http://schemas.microsoft.com/office/powerpoint/2010/main" id="1" dur="indefinite" restart="never" nodeType="tmRoot"/>
       </p:par>
     </p:tnLst>
   </p:timing>
@@ -9328,7 +9993,7 @@
 </file>
 
 <file path=ppt/slides/slide31.xml><?xml version="1.0" encoding="utf-8"?>
-<p:sld xmlns:a="http://schemas.openxmlformats.org/drawingml/2006/main" xmlns:r="http://schemas.openxmlformats.org/officeDocument/2006/relationships" xmlns:p="http://schemas.openxmlformats.org/presentationml/2006/main">
+<p:sld xmlns:a="http://schemas.openxmlformats.org/drawingml/2006/main" xmlns:r="http://schemas.openxmlformats.org/officeDocument/2006/relationships" xmlns:p="http://schemas.openxmlformats.org/presentationml/2006/main" show="0">
   <p:cSld>
     <p:spTree>
       <p:nvGrpSpPr>
@@ -9414,29 +10079,8 @@
                   <a:schemeClr val="bg1"/>
                 </a:solidFill>
               </a:rPr>
-              <a:t>G</a:t>
-            </a:r>
-            <a:r>
-              <a:rPr lang="en-US" dirty="0" smtClean="0">
-                <a:solidFill>
-                  <a:schemeClr val="bg1"/>
-                </a:solidFill>
-              </a:rPr>
-              <a:t>roup </a:t>
-            </a:r>
-            <a:r>
-              <a:rPr lang="en-US" dirty="0" smtClean="0">
-                <a:solidFill>
-                  <a:schemeClr val="bg1"/>
-                </a:solidFill>
-              </a:rPr>
-              <a:t>storage and retrieval performance</a:t>
-            </a:r>
-            <a:endParaRPr lang="en-US" dirty="0" smtClean="0">
-              <a:solidFill>
-                <a:schemeClr val="bg1"/>
-              </a:solidFill>
-            </a:endParaRPr>
+              <a:t>Group storage and retrieval performance</a:t>
+            </a:r>
           </a:p>
         </p:txBody>
       </p:sp>
@@ -9575,10 +10219,18 @@
   <p:clrMapOvr>
     <a:masterClrMapping/>
   </p:clrMapOvr>
+  <mc:AlternateContent xmlns:mc="http://schemas.openxmlformats.org/markup-compatibility/2006">
+    <mc:Choice xmlns:p14="http://schemas.microsoft.com/office/powerpoint/2010/main" Requires="p14">
+      <p:transition spd="slow" p14:dur="2000"/>
+    </mc:Choice>
+    <mc:Fallback>
+      <p:transition xmlns:p14="http://schemas.microsoft.com/office/powerpoint/2010/main" spd="slow"/>
+    </mc:Fallback>
+  </mc:AlternateContent>
   <p:timing>
     <p:tnLst>
       <p:par>
-        <p:cTn id="1" dur="indefinite" restart="never" nodeType="tmRoot"/>
+        <p:cTn xmlns:p14="http://schemas.microsoft.com/office/powerpoint/2010/main" id="1" dur="indefinite" restart="never" nodeType="tmRoot"/>
       </p:par>
     </p:tnLst>
   </p:timing>
@@ -9586,7 +10238,7 @@
 </file>
 
 <file path=ppt/slides/slide32.xml><?xml version="1.0" encoding="utf-8"?>
-<p:sld xmlns:a="http://schemas.openxmlformats.org/drawingml/2006/main" xmlns:r="http://schemas.openxmlformats.org/officeDocument/2006/relationships" xmlns:p="http://schemas.openxmlformats.org/presentationml/2006/main">
+<p:sld xmlns:a="http://schemas.openxmlformats.org/drawingml/2006/main" xmlns:r="http://schemas.openxmlformats.org/officeDocument/2006/relationships" xmlns:p="http://schemas.openxmlformats.org/presentationml/2006/main" show="0">
   <p:cSld>
     <p:spTree>
       <p:nvGrpSpPr>
@@ -9674,11 +10326,6 @@
               </a:rPr>
               <a:t>Overlay storage and retrieval performance</a:t>
             </a:r>
-            <a:endParaRPr lang="en-US" dirty="0" smtClean="0">
-              <a:solidFill>
-                <a:schemeClr val="bg1"/>
-              </a:solidFill>
-            </a:endParaRPr>
           </a:p>
         </p:txBody>
       </p:sp>
@@ -9785,10 +10432,18 @@
   <p:clrMapOvr>
     <a:masterClrMapping/>
   </p:clrMapOvr>
+  <mc:AlternateContent xmlns:mc="http://schemas.openxmlformats.org/markup-compatibility/2006">
+    <mc:Choice xmlns:p14="http://schemas.microsoft.com/office/powerpoint/2010/main" Requires="p14">
+      <p:transition spd="slow" p14:dur="2000"/>
+    </mc:Choice>
+    <mc:Fallback>
+      <p:transition xmlns:p14="http://schemas.microsoft.com/office/powerpoint/2010/main" spd="slow"/>
+    </mc:Fallback>
+  </mc:AlternateContent>
   <p:timing>
     <p:tnLst>
       <p:par>
-        <p:cTn id="1" dur="indefinite" restart="never" nodeType="tmRoot"/>
+        <p:cTn xmlns:p14="http://schemas.microsoft.com/office/powerpoint/2010/main" id="1" dur="indefinite" restart="never" nodeType="tmRoot"/>
       </p:par>
     </p:tnLst>
   </p:timing>
@@ -9884,11 +10539,6 @@
               </a:rPr>
               <a:t>Group probability: Reliability</a:t>
             </a:r>
-            <a:endParaRPr lang="en-US" dirty="0" smtClean="0">
-              <a:solidFill>
-                <a:schemeClr val="bg1"/>
-              </a:solidFill>
-            </a:endParaRPr>
           </a:p>
         </p:txBody>
       </p:sp>
@@ -9995,10 +10645,18 @@
   <p:clrMapOvr>
     <a:masterClrMapping/>
   </p:clrMapOvr>
+  <mc:AlternateContent xmlns:mc="http://schemas.openxmlformats.org/markup-compatibility/2006">
+    <mc:Choice xmlns:p14="http://schemas.microsoft.com/office/powerpoint/2010/main" Requires="p14">
+      <p:transition spd="slow" p14:dur="2000" advTm="27657"/>
+    </mc:Choice>
+    <mc:Fallback>
+      <p:transition xmlns:p14="http://schemas.microsoft.com/office/powerpoint/2010/main" spd="slow" advTm="27657"/>
+    </mc:Fallback>
+  </mc:AlternateContent>
   <p:timing>
     <p:tnLst>
       <p:par>
-        <p:cTn id="1" dur="indefinite" restart="never" nodeType="tmRoot"/>
+        <p:cTn xmlns:p14="http://schemas.microsoft.com/office/powerpoint/2010/main" id="1" dur="indefinite" restart="never" nodeType="tmRoot"/>
       </p:par>
     </p:tnLst>
   </p:timing>
@@ -10094,11 +10752,6 @@
               </a:rPr>
               <a:t>Group probability: Bandwidth</a:t>
             </a:r>
-            <a:endParaRPr lang="en-US" dirty="0" smtClean="0">
-              <a:solidFill>
-                <a:schemeClr val="bg1"/>
-              </a:solidFill>
-            </a:endParaRPr>
           </a:p>
         </p:txBody>
       </p:sp>
@@ -10205,10 +10858,18 @@
   <p:clrMapOvr>
     <a:masterClrMapping/>
   </p:clrMapOvr>
+  <mc:AlternateContent xmlns:mc="http://schemas.openxmlformats.org/markup-compatibility/2006">
+    <mc:Choice xmlns:p14="http://schemas.microsoft.com/office/powerpoint/2010/main" Requires="p14">
+      <p:transition spd="slow" p14:dur="2000" advTm="534159"/>
+    </mc:Choice>
+    <mc:Fallback>
+      <p:transition xmlns:p14="http://schemas.microsoft.com/office/powerpoint/2010/main" spd="slow" advTm="534159"/>
+    </mc:Fallback>
+  </mc:AlternateContent>
   <p:timing>
     <p:tnLst>
       <p:par>
-        <p:cTn id="1" dur="indefinite" restart="never" nodeType="tmRoot"/>
+        <p:cTn xmlns:p14="http://schemas.microsoft.com/office/powerpoint/2010/main" id="1" dur="indefinite" restart="never" nodeType="tmRoot"/>
       </p:par>
     </p:tnLst>
   </p:timing>
@@ -10304,11 +10965,6 @@
               </a:rPr>
               <a:t>Node lifetime: Reliability</a:t>
             </a:r>
-            <a:endParaRPr lang="en-US" dirty="0" smtClean="0">
-              <a:solidFill>
-                <a:schemeClr val="bg1"/>
-              </a:solidFill>
-            </a:endParaRPr>
           </a:p>
         </p:txBody>
       </p:sp>
@@ -10415,10 +11071,18 @@
   <p:clrMapOvr>
     <a:masterClrMapping/>
   </p:clrMapOvr>
+  <mc:AlternateContent xmlns:mc="http://schemas.openxmlformats.org/markup-compatibility/2006">
+    <mc:Choice xmlns:p14="http://schemas.microsoft.com/office/powerpoint/2010/main" Requires="p14">
+      <p:transition spd="slow" p14:dur="2000" advTm="177"/>
+    </mc:Choice>
+    <mc:Fallback>
+      <p:transition xmlns:p14="http://schemas.microsoft.com/office/powerpoint/2010/main" spd="slow" advTm="177"/>
+    </mc:Fallback>
+  </mc:AlternateContent>
   <p:timing>
     <p:tnLst>
       <p:par>
-        <p:cTn id="1" dur="indefinite" restart="never" nodeType="tmRoot"/>
+        <p:cTn xmlns:p14="http://schemas.microsoft.com/office/powerpoint/2010/main" id="1" dur="indefinite" restart="never" nodeType="tmRoot"/>
       </p:par>
     </p:tnLst>
   </p:timing>
@@ -10514,11 +11178,6 @@
               </a:rPr>
               <a:t>Malicious nodes: Reliability</a:t>
             </a:r>
-            <a:endParaRPr lang="en-US" dirty="0" smtClean="0">
-              <a:solidFill>
-                <a:schemeClr val="bg1"/>
-              </a:solidFill>
-            </a:endParaRPr>
           </a:p>
         </p:txBody>
       </p:sp>
@@ -10625,10 +11284,18 @@
   <p:clrMapOvr>
     <a:masterClrMapping/>
   </p:clrMapOvr>
+  <mc:AlternateContent xmlns:mc="http://schemas.openxmlformats.org/markup-compatibility/2006">
+    <mc:Choice xmlns:p14="http://schemas.microsoft.com/office/powerpoint/2010/main" Requires="p14">
+      <p:transition spd="slow" p14:dur="2000" advTm="159"/>
+    </mc:Choice>
+    <mc:Fallback>
+      <p:transition xmlns:p14="http://schemas.microsoft.com/office/powerpoint/2010/main" spd="slow" advTm="159"/>
+    </mc:Fallback>
+  </mc:AlternateContent>
   <p:timing>
     <p:tnLst>
       <p:par>
-        <p:cTn id="1" dur="indefinite" restart="never" nodeType="tmRoot"/>
+        <p:cTn xmlns:p14="http://schemas.microsoft.com/office/powerpoint/2010/main" id="1" dur="indefinite" restart="never" nodeType="tmRoot"/>
       </p:par>
     </p:tnLst>
   </p:timing>
@@ -10732,11 +11399,6 @@
               </a:rPr>
               <a:t> fairness</a:t>
             </a:r>
-            <a:endParaRPr lang="en-US" dirty="0" smtClean="0">
-              <a:solidFill>
-                <a:schemeClr val="bg1"/>
-              </a:solidFill>
-            </a:endParaRPr>
           </a:p>
         </p:txBody>
       </p:sp>
@@ -10843,10 +11505,18 @@
   <p:clrMapOvr>
     <a:masterClrMapping/>
   </p:clrMapOvr>
+  <mc:AlternateContent xmlns:mc="http://schemas.openxmlformats.org/markup-compatibility/2006">
+    <mc:Choice xmlns:p14="http://schemas.microsoft.com/office/powerpoint/2010/main" Requires="p14">
+      <p:transition spd="slow" p14:dur="2000" advTm="201"/>
+    </mc:Choice>
+    <mc:Fallback>
+      <p:transition xmlns:p14="http://schemas.microsoft.com/office/powerpoint/2010/main" spd="slow" advTm="201"/>
+    </mc:Fallback>
+  </mc:AlternateContent>
   <p:timing>
     <p:tnLst>
       <p:par>
-        <p:cTn id="1" dur="indefinite" restart="never" nodeType="tmRoot"/>
+        <p:cTn xmlns:p14="http://schemas.microsoft.com/office/powerpoint/2010/main" id="1" dur="indefinite" restart="never" nodeType="tmRoot"/>
       </p:par>
     </p:tnLst>
   </p:timing>
@@ -10950,11 +11620,6 @@
               </a:rPr>
               <a:t> scalability</a:t>
             </a:r>
-            <a:endParaRPr lang="en-US" dirty="0" smtClean="0">
-              <a:solidFill>
-                <a:schemeClr val="bg1"/>
-              </a:solidFill>
-            </a:endParaRPr>
           </a:p>
         </p:txBody>
       </p:sp>
@@ -11061,10 +11726,18 @@
   <p:clrMapOvr>
     <a:masterClrMapping/>
   </p:clrMapOvr>
+  <mc:AlternateContent xmlns:mc="http://schemas.openxmlformats.org/markup-compatibility/2006">
+    <mc:Choice xmlns:p14="http://schemas.microsoft.com/office/powerpoint/2010/main" Requires="p14">
+      <p:transition spd="slow" p14:dur="2000" advTm="387"/>
+    </mc:Choice>
+    <mc:Fallback>
+      <p:transition xmlns:p14="http://schemas.microsoft.com/office/powerpoint/2010/main" spd="slow" advTm="387"/>
+    </mc:Fallback>
+  </mc:AlternateContent>
   <p:timing>
     <p:tnLst>
       <p:par>
-        <p:cTn id="1" dur="indefinite" restart="never" nodeType="tmRoot"/>
+        <p:cTn xmlns:p14="http://schemas.microsoft.com/office/powerpoint/2010/main" id="1" dur="indefinite" restart="never" nodeType="tmRoot"/>
       </p:par>
     </p:tnLst>
   </p:timing>
@@ -11160,11 +11833,6 @@
               </a:rPr>
               <a:t>Conclusion</a:t>
             </a:r>
-            <a:endParaRPr lang="en-US" dirty="0" smtClean="0">
-              <a:solidFill>
-                <a:schemeClr val="bg1"/>
-              </a:solidFill>
-            </a:endParaRPr>
           </a:p>
         </p:txBody>
       </p:sp>
@@ -11185,8 +11853,8 @@
         </p:blipFill>
         <p:spPr bwMode="auto">
           <a:xfrm>
-            <a:off x="6175375" y="4754563"/>
-            <a:ext cx="2968625" cy="2098675"/>
+            <a:off x="7454900" y="5659124"/>
+            <a:ext cx="1689100" cy="1194113"/>
           </a:xfrm>
           <a:prstGeom prst="rect">
             <a:avLst/>
@@ -11200,9 +11868,128 @@
           </a:ln>
         </p:spPr>
       </p:pic>
+      <p:sp>
+        <p:nvSpPr>
+          <p:cNvPr id="7" name="Content Placeholder 6"/>
+          <p:cNvSpPr>
+            <a:spLocks noGrp="1"/>
+          </p:cNvSpPr>
+          <p:nvPr>
+            <p:ph idx="1"/>
+          </p:nvPr>
+        </p:nvSpPr>
+        <p:spPr>
+          <a:xfrm>
+            <a:off x="457200" y="1214438"/>
+            <a:ext cx="8229600" cy="4525963"/>
+          </a:xfrm>
+        </p:spPr>
+        <p:txBody>
+          <a:bodyPr/>
+          <a:lstStyle/>
+          <a:p>
+            <a:r>
+              <a:rPr lang="en-US" dirty="0" smtClean="0">
+                <a:solidFill>
+                  <a:schemeClr val="bg1"/>
+                </a:solidFill>
+              </a:rPr>
+              <a:t>Developed a generic state consistency model for MMVEs.</a:t>
+            </a:r>
+          </a:p>
+          <a:p>
+            <a:r>
+              <a:rPr lang="en-US" dirty="0" smtClean="0">
+                <a:solidFill>
+                  <a:schemeClr val="bg1"/>
+                </a:solidFill>
+              </a:rPr>
+              <a:t>Investigated issue of state management and state persistency for P2P MMVEs.</a:t>
+            </a:r>
+          </a:p>
+          <a:p>
+            <a:r>
+              <a:rPr lang="en-US" dirty="0" smtClean="0">
+                <a:solidFill>
+                  <a:schemeClr val="bg1"/>
+                </a:solidFill>
+              </a:rPr>
+              <a:t>Found that highly scalable, fair and highly responsive storage is still lacking.</a:t>
+            </a:r>
+          </a:p>
+          <a:p>
+            <a:r>
+              <a:rPr lang="en-US" dirty="0" smtClean="0">
+                <a:solidFill>
+                  <a:schemeClr val="bg1"/>
+                </a:solidFill>
+              </a:rPr>
+              <a:t>Developed </a:t>
+            </a:r>
+            <a:r>
+              <a:rPr lang="en-US" dirty="0" err="1" smtClean="0">
+                <a:solidFill>
+                  <a:schemeClr val="bg1"/>
+                </a:solidFill>
+              </a:rPr>
+              <a:t>Pithos</a:t>
+            </a:r>
+            <a:r>
+              <a:rPr lang="en-US" dirty="0" smtClean="0">
+                <a:solidFill>
+                  <a:schemeClr val="bg1"/>
+                </a:solidFill>
+              </a:rPr>
+              <a:t> to satisfy identified storage requirements for P2P MMVEs.</a:t>
+            </a:r>
+          </a:p>
+          <a:p>
+            <a:r>
+              <a:rPr lang="en-US" dirty="0" smtClean="0">
+                <a:solidFill>
+                  <a:schemeClr val="bg1"/>
+                </a:solidFill>
+              </a:rPr>
+              <a:t>Evaluated </a:t>
+            </a:r>
+            <a:r>
+              <a:rPr lang="en-US" dirty="0" err="1" smtClean="0">
+                <a:solidFill>
+                  <a:schemeClr val="bg1"/>
+                </a:solidFill>
+              </a:rPr>
+              <a:t>Pithos</a:t>
+            </a:r>
+            <a:r>
+              <a:rPr lang="en-US" dirty="0" smtClean="0">
+                <a:solidFill>
+                  <a:schemeClr val="bg1"/>
+                </a:solidFill>
+              </a:rPr>
+              <a:t> as an </a:t>
+            </a:r>
+            <a:r>
+              <a:rPr lang="en-US" dirty="0" err="1" smtClean="0">
+                <a:solidFill>
+                  <a:schemeClr val="bg1"/>
+                </a:solidFill>
+              </a:rPr>
+              <a:t>Oversim</a:t>
+            </a:r>
+            <a:r>
+              <a:rPr lang="en-US" dirty="0" smtClean="0">
+                <a:solidFill>
+                  <a:schemeClr val="bg1"/>
+                </a:solidFill>
+              </a:rPr>
+              <a:t> simulation</a:t>
+            </a:r>
+          </a:p>
+        </p:txBody>
+      </p:sp>
       <p:pic>
         <p:nvPicPr>
-          <p:cNvPr id="8" name="Picture 1"/>
+          <p:cNvPr id="9" name="Picture 1"/>
           <p:cNvPicPr>
             <a:picLocks noChangeAspect="1"/>
           </p:cNvPicPr>
@@ -11217,7 +12004,7 @@
         </p:blipFill>
         <p:spPr bwMode="auto">
           <a:xfrm>
-            <a:off x="531813" y="5867400"/>
+            <a:off x="531813" y="6184900"/>
             <a:ext cx="2106612" cy="317500"/>
           </a:xfrm>
           <a:prstGeom prst="rect">
@@ -11232,64 +12019,23 @@
           </a:ln>
         </p:spPr>
       </p:pic>
-      <p:sp>
-        <p:nvSpPr>
-          <p:cNvPr id="7" name="Content Placeholder 6"/>
-          <p:cNvSpPr>
-            <a:spLocks noGrp="1"/>
-          </p:cNvSpPr>
-          <p:nvPr>
-            <p:ph idx="1"/>
-          </p:nvPr>
-        </p:nvSpPr>
-        <p:spPr/>
-        <p:txBody>
-          <a:bodyPr/>
-          <a:lstStyle/>
-          <a:p>
-            <a:r>
-              <a:rPr lang="en-US" dirty="0" smtClean="0">
-                <a:solidFill>
-                  <a:schemeClr val="bg1"/>
-                </a:solidFill>
-              </a:rPr>
-              <a:t>Fast storage, fast retrieval</a:t>
-            </a:r>
-          </a:p>
-          <a:p>
-            <a:r>
-              <a:rPr lang="en-US" dirty="0" smtClean="0">
-                <a:solidFill>
-                  <a:schemeClr val="bg1"/>
-                </a:solidFill>
-              </a:rPr>
-              <a:t>100% group probability</a:t>
-            </a:r>
-          </a:p>
-          <a:p>
-            <a:r>
-              <a:rPr lang="en-US" dirty="0" smtClean="0">
-                <a:solidFill>
-                  <a:schemeClr val="bg1"/>
-                </a:solidFill>
-              </a:rPr>
-              <a:t>No malicious nodes</a:t>
-            </a:r>
-          </a:p>
-          <a:p>
-            <a:endParaRPr lang="en-ZA" dirty="0"/>
-          </a:p>
-        </p:txBody>
-      </p:sp>
     </p:spTree>
   </p:cSld>
   <p:clrMapOvr>
     <a:masterClrMapping/>
   </p:clrMapOvr>
+  <mc:AlternateContent xmlns:mc="http://schemas.openxmlformats.org/markup-compatibility/2006">
+    <mc:Choice xmlns:p14="http://schemas.microsoft.com/office/powerpoint/2010/main" Requires="p14">
+      <p:transition spd="slow" p14:dur="2000" advTm="30058"/>
+    </mc:Choice>
+    <mc:Fallback>
+      <p:transition xmlns:p14="http://schemas.microsoft.com/office/powerpoint/2010/main" spd="slow" advTm="30058"/>
+    </mc:Fallback>
+  </mc:AlternateContent>
   <p:timing>
     <p:tnLst>
       <p:par>
-        <p:cTn id="1" dur="indefinite" restart="never" nodeType="tmRoot"/>
+        <p:cTn xmlns:p14="http://schemas.microsoft.com/office/powerpoint/2010/main" id="1" dur="indefinite" restart="never" nodeType="tmRoot"/>
       </p:par>
     </p:tnLst>
   </p:timing>
@@ -11385,11 +12131,6 @@
               </a:rPr>
               <a:t>MMVE examples: Eve Online</a:t>
             </a:r>
-            <a:endParaRPr lang="en-US" dirty="0" smtClean="0">
-              <a:solidFill>
-                <a:schemeClr val="bg1"/>
-              </a:solidFill>
-            </a:endParaRPr>
           </a:p>
         </p:txBody>
       </p:sp>
@@ -11421,10 +12162,18 @@
   <p:clrMapOvr>
     <a:masterClrMapping/>
   </p:clrMapOvr>
+  <mc:AlternateContent xmlns:mc="http://schemas.openxmlformats.org/markup-compatibility/2006">
+    <mc:Choice xmlns:p14="http://schemas.microsoft.com/office/powerpoint/2010/main" Requires="p14">
+      <p:transition spd="slow" p14:dur="2000" advTm="154"/>
+    </mc:Choice>
+    <mc:Fallback>
+      <p:transition xmlns:p14="http://schemas.microsoft.com/office/powerpoint/2010/main" spd="slow" advTm="154"/>
+    </mc:Fallback>
+  </mc:AlternateContent>
   <p:timing>
     <p:tnLst>
       <p:par>
-        <p:cTn id="1" dur="indefinite" restart="never" nodeType="tmRoot"/>
+        <p:cTn xmlns:p14="http://schemas.microsoft.com/office/powerpoint/2010/main" id="1" dur="indefinite" restart="never" nodeType="tmRoot"/>
       </p:par>
     </p:tnLst>
   </p:timing>
@@ -11569,10 +12318,18 @@
   <p:clrMapOvr>
     <a:masterClrMapping/>
   </p:clrMapOvr>
+  <mc:AlternateContent xmlns:mc="http://schemas.openxmlformats.org/markup-compatibility/2006">
+    <mc:Choice xmlns:p14="http://schemas.microsoft.com/office/powerpoint/2010/main" Requires="p14">
+      <p:transition spd="slow" p14:dur="2000" advTm="138"/>
+    </mc:Choice>
+    <mc:Fallback>
+      <p:transition xmlns:p14="http://schemas.microsoft.com/office/powerpoint/2010/main" spd="slow" advTm="138"/>
+    </mc:Fallback>
+  </mc:AlternateContent>
   <p:timing>
     <p:tnLst>
       <p:par>
-        <p:cTn id="1" dur="indefinite" restart="never" nodeType="tmRoot"/>
+        <p:cTn xmlns:p14="http://schemas.microsoft.com/office/powerpoint/2010/main" id="1" dur="indefinite" restart="never" nodeType="tmRoot"/>
       </p:par>
     </p:tnLst>
   </p:timing>
@@ -11666,7 +12423,7 @@
                   <a:schemeClr val="bg1"/>
                 </a:solidFill>
               </a:rPr>
-              <a:t>Peer-to-peer (P2P) networks</a:t>
+              <a:t>Issues of Client/Server MMEs</a:t>
             </a:r>
             <a:endParaRPr lang="en-US" dirty="0" smtClean="0">
               <a:solidFill>
@@ -11698,21 +12455,8 @@
                   <a:schemeClr val="bg1"/>
                 </a:solidFill>
               </a:rPr>
-              <a:t>High degree of </a:t>
-            </a:r>
-            <a:r>
-              <a:rPr lang="en-US" dirty="0" err="1" smtClean="0">
-                <a:solidFill>
-                  <a:schemeClr val="bg1"/>
-                </a:solidFill>
-              </a:rPr>
-              <a:t>decentralisation</a:t>
-            </a:r>
-            <a:endParaRPr lang="en-US" dirty="0" smtClean="0">
-              <a:solidFill>
-                <a:schemeClr val="bg1"/>
-              </a:solidFill>
-            </a:endParaRPr>
+              <a:t>High cost of robustness</a:t>
+            </a:r>
           </a:p>
           <a:p>
             <a:pPr eaLnBrk="1" hangingPunct="1"/>
@@ -11722,21 +12466,8 @@
                   <a:schemeClr val="bg1"/>
                 </a:solidFill>
               </a:rPr>
-              <a:t>Self-</a:t>
-            </a:r>
-            <a:r>
-              <a:rPr lang="en-US" dirty="0" err="1" smtClean="0">
-                <a:solidFill>
-                  <a:schemeClr val="bg1"/>
-                </a:solidFill>
-              </a:rPr>
-              <a:t>organisation</a:t>
-            </a:r>
-            <a:endParaRPr lang="en-US" dirty="0" smtClean="0">
-              <a:solidFill>
-                <a:schemeClr val="bg1"/>
-              </a:solidFill>
-            </a:endParaRPr>
+              <a:t>High cost of scalability</a:t>
+            </a:r>
           </a:p>
           <a:p>
             <a:pPr eaLnBrk="1" hangingPunct="1"/>
@@ -11746,7 +12477,7 @@
                   <a:schemeClr val="bg1"/>
                 </a:solidFill>
               </a:rPr>
-              <a:t>Multiple administrative domains</a:t>
+              <a:t>High operator cost</a:t>
             </a:r>
           </a:p>
           <a:p>
@@ -11757,11 +12488,30 @@
                   <a:schemeClr val="bg1"/>
                 </a:solidFill>
               </a:rPr>
-              <a:t>P2P routing overlay</a:t>
+              <a:t>Low responsiveness</a:t>
             </a:r>
           </a:p>
           <a:p>
             <a:pPr eaLnBrk="1" hangingPunct="1"/>
+            <a:r>
+              <a:rPr lang="en-US" dirty="0" smtClean="0">
+                <a:solidFill>
+                  <a:schemeClr val="bg1"/>
+                </a:solidFill>
+              </a:rPr>
+              <a:t>High amount of required server bandwidth</a:t>
+            </a:r>
+          </a:p>
+          <a:p>
+            <a:pPr eaLnBrk="1" hangingPunct="1"/>
+            <a:r>
+              <a:rPr lang="en-US" dirty="0" smtClean="0">
+                <a:solidFill>
+                  <a:schemeClr val="bg1"/>
+                </a:solidFill>
+              </a:rPr>
+              <a:t>Weak handling of transient loads</a:t>
+            </a:r>
             <a:endParaRPr lang="en-US" dirty="0" smtClean="0">
               <a:solidFill>
                 <a:schemeClr val="bg1"/>
@@ -11839,10 +12589,18 @@
   <p:clrMapOvr>
     <a:masterClrMapping/>
   </p:clrMapOvr>
+  <mc:AlternateContent xmlns:mc="http://schemas.openxmlformats.org/markup-compatibility/2006">
+    <mc:Choice xmlns:p14="http://schemas.microsoft.com/office/powerpoint/2010/main" Requires="p14">
+      <p:transition spd="slow" p14:dur="2000" advTm="123"/>
+    </mc:Choice>
+    <mc:Fallback>
+      <p:transition xmlns:p14="http://schemas.microsoft.com/office/powerpoint/2010/main" spd="slow" advTm="123"/>
+    </mc:Fallback>
+  </mc:AlternateContent>
   <p:timing>
     <p:tnLst>
       <p:par>
-        <p:cTn id="1" dur="indefinite" restart="never" nodeType="tmRoot"/>
+        <p:cTn xmlns:p14="http://schemas.microsoft.com/office/powerpoint/2010/main" id="1" dur="indefinite" restart="never" nodeType="tmRoot"/>
       </p:par>
     </p:tnLst>
   </p:timing>
@@ -11936,13 +12694,8 @@
                   <a:schemeClr val="bg1"/>
                 </a:solidFill>
               </a:rPr>
-              <a:t>P2P advantages</a:t>
-            </a:r>
-            <a:endParaRPr lang="en-US" dirty="0" smtClean="0">
-              <a:solidFill>
-                <a:schemeClr val="bg1"/>
-              </a:solidFill>
-            </a:endParaRPr>
+              <a:t>P2P MMVE proposal</a:t>
+            </a:r>
           </a:p>
         </p:txBody>
       </p:sp>
@@ -11968,7 +12721,7 @@
                   <a:schemeClr val="bg1"/>
                 </a:solidFill>
               </a:rPr>
-              <a:t>Low barrier to entry</a:t>
+              <a:t>Increased robustness</a:t>
             </a:r>
           </a:p>
           <a:p>
@@ -11979,26 +12732,18 @@
                   <a:schemeClr val="bg1"/>
                 </a:solidFill>
               </a:rPr>
-              <a:t>Scalability</a:t>
+              <a:t>Improved scalability</a:t>
             </a:r>
           </a:p>
           <a:p>
             <a:pPr eaLnBrk="1" hangingPunct="1"/>
             <a:r>
-              <a:rPr lang="en-US" dirty="0" err="1" smtClean="0">
-                <a:solidFill>
-                  <a:schemeClr val="bg1"/>
-                </a:solidFill>
-              </a:rPr>
-              <a:t>Resistence</a:t>
-            </a:r>
-            <a:r>
-              <a:rPr lang="en-US" dirty="0" smtClean="0">
-                <a:solidFill>
-                  <a:schemeClr val="bg1"/>
-                </a:solidFill>
-              </a:rPr>
-              <a:t> to faults and attacks</a:t>
+              <a:rPr lang="en-US" dirty="0" smtClean="0">
+                <a:solidFill>
+                  <a:schemeClr val="bg1"/>
+                </a:solidFill>
+              </a:rPr>
+              <a:t>Lower operator costs</a:t>
             </a:r>
           </a:p>
           <a:p>
@@ -12009,11 +12754,49 @@
                   <a:schemeClr val="bg1"/>
                 </a:solidFill>
               </a:rPr>
+              <a:t>Improved handling of transient loads</a:t>
+            </a:r>
+          </a:p>
+          <a:p>
+            <a:pPr eaLnBrk="1" hangingPunct="1"/>
+            <a:r>
+              <a:rPr lang="en-US" dirty="0" smtClean="0">
+                <a:solidFill>
+                  <a:schemeClr val="bg1"/>
+                </a:solidFill>
+              </a:rPr>
+              <a:t>Improved </a:t>
+            </a:r>
+            <a:r>
+              <a:rPr lang="en-US" dirty="0" smtClean="0">
+                <a:solidFill>
+                  <a:schemeClr val="bg1"/>
+                </a:solidFill>
+              </a:rPr>
+              <a:t>responsiveness</a:t>
+            </a:r>
+          </a:p>
+          <a:p>
+            <a:pPr eaLnBrk="1" hangingPunct="1"/>
+            <a:r>
+              <a:rPr lang="en-US" dirty="0" smtClean="0">
+                <a:solidFill>
+                  <a:schemeClr val="bg1"/>
+                </a:solidFill>
+              </a:rPr>
               <a:t>Abundance and availability of resources</a:t>
             </a:r>
           </a:p>
           <a:p>
             <a:pPr eaLnBrk="1" hangingPunct="1"/>
+            <a:r>
+              <a:rPr lang="en-US" dirty="0" smtClean="0">
+                <a:solidFill>
+                  <a:schemeClr val="bg1"/>
+                </a:solidFill>
+              </a:rPr>
+              <a:t>Resistance to faults and attacks</a:t>
+            </a:r>
             <a:endParaRPr lang="en-US" dirty="0" smtClean="0">
               <a:solidFill>
                 <a:schemeClr val="bg1"/>
@@ -12087,14 +12870,27 @@
         </p:spPr>
       </p:pic>
     </p:spTree>
+    <p:extLst>
+      <p:ext uri="{BB962C8B-B14F-4D97-AF65-F5344CB8AC3E}">
+        <p14:creationId xmlns:p14="http://schemas.microsoft.com/office/powerpoint/2010/main" val="2494923949"/>
+      </p:ext>
+    </p:extLst>
   </p:cSld>
   <p:clrMapOvr>
     <a:masterClrMapping/>
   </p:clrMapOvr>
+  <mc:AlternateContent xmlns:mc="http://schemas.openxmlformats.org/markup-compatibility/2006">
+    <mc:Choice xmlns:p14="http://schemas.microsoft.com/office/powerpoint/2010/main" Requires="p14">
+      <p:transition spd="slow" p14:dur="2000" advTm="213"/>
+    </mc:Choice>
+    <mc:Fallback>
+      <p:transition xmlns:p14="http://schemas.microsoft.com/office/powerpoint/2010/main" spd="slow" advTm="213"/>
+    </mc:Fallback>
+  </mc:AlternateContent>
   <p:timing>
     <p:tnLst>
       <p:par>
-        <p:cTn id="1" dur="indefinite" restart="never" nodeType="tmRoot"/>
+        <p:cTn xmlns:p14="http://schemas.microsoft.com/office/powerpoint/2010/main" id="1" dur="indefinite" restart="never" nodeType="tmRoot"/>
       </p:par>
     </p:tnLst>
   </p:timing>
@@ -12102,7 +12898,7 @@
 </file>
 
 <file path=ppt/slides/slide8.xml><?xml version="1.0" encoding="utf-8"?>
-<p:sld xmlns:a="http://schemas.openxmlformats.org/drawingml/2006/main" xmlns:r="http://schemas.openxmlformats.org/officeDocument/2006/relationships" xmlns:p="http://schemas.openxmlformats.org/presentationml/2006/main">
+<p:sld xmlns:a="http://schemas.openxmlformats.org/drawingml/2006/main" xmlns:r="http://schemas.openxmlformats.org/officeDocument/2006/relationships" xmlns:p="http://schemas.openxmlformats.org/presentationml/2006/main" show="0">
   <p:cSld>
     <p:spTree>
       <p:nvGrpSpPr>
@@ -12188,7 +12984,42 @@
                   <a:schemeClr val="bg1"/>
                 </a:solidFill>
               </a:rPr>
-              <a:t>P2P MMVE proposal</a:t>
+              <a:t>Peer-to-peer (P2P) networks</a:t>
+            </a:r>
+          </a:p>
+        </p:txBody>
+      </p:sp>
+      <p:sp>
+        <p:nvSpPr>
+          <p:cNvPr id="15363" name="Content Placeholder 5"/>
+          <p:cNvSpPr>
+            <a:spLocks noGrp="1"/>
+          </p:cNvSpPr>
+          <p:nvPr>
+            <p:ph idx="1"/>
+          </p:nvPr>
+        </p:nvSpPr>
+        <p:spPr/>
+        <p:txBody>
+          <a:bodyPr/>
+          <a:lstStyle/>
+          <a:p>
+            <a:pPr eaLnBrk="1" hangingPunct="1"/>
+            <a:r>
+              <a:rPr lang="en-US" dirty="0" smtClean="0">
+                <a:solidFill>
+                  <a:schemeClr val="bg1"/>
+                </a:solidFill>
+              </a:rPr>
+              <a:t>High degree of </a:t>
+            </a:r>
+            <a:r>
+              <a:rPr lang="en-US" dirty="0" err="1" smtClean="0">
+                <a:solidFill>
+                  <a:schemeClr val="bg1"/>
+                </a:solidFill>
+              </a:rPr>
+              <a:t>decentralisation</a:t>
             </a:r>
             <a:endParaRPr lang="en-US" dirty="0" smtClean="0">
               <a:solidFill>
@@ -12196,22 +13027,6 @@
               </a:solidFill>
             </a:endParaRPr>
           </a:p>
-        </p:txBody>
-      </p:sp>
-      <p:sp>
-        <p:nvSpPr>
-          <p:cNvPr id="15363" name="Content Placeholder 5"/>
-          <p:cNvSpPr>
-            <a:spLocks noGrp="1"/>
-          </p:cNvSpPr>
-          <p:nvPr>
-            <p:ph idx="1"/>
-          </p:nvPr>
-        </p:nvSpPr>
-        <p:spPr/>
-        <p:txBody>
-          <a:bodyPr/>
-          <a:lstStyle/>
           <a:p>
             <a:pPr eaLnBrk="1" hangingPunct="1"/>
             <a:r>
@@ -12220,51 +13035,15 @@
                   <a:schemeClr val="bg1"/>
                 </a:solidFill>
               </a:rPr>
-              <a:t>Increased robustness</a:t>
-            </a:r>
-          </a:p>
-          <a:p>
-            <a:pPr eaLnBrk="1" hangingPunct="1"/>
-            <a:r>
-              <a:rPr lang="en-US" dirty="0" smtClean="0">
-                <a:solidFill>
-                  <a:schemeClr val="bg1"/>
-                </a:solidFill>
-              </a:rPr>
-              <a:t>Improved scalability</a:t>
-            </a:r>
-          </a:p>
-          <a:p>
-            <a:pPr eaLnBrk="1" hangingPunct="1"/>
-            <a:r>
-              <a:rPr lang="en-US" dirty="0" smtClean="0">
-                <a:solidFill>
-                  <a:schemeClr val="bg1"/>
-                </a:solidFill>
-              </a:rPr>
-              <a:t>Lower operator costs</a:t>
-            </a:r>
-          </a:p>
-          <a:p>
-            <a:pPr eaLnBrk="1" hangingPunct="1"/>
-            <a:r>
-              <a:rPr lang="en-US" dirty="0" smtClean="0">
-                <a:solidFill>
-                  <a:schemeClr val="bg1"/>
-                </a:solidFill>
-              </a:rPr>
-              <a:t>Improved handling of transient loads</a:t>
-            </a:r>
-          </a:p>
-          <a:p>
-            <a:pPr eaLnBrk="1" hangingPunct="1"/>
-            <a:r>
-              <a:rPr lang="en-US" dirty="0" smtClean="0">
-                <a:solidFill>
-                  <a:schemeClr val="bg1"/>
-                </a:solidFill>
-              </a:rPr>
-              <a:t>Improved responsiveness</a:t>
+              <a:t>Self-</a:t>
+            </a:r>
+            <a:r>
+              <a:rPr lang="en-US" dirty="0" err="1" smtClean="0">
+                <a:solidFill>
+                  <a:schemeClr val="bg1"/>
+                </a:solidFill>
+              </a:rPr>
+              <a:t>organisation</a:t>
             </a:r>
             <a:endParaRPr lang="en-US" dirty="0" smtClean="0">
               <a:solidFill>
@@ -12272,43 +13051,41 @@
               </a:solidFill>
             </a:endParaRPr>
           </a:p>
+          <a:p>
+            <a:pPr eaLnBrk="1" hangingPunct="1"/>
+            <a:r>
+              <a:rPr lang="en-US" dirty="0" smtClean="0">
+                <a:solidFill>
+                  <a:schemeClr val="bg1"/>
+                </a:solidFill>
+              </a:rPr>
+              <a:t>Multiple administrative domains</a:t>
+            </a:r>
+          </a:p>
+          <a:p>
+            <a:pPr eaLnBrk="1" hangingPunct="1"/>
+            <a:r>
+              <a:rPr lang="en-US" dirty="0" smtClean="0">
+                <a:solidFill>
+                  <a:schemeClr val="bg1"/>
+                </a:solidFill>
+              </a:rPr>
+              <a:t>P2P routing overlay</a:t>
+            </a:r>
+          </a:p>
+          <a:p>
+            <a:pPr eaLnBrk="1" hangingPunct="1"/>
+            <a:endParaRPr lang="en-US" dirty="0" smtClean="0">
+              <a:solidFill>
+                <a:schemeClr val="bg1"/>
+              </a:solidFill>
+            </a:endParaRPr>
+          </a:p>
         </p:txBody>
       </p:sp>
       <p:pic>
         <p:nvPicPr>
           <p:cNvPr id="15364" name="Picture 1"/>
-          <p:cNvPicPr>
-            <a:picLocks noChangeAspect="1"/>
-          </p:cNvPicPr>
-          <p:nvPr/>
-        </p:nvPicPr>
-        <p:blipFill>
-          <a:blip r:embed="rId2"/>
-          <a:srcRect/>
-          <a:stretch>
-            <a:fillRect/>
-          </a:stretch>
-        </p:blipFill>
-        <p:spPr bwMode="auto">
-          <a:xfrm>
-            <a:off x="531813" y="5867400"/>
-            <a:ext cx="2106612" cy="317500"/>
-          </a:xfrm>
-          <a:prstGeom prst="rect">
-            <a:avLst/>
-          </a:prstGeom>
-          <a:noFill/>
-          <a:ln w="9525">
-            <a:noFill/>
-            <a:miter lim="800000"/>
-            <a:headEnd/>
-            <a:tailEnd/>
-          </a:ln>
-        </p:spPr>
-      </p:pic>
-      <p:pic>
-        <p:nvPicPr>
-          <p:cNvPr id="15365" name="Picture 8" descr="Final MIH logo.png"/>
           <p:cNvPicPr>
             <a:picLocks noChangeAspect="1"/>
           </p:cNvPicPr>
@@ -12323,8 +13100,8 @@
         </p:blipFill>
         <p:spPr bwMode="auto">
           <a:xfrm>
-            <a:off x="6175375" y="4754563"/>
-            <a:ext cx="2968625" cy="2098675"/>
+            <a:off x="531813" y="5867400"/>
+            <a:ext cx="2106612" cy="317500"/>
           </a:xfrm>
           <a:prstGeom prst="rect">
             <a:avLst/>
@@ -12338,15 +13115,55 @@
           </a:ln>
         </p:spPr>
       </p:pic>
+      <p:pic>
+        <p:nvPicPr>
+          <p:cNvPr id="15365" name="Picture 8" descr="Final MIH logo.png"/>
+          <p:cNvPicPr>
+            <a:picLocks noChangeAspect="1"/>
+          </p:cNvPicPr>
+          <p:nvPr/>
+        </p:nvPicPr>
+        <p:blipFill>
+          <a:blip r:embed="rId4"/>
+          <a:srcRect/>
+          <a:stretch>
+            <a:fillRect/>
+          </a:stretch>
+        </p:blipFill>
+        <p:spPr bwMode="auto">
+          <a:xfrm>
+            <a:off x="6175375" y="4754563"/>
+            <a:ext cx="2968625" cy="2098675"/>
+          </a:xfrm>
+          <a:prstGeom prst="rect">
+            <a:avLst/>
+          </a:prstGeom>
+          <a:noFill/>
+          <a:ln w="9525">
+            <a:noFill/>
+            <a:miter lim="800000"/>
+            <a:headEnd/>
+            <a:tailEnd/>
+          </a:ln>
+        </p:spPr>
+      </p:pic>
     </p:spTree>
   </p:cSld>
   <p:clrMapOvr>
     <a:masterClrMapping/>
   </p:clrMapOvr>
+  <mc:AlternateContent xmlns:mc="http://schemas.openxmlformats.org/markup-compatibility/2006">
+    <mc:Choice xmlns:p14="http://schemas.microsoft.com/office/powerpoint/2010/main" Requires="p14">
+      <p:transition spd="slow" p14:dur="2000" advTm="85933"/>
+    </mc:Choice>
+    <mc:Fallback>
+      <p:transition xmlns:p14="http://schemas.microsoft.com/office/powerpoint/2010/main" spd="slow" advTm="85933"/>
+    </mc:Fallback>
+  </mc:AlternateContent>
   <p:timing>
     <p:tnLst>
       <p:par>
-        <p:cTn id="1" dur="indefinite" restart="never" nodeType="tmRoot"/>
+        <p:cTn xmlns:p14="http://schemas.microsoft.com/office/powerpoint/2010/main" id="1" dur="indefinite" restart="never" nodeType="tmRoot"/>
       </p:par>
     </p:tnLst>
   </p:timing>
@@ -12354,7 +13171,7 @@
 </file>
 
 <file path=ppt/slides/slide9.xml><?xml version="1.0" encoding="utf-8"?>
-<p:sld xmlns:a="http://schemas.openxmlformats.org/drawingml/2006/main" xmlns:r="http://schemas.openxmlformats.org/officeDocument/2006/relationships" xmlns:p="http://schemas.openxmlformats.org/presentationml/2006/main">
+<p:sld xmlns:a="http://schemas.openxmlformats.org/drawingml/2006/main" xmlns:r="http://schemas.openxmlformats.org/officeDocument/2006/relationships" xmlns:p="http://schemas.openxmlformats.org/presentationml/2006/main" show="0">
   <p:cSld>
     <p:spTree>
       <p:nvGrpSpPr>
@@ -12442,11 +13259,6 @@
               </a:rPr>
               <a:t>Challenges of P2P MMVEs</a:t>
             </a:r>
-            <a:endParaRPr lang="en-US" dirty="0" smtClean="0">
-              <a:solidFill>
-                <a:schemeClr val="bg1"/>
-              </a:solidFill>
-            </a:endParaRPr>
           </a:p>
         </p:txBody>
       </p:sp>
@@ -12598,10 +13410,18 @@
   <p:clrMapOvr>
     <a:masterClrMapping/>
   </p:clrMapOvr>
+  <mc:AlternateContent xmlns:mc="http://schemas.openxmlformats.org/markup-compatibility/2006">
+    <mc:Choice xmlns:p14="http://schemas.microsoft.com/office/powerpoint/2010/main" Requires="p14">
+      <p:transition spd="slow" p14:dur="2000" advTm="129969"/>
+    </mc:Choice>
+    <mc:Fallback>
+      <p:transition xmlns:p14="http://schemas.microsoft.com/office/powerpoint/2010/main" spd="slow" advTm="129969"/>
+    </mc:Fallback>
+  </mc:AlternateContent>
   <p:timing>
     <p:tnLst>
       <p:par>
-        <p:cTn id="1" dur="indefinite" restart="never" nodeType="tmRoot"/>
+        <p:cTn xmlns:p14="http://schemas.microsoft.com/office/powerpoint/2010/main" id="1" dur="indefinite" restart="never" nodeType="tmRoot"/>
       </p:par>
     </p:tnLst>
   </p:timing>
@@ -12926,4 +13746,324 @@
   </a:objectDefaults>
   <a:extraClrSchemeLst/>
 </a:theme>
+</file>
+
+<file path=ppt/theme/theme2.xml><?xml version="1.0" encoding="utf-8"?>
+<a:theme xmlns:a="http://schemas.openxmlformats.org/drawingml/2006/main" name="Office Theme">
+  <a:themeElements>
+    <a:clrScheme name="Office">
+      <a:dk1>
+        <a:sysClr val="windowText" lastClr="000000"/>
+      </a:dk1>
+      <a:lt1>
+        <a:sysClr val="window" lastClr="FFFFFF"/>
+      </a:lt1>
+      <a:dk2>
+        <a:srgbClr val="1F497D"/>
+      </a:dk2>
+      <a:lt2>
+        <a:srgbClr val="EEECE1"/>
+      </a:lt2>
+      <a:accent1>
+        <a:srgbClr val="4F81BD"/>
+      </a:accent1>
+      <a:accent2>
+        <a:srgbClr val="C0504D"/>
+      </a:accent2>
+      <a:accent3>
+        <a:srgbClr val="9BBB59"/>
+      </a:accent3>
+      <a:accent4>
+        <a:srgbClr val="8064A2"/>
+      </a:accent4>
+      <a:accent5>
+        <a:srgbClr val="4BACC6"/>
+      </a:accent5>
+      <a:accent6>
+        <a:srgbClr val="F79646"/>
+      </a:accent6>
+      <a:hlink>
+        <a:srgbClr val="0000FF"/>
+      </a:hlink>
+      <a:folHlink>
+        <a:srgbClr val="800080"/>
+      </a:folHlink>
+    </a:clrScheme>
+    <a:fontScheme name="Office">
+      <a:majorFont>
+        <a:latin typeface="Calibri"/>
+        <a:ea typeface=""/>
+        <a:cs typeface=""/>
+        <a:font script="Jpan" typeface="ＭＳ Ｐゴシック"/>
+        <a:font script="Hang" typeface="맑은 고딕"/>
+        <a:font script="Hans" typeface="宋体"/>
+        <a:font script="Hant" typeface="新細明體"/>
+        <a:font script="Arab" typeface="Times New Roman"/>
+        <a:font script="Hebr" typeface="Times New Roman"/>
+        <a:font script="Thai" typeface="Angsana New"/>
+        <a:font script="Ethi" typeface="Nyala"/>
+        <a:font script="Beng" typeface="Vrinda"/>
+        <a:font script="Gujr" typeface="Shruti"/>
+        <a:font script="Khmr" typeface="MoolBoran"/>
+        <a:font script="Knda" typeface="Tunga"/>
+        <a:font script="Guru" typeface="Raavi"/>
+        <a:font script="Cans" typeface="Euphemia"/>
+        <a:font script="Cher" typeface="Plantagenet Cherokee"/>
+        <a:font script="Yiii" typeface="Microsoft Yi Baiti"/>
+        <a:font script="Tibt" typeface="Microsoft Himalaya"/>
+        <a:font script="Thaa" typeface="MV Boli"/>
+        <a:font script="Deva" typeface="Mangal"/>
+        <a:font script="Telu" typeface="Gautami"/>
+        <a:font script="Taml" typeface="Latha"/>
+        <a:font script="Syrc" typeface="Estrangelo Edessa"/>
+        <a:font script="Orya" typeface="Kalinga"/>
+        <a:font script="Mlym" typeface="Kartika"/>
+        <a:font script="Laoo" typeface="DokChampa"/>
+        <a:font script="Sinh" typeface="Iskoola Pota"/>
+        <a:font script="Mong" typeface="Mongolian Baiti"/>
+        <a:font script="Viet" typeface="Times New Roman"/>
+        <a:font script="Uigh" typeface="Microsoft Uighur"/>
+        <a:font script="Geor" typeface="Sylfaen"/>
+      </a:majorFont>
+      <a:minorFont>
+        <a:latin typeface="Calibri"/>
+        <a:ea typeface=""/>
+        <a:cs typeface=""/>
+        <a:font script="Jpan" typeface="ＭＳ Ｐゴシック"/>
+        <a:font script="Hang" typeface="맑은 고딕"/>
+        <a:font script="Hans" typeface="宋体"/>
+        <a:font script="Hant" typeface="新細明體"/>
+        <a:font script="Arab" typeface="Arial"/>
+        <a:font script="Hebr" typeface="Arial"/>
+        <a:font script="Thai" typeface="Cordia New"/>
+        <a:font script="Ethi" typeface="Nyala"/>
+        <a:font script="Beng" typeface="Vrinda"/>
+        <a:font script="Gujr" typeface="Shruti"/>
+        <a:font script="Khmr" typeface="DaunPenh"/>
+        <a:font script="Knda" typeface="Tunga"/>
+        <a:font script="Guru" typeface="Raavi"/>
+        <a:font script="Cans" typeface="Euphemia"/>
+        <a:font script="Cher" typeface="Plantagenet Cherokee"/>
+        <a:font script="Yiii" typeface="Microsoft Yi Baiti"/>
+        <a:font script="Tibt" typeface="Microsoft Himalaya"/>
+        <a:font script="Thaa" typeface="MV Boli"/>
+        <a:font script="Deva" typeface="Mangal"/>
+        <a:font script="Telu" typeface="Gautami"/>
+        <a:font script="Taml" typeface="Latha"/>
+        <a:font script="Syrc" typeface="Estrangelo Edessa"/>
+        <a:font script="Orya" typeface="Kalinga"/>
+        <a:font script="Mlym" typeface="Kartika"/>
+        <a:font script="Laoo" typeface="DokChampa"/>
+        <a:font script="Sinh" typeface="Iskoola Pota"/>
+        <a:font script="Mong" typeface="Mongolian Baiti"/>
+        <a:font script="Viet" typeface="Arial"/>
+        <a:font script="Uigh" typeface="Microsoft Uighur"/>
+        <a:font script="Geor" typeface="Sylfaen"/>
+      </a:minorFont>
+    </a:fontScheme>
+    <a:fmtScheme name="Office">
+      <a:fillStyleLst>
+        <a:solidFill>
+          <a:schemeClr val="phClr"/>
+        </a:solidFill>
+        <a:gradFill rotWithShape="1">
+          <a:gsLst>
+            <a:gs pos="0">
+              <a:schemeClr val="phClr">
+                <a:tint val="50000"/>
+                <a:satMod val="300000"/>
+              </a:schemeClr>
+            </a:gs>
+            <a:gs pos="35000">
+              <a:schemeClr val="phClr">
+                <a:tint val="37000"/>
+                <a:satMod val="300000"/>
+              </a:schemeClr>
+            </a:gs>
+            <a:gs pos="100000">
+              <a:schemeClr val="phClr">
+                <a:tint val="15000"/>
+                <a:satMod val="350000"/>
+              </a:schemeClr>
+            </a:gs>
+          </a:gsLst>
+          <a:lin ang="16200000" scaled="1"/>
+        </a:gradFill>
+        <a:gradFill rotWithShape="1">
+          <a:gsLst>
+            <a:gs pos="0">
+              <a:schemeClr val="phClr">
+                <a:tint val="100000"/>
+                <a:shade val="100000"/>
+                <a:satMod val="130000"/>
+              </a:schemeClr>
+            </a:gs>
+            <a:gs pos="100000">
+              <a:schemeClr val="phClr">
+                <a:tint val="50000"/>
+                <a:shade val="100000"/>
+                <a:satMod val="350000"/>
+              </a:schemeClr>
+            </a:gs>
+          </a:gsLst>
+          <a:lin ang="16200000" scaled="0"/>
+        </a:gradFill>
+      </a:fillStyleLst>
+      <a:lnStyleLst>
+        <a:ln w="9525" cap="flat" cmpd="sng" algn="ctr">
+          <a:solidFill>
+            <a:schemeClr val="phClr">
+              <a:shade val="95000"/>
+              <a:satMod val="105000"/>
+            </a:schemeClr>
+          </a:solidFill>
+          <a:prstDash val="solid"/>
+        </a:ln>
+        <a:ln w="25400" cap="flat" cmpd="sng" algn="ctr">
+          <a:solidFill>
+            <a:schemeClr val="phClr"/>
+          </a:solidFill>
+          <a:prstDash val="solid"/>
+        </a:ln>
+        <a:ln w="38100" cap="flat" cmpd="sng" algn="ctr">
+          <a:solidFill>
+            <a:schemeClr val="phClr"/>
+          </a:solidFill>
+          <a:prstDash val="solid"/>
+        </a:ln>
+      </a:lnStyleLst>
+      <a:effectStyleLst>
+        <a:effectStyle>
+          <a:effectLst>
+            <a:outerShdw blurRad="40000" dist="20000" dir="5400000" rotWithShape="0">
+              <a:srgbClr val="000000">
+                <a:alpha val="38000"/>
+              </a:srgbClr>
+            </a:outerShdw>
+          </a:effectLst>
+        </a:effectStyle>
+        <a:effectStyle>
+          <a:effectLst>
+            <a:outerShdw blurRad="40000" dist="23000" dir="5400000" rotWithShape="0">
+              <a:srgbClr val="000000">
+                <a:alpha val="35000"/>
+              </a:srgbClr>
+            </a:outerShdw>
+          </a:effectLst>
+        </a:effectStyle>
+        <a:effectStyle>
+          <a:effectLst>
+            <a:outerShdw blurRad="40000" dist="23000" dir="5400000" rotWithShape="0">
+              <a:srgbClr val="000000">
+                <a:alpha val="35000"/>
+              </a:srgbClr>
+            </a:outerShdw>
+          </a:effectLst>
+          <a:scene3d>
+            <a:camera prst="orthographicFront">
+              <a:rot lat="0" lon="0" rev="0"/>
+            </a:camera>
+            <a:lightRig rig="threePt" dir="t">
+              <a:rot lat="0" lon="0" rev="1200000"/>
+            </a:lightRig>
+          </a:scene3d>
+          <a:sp3d>
+            <a:bevelT w="63500" h="25400"/>
+          </a:sp3d>
+        </a:effectStyle>
+      </a:effectStyleLst>
+      <a:bgFillStyleLst>
+        <a:solidFill>
+          <a:schemeClr val="phClr"/>
+        </a:solidFill>
+        <a:gradFill rotWithShape="1">
+          <a:gsLst>
+            <a:gs pos="0">
+              <a:schemeClr val="phClr">
+                <a:tint val="40000"/>
+                <a:satMod val="350000"/>
+              </a:schemeClr>
+            </a:gs>
+            <a:gs pos="40000">
+              <a:schemeClr val="phClr">
+                <a:tint val="45000"/>
+                <a:shade val="99000"/>
+                <a:satMod val="350000"/>
+              </a:schemeClr>
+            </a:gs>
+            <a:gs pos="100000">
+              <a:schemeClr val="phClr">
+                <a:shade val="20000"/>
+                <a:satMod val="255000"/>
+              </a:schemeClr>
+            </a:gs>
+          </a:gsLst>
+          <a:path path="circle">
+            <a:fillToRect l="50000" t="-80000" r="50000" b="180000"/>
+          </a:path>
+        </a:gradFill>
+        <a:gradFill rotWithShape="1">
+          <a:gsLst>
+            <a:gs pos="0">
+              <a:schemeClr val="phClr">
+                <a:tint val="80000"/>
+                <a:satMod val="300000"/>
+              </a:schemeClr>
+            </a:gs>
+            <a:gs pos="100000">
+              <a:schemeClr val="phClr">
+                <a:shade val="30000"/>
+                <a:satMod val="200000"/>
+              </a:schemeClr>
+            </a:gs>
+          </a:gsLst>
+          <a:path path="circle">
+            <a:fillToRect l="50000" t="50000" r="50000" b="50000"/>
+          </a:path>
+        </a:gradFill>
+      </a:bgFillStyleLst>
+    </a:fmtScheme>
+  </a:themeElements>
+  <a:objectDefaults>
+    <a:spDef>
+      <a:spPr/>
+      <a:bodyPr/>
+      <a:lstStyle/>
+      <a:style>
+        <a:lnRef idx="1">
+          <a:schemeClr val="accent1"/>
+        </a:lnRef>
+        <a:fillRef idx="3">
+          <a:schemeClr val="accent1"/>
+        </a:fillRef>
+        <a:effectRef idx="2">
+          <a:schemeClr val="accent1"/>
+        </a:effectRef>
+        <a:fontRef idx="minor">
+          <a:schemeClr val="lt1"/>
+        </a:fontRef>
+      </a:style>
+    </a:spDef>
+    <a:lnDef>
+      <a:spPr/>
+      <a:bodyPr/>
+      <a:lstStyle/>
+      <a:style>
+        <a:lnRef idx="2">
+          <a:schemeClr val="accent1"/>
+        </a:lnRef>
+        <a:fillRef idx="0">
+          <a:schemeClr val="accent1"/>
+        </a:fillRef>
+        <a:effectRef idx="1">
+          <a:schemeClr val="accent1"/>
+        </a:effectRef>
+        <a:fontRef idx="minor">
+          <a:schemeClr val="tx1"/>
+        </a:fontRef>
+      </a:style>
+    </a:lnDef>
+  </a:objectDefaults>
+  <a:extraClrSchemeLst/>
+</a:theme>
 </file>
--- a/thesis/phd_talk/PhD_talk.pptx
+++ b/thesis/phd_talk/PhD_talk.pptx
@@ -5,7 +5,7 @@
     <p:sldMasterId id="2147483648" r:id="rId1"/>
   </p:sldMasterIdLst>
   <p:notesMasterIdLst>
-    <p:notesMasterId r:id="rId41"/>
+    <p:notesMasterId r:id="rId49"/>
   </p:notesMasterIdLst>
   <p:sldIdLst>
     <p:sldId id="257" r:id="rId2"/>
@@ -46,7 +46,15 @@
     <p:sldId id="296" r:id="rId37"/>
     <p:sldId id="297" r:id="rId38"/>
     <p:sldId id="298" r:id="rId39"/>
-    <p:sldId id="299" r:id="rId40"/>
+    <p:sldId id="301" r:id="rId40"/>
+    <p:sldId id="302" r:id="rId41"/>
+    <p:sldId id="303" r:id="rId42"/>
+    <p:sldId id="304" r:id="rId43"/>
+    <p:sldId id="305" r:id="rId44"/>
+    <p:sldId id="306" r:id="rId45"/>
+    <p:sldId id="307" r:id="rId46"/>
+    <p:sldId id="308" r:id="rId47"/>
+    <p:sldId id="299" r:id="rId48"/>
   </p:sldIdLst>
   <p:sldSz cx="9144000" cy="6858000" type="screen4x3"/>
   <p:notesSz cx="6858000" cy="9144000"/>
@@ -227,7 +235,7 @@
             </a:lvl1pPr>
           </a:lstStyle>
           <a:p>
-            <a:endParaRPr lang="en-US"/>
+            <a:endParaRPr lang="en-US" dirty="0"/>
           </a:p>
         </p:txBody>
       </p:sp>
@@ -260,9 +268,10 @@
           <a:p>
             <a:fld id="{F88DE0FE-EC7B-4448-A476-ADBFEDF282ED}" type="datetimeFigureOut">
               <a:rPr lang="en-US" smtClean="0"/>
-              <a:t>2012/10/08</a:t>
+              <a:pPr/>
+              <a:t>2/6/2013</a:t>
             </a:fld>
-            <a:endParaRPr lang="en-US"/>
+            <a:endParaRPr lang="en-US" dirty="0"/>
           </a:p>
         </p:txBody>
       </p:sp>
@@ -295,7 +304,7 @@
           <a:bodyPr vert="horz" lIns="91440" tIns="45720" rIns="91440" bIns="45720" rtlCol="0" anchor="ctr"/>
           <a:lstStyle/>
           <a:p>
-            <a:endParaRPr lang="en-US"/>
+            <a:endParaRPr lang="en-US" dirty="0"/>
           </a:p>
         </p:txBody>
       </p:sp>
@@ -386,7 +395,7 @@
             </a:lvl1pPr>
           </a:lstStyle>
           <a:p>
-            <a:endParaRPr lang="en-US"/>
+            <a:endParaRPr lang="en-US" dirty="0"/>
           </a:p>
         </p:txBody>
       </p:sp>
@@ -419,16 +428,17 @@
           <a:p>
             <a:fld id="{D4231AF1-F3E1-464A-AEFC-6647F4ADC47E}" type="slidenum">
               <a:rPr lang="en-US" smtClean="0"/>
+              <a:pPr/>
               <a:t>‹#›</a:t>
             </a:fld>
-            <a:endParaRPr lang="en-US"/>
+            <a:endParaRPr lang="en-US" dirty="0"/>
           </a:p>
         </p:txBody>
       </p:sp>
     </p:spTree>
     <p:extLst>
       <p:ext uri="{BB962C8B-B14F-4D97-AF65-F5344CB8AC3E}">
-        <p14:creationId xmlns:p14="http://schemas.microsoft.com/office/powerpoint/2010/main" val="732802971"/>
+        <p14:creationId xmlns:p14="http://schemas.microsoft.com/office/powerpoint/2010/main" xmlns="" val="732802971"/>
       </p:ext>
     </p:extLst>
   </p:cSld>
@@ -593,16 +603,17 @@
           <a:p>
             <a:fld id="{D4231AF1-F3E1-464A-AEFC-6647F4ADC47E}" type="slidenum">
               <a:rPr lang="en-US" smtClean="0"/>
+              <a:pPr/>
               <a:t>8</a:t>
             </a:fld>
-            <a:endParaRPr lang="en-US"/>
+            <a:endParaRPr lang="en-US" dirty="0"/>
           </a:p>
         </p:txBody>
       </p:sp>
     </p:spTree>
     <p:extLst>
       <p:ext uri="{BB962C8B-B14F-4D97-AF65-F5344CB8AC3E}">
-        <p14:creationId xmlns:p14="http://schemas.microsoft.com/office/powerpoint/2010/main" val="1396222083"/>
+        <p14:creationId xmlns:p14="http://schemas.microsoft.com/office/powerpoint/2010/main" xmlns="" val="1396222083"/>
       </p:ext>
     </p:extLst>
   </p:cSld>
@@ -798,9 +809,9 @@
             <a:fld id="{3DBDE37E-CB06-4B79-93C7-D4500F90DA3C}" type="datetimeFigureOut">
               <a:rPr lang="en-US"/>
               <a:pPr/>
-              <a:t>2012/10/08</a:t>
+              <a:t>2/6/2013</a:t>
             </a:fld>
-            <a:endParaRPr lang="en-US"/>
+            <a:endParaRPr lang="en-US" dirty="0"/>
           </a:p>
         </p:txBody>
       </p:sp>
@@ -826,7 +837,7 @@
             <a:pPr>
               <a:defRPr/>
             </a:pPr>
-            <a:endParaRPr lang="en-US"/>
+            <a:endParaRPr lang="en-US" dirty="0"/>
           </a:p>
         </p:txBody>
       </p:sp>
@@ -854,7 +865,7 @@
               <a:pPr/>
               <a:t>‹#›</a:t>
             </a:fld>
-            <a:endParaRPr lang="en-US"/>
+            <a:endParaRPr lang="en-US" dirty="0"/>
           </a:p>
         </p:txBody>
       </p:sp>
@@ -980,9 +991,9 @@
             <a:fld id="{7CB2F816-2217-40FD-9E22-A5E5B0FC88D0}" type="datetimeFigureOut">
               <a:rPr lang="en-US"/>
               <a:pPr/>
-              <a:t>2012/10/08</a:t>
+              <a:t>2/6/2013</a:t>
             </a:fld>
-            <a:endParaRPr lang="en-US"/>
+            <a:endParaRPr lang="en-US" dirty="0"/>
           </a:p>
         </p:txBody>
       </p:sp>
@@ -1008,7 +1019,7 @@
             <a:pPr>
               <a:defRPr/>
             </a:pPr>
-            <a:endParaRPr lang="en-US"/>
+            <a:endParaRPr lang="en-US" dirty="0"/>
           </a:p>
         </p:txBody>
       </p:sp>
@@ -1036,7 +1047,7 @@
               <a:pPr/>
               <a:t>‹#›</a:t>
             </a:fld>
-            <a:endParaRPr lang="en-US"/>
+            <a:endParaRPr lang="en-US" dirty="0"/>
           </a:p>
         </p:txBody>
       </p:sp>
@@ -1172,9 +1183,9 @@
             <a:fld id="{5871EF02-FB29-402D-BF2D-2F5D78358143}" type="datetimeFigureOut">
               <a:rPr lang="en-US"/>
               <a:pPr/>
-              <a:t>2012/10/08</a:t>
+              <a:t>2/6/2013</a:t>
             </a:fld>
-            <a:endParaRPr lang="en-US"/>
+            <a:endParaRPr lang="en-US" dirty="0"/>
           </a:p>
         </p:txBody>
       </p:sp>
@@ -1200,7 +1211,7 @@
             <a:pPr>
               <a:defRPr/>
             </a:pPr>
-            <a:endParaRPr lang="en-US"/>
+            <a:endParaRPr lang="en-US" dirty="0"/>
           </a:p>
         </p:txBody>
       </p:sp>
@@ -1228,7 +1239,7 @@
               <a:pPr/>
               <a:t>‹#›</a:t>
             </a:fld>
-            <a:endParaRPr lang="en-US"/>
+            <a:endParaRPr lang="en-US" dirty="0"/>
           </a:p>
         </p:txBody>
       </p:sp>
@@ -1354,9 +1365,9 @@
             <a:fld id="{1F90F688-57D1-4A5E-805A-AA6F666E6DCB}" type="datetimeFigureOut">
               <a:rPr lang="en-US"/>
               <a:pPr/>
-              <a:t>2012/10/08</a:t>
+              <a:t>2/6/2013</a:t>
             </a:fld>
-            <a:endParaRPr lang="en-US"/>
+            <a:endParaRPr lang="en-US" dirty="0"/>
           </a:p>
         </p:txBody>
       </p:sp>
@@ -1382,7 +1393,7 @@
             <a:pPr>
               <a:defRPr/>
             </a:pPr>
-            <a:endParaRPr lang="en-US"/>
+            <a:endParaRPr lang="en-US" dirty="0"/>
           </a:p>
         </p:txBody>
       </p:sp>
@@ -1410,7 +1421,7 @@
               <a:pPr/>
               <a:t>‹#›</a:t>
             </a:fld>
-            <a:endParaRPr lang="en-US"/>
+            <a:endParaRPr lang="en-US" dirty="0"/>
           </a:p>
         </p:txBody>
       </p:sp>
@@ -1612,9 +1623,9 @@
             <a:fld id="{86316768-ED5F-4643-8F34-0BAA5D945208}" type="datetimeFigureOut">
               <a:rPr lang="en-US"/>
               <a:pPr/>
-              <a:t>2012/10/08</a:t>
+              <a:t>2/6/2013</a:t>
             </a:fld>
-            <a:endParaRPr lang="en-US"/>
+            <a:endParaRPr lang="en-US" dirty="0"/>
           </a:p>
         </p:txBody>
       </p:sp>
@@ -1640,7 +1651,7 @@
             <a:pPr>
               <a:defRPr/>
             </a:pPr>
-            <a:endParaRPr lang="en-US"/>
+            <a:endParaRPr lang="en-US" dirty="0"/>
           </a:p>
         </p:txBody>
       </p:sp>
@@ -1668,7 +1679,7 @@
               <a:pPr/>
               <a:t>‹#›</a:t>
             </a:fld>
-            <a:endParaRPr lang="en-US"/>
+            <a:endParaRPr lang="en-US" dirty="0"/>
           </a:p>
         </p:txBody>
       </p:sp>
@@ -1912,9 +1923,9 @@
             <a:fld id="{A664E57C-7D30-46AE-AD4F-3EFB2ECCC049}" type="datetimeFigureOut">
               <a:rPr lang="en-US"/>
               <a:pPr/>
-              <a:t>2012/10/08</a:t>
+              <a:t>2/6/2013</a:t>
             </a:fld>
-            <a:endParaRPr lang="en-US"/>
+            <a:endParaRPr lang="en-US" dirty="0"/>
           </a:p>
         </p:txBody>
       </p:sp>
@@ -1940,7 +1951,7 @@
             <a:pPr>
               <a:defRPr/>
             </a:pPr>
-            <a:endParaRPr lang="en-US"/>
+            <a:endParaRPr lang="en-US" dirty="0"/>
           </a:p>
         </p:txBody>
       </p:sp>
@@ -1968,7 +1979,7 @@
               <a:pPr/>
               <a:t>‹#›</a:t>
             </a:fld>
-            <a:endParaRPr lang="en-US"/>
+            <a:endParaRPr lang="en-US" dirty="0"/>
           </a:p>
         </p:txBody>
       </p:sp>
@@ -2346,9 +2357,9 @@
             <a:fld id="{D50E77B1-474C-4335-8D3B-BB9255ACA0F4}" type="datetimeFigureOut">
               <a:rPr lang="en-US"/>
               <a:pPr/>
-              <a:t>2012/10/08</a:t>
+              <a:t>2/6/2013</a:t>
             </a:fld>
-            <a:endParaRPr lang="en-US"/>
+            <a:endParaRPr lang="en-US" dirty="0"/>
           </a:p>
         </p:txBody>
       </p:sp>
@@ -2374,7 +2385,7 @@
             <a:pPr>
               <a:defRPr/>
             </a:pPr>
-            <a:endParaRPr lang="en-US"/>
+            <a:endParaRPr lang="en-US" dirty="0"/>
           </a:p>
         </p:txBody>
       </p:sp>
@@ -2402,7 +2413,7 @@
               <a:pPr/>
               <a:t>‹#›</a:t>
             </a:fld>
-            <a:endParaRPr lang="en-US"/>
+            <a:endParaRPr lang="en-US" dirty="0"/>
           </a:p>
         </p:txBody>
       </p:sp>
@@ -2476,9 +2487,9 @@
             <a:fld id="{4D7E6BEE-916F-42A8-82C0-F4F82EEEFC0F}" type="datetimeFigureOut">
               <a:rPr lang="en-US"/>
               <a:pPr/>
-              <a:t>2012/10/08</a:t>
+              <a:t>2/6/2013</a:t>
             </a:fld>
-            <a:endParaRPr lang="en-US"/>
+            <a:endParaRPr lang="en-US" dirty="0"/>
           </a:p>
         </p:txBody>
       </p:sp>
@@ -2504,7 +2515,7 @@
             <a:pPr>
               <a:defRPr/>
             </a:pPr>
-            <a:endParaRPr lang="en-US"/>
+            <a:endParaRPr lang="en-US" dirty="0"/>
           </a:p>
         </p:txBody>
       </p:sp>
@@ -2532,7 +2543,7 @@
               <a:pPr/>
               <a:t>‹#›</a:t>
             </a:fld>
-            <a:endParaRPr lang="en-US"/>
+            <a:endParaRPr lang="en-US" dirty="0"/>
           </a:p>
         </p:txBody>
       </p:sp>
@@ -2583,9 +2594,9 @@
             <a:fld id="{BB646075-2E99-4691-9340-AC68F28C0357}" type="datetimeFigureOut">
               <a:rPr lang="en-US"/>
               <a:pPr/>
-              <a:t>2012/10/08</a:t>
+              <a:t>2/6/2013</a:t>
             </a:fld>
-            <a:endParaRPr lang="en-US"/>
+            <a:endParaRPr lang="en-US" dirty="0"/>
           </a:p>
         </p:txBody>
       </p:sp>
@@ -2611,7 +2622,7 @@
             <a:pPr>
               <a:defRPr/>
             </a:pPr>
-            <a:endParaRPr lang="en-US"/>
+            <a:endParaRPr lang="en-US" dirty="0"/>
           </a:p>
         </p:txBody>
       </p:sp>
@@ -2639,7 +2650,7 @@
               <a:pPr/>
               <a:t>‹#›</a:t>
             </a:fld>
-            <a:endParaRPr lang="en-US"/>
+            <a:endParaRPr lang="en-US" dirty="0"/>
           </a:p>
         </p:txBody>
       </p:sp>
@@ -2872,9 +2883,9 @@
             <a:fld id="{8B41057B-B950-4B6F-ACDD-19CE23549766}" type="datetimeFigureOut">
               <a:rPr lang="en-US"/>
               <a:pPr/>
-              <a:t>2012/10/08</a:t>
+              <a:t>2/6/2013</a:t>
             </a:fld>
-            <a:endParaRPr lang="en-US"/>
+            <a:endParaRPr lang="en-US" dirty="0"/>
           </a:p>
         </p:txBody>
       </p:sp>
@@ -2900,7 +2911,7 @@
             <a:pPr>
               <a:defRPr/>
             </a:pPr>
-            <a:endParaRPr lang="en-US"/>
+            <a:endParaRPr lang="en-US" dirty="0"/>
           </a:p>
         </p:txBody>
       </p:sp>
@@ -2928,7 +2939,7 @@
               <a:pPr/>
               <a:t>‹#›</a:t>
             </a:fld>
-            <a:endParaRPr lang="en-US"/>
+            <a:endParaRPr lang="en-US" dirty="0"/>
           </a:p>
         </p:txBody>
       </p:sp>
@@ -3049,7 +3060,7 @@
           </a:lstStyle>
           <a:p>
             <a:pPr lvl="0"/>
-            <a:endParaRPr lang="en-US" noProof="0"/>
+            <a:endParaRPr lang="en-US" noProof="0" dirty="0"/>
           </a:p>
         </p:txBody>
       </p:sp>
@@ -3140,9 +3151,9 @@
             <a:fld id="{31165655-5886-46BE-B326-4B99FC0DC3F5}" type="datetimeFigureOut">
               <a:rPr lang="en-US"/>
               <a:pPr/>
-              <a:t>2012/10/08</a:t>
+              <a:t>2/6/2013</a:t>
             </a:fld>
-            <a:endParaRPr lang="en-US"/>
+            <a:endParaRPr lang="en-US" dirty="0"/>
           </a:p>
         </p:txBody>
       </p:sp>
@@ -3168,7 +3179,7 @@
             <a:pPr>
               <a:defRPr/>
             </a:pPr>
-            <a:endParaRPr lang="en-US"/>
+            <a:endParaRPr lang="en-US" dirty="0"/>
           </a:p>
         </p:txBody>
       </p:sp>
@@ -3196,7 +3207,7 @@
               <a:pPr/>
               <a:t>‹#›</a:t>
             </a:fld>
-            <a:endParaRPr lang="en-US"/>
+            <a:endParaRPr lang="en-US" dirty="0"/>
           </a:p>
         </p:txBody>
       </p:sp>
@@ -3382,9 +3393,9 @@
             <a:fld id="{6435AD0D-B3E0-406E-A544-B05638F212A1}" type="datetimeFigureOut">
               <a:rPr lang="en-US"/>
               <a:pPr/>
-              <a:t>2012/10/08</a:t>
+              <a:t>2/6/2013</a:t>
             </a:fld>
-            <a:endParaRPr lang="en-US"/>
+            <a:endParaRPr lang="en-US" dirty="0"/>
           </a:p>
         </p:txBody>
       </p:sp>
@@ -3429,7 +3440,7 @@
             <a:pPr>
               <a:defRPr/>
             </a:pPr>
-            <a:endParaRPr lang="en-US"/>
+            <a:endParaRPr lang="en-US" dirty="0"/>
           </a:p>
         </p:txBody>
       </p:sp>
@@ -3473,7 +3484,7 @@
               <a:pPr/>
               <a:t>‹#›</a:t>
             </a:fld>
-            <a:endParaRPr lang="en-US"/>
+            <a:endParaRPr lang="en-US" dirty="0"/>
           </a:p>
         </p:txBody>
       </p:sp>
@@ -3948,7 +3959,7 @@
           <a:lstStyle/>
           <a:p>
             <a:pPr algn="ctr"/>
-            <a:endParaRPr lang="en-US" sz="1800">
+            <a:endParaRPr lang="en-US" sz="1800" dirty="0">
               <a:solidFill>
                 <a:srgbClr val="FFFFFF"/>
               </a:solidFill>
@@ -3978,7 +3989,7 @@
           <a:p>
             <a:pPr eaLnBrk="1" hangingPunct="1"/>
             <a:r>
-              <a:rPr lang="en-ZA" dirty="0" smtClean="0">
+              <a:rPr lang="en-GB" dirty="0" smtClean="0">
                 <a:solidFill>
                   <a:schemeClr val="bg1"/>
                 </a:solidFill>
@@ -3986,7 +3997,7 @@
               </a:rPr>
               <a:t>A State Management and Persistency Architecture for Peer-to-Peer Massively Multi-user Virtual Environments</a:t>
             </a:r>
-            <a:endParaRPr lang="en-US" dirty="0" smtClean="0">
+            <a:endParaRPr lang="en-GB" dirty="0" smtClean="0">
               <a:solidFill>
                 <a:schemeClr val="bg1"/>
               </a:solidFill>
@@ -4047,7 +4058,7 @@
         </p:blipFill>
         <p:spPr bwMode="auto">
           <a:xfrm>
-            <a:off x="531813" y="5867400"/>
+            <a:off x="150813" y="6369050"/>
             <a:ext cx="2106612" cy="317500"/>
           </a:xfrm>
           <a:prstGeom prst="rect">
@@ -4122,7 +4133,7 @@
         </p:blipFill>
         <p:spPr bwMode="auto">
           <a:xfrm>
-            <a:off x="6175375" y="4754563"/>
+            <a:off x="6861175" y="5297488"/>
             <a:ext cx="2968625" cy="2098675"/>
           </a:xfrm>
           <a:prstGeom prst="rect">
@@ -4187,7 +4198,7 @@
               <a:defRPr/>
             </a:pPr>
             <a:r>
-              <a:rPr kumimoji="0" lang="en-US" sz="3200" b="0" i="0" u="none" strike="noStrike" kern="1200" cap="none" spc="0" normalizeH="0" baseline="0" noProof="0" dirty="0" smtClean="0">
+              <a:rPr kumimoji="0" lang="en-US" sz="3200" b="0" i="0" u="none" strike="noStrike" kern="1200" cap="none" spc="0" normalizeH="0" baseline="0" noProof="0" smtClean="0">
                 <a:ln>
                   <a:noFill/>
                 </a:ln>
@@ -4201,8 +4212,56 @@
                 <a:ea typeface="MS PGothic" pitchFamily="34" charset="-128"/>
                 <a:cs typeface="ＭＳ Ｐゴシック" charset="0"/>
               </a:rPr>
-              <a:t>October 2012</a:t>
-            </a:r>
+              <a:t>February</a:t>
+            </a:r>
+            <a:r>
+              <a:rPr kumimoji="0" lang="en-US" sz="3200" b="0" i="0" u="none" strike="noStrike" kern="1200" cap="none" spc="0" normalizeH="0" noProof="0" smtClean="0">
+                <a:ln>
+                  <a:noFill/>
+                </a:ln>
+                <a:solidFill>
+                  <a:schemeClr val="bg1"/>
+                </a:solidFill>
+                <a:effectLst/>
+                <a:uLnTx/>
+                <a:uFillTx/>
+                <a:latin typeface="+mn-lt"/>
+                <a:ea typeface="MS PGothic" pitchFamily="34" charset="-128"/>
+                <a:cs typeface="ＭＳ Ｐゴシック" charset="0"/>
+              </a:rPr>
+              <a:t> </a:t>
+            </a:r>
+            <a:r>
+              <a:rPr kumimoji="0" lang="en-US" sz="3200" b="0" i="0" u="none" strike="noStrike" kern="1200" cap="none" spc="0" normalizeH="0" baseline="0" noProof="0" smtClean="0">
+                <a:ln>
+                  <a:noFill/>
+                </a:ln>
+                <a:solidFill>
+                  <a:schemeClr val="bg1"/>
+                </a:solidFill>
+                <a:effectLst/>
+                <a:uLnTx/>
+                <a:uFillTx/>
+                <a:latin typeface="+mn-lt"/>
+                <a:ea typeface="MS PGothic" pitchFamily="34" charset="-128"/>
+                <a:cs typeface="ＭＳ Ｐゴシック" charset="0"/>
+              </a:rPr>
+              <a:t>2013</a:t>
+            </a:r>
+            <a:endParaRPr kumimoji="0" lang="en-US" sz="3200" b="0" i="0" u="none" strike="noStrike" kern="1200" cap="none" spc="0" normalizeH="0" baseline="0" noProof="0" dirty="0" smtClean="0">
+              <a:ln>
+                <a:noFill/>
+              </a:ln>
+              <a:solidFill>
+                <a:schemeClr val="bg1"/>
+              </a:solidFill>
+              <a:effectLst/>
+              <a:uLnTx/>
+              <a:uFillTx/>
+              <a:latin typeface="+mn-lt"/>
+              <a:ea typeface="MS PGothic" pitchFamily="34" charset="-128"/>
+              <a:cs typeface="ＭＳ Ｐゴシック" charset="0"/>
+            </a:endParaRPr>
           </a:p>
         </p:txBody>
       </p:sp>
@@ -4212,17 +4271,17 @@
     <a:masterClrMapping/>
   </p:clrMapOvr>
   <mc:AlternateContent xmlns:mc="http://schemas.openxmlformats.org/markup-compatibility/2006">
-    <mc:Choice xmlns:p14="http://schemas.microsoft.com/office/powerpoint/2010/main" Requires="p14">
+    <mc:Choice xmlns:p14="http://schemas.microsoft.com/office/powerpoint/2010/main" xmlns="" Requires="p14">
       <p:transition spd="slow" p14:dur="2000" advTm="3597"/>
     </mc:Choice>
     <mc:Fallback>
-      <p:transition xmlns:p14="http://schemas.microsoft.com/office/powerpoint/2010/main" spd="slow" advTm="3597"/>
+      <p:transition spd="slow" advTm="3597"/>
     </mc:Fallback>
   </mc:AlternateContent>
   <p:timing>
     <p:tnLst>
       <p:par>
-        <p:cTn xmlns:p14="http://schemas.microsoft.com/office/powerpoint/2010/main" id="1" dur="indefinite" restart="never" nodeType="tmRoot"/>
+        <p:cTn id="1" dur="indefinite" restart="never" nodeType="tmRoot"/>
       </p:par>
     </p:tnLst>
   </p:timing>
@@ -4286,7 +4345,7 @@
           <a:lstStyle/>
           <a:p>
             <a:pPr algn="ctr"/>
-            <a:endParaRPr lang="en-US" sz="1800">
+            <a:endParaRPr lang="en-US" sz="1800" dirty="0">
               <a:solidFill>
                 <a:srgbClr val="FFFFFF"/>
               </a:solidFill>
@@ -4338,7 +4397,7 @@
           <a:p>
             <a:pPr eaLnBrk="1" hangingPunct="1"/>
             <a:r>
-              <a:rPr lang="en-US" dirty="0" smtClean="0">
+              <a:rPr lang="en-GB" dirty="0" smtClean="0">
                 <a:solidFill>
                   <a:schemeClr val="bg1"/>
                 </a:solidFill>
@@ -4349,7 +4408,7 @@
           <a:p>
             <a:pPr eaLnBrk="1" hangingPunct="1"/>
             <a:r>
-              <a:rPr lang="en-US" dirty="0" smtClean="0">
+              <a:rPr lang="en-GB" dirty="0" smtClean="0">
                 <a:solidFill>
                   <a:schemeClr val="bg1"/>
                 </a:solidFill>
@@ -4360,7 +4419,7 @@
           <a:p>
             <a:pPr eaLnBrk="1" hangingPunct="1"/>
             <a:r>
-              <a:rPr lang="en-US" dirty="0" smtClean="0">
+              <a:rPr lang="en-GB" dirty="0" smtClean="0">
                 <a:solidFill>
                   <a:schemeClr val="bg1"/>
                 </a:solidFill>
@@ -4371,7 +4430,7 @@
           <a:p>
             <a:pPr eaLnBrk="1" hangingPunct="1"/>
             <a:r>
-              <a:rPr lang="en-US" dirty="0" smtClean="0">
+              <a:rPr lang="en-GB" dirty="0" smtClean="0">
                 <a:solidFill>
                   <a:schemeClr val="bg1"/>
                 </a:solidFill>
@@ -4382,7 +4441,7 @@
           <a:p>
             <a:pPr eaLnBrk="1" hangingPunct="1"/>
             <a:r>
-              <a:rPr lang="en-US" dirty="0" smtClean="0">
+              <a:rPr lang="en-GB" dirty="0" smtClean="0">
                 <a:solidFill>
                   <a:schemeClr val="bg1"/>
                 </a:solidFill>
@@ -4393,7 +4452,7 @@
           <a:p>
             <a:pPr eaLnBrk="1" hangingPunct="1"/>
             <a:r>
-              <a:rPr lang="en-US" dirty="0" smtClean="0">
+              <a:rPr lang="en-GB" dirty="0" smtClean="0">
                 <a:solidFill>
                   <a:schemeClr val="bg1"/>
                 </a:solidFill>
@@ -4404,19 +4463,24 @@
           <a:p>
             <a:pPr eaLnBrk="1" hangingPunct="1"/>
             <a:r>
-              <a:rPr lang="en-US" dirty="0" smtClean="0">
+              <a:rPr lang="en-GB" dirty="0" smtClean="0">
                 <a:solidFill>
                   <a:schemeClr val="bg1"/>
                 </a:solidFill>
               </a:rPr>
               <a:t>Updates</a:t>
             </a:r>
+            <a:endParaRPr lang="en-GB" dirty="0" smtClean="0">
+              <a:solidFill>
+                <a:schemeClr val="bg1"/>
+              </a:solidFill>
+            </a:endParaRPr>
           </a:p>
         </p:txBody>
       </p:sp>
       <p:pic>
         <p:nvPicPr>
-          <p:cNvPr id="15364" name="Picture 1"/>
+          <p:cNvPr id="7" name="Picture 8" descr="Final MIH logo.png"/>
           <p:cNvPicPr>
             <a:picLocks noChangeAspect="1"/>
           </p:cNvPicPr>
@@ -4431,8 +4495,8 @@
         </p:blipFill>
         <p:spPr bwMode="auto">
           <a:xfrm>
-            <a:off x="531813" y="5867400"/>
-            <a:ext cx="2106612" cy="317500"/>
+            <a:off x="6861175" y="5297488"/>
+            <a:ext cx="2968625" cy="2098675"/>
           </a:xfrm>
           <a:prstGeom prst="rect">
             <a:avLst/>
@@ -4448,7 +4512,7 @@
       </p:pic>
       <p:pic>
         <p:nvPicPr>
-          <p:cNvPr id="15365" name="Picture 8" descr="Final MIH logo.png"/>
+          <p:cNvPr id="8" name="Picture 1"/>
           <p:cNvPicPr>
             <a:picLocks noChangeAspect="1"/>
           </p:cNvPicPr>
@@ -4463,8 +4527,8 @@
         </p:blipFill>
         <p:spPr bwMode="auto">
           <a:xfrm>
-            <a:off x="6175375" y="4754563"/>
-            <a:ext cx="2968625" cy="2098675"/>
+            <a:off x="150813" y="6369050"/>
+            <a:ext cx="2106612" cy="317500"/>
           </a:xfrm>
           <a:prstGeom prst="rect">
             <a:avLst/>
@@ -4484,17 +4548,17 @@
     <a:masterClrMapping/>
   </p:clrMapOvr>
   <mc:AlternateContent xmlns:mc="http://schemas.openxmlformats.org/markup-compatibility/2006">
-    <mc:Choice xmlns:p14="http://schemas.microsoft.com/office/powerpoint/2010/main" Requires="p14">
+    <mc:Choice xmlns:p14="http://schemas.microsoft.com/office/powerpoint/2010/main" xmlns="" Requires="p14">
       <p:transition spd="slow" p14:dur="2000" advTm="375"/>
     </mc:Choice>
     <mc:Fallback>
-      <p:transition xmlns:p14="http://schemas.microsoft.com/office/powerpoint/2010/main" spd="slow" advTm="375"/>
+      <p:transition spd="slow" advTm="375"/>
     </mc:Fallback>
   </mc:AlternateContent>
   <p:timing>
     <p:tnLst>
       <p:par>
-        <p:cTn xmlns:p14="http://schemas.microsoft.com/office/powerpoint/2010/main" id="1" dur="indefinite" restart="never" nodeType="tmRoot"/>
+        <p:cTn id="1" dur="indefinite" restart="never" nodeType="tmRoot"/>
       </p:par>
     </p:tnLst>
   </p:timing>
@@ -4558,7 +4622,7 @@
           <a:lstStyle/>
           <a:p>
             <a:pPr algn="ctr"/>
-            <a:endParaRPr lang="en-US" sz="1800">
+            <a:endParaRPr lang="en-US" sz="1800" dirty="0">
               <a:solidFill>
                 <a:srgbClr val="FFFFFF"/>
               </a:solidFill>
@@ -4595,11 +4659,13 @@
       </p:sp>
       <p:pic>
         <p:nvPicPr>
-          <p:cNvPr id="15364" name="Picture 1"/>
+          <p:cNvPr id="17410" name="Picture 2"/>
           <p:cNvPicPr>
-            <a:picLocks noChangeAspect="1"/>
+            <a:picLocks noGrp="1" noChangeAspect="1" noChangeArrowheads="1"/>
           </p:cNvPicPr>
-          <p:nvPr/>
+          <p:nvPr>
+            <p:ph idx="1"/>
+          </p:nvPr>
         </p:nvPicPr>
         <p:blipFill>
           <a:blip r:embed="rId2"/>
@@ -4610,8 +4676,8 @@
         </p:blipFill>
         <p:spPr bwMode="auto">
           <a:xfrm>
-            <a:off x="531813" y="5867400"/>
-            <a:ext cx="2106612" cy="317500"/>
+            <a:off x="1343025" y="1417638"/>
+            <a:ext cx="5067300" cy="4438650"/>
           </a:xfrm>
           <a:prstGeom prst="rect">
             <a:avLst/>
@@ -4627,7 +4693,7 @@
       </p:pic>
       <p:pic>
         <p:nvPicPr>
-          <p:cNvPr id="15365" name="Picture 8" descr="Final MIH logo.png"/>
+          <p:cNvPr id="7" name="Picture 8" descr="Final MIH logo.png"/>
           <p:cNvPicPr>
             <a:picLocks noChangeAspect="1"/>
           </p:cNvPicPr>
@@ -4642,7 +4708,7 @@
         </p:blipFill>
         <p:spPr bwMode="auto">
           <a:xfrm>
-            <a:off x="6175375" y="4754563"/>
+            <a:off x="6861175" y="5297488"/>
             <a:ext cx="2968625" cy="2098675"/>
           </a:xfrm>
           <a:prstGeom prst="rect">
@@ -4659,13 +4725,11 @@
       </p:pic>
       <p:pic>
         <p:nvPicPr>
-          <p:cNvPr id="17410" name="Picture 2"/>
+          <p:cNvPr id="8" name="Picture 1"/>
           <p:cNvPicPr>
-            <a:picLocks noGrp="1" noChangeAspect="1" noChangeArrowheads="1"/>
+            <a:picLocks noChangeAspect="1"/>
           </p:cNvPicPr>
-          <p:nvPr>
-            <p:ph idx="1"/>
-          </p:nvPr>
+          <p:nvPr/>
         </p:nvPicPr>
         <p:blipFill>
           <a:blip r:embed="rId4"/>
@@ -4676,8 +4740,8 @@
         </p:blipFill>
         <p:spPr bwMode="auto">
           <a:xfrm>
-            <a:off x="1343025" y="1417638"/>
-            <a:ext cx="5067300" cy="4438650"/>
+            <a:off x="150813" y="6369050"/>
+            <a:ext cx="2106612" cy="317500"/>
           </a:xfrm>
           <a:prstGeom prst="rect">
             <a:avLst/>
@@ -4697,17 +4761,17 @@
     <a:masterClrMapping/>
   </p:clrMapOvr>
   <mc:AlternateContent xmlns:mc="http://schemas.openxmlformats.org/markup-compatibility/2006">
-    <mc:Choice xmlns:p14="http://schemas.microsoft.com/office/powerpoint/2010/main" Requires="p14">
+    <mc:Choice xmlns:p14="http://schemas.microsoft.com/office/powerpoint/2010/main" xmlns="" Requires="p14">
       <p:transition spd="slow" p14:dur="2000"/>
     </mc:Choice>
     <mc:Fallback>
-      <p:transition xmlns:p14="http://schemas.microsoft.com/office/powerpoint/2010/main" spd="slow"/>
+      <p:transition spd="slow"/>
     </mc:Fallback>
   </mc:AlternateContent>
   <p:timing>
     <p:tnLst>
       <p:par>
-        <p:cTn xmlns:p14="http://schemas.microsoft.com/office/powerpoint/2010/main" id="1" dur="indefinite" restart="never" nodeType="tmRoot"/>
+        <p:cTn id="1" dur="indefinite" restart="never" nodeType="tmRoot"/>
       </p:par>
     </p:tnLst>
   </p:timing>
@@ -4771,7 +4835,7 @@
           <a:lstStyle/>
           <a:p>
             <a:pPr algn="ctr"/>
-            <a:endParaRPr lang="en-US" sz="1800">
+            <a:endParaRPr lang="en-US" sz="1800" dirty="0">
               <a:solidFill>
                 <a:srgbClr val="FFFFFF"/>
               </a:solidFill>
@@ -4808,11 +4872,13 @@
       </p:sp>
       <p:pic>
         <p:nvPicPr>
-          <p:cNvPr id="15364" name="Picture 1"/>
+          <p:cNvPr id="18434" name="Picture 2"/>
           <p:cNvPicPr>
-            <a:picLocks noChangeAspect="1"/>
+            <a:picLocks noGrp="1" noChangeAspect="1" noChangeArrowheads="1"/>
           </p:cNvPicPr>
-          <p:nvPr/>
+          <p:nvPr>
+            <p:ph idx="1"/>
+          </p:nvPr>
         </p:nvPicPr>
         <p:blipFill>
           <a:blip r:embed="rId2"/>
@@ -4823,8 +4889,8 @@
         </p:blipFill>
         <p:spPr bwMode="auto">
           <a:xfrm>
-            <a:off x="531813" y="5867400"/>
-            <a:ext cx="2106612" cy="317500"/>
+            <a:off x="2705100" y="1417638"/>
+            <a:ext cx="3733800" cy="4391025"/>
           </a:xfrm>
           <a:prstGeom prst="rect">
             <a:avLst/>
@@ -4840,7 +4906,7 @@
       </p:pic>
       <p:pic>
         <p:nvPicPr>
-          <p:cNvPr id="15365" name="Picture 8" descr="Final MIH logo.png"/>
+          <p:cNvPr id="7" name="Picture 8" descr="Final MIH logo.png"/>
           <p:cNvPicPr>
             <a:picLocks noChangeAspect="1"/>
           </p:cNvPicPr>
@@ -4855,7 +4921,7 @@
         </p:blipFill>
         <p:spPr bwMode="auto">
           <a:xfrm>
-            <a:off x="6175375" y="4754563"/>
+            <a:off x="6861175" y="5297488"/>
             <a:ext cx="2968625" cy="2098675"/>
           </a:xfrm>
           <a:prstGeom prst="rect">
@@ -4872,13 +4938,11 @@
       </p:pic>
       <p:pic>
         <p:nvPicPr>
-          <p:cNvPr id="18434" name="Picture 2"/>
+          <p:cNvPr id="8" name="Picture 1"/>
           <p:cNvPicPr>
-            <a:picLocks noGrp="1" noChangeAspect="1" noChangeArrowheads="1"/>
+            <a:picLocks noChangeAspect="1"/>
           </p:cNvPicPr>
-          <p:nvPr>
-            <p:ph idx="1"/>
-          </p:nvPr>
+          <p:nvPr/>
         </p:nvPicPr>
         <p:blipFill>
           <a:blip r:embed="rId4"/>
@@ -4889,8 +4953,8 @@
         </p:blipFill>
         <p:spPr bwMode="auto">
           <a:xfrm>
-            <a:off x="2705100" y="1417638"/>
-            <a:ext cx="3733800" cy="4391025"/>
+            <a:off x="150813" y="6369050"/>
+            <a:ext cx="2106612" cy="317500"/>
           </a:xfrm>
           <a:prstGeom prst="rect">
             <a:avLst/>
@@ -4910,17 +4974,17 @@
     <a:masterClrMapping/>
   </p:clrMapOvr>
   <mc:AlternateContent xmlns:mc="http://schemas.openxmlformats.org/markup-compatibility/2006">
-    <mc:Choice xmlns:p14="http://schemas.microsoft.com/office/powerpoint/2010/main" Requires="p14">
+    <mc:Choice xmlns:p14="http://schemas.microsoft.com/office/powerpoint/2010/main" xmlns="" Requires="p14">
       <p:transition spd="slow" p14:dur="2000"/>
     </mc:Choice>
     <mc:Fallback>
-      <p:transition xmlns:p14="http://schemas.microsoft.com/office/powerpoint/2010/main" spd="slow"/>
+      <p:transition spd="slow"/>
     </mc:Fallback>
   </mc:AlternateContent>
   <p:timing>
     <p:tnLst>
       <p:par>
-        <p:cTn xmlns:p14="http://schemas.microsoft.com/office/powerpoint/2010/main" id="1" dur="indefinite" restart="never" nodeType="tmRoot"/>
+        <p:cTn id="1" dur="indefinite" restart="never" nodeType="tmRoot"/>
       </p:par>
     </p:tnLst>
   </p:timing>
@@ -4984,7 +5048,7 @@
           <a:lstStyle/>
           <a:p>
             <a:pPr algn="ctr"/>
-            <a:endParaRPr lang="en-US" sz="1800">
+            <a:endParaRPr lang="en-US" sz="1800" dirty="0">
               <a:solidFill>
                 <a:srgbClr val="FFFFFF"/>
               </a:solidFill>
@@ -5021,11 +5085,13 @@
       </p:sp>
       <p:pic>
         <p:nvPicPr>
-          <p:cNvPr id="15364" name="Picture 1"/>
+          <p:cNvPr id="19458" name="Picture 2"/>
           <p:cNvPicPr>
-            <a:picLocks noChangeAspect="1"/>
+            <a:picLocks noGrp="1" noChangeAspect="1" noChangeArrowheads="1"/>
           </p:cNvPicPr>
-          <p:nvPr/>
+          <p:nvPr>
+            <p:ph idx="1"/>
+          </p:nvPr>
         </p:nvPicPr>
         <p:blipFill>
           <a:blip r:embed="rId2"/>
@@ -5036,8 +5102,8 @@
         </p:blipFill>
         <p:spPr bwMode="auto">
           <a:xfrm>
-            <a:off x="531813" y="5867400"/>
-            <a:ext cx="2106612" cy="317500"/>
+            <a:off x="1251084" y="1341437"/>
+            <a:ext cx="5308332" cy="4525963"/>
           </a:xfrm>
           <a:prstGeom prst="rect">
             <a:avLst/>
@@ -5053,7 +5119,7 @@
       </p:pic>
       <p:pic>
         <p:nvPicPr>
-          <p:cNvPr id="15365" name="Picture 8" descr="Final MIH logo.png"/>
+          <p:cNvPr id="7" name="Picture 8" descr="Final MIH logo.png"/>
           <p:cNvPicPr>
             <a:picLocks noChangeAspect="1"/>
           </p:cNvPicPr>
@@ -5068,7 +5134,7 @@
         </p:blipFill>
         <p:spPr bwMode="auto">
           <a:xfrm>
-            <a:off x="6175375" y="4754563"/>
+            <a:off x="6861175" y="5297488"/>
             <a:ext cx="2968625" cy="2098675"/>
           </a:xfrm>
           <a:prstGeom prst="rect">
@@ -5085,13 +5151,11 @@
       </p:pic>
       <p:pic>
         <p:nvPicPr>
-          <p:cNvPr id="19458" name="Picture 2"/>
+          <p:cNvPr id="8" name="Picture 1"/>
           <p:cNvPicPr>
-            <a:picLocks noGrp="1" noChangeAspect="1" noChangeArrowheads="1"/>
+            <a:picLocks noChangeAspect="1"/>
           </p:cNvPicPr>
-          <p:nvPr>
-            <p:ph idx="1"/>
-          </p:nvPr>
+          <p:nvPr/>
         </p:nvPicPr>
         <p:blipFill>
           <a:blip r:embed="rId4"/>
@@ -5102,8 +5166,8 @@
         </p:blipFill>
         <p:spPr bwMode="auto">
           <a:xfrm>
-            <a:off x="1251084" y="1341437"/>
-            <a:ext cx="5308332" cy="4525963"/>
+            <a:off x="150813" y="6369050"/>
+            <a:ext cx="2106612" cy="317500"/>
           </a:xfrm>
           <a:prstGeom prst="rect">
             <a:avLst/>
@@ -5123,17 +5187,17 @@
     <a:masterClrMapping/>
   </p:clrMapOvr>
   <mc:AlternateContent xmlns:mc="http://schemas.openxmlformats.org/markup-compatibility/2006">
-    <mc:Choice xmlns:p14="http://schemas.microsoft.com/office/powerpoint/2010/main" Requires="p14">
+    <mc:Choice xmlns:p14="http://schemas.microsoft.com/office/powerpoint/2010/main" xmlns="" Requires="p14">
       <p:transition spd="slow" p14:dur="2000" advTm="390"/>
     </mc:Choice>
     <mc:Fallback>
-      <p:transition xmlns:p14="http://schemas.microsoft.com/office/powerpoint/2010/main" spd="slow" advTm="390"/>
+      <p:transition spd="slow" advTm="390"/>
     </mc:Fallback>
   </mc:AlternateContent>
   <p:timing>
     <p:tnLst>
       <p:par>
-        <p:cTn xmlns:p14="http://schemas.microsoft.com/office/powerpoint/2010/main" id="1" dur="indefinite" restart="never" nodeType="tmRoot"/>
+        <p:cTn id="1" dur="indefinite" restart="never" nodeType="tmRoot"/>
       </p:par>
     </p:tnLst>
   </p:timing>
@@ -5197,7 +5261,7 @@
           <a:lstStyle/>
           <a:p>
             <a:pPr algn="ctr"/>
-            <a:endParaRPr lang="en-US" sz="1800">
+            <a:endParaRPr lang="en-US" sz="1800" dirty="0">
               <a:solidFill>
                 <a:srgbClr val="FFFFFF"/>
               </a:solidFill>
@@ -5232,11 +5296,30 @@
           </a:p>
         </p:txBody>
       </p:sp>
+      <p:sp>
+        <p:nvSpPr>
+          <p:cNvPr id="7" name="Content Placeholder 6"/>
+          <p:cNvSpPr>
+            <a:spLocks noGrp="1"/>
+          </p:cNvSpPr>
+          <p:nvPr>
+            <p:ph idx="1"/>
+          </p:nvPr>
+        </p:nvSpPr>
+        <p:spPr/>
+        <p:txBody>
+          <a:bodyPr/>
+          <a:lstStyle/>
+          <a:p>
+            <a:endParaRPr lang="en-ZA" dirty="0"/>
+          </a:p>
+        </p:txBody>
+      </p:sp>
       <p:pic>
         <p:nvPicPr>
-          <p:cNvPr id="15365" name="Picture 8" descr="Final MIH logo.png"/>
+          <p:cNvPr id="20482" name="Picture 2"/>
           <p:cNvPicPr>
-            <a:picLocks noChangeAspect="1"/>
+            <a:picLocks noChangeAspect="1" noChangeArrowheads="1"/>
           </p:cNvPicPr>
           <p:nvPr/>
         </p:nvPicPr>
@@ -5249,8 +5332,8 @@
         </p:blipFill>
         <p:spPr bwMode="auto">
           <a:xfrm>
-            <a:off x="6175375" y="4754563"/>
-            <a:ext cx="2968625" cy="2098675"/>
+            <a:off x="2421731" y="1293812"/>
+            <a:ext cx="4300538" cy="5152809"/>
           </a:xfrm>
           <a:prstGeom prst="rect">
             <a:avLst/>
@@ -5264,30 +5347,11 @@
           </a:ln>
         </p:spPr>
       </p:pic>
-      <p:sp>
-        <p:nvSpPr>
-          <p:cNvPr id="7" name="Content Placeholder 6"/>
-          <p:cNvSpPr>
-            <a:spLocks noGrp="1"/>
-          </p:cNvSpPr>
-          <p:nvPr>
-            <p:ph idx="1"/>
-          </p:nvPr>
-        </p:nvSpPr>
-        <p:spPr/>
-        <p:txBody>
-          <a:bodyPr/>
-          <a:lstStyle/>
-          <a:p>
-            <a:endParaRPr lang="en-ZA" dirty="0"/>
-          </a:p>
-        </p:txBody>
-      </p:sp>
       <p:pic>
         <p:nvPicPr>
-          <p:cNvPr id="20482" name="Picture 2"/>
+          <p:cNvPr id="8" name="Picture 8" descr="Final MIH logo.png"/>
           <p:cNvPicPr>
-            <a:picLocks noChangeAspect="1" noChangeArrowheads="1"/>
+            <a:picLocks noChangeAspect="1"/>
           </p:cNvPicPr>
           <p:nvPr/>
         </p:nvPicPr>
@@ -5300,8 +5364,8 @@
         </p:blipFill>
         <p:spPr bwMode="auto">
           <a:xfrm>
-            <a:off x="2421731" y="1293812"/>
-            <a:ext cx="4300538" cy="5152809"/>
+            <a:off x="6861175" y="5297488"/>
+            <a:ext cx="2968625" cy="2098675"/>
           </a:xfrm>
           <a:prstGeom prst="rect">
             <a:avLst/>
@@ -5321,17 +5385,17 @@
     <a:masterClrMapping/>
   </p:clrMapOvr>
   <mc:AlternateContent xmlns:mc="http://schemas.openxmlformats.org/markup-compatibility/2006">
-    <mc:Choice xmlns:p14="http://schemas.microsoft.com/office/powerpoint/2010/main" Requires="p14">
+    <mc:Choice xmlns:p14="http://schemas.microsoft.com/office/powerpoint/2010/main" xmlns="" Requires="p14">
       <p:transition spd="slow" p14:dur="2000" advTm="627857"/>
     </mc:Choice>
     <mc:Fallback>
-      <p:transition xmlns:p14="http://schemas.microsoft.com/office/powerpoint/2010/main" spd="slow" advTm="627857"/>
+      <p:transition spd="slow" advTm="627857"/>
     </mc:Fallback>
   </mc:AlternateContent>
   <p:timing>
     <p:tnLst>
       <p:par>
-        <p:cTn xmlns:p14="http://schemas.microsoft.com/office/powerpoint/2010/main" id="1" dur="indefinite" restart="never" nodeType="tmRoot"/>
+        <p:cTn id="1" dur="indefinite" restart="never" nodeType="tmRoot"/>
       </p:par>
     </p:tnLst>
   </p:timing>
@@ -5395,7 +5459,7 @@
           <a:lstStyle/>
           <a:p>
             <a:pPr algn="ctr"/>
-            <a:endParaRPr lang="en-US" sz="1800">
+            <a:endParaRPr lang="en-US" sz="1800" dirty="0">
               <a:solidFill>
                 <a:srgbClr val="FFFFFF"/>
               </a:solidFill>
@@ -5430,11 +5494,30 @@
           </a:p>
         </p:txBody>
       </p:sp>
+      <p:sp>
+        <p:nvSpPr>
+          <p:cNvPr id="7" name="Content Placeholder 6"/>
+          <p:cNvSpPr>
+            <a:spLocks noGrp="1"/>
+          </p:cNvSpPr>
+          <p:nvPr>
+            <p:ph idx="1"/>
+          </p:nvPr>
+        </p:nvSpPr>
+        <p:spPr/>
+        <p:txBody>
+          <a:bodyPr/>
+          <a:lstStyle/>
+          <a:p>
+            <a:endParaRPr lang="en-ZA" dirty="0"/>
+          </a:p>
+        </p:txBody>
+      </p:sp>
       <p:pic>
         <p:nvPicPr>
-          <p:cNvPr id="15365" name="Picture 8" descr="Final MIH logo.png"/>
+          <p:cNvPr id="21507" name="Picture 3"/>
           <p:cNvPicPr>
-            <a:picLocks noChangeAspect="1"/>
+            <a:picLocks noChangeAspect="1" noChangeArrowheads="1"/>
           </p:cNvPicPr>
           <p:nvPr/>
         </p:nvPicPr>
@@ -5447,8 +5530,8 @@
         </p:blipFill>
         <p:spPr bwMode="auto">
           <a:xfrm>
-            <a:off x="6175375" y="4754563"/>
-            <a:ext cx="2968625" cy="2098675"/>
+            <a:off x="330685" y="1284288"/>
+            <a:ext cx="8482631" cy="3794126"/>
           </a:xfrm>
           <a:prstGeom prst="rect">
             <a:avLst/>
@@ -5462,30 +5545,11 @@
           </a:ln>
         </p:spPr>
       </p:pic>
-      <p:sp>
-        <p:nvSpPr>
-          <p:cNvPr id="7" name="Content Placeholder 6"/>
-          <p:cNvSpPr>
-            <a:spLocks noGrp="1"/>
-          </p:cNvSpPr>
-          <p:nvPr>
-            <p:ph idx="1"/>
-          </p:nvPr>
-        </p:nvSpPr>
-        <p:spPr/>
-        <p:txBody>
-          <a:bodyPr/>
-          <a:lstStyle/>
-          <a:p>
-            <a:endParaRPr lang="en-ZA" dirty="0"/>
-          </a:p>
-        </p:txBody>
-      </p:sp>
       <p:pic>
         <p:nvPicPr>
-          <p:cNvPr id="21507" name="Picture 3"/>
+          <p:cNvPr id="8" name="Picture 8" descr="Final MIH logo.png"/>
           <p:cNvPicPr>
-            <a:picLocks noChangeAspect="1" noChangeArrowheads="1"/>
+            <a:picLocks noChangeAspect="1"/>
           </p:cNvPicPr>
           <p:nvPr/>
         </p:nvPicPr>
@@ -5498,8 +5562,8 @@
         </p:blipFill>
         <p:spPr bwMode="auto">
           <a:xfrm>
-            <a:off x="330685" y="1284288"/>
-            <a:ext cx="8482631" cy="3794126"/>
+            <a:off x="6861175" y="5297488"/>
+            <a:ext cx="2968625" cy="2098675"/>
           </a:xfrm>
           <a:prstGeom prst="rect">
             <a:avLst/>
@@ -5515,7 +5579,7 @@
       </p:pic>
       <p:pic>
         <p:nvPicPr>
-          <p:cNvPr id="9" name="Picture 1"/>
+          <p:cNvPr id="10" name="Picture 1"/>
           <p:cNvPicPr>
             <a:picLocks noChangeAspect="1"/>
           </p:cNvPicPr>
@@ -5530,7 +5594,7 @@
         </p:blipFill>
         <p:spPr bwMode="auto">
           <a:xfrm>
-            <a:off x="531813" y="5867400"/>
+            <a:off x="150813" y="6369050"/>
             <a:ext cx="2106612" cy="317500"/>
           </a:xfrm>
           <a:prstGeom prst="rect">
@@ -5551,17 +5615,17 @@
     <a:masterClrMapping/>
   </p:clrMapOvr>
   <mc:AlternateContent xmlns:mc="http://schemas.openxmlformats.org/markup-compatibility/2006">
-    <mc:Choice xmlns:p14="http://schemas.microsoft.com/office/powerpoint/2010/main" Requires="p14">
+    <mc:Choice xmlns:p14="http://schemas.microsoft.com/office/powerpoint/2010/main" xmlns="" Requires="p14">
       <p:transition spd="slow" p14:dur="2000" advTm="153"/>
     </mc:Choice>
     <mc:Fallback>
-      <p:transition xmlns:p14="http://schemas.microsoft.com/office/powerpoint/2010/main" spd="slow" advTm="153"/>
+      <p:transition spd="slow" advTm="153"/>
     </mc:Fallback>
   </mc:AlternateContent>
   <p:timing>
     <p:tnLst>
       <p:par>
-        <p:cTn xmlns:p14="http://schemas.microsoft.com/office/powerpoint/2010/main" id="1" dur="indefinite" restart="never" nodeType="tmRoot"/>
+        <p:cTn id="1" dur="indefinite" restart="never" nodeType="tmRoot"/>
       </p:par>
     </p:tnLst>
   </p:timing>
@@ -5625,7 +5689,7 @@
           <a:lstStyle/>
           <a:p>
             <a:pPr algn="ctr"/>
-            <a:endParaRPr lang="en-US" sz="1800">
+            <a:endParaRPr lang="en-US" sz="1800" dirty="0">
               <a:solidFill>
                 <a:srgbClr val="FFFFFF"/>
               </a:solidFill>
@@ -5660,11 +5724,30 @@
           </a:p>
         </p:txBody>
       </p:sp>
+      <p:sp>
+        <p:nvSpPr>
+          <p:cNvPr id="7" name="Content Placeholder 6"/>
+          <p:cNvSpPr>
+            <a:spLocks noGrp="1"/>
+          </p:cNvSpPr>
+          <p:nvPr>
+            <p:ph idx="1"/>
+          </p:nvPr>
+        </p:nvSpPr>
+        <p:spPr/>
+        <p:txBody>
+          <a:bodyPr/>
+          <a:lstStyle/>
+          <a:p>
+            <a:endParaRPr lang="en-ZA" dirty="0"/>
+          </a:p>
+        </p:txBody>
+      </p:sp>
       <p:pic>
         <p:nvPicPr>
-          <p:cNvPr id="15365" name="Picture 8" descr="Final MIH logo.png"/>
+          <p:cNvPr id="22530" name="Picture 2"/>
           <p:cNvPicPr>
-            <a:picLocks noChangeAspect="1"/>
+            <a:picLocks noChangeAspect="1" noChangeArrowheads="1"/>
           </p:cNvPicPr>
           <p:nvPr/>
         </p:nvPicPr>
@@ -5677,8 +5760,8 @@
         </p:blipFill>
         <p:spPr bwMode="auto">
           <a:xfrm>
-            <a:off x="6175375" y="4754563"/>
-            <a:ext cx="2968625" cy="2098675"/>
+            <a:off x="497776" y="1279895"/>
+            <a:ext cx="8148448" cy="3836618"/>
           </a:xfrm>
           <a:prstGeom prst="rect">
             <a:avLst/>
@@ -5692,30 +5775,11 @@
           </a:ln>
         </p:spPr>
       </p:pic>
-      <p:sp>
-        <p:nvSpPr>
-          <p:cNvPr id="7" name="Content Placeholder 6"/>
-          <p:cNvSpPr>
-            <a:spLocks noGrp="1"/>
-          </p:cNvSpPr>
-          <p:nvPr>
-            <p:ph idx="1"/>
-          </p:nvPr>
-        </p:nvSpPr>
-        <p:spPr/>
-        <p:txBody>
-          <a:bodyPr/>
-          <a:lstStyle/>
-          <a:p>
-            <a:endParaRPr lang="en-ZA" dirty="0"/>
-          </a:p>
-        </p:txBody>
-      </p:sp>
       <p:pic>
         <p:nvPicPr>
-          <p:cNvPr id="22530" name="Picture 2"/>
+          <p:cNvPr id="9" name="Picture 8" descr="Final MIH logo.png"/>
           <p:cNvPicPr>
-            <a:picLocks noChangeAspect="1" noChangeArrowheads="1"/>
+            <a:picLocks noChangeAspect="1"/>
           </p:cNvPicPr>
           <p:nvPr/>
         </p:nvPicPr>
@@ -5728,8 +5792,8 @@
         </p:blipFill>
         <p:spPr bwMode="auto">
           <a:xfrm>
-            <a:off x="497776" y="1279895"/>
-            <a:ext cx="8148448" cy="3836618"/>
+            <a:off x="6861175" y="5297488"/>
+            <a:ext cx="2968625" cy="2098675"/>
           </a:xfrm>
           <a:prstGeom prst="rect">
             <a:avLst/>
@@ -5745,7 +5809,7 @@
       </p:pic>
       <p:pic>
         <p:nvPicPr>
-          <p:cNvPr id="8" name="Picture 1"/>
+          <p:cNvPr id="10" name="Picture 1"/>
           <p:cNvPicPr>
             <a:picLocks noChangeAspect="1"/>
           </p:cNvPicPr>
@@ -5760,7 +5824,7 @@
         </p:blipFill>
         <p:spPr bwMode="auto">
           <a:xfrm>
-            <a:off x="531813" y="5867400"/>
+            <a:off x="150813" y="6369050"/>
             <a:ext cx="2106612" cy="317500"/>
           </a:xfrm>
           <a:prstGeom prst="rect">
@@ -5781,17 +5845,17 @@
     <a:masterClrMapping/>
   </p:clrMapOvr>
   <mc:AlternateContent xmlns:mc="http://schemas.openxmlformats.org/markup-compatibility/2006">
-    <mc:Choice xmlns:p14="http://schemas.microsoft.com/office/powerpoint/2010/main" Requires="p14">
+    <mc:Choice xmlns:p14="http://schemas.microsoft.com/office/powerpoint/2010/main" xmlns="" Requires="p14">
       <p:transition spd="slow" p14:dur="2000" advTm="365"/>
     </mc:Choice>
     <mc:Fallback>
-      <p:transition xmlns:p14="http://schemas.microsoft.com/office/powerpoint/2010/main" spd="slow" advTm="365"/>
+      <p:transition spd="slow" advTm="365"/>
     </mc:Fallback>
   </mc:AlternateContent>
   <p:timing>
     <p:tnLst>
       <p:par>
-        <p:cTn xmlns:p14="http://schemas.microsoft.com/office/powerpoint/2010/main" id="1" dur="indefinite" restart="never" nodeType="tmRoot"/>
+        <p:cTn id="1" dur="indefinite" restart="never" nodeType="tmRoot"/>
       </p:par>
     </p:tnLst>
   </p:timing>
@@ -5855,7 +5919,7 @@
           <a:lstStyle/>
           <a:p>
             <a:pPr algn="ctr"/>
-            <a:endParaRPr lang="en-US" sz="1800">
+            <a:endParaRPr lang="en-US" sz="1800" dirty="0">
               <a:solidFill>
                 <a:srgbClr val="FFFFFF"/>
               </a:solidFill>
@@ -5907,7 +5971,7 @@
           <a:p>
             <a:pPr eaLnBrk="1" hangingPunct="1"/>
             <a:r>
-              <a:rPr lang="en-US" dirty="0" smtClean="0">
+              <a:rPr lang="en-GB" dirty="0" smtClean="0">
                 <a:solidFill>
                   <a:schemeClr val="bg1"/>
                 </a:solidFill>
@@ -5918,7 +5982,7 @@
           <a:p>
             <a:pPr eaLnBrk="1" hangingPunct="1"/>
             <a:r>
-              <a:rPr lang="en-US" dirty="0" smtClean="0">
+              <a:rPr lang="en-GB" dirty="0" smtClean="0">
                 <a:solidFill>
                   <a:schemeClr val="bg1"/>
                 </a:solidFill>
@@ -5929,19 +5993,24 @@
           <a:p>
             <a:pPr eaLnBrk="1" hangingPunct="1"/>
             <a:r>
-              <a:rPr lang="en-US" dirty="0" smtClean="0">
+              <a:rPr lang="en-GB" dirty="0" smtClean="0">
                 <a:solidFill>
                   <a:schemeClr val="bg1"/>
                 </a:solidFill>
               </a:rPr>
               <a:t>Supply information of object states to the environment logic.</a:t>
             </a:r>
+            <a:endParaRPr lang="en-GB" dirty="0" smtClean="0">
+              <a:solidFill>
+                <a:schemeClr val="bg1"/>
+              </a:solidFill>
+            </a:endParaRPr>
           </a:p>
         </p:txBody>
       </p:sp>
       <p:pic>
         <p:nvPicPr>
-          <p:cNvPr id="15364" name="Picture 1"/>
+          <p:cNvPr id="7" name="Picture 8" descr="Final MIH logo.png"/>
           <p:cNvPicPr>
             <a:picLocks noChangeAspect="1"/>
           </p:cNvPicPr>
@@ -5956,8 +6025,8 @@
         </p:blipFill>
         <p:spPr bwMode="auto">
           <a:xfrm>
-            <a:off x="531813" y="5867400"/>
-            <a:ext cx="2106612" cy="317500"/>
+            <a:off x="6861175" y="5297488"/>
+            <a:ext cx="2968625" cy="2098675"/>
           </a:xfrm>
           <a:prstGeom prst="rect">
             <a:avLst/>
@@ -5973,7 +6042,7 @@
       </p:pic>
       <p:pic>
         <p:nvPicPr>
-          <p:cNvPr id="15365" name="Picture 8" descr="Final MIH logo.png"/>
+          <p:cNvPr id="8" name="Picture 1"/>
           <p:cNvPicPr>
             <a:picLocks noChangeAspect="1"/>
           </p:cNvPicPr>
@@ -5988,8 +6057,8 @@
         </p:blipFill>
         <p:spPr bwMode="auto">
           <a:xfrm>
-            <a:off x="6175375" y="4754563"/>
-            <a:ext cx="2968625" cy="2098675"/>
+            <a:off x="150813" y="6369050"/>
+            <a:ext cx="2106612" cy="317500"/>
           </a:xfrm>
           <a:prstGeom prst="rect">
             <a:avLst/>
@@ -6009,17 +6078,17 @@
     <a:masterClrMapping/>
   </p:clrMapOvr>
   <mc:AlternateContent xmlns:mc="http://schemas.openxmlformats.org/markup-compatibility/2006">
-    <mc:Choice xmlns:p14="http://schemas.microsoft.com/office/powerpoint/2010/main" Requires="p14">
+    <mc:Choice xmlns:p14="http://schemas.microsoft.com/office/powerpoint/2010/main" xmlns="" Requires="p14">
       <p:transition spd="slow" p14:dur="2000" advTm="52261"/>
     </mc:Choice>
     <mc:Fallback>
-      <p:transition xmlns:p14="http://schemas.microsoft.com/office/powerpoint/2010/main" spd="slow" advTm="52261"/>
+      <p:transition spd="slow" advTm="52261"/>
     </mc:Fallback>
   </mc:AlternateContent>
   <p:timing>
     <p:tnLst>
       <p:par>
-        <p:cTn xmlns:p14="http://schemas.microsoft.com/office/powerpoint/2010/main" id="1" dur="indefinite" restart="never" nodeType="tmRoot"/>
+        <p:cTn id="1" dur="indefinite" restart="never" nodeType="tmRoot"/>
       </p:par>
     </p:tnLst>
   </p:timing>
@@ -6083,7 +6152,7 @@
           <a:lstStyle/>
           <a:p>
             <a:pPr algn="ctr"/>
-            <a:endParaRPr lang="en-US" sz="1800">
+            <a:endParaRPr lang="en-US" sz="1800" dirty="0">
               <a:solidFill>
                 <a:srgbClr val="FFFFFF"/>
               </a:solidFill>
@@ -6135,7 +6204,7 @@
           <a:p>
             <a:pPr eaLnBrk="1" hangingPunct="1"/>
             <a:r>
-              <a:rPr lang="en-US" dirty="0" smtClean="0">
+              <a:rPr lang="en-GB" dirty="0" smtClean="0">
                 <a:solidFill>
                   <a:schemeClr val="bg1"/>
                 </a:solidFill>
@@ -6146,7 +6215,7 @@
           <a:p>
             <a:pPr eaLnBrk="1" hangingPunct="1"/>
             <a:r>
-              <a:rPr lang="en-US" dirty="0" smtClean="0">
+              <a:rPr lang="en-GB" dirty="0" smtClean="0">
                 <a:solidFill>
                   <a:schemeClr val="bg1"/>
                 </a:solidFill>
@@ -6157,7 +6226,7 @@
           <a:p>
             <a:pPr eaLnBrk="1" hangingPunct="1"/>
             <a:r>
-              <a:rPr lang="en-US" dirty="0" smtClean="0">
+              <a:rPr lang="en-GB" dirty="0" smtClean="0">
                 <a:solidFill>
                   <a:schemeClr val="bg1"/>
                 </a:solidFill>
@@ -6168,7 +6237,7 @@
           <a:p>
             <a:pPr eaLnBrk="1" hangingPunct="1"/>
             <a:r>
-              <a:rPr lang="en-US" dirty="0" smtClean="0">
+              <a:rPr lang="en-GB" dirty="0" smtClean="0">
                 <a:solidFill>
                   <a:schemeClr val="bg1"/>
                 </a:solidFill>
@@ -6179,7 +6248,7 @@
           <a:p>
             <a:pPr eaLnBrk="1" hangingPunct="1"/>
             <a:r>
-              <a:rPr lang="en-US" dirty="0" smtClean="0">
+              <a:rPr lang="en-GB" dirty="0" smtClean="0">
                 <a:solidFill>
                   <a:schemeClr val="bg1"/>
                 </a:solidFill>
@@ -6190,19 +6259,24 @@
           <a:p>
             <a:pPr eaLnBrk="1" hangingPunct="1"/>
             <a:r>
-              <a:rPr lang="en-US" dirty="0" smtClean="0">
+              <a:rPr lang="en-GB" dirty="0" smtClean="0">
                 <a:solidFill>
                   <a:schemeClr val="bg1"/>
                 </a:solidFill>
               </a:rPr>
               <a:t>Overhead</a:t>
             </a:r>
+            <a:endParaRPr lang="en-GB" dirty="0" smtClean="0">
+              <a:solidFill>
+                <a:schemeClr val="bg1"/>
+              </a:solidFill>
+            </a:endParaRPr>
           </a:p>
         </p:txBody>
       </p:sp>
       <p:pic>
         <p:nvPicPr>
-          <p:cNvPr id="15364" name="Picture 1"/>
+          <p:cNvPr id="7" name="Picture 8" descr="Final MIH logo.png"/>
           <p:cNvPicPr>
             <a:picLocks noChangeAspect="1"/>
           </p:cNvPicPr>
@@ -6217,8 +6291,8 @@
         </p:blipFill>
         <p:spPr bwMode="auto">
           <a:xfrm>
-            <a:off x="531813" y="5867400"/>
-            <a:ext cx="2106612" cy="317500"/>
+            <a:off x="6861175" y="5297488"/>
+            <a:ext cx="2968625" cy="2098675"/>
           </a:xfrm>
           <a:prstGeom prst="rect">
             <a:avLst/>
@@ -6234,7 +6308,7 @@
       </p:pic>
       <p:pic>
         <p:nvPicPr>
-          <p:cNvPr id="15365" name="Picture 8" descr="Final MIH logo.png"/>
+          <p:cNvPr id="8" name="Picture 1"/>
           <p:cNvPicPr>
             <a:picLocks noChangeAspect="1"/>
           </p:cNvPicPr>
@@ -6249,8 +6323,8 @@
         </p:blipFill>
         <p:spPr bwMode="auto">
           <a:xfrm>
-            <a:off x="6175375" y="4754563"/>
-            <a:ext cx="2968625" cy="2098675"/>
+            <a:off x="150813" y="6369050"/>
+            <a:ext cx="2106612" cy="317500"/>
           </a:xfrm>
           <a:prstGeom prst="rect">
             <a:avLst/>
@@ -6270,17 +6344,17 @@
     <a:masterClrMapping/>
   </p:clrMapOvr>
   <mc:AlternateContent xmlns:mc="http://schemas.openxmlformats.org/markup-compatibility/2006">
-    <mc:Choice xmlns:p14="http://schemas.microsoft.com/office/powerpoint/2010/main" Requires="p14">
+    <mc:Choice xmlns:p14="http://schemas.microsoft.com/office/powerpoint/2010/main" xmlns="" Requires="p14">
       <p:transition spd="slow" p14:dur="2000" advTm="12968"/>
     </mc:Choice>
     <mc:Fallback>
-      <p:transition xmlns:p14="http://schemas.microsoft.com/office/powerpoint/2010/main" spd="slow" advTm="12968"/>
+      <p:transition spd="slow" advTm="12968"/>
     </mc:Fallback>
   </mc:AlternateContent>
   <p:timing>
     <p:tnLst>
       <p:par>
-        <p:cTn xmlns:p14="http://schemas.microsoft.com/office/powerpoint/2010/main" id="1" dur="indefinite" restart="never" nodeType="tmRoot"/>
+        <p:cTn id="1" dur="indefinite" restart="never" nodeType="tmRoot"/>
       </p:par>
     </p:tnLst>
   </p:timing>
@@ -6344,7 +6418,7 @@
           <a:lstStyle/>
           <a:p>
             <a:pPr algn="ctr"/>
-            <a:endParaRPr lang="en-US" sz="1800">
+            <a:endParaRPr lang="en-US" sz="1800" dirty="0">
               <a:solidFill>
                 <a:srgbClr val="FFFFFF"/>
               </a:solidFill>
@@ -6381,11 +6455,13 @@
       </p:sp>
       <p:pic>
         <p:nvPicPr>
-          <p:cNvPr id="15365" name="Picture 8" descr="Final MIH logo.png"/>
+          <p:cNvPr id="23554" name="Picture 2"/>
           <p:cNvPicPr>
-            <a:picLocks noChangeAspect="1"/>
+            <a:picLocks noGrp="1" noChangeAspect="1" noChangeArrowheads="1"/>
           </p:cNvPicPr>
-          <p:nvPr/>
+          <p:nvPr>
+            <p:ph idx="1"/>
+          </p:nvPr>
         </p:nvPicPr>
         <p:blipFill>
           <a:blip r:embed="rId2"/>
@@ -6396,8 +6472,8 @@
         </p:blipFill>
         <p:spPr bwMode="auto">
           <a:xfrm>
-            <a:off x="6175375" y="4754563"/>
-            <a:ext cx="2968625" cy="2098675"/>
+            <a:off x="457200" y="2443236"/>
+            <a:ext cx="8229600" cy="1544491"/>
           </a:xfrm>
           <a:prstGeom prst="rect">
             <a:avLst/>
@@ -6413,13 +6489,11 @@
       </p:pic>
       <p:pic>
         <p:nvPicPr>
-          <p:cNvPr id="23554" name="Picture 2"/>
+          <p:cNvPr id="7" name="Picture 8" descr="Final MIH logo.png"/>
           <p:cNvPicPr>
-            <a:picLocks noGrp="1" noChangeAspect="1" noChangeArrowheads="1"/>
+            <a:picLocks noChangeAspect="1"/>
           </p:cNvPicPr>
-          <p:nvPr>
-            <p:ph idx="1"/>
-          </p:nvPr>
+          <p:nvPr/>
         </p:nvPicPr>
         <p:blipFill>
           <a:blip r:embed="rId3"/>
@@ -6430,8 +6504,8 @@
         </p:blipFill>
         <p:spPr bwMode="auto">
           <a:xfrm>
-            <a:off x="457200" y="2443236"/>
-            <a:ext cx="8229600" cy="1544491"/>
+            <a:off x="6861175" y="5297488"/>
+            <a:ext cx="2968625" cy="2098675"/>
           </a:xfrm>
           <a:prstGeom prst="rect">
             <a:avLst/>
@@ -6447,7 +6521,7 @@
       </p:pic>
       <p:pic>
         <p:nvPicPr>
-          <p:cNvPr id="6" name="Picture 1"/>
+          <p:cNvPr id="8" name="Picture 1"/>
           <p:cNvPicPr>
             <a:picLocks noChangeAspect="1"/>
           </p:cNvPicPr>
@@ -6462,7 +6536,7 @@
         </p:blipFill>
         <p:spPr bwMode="auto">
           <a:xfrm>
-            <a:off x="531813" y="5867400"/>
+            <a:off x="150813" y="6369050"/>
             <a:ext cx="2106612" cy="317500"/>
           </a:xfrm>
           <a:prstGeom prst="rect">
@@ -6483,17 +6557,17 @@
     <a:masterClrMapping/>
   </p:clrMapOvr>
   <mc:AlternateContent xmlns:mc="http://schemas.openxmlformats.org/markup-compatibility/2006">
-    <mc:Choice xmlns:p14="http://schemas.microsoft.com/office/powerpoint/2010/main" Requires="p14">
+    <mc:Choice xmlns:p14="http://schemas.microsoft.com/office/powerpoint/2010/main" xmlns="" Requires="p14">
       <p:transition spd="slow" p14:dur="2000" advTm="203832"/>
     </mc:Choice>
     <mc:Fallback>
-      <p:transition xmlns:p14="http://schemas.microsoft.com/office/powerpoint/2010/main" spd="slow" advTm="203832"/>
+      <p:transition spd="slow" advTm="203832"/>
     </mc:Fallback>
   </mc:AlternateContent>
   <p:timing>
     <p:tnLst>
       <p:par>
-        <p:cTn xmlns:p14="http://schemas.microsoft.com/office/powerpoint/2010/main" id="1" dur="indefinite" restart="never" nodeType="tmRoot"/>
+        <p:cTn id="1" dur="indefinite" restart="never" nodeType="tmRoot"/>
       </p:par>
     </p:tnLst>
   </p:timing>
@@ -6557,7 +6631,7 @@
           <a:lstStyle/>
           <a:p>
             <a:pPr algn="ctr"/>
-            <a:endParaRPr lang="en-US" sz="1800">
+            <a:endParaRPr lang="en-US" sz="1800" dirty="0">
               <a:solidFill>
                 <a:srgbClr val="FFFFFF"/>
               </a:solidFill>
@@ -6610,7 +6684,7 @@
           <a:p>
             <a:pPr eaLnBrk="1" hangingPunct="1"/>
             <a:r>
-              <a:rPr lang="en-US" dirty="0" smtClean="0">
+              <a:rPr lang="en-GB" dirty="0" smtClean="0">
                 <a:solidFill>
                   <a:schemeClr val="bg1"/>
                 </a:solidFill>
@@ -6621,7 +6695,7 @@
           <a:p>
             <a:pPr eaLnBrk="1" hangingPunct="1"/>
             <a:r>
-              <a:rPr lang="en-US" dirty="0" smtClean="0">
+              <a:rPr lang="en-GB" dirty="0" smtClean="0">
                 <a:solidFill>
                   <a:schemeClr val="bg1"/>
                 </a:solidFill>
@@ -6632,7 +6706,7 @@
           <a:p>
             <a:pPr eaLnBrk="1" hangingPunct="1"/>
             <a:r>
-              <a:rPr lang="en-US" dirty="0" smtClean="0">
+              <a:rPr lang="en-GB" dirty="0" smtClean="0">
                 <a:solidFill>
                   <a:schemeClr val="bg1"/>
                 </a:solidFill>
@@ -6643,65 +6717,46 @@
           <a:p>
             <a:pPr eaLnBrk="1" hangingPunct="1"/>
             <a:r>
-              <a:rPr lang="en-US" dirty="0" err="1" smtClean="0">
+              <a:rPr lang="en-GB" dirty="0" smtClean="0">
                 <a:solidFill>
                   <a:schemeClr val="bg1"/>
                 </a:solidFill>
               </a:rPr>
-              <a:t>Pithos</a:t>
-            </a:r>
-            <a:r>
-              <a:rPr lang="en-US" dirty="0" smtClean="0">
+              <a:t>Pithos design</a:t>
+            </a:r>
+          </a:p>
+          <a:p>
+            <a:pPr eaLnBrk="1" hangingPunct="1"/>
+            <a:r>
+              <a:rPr lang="en-GB" dirty="0" smtClean="0">
                 <a:solidFill>
                   <a:schemeClr val="bg1"/>
                 </a:solidFill>
               </a:rPr>
-              <a:t> design</a:t>
+              <a:t>Pithos implementation</a:t>
             </a:r>
           </a:p>
           <a:p>
             <a:pPr eaLnBrk="1" hangingPunct="1"/>
             <a:r>
-              <a:rPr lang="en-US" dirty="0" err="1" smtClean="0">
+              <a:rPr lang="en-GB" dirty="0" smtClean="0">
                 <a:solidFill>
                   <a:schemeClr val="bg1"/>
                 </a:solidFill>
               </a:rPr>
-              <a:t>Pithos</a:t>
-            </a:r>
-            <a:r>
-              <a:rPr lang="en-US" dirty="0" smtClean="0">
-                <a:solidFill>
-                  <a:schemeClr val="bg1"/>
-                </a:solidFill>
-              </a:rPr>
-              <a:t> implementation</a:t>
-            </a:r>
-          </a:p>
-          <a:p>
-            <a:pPr eaLnBrk="1" hangingPunct="1"/>
-            <a:r>
-              <a:rPr lang="en-US" dirty="0" err="1" smtClean="0">
-                <a:solidFill>
-                  <a:schemeClr val="bg1"/>
-                </a:solidFill>
-              </a:rPr>
-              <a:t>Pithos</a:t>
-            </a:r>
-            <a:r>
-              <a:rPr lang="en-US" dirty="0" smtClean="0">
-                <a:solidFill>
-                  <a:schemeClr val="bg1"/>
-                </a:solidFill>
-              </a:rPr>
-              <a:t> evaluation</a:t>
-            </a:r>
+              <a:t>Pithos evaluation</a:t>
+            </a:r>
+            <a:endParaRPr lang="en-GB" dirty="0" smtClean="0">
+              <a:solidFill>
+                <a:schemeClr val="bg1"/>
+              </a:solidFill>
+            </a:endParaRPr>
           </a:p>
         </p:txBody>
       </p:sp>
       <p:pic>
         <p:nvPicPr>
-          <p:cNvPr id="15364" name="Picture 1"/>
+          <p:cNvPr id="7" name="Picture 8" descr="Final MIH logo.png"/>
           <p:cNvPicPr>
             <a:picLocks noChangeAspect="1"/>
           </p:cNvPicPr>
@@ -6716,8 +6771,8 @@
         </p:blipFill>
         <p:spPr bwMode="auto">
           <a:xfrm>
-            <a:off x="531813" y="5867400"/>
-            <a:ext cx="2106612" cy="317500"/>
+            <a:off x="6861175" y="5297488"/>
+            <a:ext cx="2968625" cy="2098675"/>
           </a:xfrm>
           <a:prstGeom prst="rect">
             <a:avLst/>
@@ -6733,7 +6788,7 @@
       </p:pic>
       <p:pic>
         <p:nvPicPr>
-          <p:cNvPr id="15365" name="Picture 8" descr="Final MIH logo.png"/>
+          <p:cNvPr id="8" name="Picture 1"/>
           <p:cNvPicPr>
             <a:picLocks noChangeAspect="1"/>
           </p:cNvPicPr>
@@ -6748,8 +6803,8 @@
         </p:blipFill>
         <p:spPr bwMode="auto">
           <a:xfrm>
-            <a:off x="6175375" y="4754563"/>
-            <a:ext cx="2968625" cy="2098675"/>
+            <a:off x="150813" y="6369050"/>
+            <a:ext cx="2106612" cy="317500"/>
           </a:xfrm>
           <a:prstGeom prst="rect">
             <a:avLst/>
@@ -6769,17 +6824,17 @@
     <a:masterClrMapping/>
   </p:clrMapOvr>
   <mc:AlternateContent xmlns:mc="http://schemas.openxmlformats.org/markup-compatibility/2006">
-    <mc:Choice xmlns:p14="http://schemas.microsoft.com/office/powerpoint/2010/main" Requires="p14">
+    <mc:Choice xmlns:p14="http://schemas.microsoft.com/office/powerpoint/2010/main" xmlns="" Requires="p14">
       <p:transition spd="slow" p14:dur="2000" advTm="326"/>
     </mc:Choice>
     <mc:Fallback>
-      <p:transition xmlns:p14="http://schemas.microsoft.com/office/powerpoint/2010/main" spd="slow" advTm="326"/>
+      <p:transition spd="slow" advTm="326"/>
     </mc:Fallback>
   </mc:AlternateContent>
   <p:timing>
     <p:tnLst>
       <p:par>
-        <p:cTn xmlns:p14="http://schemas.microsoft.com/office/powerpoint/2010/main" id="1" dur="indefinite" restart="never" nodeType="tmRoot"/>
+        <p:cTn id="1" dur="indefinite" restart="never" nodeType="tmRoot"/>
       </p:par>
     </p:tnLst>
   </p:timing>
@@ -6843,7 +6898,7 @@
           <a:lstStyle/>
           <a:p>
             <a:pPr algn="ctr"/>
-            <a:endParaRPr lang="en-US" sz="1800">
+            <a:endParaRPr lang="en-US" sz="1800" dirty="0">
               <a:solidFill>
                 <a:srgbClr val="FFFFFF"/>
               </a:solidFill>
@@ -6868,29 +6923,78 @@
           <a:p>
             <a:pPr eaLnBrk="1" hangingPunct="1"/>
             <a:r>
-              <a:rPr lang="en-US" dirty="0" err="1" smtClean="0">
+              <a:rPr lang="en-US" dirty="0" smtClean="0">
                 <a:solidFill>
                   <a:schemeClr val="bg1"/>
                 </a:solidFill>
               </a:rPr>
-              <a:t>Pithos</a:t>
-            </a:r>
-            <a:r>
-              <a:rPr lang="en-US" dirty="0" smtClean="0">
+              <a:t>Pithos design</a:t>
+            </a:r>
+          </a:p>
+        </p:txBody>
+      </p:sp>
+      <p:sp>
+        <p:nvSpPr>
+          <p:cNvPr id="6" name="Content Placeholder 5"/>
+          <p:cNvSpPr>
+            <a:spLocks noGrp="1"/>
+          </p:cNvSpPr>
+          <p:nvPr>
+            <p:ph idx="1"/>
+          </p:nvPr>
+        </p:nvSpPr>
+        <p:spPr>
+          <a:xfrm>
+            <a:off x="279400" y="1600200"/>
+            <a:ext cx="5156200" cy="4525963"/>
+          </a:xfrm>
+        </p:spPr>
+        <p:txBody>
+          <a:bodyPr/>
+          <a:lstStyle/>
+          <a:p>
+            <a:pPr eaLnBrk="1" hangingPunct="1"/>
+            <a:r>
+              <a:rPr lang="en-GB" dirty="0" smtClean="0">
                 <a:solidFill>
                   <a:schemeClr val="bg1"/>
                 </a:solidFill>
               </a:rPr>
-              <a:t> design</a:t>
-            </a:r>
+              <a:t>Fulfil P2P MMVE state management and persistency requirements</a:t>
+            </a:r>
+          </a:p>
+          <a:p>
+            <a:pPr eaLnBrk="1" hangingPunct="1"/>
+            <a:r>
+              <a:rPr lang="en-GB" dirty="0" smtClean="0">
+                <a:solidFill>
+                  <a:schemeClr val="bg1"/>
+                </a:solidFill>
+              </a:rPr>
+              <a:t>Combine multiple storage models in such a way that the disadvantages are removed.</a:t>
+            </a:r>
+          </a:p>
+          <a:p>
+            <a:pPr eaLnBrk="1" hangingPunct="1"/>
+            <a:r>
+              <a:rPr lang="en-GB" dirty="0" smtClean="0">
+                <a:solidFill>
+                  <a:schemeClr val="bg1"/>
+                </a:solidFill>
+              </a:rPr>
+              <a:t>Satisfy the use cases</a:t>
+            </a:r>
+          </a:p>
+          <a:p>
+            <a:endParaRPr lang="en-GB" dirty="0"/>
           </a:p>
         </p:txBody>
       </p:sp>
       <p:pic>
         <p:nvPicPr>
-          <p:cNvPr id="15365" name="Picture 8" descr="Final MIH logo.png"/>
+          <p:cNvPr id="24578" name="Picture 2"/>
           <p:cNvPicPr>
-            <a:picLocks noChangeAspect="1"/>
+            <a:picLocks noChangeAspect="1" noChangeArrowheads="1"/>
           </p:cNvPicPr>
           <p:nvPr/>
         </p:nvPicPr>
@@ -6903,8 +7007,8 @@
         </p:blipFill>
         <p:spPr bwMode="auto">
           <a:xfrm>
-            <a:off x="6175375" y="4754563"/>
-            <a:ext cx="2968625" cy="2098675"/>
+            <a:off x="5580063" y="1600200"/>
+            <a:ext cx="3343275" cy="3467100"/>
           </a:xfrm>
           <a:prstGeom prst="rect">
             <a:avLst/>
@@ -6918,81 +7022,11 @@
           </a:ln>
         </p:spPr>
       </p:pic>
-      <p:sp>
-        <p:nvSpPr>
-          <p:cNvPr id="6" name="Content Placeholder 5"/>
-          <p:cNvSpPr>
-            <a:spLocks noGrp="1"/>
-          </p:cNvSpPr>
-          <p:nvPr>
-            <p:ph idx="1"/>
-          </p:nvPr>
-        </p:nvSpPr>
-        <p:spPr>
-          <a:xfrm>
-            <a:off x="279400" y="1600200"/>
-            <a:ext cx="5156200" cy="4525963"/>
-          </a:xfrm>
-        </p:spPr>
-        <p:txBody>
-          <a:bodyPr/>
-          <a:lstStyle/>
-          <a:p>
-            <a:pPr eaLnBrk="1" hangingPunct="1"/>
-            <a:r>
-              <a:rPr lang="en-US" dirty="0" smtClean="0">
-                <a:solidFill>
-                  <a:schemeClr val="bg1"/>
-                </a:solidFill>
-              </a:rPr>
-              <a:t>Fulfill P2P MMVE state management and persistency requirements</a:t>
-            </a:r>
-          </a:p>
-          <a:p>
-            <a:pPr eaLnBrk="1" hangingPunct="1"/>
-            <a:r>
-              <a:rPr lang="en-US" dirty="0" smtClean="0">
-                <a:solidFill>
-                  <a:schemeClr val="bg1"/>
-                </a:solidFill>
-              </a:rPr>
-              <a:t>Combine multiple storage models in such a way that the disadvantages are removed</a:t>
-            </a:r>
-            <a:r>
-              <a:rPr lang="en-US" dirty="0" smtClean="0">
-                <a:solidFill>
-                  <a:schemeClr val="bg1"/>
-                </a:solidFill>
-              </a:rPr>
-              <a:t>.</a:t>
-            </a:r>
-          </a:p>
-          <a:p>
-            <a:pPr eaLnBrk="1" hangingPunct="1"/>
-            <a:r>
-              <a:rPr lang="en-US" dirty="0" smtClean="0">
-                <a:solidFill>
-                  <a:schemeClr val="bg1"/>
-                </a:solidFill>
-              </a:rPr>
-              <a:t>Satisfy the use cases</a:t>
-            </a:r>
-            <a:endParaRPr lang="en-US" dirty="0" smtClean="0">
-              <a:solidFill>
-                <a:schemeClr val="bg1"/>
-              </a:solidFill>
-            </a:endParaRPr>
-          </a:p>
-          <a:p>
-            <a:endParaRPr lang="en-ZA" dirty="0"/>
-          </a:p>
-        </p:txBody>
-      </p:sp>
       <p:pic>
         <p:nvPicPr>
-          <p:cNvPr id="24578" name="Picture 2"/>
+          <p:cNvPr id="8" name="Picture 8" descr="Final MIH logo.png"/>
           <p:cNvPicPr>
-            <a:picLocks noChangeAspect="1" noChangeArrowheads="1"/>
+            <a:picLocks noChangeAspect="1"/>
           </p:cNvPicPr>
           <p:nvPr/>
         </p:nvPicPr>
@@ -7005,8 +7039,8 @@
         </p:blipFill>
         <p:spPr bwMode="auto">
           <a:xfrm>
-            <a:off x="5580063" y="1600200"/>
-            <a:ext cx="3343275" cy="3467100"/>
+            <a:off x="6861175" y="5297488"/>
+            <a:ext cx="2968625" cy="2098675"/>
           </a:xfrm>
           <a:prstGeom prst="rect">
             <a:avLst/>
@@ -7022,7 +7056,7 @@
       </p:pic>
       <p:pic>
         <p:nvPicPr>
-          <p:cNvPr id="7" name="Picture 1"/>
+          <p:cNvPr id="9" name="Picture 1"/>
           <p:cNvPicPr>
             <a:picLocks noChangeAspect="1"/>
           </p:cNvPicPr>
@@ -7037,7 +7071,7 @@
         </p:blipFill>
         <p:spPr bwMode="auto">
           <a:xfrm>
-            <a:off x="531813" y="5867400"/>
+            <a:off x="150813" y="6369050"/>
             <a:ext cx="2106612" cy="317500"/>
           </a:xfrm>
           <a:prstGeom prst="rect">
@@ -7058,17 +7092,17 @@
     <a:masterClrMapping/>
   </p:clrMapOvr>
   <mc:AlternateContent xmlns:mc="http://schemas.openxmlformats.org/markup-compatibility/2006">
-    <mc:Choice xmlns:p14="http://schemas.microsoft.com/office/powerpoint/2010/main" Requires="p14">
+    <mc:Choice xmlns:p14="http://schemas.microsoft.com/office/powerpoint/2010/main" xmlns="" Requires="p14">
       <p:transition spd="slow" p14:dur="2000" advTm="318"/>
     </mc:Choice>
     <mc:Fallback>
-      <p:transition xmlns:p14="http://schemas.microsoft.com/office/powerpoint/2010/main" spd="slow" advTm="318"/>
+      <p:transition spd="slow" advTm="318"/>
     </mc:Fallback>
   </mc:AlternateContent>
   <p:timing>
     <p:tnLst>
       <p:par>
-        <p:cTn xmlns:p14="http://schemas.microsoft.com/office/powerpoint/2010/main" id="1" dur="indefinite" restart="never" nodeType="tmRoot"/>
+        <p:cTn id="1" dur="indefinite" restart="never" nodeType="tmRoot"/>
       </p:par>
     </p:tnLst>
   </p:timing>
@@ -7132,7 +7166,7 @@
           <a:lstStyle/>
           <a:p>
             <a:pPr algn="ctr"/>
-            <a:endParaRPr lang="en-US" sz="1800">
+            <a:endParaRPr lang="en-US" sz="1800" dirty="0">
               <a:solidFill>
                 <a:srgbClr val="FFFFFF"/>
               </a:solidFill>
@@ -7157,20 +7191,12 @@
           <a:p>
             <a:pPr eaLnBrk="1" hangingPunct="1"/>
             <a:r>
-              <a:rPr lang="en-US" dirty="0" err="1" smtClean="0">
+              <a:rPr lang="en-US" dirty="0" smtClean="0">
                 <a:solidFill>
                   <a:schemeClr val="bg1"/>
                 </a:solidFill>
               </a:rPr>
-              <a:t>Pithos</a:t>
-            </a:r>
-            <a:r>
-              <a:rPr lang="en-US" dirty="0" smtClean="0">
-                <a:solidFill>
-                  <a:schemeClr val="bg1"/>
-                </a:solidFill>
-              </a:rPr>
-              <a:t> characteristics</a:t>
+              <a:t>Pithos characteristics</a:t>
             </a:r>
           </a:p>
         </p:txBody>
@@ -7192,7 +7218,7 @@
           <a:p>
             <a:pPr eaLnBrk="1" hangingPunct="1"/>
             <a:r>
-              <a:rPr lang="en-US" dirty="0" smtClean="0">
+              <a:rPr lang="en-GB" dirty="0" smtClean="0">
                 <a:solidFill>
                   <a:schemeClr val="bg1"/>
                 </a:solidFill>
@@ -7203,7 +7229,7 @@
           <a:p>
             <a:pPr lvl="1" eaLnBrk="1" hangingPunct="1"/>
             <a:r>
-              <a:rPr lang="en-US" dirty="0" smtClean="0">
+              <a:rPr lang="en-GB" dirty="0" smtClean="0">
                 <a:solidFill>
                   <a:schemeClr val="bg1"/>
                 </a:solidFill>
@@ -7214,7 +7240,7 @@
           <a:p>
             <a:pPr lvl="1" eaLnBrk="1" hangingPunct="1"/>
             <a:r>
-              <a:rPr lang="en-US" dirty="0" smtClean="0">
+              <a:rPr lang="en-GB" dirty="0" smtClean="0">
                 <a:solidFill>
                   <a:schemeClr val="bg1"/>
                 </a:solidFill>
@@ -7225,7 +7251,7 @@
           <a:p>
             <a:pPr lvl="1" eaLnBrk="1" hangingPunct="1"/>
             <a:r>
-              <a:rPr lang="en-US" dirty="0" smtClean="0">
+              <a:rPr lang="en-GB" dirty="0" smtClean="0">
                 <a:solidFill>
                   <a:schemeClr val="bg1"/>
                 </a:solidFill>
@@ -7236,7 +7262,7 @@
           <a:p>
             <a:pPr eaLnBrk="1" hangingPunct="1"/>
             <a:r>
-              <a:rPr lang="en-US" dirty="0" smtClean="0">
+              <a:rPr lang="en-GB" dirty="0" smtClean="0">
                 <a:solidFill>
                   <a:schemeClr val="bg1"/>
                 </a:solidFill>
@@ -7247,7 +7273,7 @@
           <a:p>
             <a:pPr eaLnBrk="1" hangingPunct="1"/>
             <a:r>
-              <a:rPr lang="en-US" dirty="0" smtClean="0">
+              <a:rPr lang="en-GB" dirty="0" smtClean="0">
                 <a:solidFill>
                   <a:schemeClr val="bg1"/>
                 </a:solidFill>
@@ -7258,7 +7284,7 @@
           <a:p>
             <a:pPr eaLnBrk="1" hangingPunct="1"/>
             <a:r>
-              <a:rPr lang="en-US" dirty="0" smtClean="0">
+              <a:rPr lang="en-GB" dirty="0" smtClean="0">
                 <a:solidFill>
                   <a:schemeClr val="bg1"/>
                 </a:solidFill>
@@ -7268,7 +7294,7 @@
           </a:p>
           <a:p>
             <a:pPr eaLnBrk="1" hangingPunct="1"/>
-            <a:endParaRPr lang="en-US" dirty="0" smtClean="0">
+            <a:endParaRPr lang="en-GB" dirty="0" smtClean="0">
               <a:solidFill>
                 <a:schemeClr val="bg1"/>
               </a:solidFill>
@@ -7278,7 +7304,7 @@
       </p:sp>
       <p:pic>
         <p:nvPicPr>
-          <p:cNvPr id="15364" name="Picture 1"/>
+          <p:cNvPr id="7" name="Picture 8" descr="Final MIH logo.png"/>
           <p:cNvPicPr>
             <a:picLocks noChangeAspect="1"/>
           </p:cNvPicPr>
@@ -7293,8 +7319,8 @@
         </p:blipFill>
         <p:spPr bwMode="auto">
           <a:xfrm>
-            <a:off x="531813" y="5867400"/>
-            <a:ext cx="2106612" cy="317500"/>
+            <a:off x="6861175" y="5297488"/>
+            <a:ext cx="2968625" cy="2098675"/>
           </a:xfrm>
           <a:prstGeom prst="rect">
             <a:avLst/>
@@ -7310,7 +7336,7 @@
       </p:pic>
       <p:pic>
         <p:nvPicPr>
-          <p:cNvPr id="15365" name="Picture 8" descr="Final MIH logo.png"/>
+          <p:cNvPr id="8" name="Picture 1"/>
           <p:cNvPicPr>
             <a:picLocks noChangeAspect="1"/>
           </p:cNvPicPr>
@@ -7325,8 +7351,8 @@
         </p:blipFill>
         <p:spPr bwMode="auto">
           <a:xfrm>
-            <a:off x="6175375" y="4754563"/>
-            <a:ext cx="2968625" cy="2098675"/>
+            <a:off x="150813" y="6369050"/>
+            <a:ext cx="2106612" cy="317500"/>
           </a:xfrm>
           <a:prstGeom prst="rect">
             <a:avLst/>
@@ -7346,17 +7372,17 @@
     <a:masterClrMapping/>
   </p:clrMapOvr>
   <mc:AlternateContent xmlns:mc="http://schemas.openxmlformats.org/markup-compatibility/2006">
-    <mc:Choice xmlns:p14="http://schemas.microsoft.com/office/powerpoint/2010/main" Requires="p14">
+    <mc:Choice xmlns:p14="http://schemas.microsoft.com/office/powerpoint/2010/main" xmlns="" Requires="p14">
       <p:transition spd="slow" p14:dur="2000" advTm="158"/>
     </mc:Choice>
     <mc:Fallback>
-      <p:transition xmlns:p14="http://schemas.microsoft.com/office/powerpoint/2010/main" spd="slow" advTm="158"/>
+      <p:transition spd="slow" advTm="158"/>
     </mc:Fallback>
   </mc:AlternateContent>
   <p:timing>
     <p:tnLst>
       <p:par>
-        <p:cTn xmlns:p14="http://schemas.microsoft.com/office/powerpoint/2010/main" id="1" dur="indefinite" restart="never" nodeType="tmRoot"/>
+        <p:cTn id="1" dur="indefinite" restart="never" nodeType="tmRoot"/>
       </p:par>
     </p:tnLst>
   </p:timing>
@@ -7420,7 +7446,7 @@
           <a:lstStyle/>
           <a:p>
             <a:pPr algn="ctr"/>
-            <a:endParaRPr lang="en-US" sz="1800">
+            <a:endParaRPr lang="en-US" sz="1800" dirty="0">
               <a:solidFill>
                 <a:srgbClr val="FFFFFF"/>
               </a:solidFill>
@@ -7445,31 +7471,25 @@
           <a:p>
             <a:pPr eaLnBrk="1" hangingPunct="1"/>
             <a:r>
-              <a:rPr lang="en-US" dirty="0" err="1" smtClean="0">
+              <a:rPr lang="en-US" dirty="0" smtClean="0">
                 <a:solidFill>
                   <a:schemeClr val="bg1"/>
                 </a:solidFill>
               </a:rPr>
-              <a:t>Pithos</a:t>
-            </a:r>
-            <a:r>
-              <a:rPr lang="en-US" dirty="0" smtClean="0">
-                <a:solidFill>
-                  <a:schemeClr val="bg1"/>
-                </a:solidFill>
-              </a:rPr>
-              <a:t> geometry</a:t>
+              <a:t>Pithos geometry</a:t>
             </a:r>
           </a:p>
         </p:txBody>
       </p:sp>
       <p:pic>
         <p:nvPicPr>
-          <p:cNvPr id="15365" name="Picture 8" descr="Final MIH logo.png"/>
+          <p:cNvPr id="25602" name="Picture 2"/>
           <p:cNvPicPr>
-            <a:picLocks noChangeAspect="1"/>
+            <a:picLocks noGrp="1" noChangeAspect="1" noChangeArrowheads="1"/>
           </p:cNvPicPr>
-          <p:nvPr/>
+          <p:nvPr>
+            <p:ph idx="1"/>
+          </p:nvPr>
         </p:nvPicPr>
         <p:blipFill>
           <a:blip r:embed="rId2"/>
@@ -7480,8 +7500,8 @@
         </p:blipFill>
         <p:spPr bwMode="auto">
           <a:xfrm>
-            <a:off x="6175375" y="4754563"/>
-            <a:ext cx="2968625" cy="2098675"/>
+            <a:off x="2225790" y="1341437"/>
+            <a:ext cx="4568594" cy="4525963"/>
           </a:xfrm>
           <a:prstGeom prst="rect">
             <a:avLst/>
@@ -7497,13 +7517,11 @@
       </p:pic>
       <p:pic>
         <p:nvPicPr>
-          <p:cNvPr id="25602" name="Picture 2"/>
+          <p:cNvPr id="7" name="Picture 8" descr="Final MIH logo.png"/>
           <p:cNvPicPr>
-            <a:picLocks noGrp="1" noChangeAspect="1" noChangeArrowheads="1"/>
+            <a:picLocks noChangeAspect="1"/>
           </p:cNvPicPr>
-          <p:nvPr>
-            <p:ph idx="1"/>
-          </p:nvPr>
+          <p:nvPr/>
         </p:nvPicPr>
         <p:blipFill>
           <a:blip r:embed="rId3"/>
@@ -7514,8 +7532,8 @@
         </p:blipFill>
         <p:spPr bwMode="auto">
           <a:xfrm>
-            <a:off x="2225790" y="1341437"/>
-            <a:ext cx="4568594" cy="4525963"/>
+            <a:off x="6861175" y="5297488"/>
+            <a:ext cx="2968625" cy="2098675"/>
           </a:xfrm>
           <a:prstGeom prst="rect">
             <a:avLst/>
@@ -7531,7 +7549,7 @@
       </p:pic>
       <p:pic>
         <p:nvPicPr>
-          <p:cNvPr id="8" name="Picture 1"/>
+          <p:cNvPr id="9" name="Picture 1"/>
           <p:cNvPicPr>
             <a:picLocks noChangeAspect="1"/>
           </p:cNvPicPr>
@@ -7546,7 +7564,7 @@
         </p:blipFill>
         <p:spPr bwMode="auto">
           <a:xfrm>
-            <a:off x="531813" y="5867400"/>
+            <a:off x="150813" y="6369050"/>
             <a:ext cx="2106612" cy="317500"/>
           </a:xfrm>
           <a:prstGeom prst="rect">
@@ -7567,17 +7585,17 @@
     <a:masterClrMapping/>
   </p:clrMapOvr>
   <mc:AlternateContent xmlns:mc="http://schemas.openxmlformats.org/markup-compatibility/2006">
-    <mc:Choice xmlns:p14="http://schemas.microsoft.com/office/powerpoint/2010/main" Requires="p14">
+    <mc:Choice xmlns:p14="http://schemas.microsoft.com/office/powerpoint/2010/main" xmlns="" Requires="p14">
       <p:transition spd="slow" p14:dur="2000" advTm="172"/>
     </mc:Choice>
     <mc:Fallback>
-      <p:transition xmlns:p14="http://schemas.microsoft.com/office/powerpoint/2010/main" spd="slow" advTm="172"/>
+      <p:transition spd="slow" advTm="172"/>
     </mc:Fallback>
   </mc:AlternateContent>
   <p:timing>
     <p:tnLst>
       <p:par>
-        <p:cTn xmlns:p14="http://schemas.microsoft.com/office/powerpoint/2010/main" id="1" dur="indefinite" restart="never" nodeType="tmRoot"/>
+        <p:cTn id="1" dur="indefinite" restart="never" nodeType="tmRoot"/>
       </p:par>
     </p:tnLst>
   </p:timing>
@@ -7641,7 +7659,7 @@
           <a:lstStyle/>
           <a:p>
             <a:pPr algn="ctr"/>
-            <a:endParaRPr lang="en-US" sz="1800">
+            <a:endParaRPr lang="en-US" sz="1800" dirty="0">
               <a:solidFill>
                 <a:srgbClr val="FFFFFF"/>
               </a:solidFill>
@@ -7666,31 +7684,25 @@
           <a:p>
             <a:pPr eaLnBrk="1" hangingPunct="1"/>
             <a:r>
-              <a:rPr lang="en-US" dirty="0" err="1" smtClean="0">
+              <a:rPr lang="en-US" dirty="0" smtClean="0">
                 <a:solidFill>
                   <a:schemeClr val="bg1"/>
                 </a:solidFill>
               </a:rPr>
-              <a:t>Pithos</a:t>
-            </a:r>
-            <a:r>
-              <a:rPr lang="en-US" dirty="0" smtClean="0">
-                <a:solidFill>
-                  <a:schemeClr val="bg1"/>
-                </a:solidFill>
-              </a:rPr>
-              <a:t> store request</a:t>
+              <a:t>Pithos store request</a:t>
             </a:r>
           </a:p>
         </p:txBody>
       </p:sp>
       <p:pic>
         <p:nvPicPr>
-          <p:cNvPr id="15365" name="Picture 8" descr="Final MIH logo.png"/>
+          <p:cNvPr id="26626" name="Picture 2"/>
           <p:cNvPicPr>
-            <a:picLocks noChangeAspect="1"/>
+            <a:picLocks noGrp="1" noChangeAspect="1" noChangeArrowheads="1"/>
           </p:cNvPicPr>
-          <p:nvPr/>
+          <p:nvPr>
+            <p:ph idx="1"/>
+          </p:nvPr>
         </p:nvPicPr>
         <p:blipFill>
           <a:blip r:embed="rId2"/>
@@ -7701,8 +7713,8 @@
         </p:blipFill>
         <p:spPr bwMode="auto">
           <a:xfrm>
-            <a:off x="6175375" y="4754563"/>
-            <a:ext cx="2968625" cy="2098675"/>
+            <a:off x="1792690" y="1246188"/>
+            <a:ext cx="5558620" cy="3843726"/>
           </a:xfrm>
           <a:prstGeom prst="rect">
             <a:avLst/>
@@ -7718,13 +7730,11 @@
       </p:pic>
       <p:pic>
         <p:nvPicPr>
-          <p:cNvPr id="26626" name="Picture 2"/>
+          <p:cNvPr id="7" name="Picture 8" descr="Final MIH logo.png"/>
           <p:cNvPicPr>
-            <a:picLocks noGrp="1" noChangeAspect="1" noChangeArrowheads="1"/>
+            <a:picLocks noChangeAspect="1"/>
           </p:cNvPicPr>
-          <p:nvPr>
-            <p:ph idx="1"/>
-          </p:nvPr>
+          <p:nvPr/>
         </p:nvPicPr>
         <p:blipFill>
           <a:blip r:embed="rId3"/>
@@ -7735,8 +7745,8 @@
         </p:blipFill>
         <p:spPr bwMode="auto">
           <a:xfrm>
-            <a:off x="1792690" y="1246188"/>
-            <a:ext cx="5558620" cy="3843726"/>
+            <a:off x="6861175" y="5297488"/>
+            <a:ext cx="2968625" cy="2098675"/>
           </a:xfrm>
           <a:prstGeom prst="rect">
             <a:avLst/>
@@ -7752,7 +7762,7 @@
       </p:pic>
       <p:pic>
         <p:nvPicPr>
-          <p:cNvPr id="8" name="Picture 1"/>
+          <p:cNvPr id="9" name="Picture 1"/>
           <p:cNvPicPr>
             <a:picLocks noChangeAspect="1"/>
           </p:cNvPicPr>
@@ -7767,7 +7777,7 @@
         </p:blipFill>
         <p:spPr bwMode="auto">
           <a:xfrm>
-            <a:off x="531813" y="5867400"/>
+            <a:off x="150813" y="6369050"/>
             <a:ext cx="2106612" cy="317500"/>
           </a:xfrm>
           <a:prstGeom prst="rect">
@@ -7787,11 +7797,11 @@
   <p:clrMapOvr>
     <a:masterClrMapping/>
   </p:clrMapOvr>
-  <p:transition xmlns:p14="http://schemas.microsoft.com/office/powerpoint/2010/main"/>
+  <p:transition/>
   <p:timing>
     <p:tnLst>
       <p:par>
-        <p:cTn xmlns:p14="http://schemas.microsoft.com/office/powerpoint/2010/main" id="1" dur="indefinite" restart="never" nodeType="tmRoot"/>
+        <p:cTn id="1" dur="indefinite" restart="never" nodeType="tmRoot"/>
       </p:par>
     </p:tnLst>
   </p:timing>
@@ -7855,7 +7865,7 @@
           <a:lstStyle/>
           <a:p>
             <a:pPr algn="ctr"/>
-            <a:endParaRPr lang="en-US" sz="1800">
+            <a:endParaRPr lang="en-US" sz="1800" dirty="0">
               <a:solidFill>
                 <a:srgbClr val="FFFFFF"/>
               </a:solidFill>
@@ -7880,31 +7890,25 @@
           <a:p>
             <a:pPr eaLnBrk="1" hangingPunct="1"/>
             <a:r>
-              <a:rPr lang="en-US" dirty="0" err="1" smtClean="0">
+              <a:rPr lang="en-US" dirty="0" smtClean="0">
                 <a:solidFill>
                   <a:schemeClr val="bg1"/>
                 </a:solidFill>
               </a:rPr>
-              <a:t>Pithos</a:t>
-            </a:r>
-            <a:r>
-              <a:rPr lang="en-US" dirty="0" smtClean="0">
-                <a:solidFill>
-                  <a:schemeClr val="bg1"/>
-                </a:solidFill>
-              </a:rPr>
-              <a:t> retrieve request</a:t>
+              <a:t>Pithos retrieve request</a:t>
             </a:r>
           </a:p>
         </p:txBody>
       </p:sp>
       <p:pic>
         <p:nvPicPr>
-          <p:cNvPr id="15365" name="Picture 8" descr="Final MIH logo.png"/>
+          <p:cNvPr id="27650" name="Picture 2"/>
           <p:cNvPicPr>
-            <a:picLocks noChangeAspect="1"/>
+            <a:picLocks noGrp="1" noChangeAspect="1" noChangeArrowheads="1"/>
           </p:cNvPicPr>
-          <p:nvPr/>
+          <p:nvPr>
+            <p:ph idx="1"/>
+          </p:nvPr>
         </p:nvPicPr>
         <p:blipFill>
           <a:blip r:embed="rId2"/>
@@ -7915,8 +7919,8 @@
         </p:blipFill>
         <p:spPr bwMode="auto">
           <a:xfrm>
-            <a:off x="6175375" y="4754563"/>
-            <a:ext cx="2968625" cy="2098675"/>
+            <a:off x="1719619" y="1171576"/>
+            <a:ext cx="5704763" cy="3981449"/>
           </a:xfrm>
           <a:prstGeom prst="rect">
             <a:avLst/>
@@ -7932,13 +7936,11 @@
       </p:pic>
       <p:pic>
         <p:nvPicPr>
-          <p:cNvPr id="27650" name="Picture 2"/>
+          <p:cNvPr id="7" name="Picture 8" descr="Final MIH logo.png"/>
           <p:cNvPicPr>
-            <a:picLocks noGrp="1" noChangeAspect="1" noChangeArrowheads="1"/>
+            <a:picLocks noChangeAspect="1"/>
           </p:cNvPicPr>
-          <p:nvPr>
-            <p:ph idx="1"/>
-          </p:nvPr>
+          <p:nvPr/>
         </p:nvPicPr>
         <p:blipFill>
           <a:blip r:embed="rId3"/>
@@ -7949,8 +7951,8 @@
         </p:blipFill>
         <p:spPr bwMode="auto">
           <a:xfrm>
-            <a:off x="1719619" y="1171576"/>
-            <a:ext cx="5704763" cy="3981449"/>
+            <a:off x="6861175" y="5297488"/>
+            <a:ext cx="2968625" cy="2098675"/>
           </a:xfrm>
           <a:prstGeom prst="rect">
             <a:avLst/>
@@ -7966,7 +7968,7 @@
       </p:pic>
       <p:pic>
         <p:nvPicPr>
-          <p:cNvPr id="8" name="Picture 1"/>
+          <p:cNvPr id="9" name="Picture 1"/>
           <p:cNvPicPr>
             <a:picLocks noChangeAspect="1"/>
           </p:cNvPicPr>
@@ -7981,7 +7983,7 @@
         </p:blipFill>
         <p:spPr bwMode="auto">
           <a:xfrm>
-            <a:off x="531813" y="5867400"/>
+            <a:off x="150813" y="6369050"/>
             <a:ext cx="2106612" cy="317500"/>
           </a:xfrm>
           <a:prstGeom prst="rect">
@@ -8001,11 +8003,11 @@
   <p:clrMapOvr>
     <a:masterClrMapping/>
   </p:clrMapOvr>
-  <p:transition xmlns:p14="http://schemas.microsoft.com/office/powerpoint/2010/main"/>
+  <p:transition/>
   <p:timing>
     <p:tnLst>
       <p:par>
-        <p:cTn xmlns:p14="http://schemas.microsoft.com/office/powerpoint/2010/main" id="1" dur="indefinite" restart="never" nodeType="tmRoot"/>
+        <p:cTn id="1" dur="indefinite" restart="never" nodeType="tmRoot"/>
       </p:par>
     </p:tnLst>
   </p:timing>
@@ -8069,7 +8071,7 @@
           <a:lstStyle/>
           <a:p>
             <a:pPr algn="ctr"/>
-            <a:endParaRPr lang="en-US" sz="1800">
+            <a:endParaRPr lang="en-US" sz="1800" dirty="0">
               <a:solidFill>
                 <a:srgbClr val="FFFFFF"/>
               </a:solidFill>
@@ -8094,48 +8096,108 @@
           <a:p>
             <a:pPr eaLnBrk="1" hangingPunct="1"/>
             <a:r>
-              <a:rPr lang="en-US" dirty="0" err="1" smtClean="0">
+              <a:rPr lang="en-US" dirty="0" smtClean="0">
                 <a:solidFill>
                   <a:schemeClr val="bg1"/>
                 </a:solidFill>
               </a:rPr>
-              <a:t>Pithos</a:t>
-            </a:r>
-            <a:r>
-              <a:rPr lang="en-US" dirty="0" smtClean="0">
+              <a:t>Pithos Oversim simulation</a:t>
+            </a:r>
+          </a:p>
+        </p:txBody>
+      </p:sp>
+      <p:sp>
+        <p:nvSpPr>
+          <p:cNvPr id="6" name="Content Placeholder 5"/>
+          <p:cNvSpPr>
+            <a:spLocks noGrp="1"/>
+          </p:cNvSpPr>
+          <p:nvPr>
+            <p:ph idx="1"/>
+          </p:nvPr>
+        </p:nvSpPr>
+        <p:spPr/>
+        <p:txBody>
+          <a:bodyPr/>
+          <a:lstStyle/>
+          <a:p>
+            <a:pPr eaLnBrk="1" hangingPunct="1"/>
+            <a:r>
+              <a:rPr lang="en-GB" dirty="0" smtClean="0">
                 <a:solidFill>
                   <a:schemeClr val="bg1"/>
                 </a:solidFill>
               </a:rPr>
-              <a:t> </a:t>
-            </a:r>
-            <a:r>
-              <a:rPr lang="en-US" dirty="0" err="1" smtClean="0">
+              <a:t>Implemented in Oversim, based on the</a:t>
+            </a:r>
+            <a:br>
+              <a:rPr lang="en-GB" dirty="0" smtClean="0">
                 <a:solidFill>
                   <a:schemeClr val="bg1"/>
                 </a:solidFill>
               </a:rPr>
-              <a:t>Oversim</a:t>
-            </a:r>
-            <a:r>
-              <a:rPr lang="en-US" dirty="0" smtClean="0">
+            </a:br>
+            <a:r>
+              <a:rPr lang="en-GB" dirty="0" smtClean="0">
                 <a:solidFill>
                   <a:schemeClr val="bg1"/>
                 </a:solidFill>
               </a:rPr>
-              <a:t> simulation</a:t>
-            </a:r>
-            <a:endParaRPr lang="en-US" dirty="0" smtClean="0">
-              <a:solidFill>
-                <a:schemeClr val="bg1"/>
-              </a:solidFill>
-            </a:endParaRPr>
+              <a:t>Omnet++ network simulator.</a:t>
+            </a:r>
+          </a:p>
+          <a:p>
+            <a:pPr eaLnBrk="1" hangingPunct="1"/>
+            <a:r>
+              <a:rPr lang="en-GB" dirty="0" smtClean="0">
+                <a:solidFill>
+                  <a:schemeClr val="bg1"/>
+                </a:solidFill>
+              </a:rPr>
+              <a:t>Oversim contains multiple underlay models</a:t>
+            </a:r>
+          </a:p>
+          <a:p>
+            <a:pPr eaLnBrk="1" hangingPunct="1"/>
+            <a:r>
+              <a:rPr lang="en-GB" dirty="0" smtClean="0">
+                <a:solidFill>
+                  <a:schemeClr val="bg1"/>
+                </a:solidFill>
+              </a:rPr>
+              <a:t>Oversim implements many P2P routing overlays (Pastry, Chord, Kademlia)</a:t>
+            </a:r>
+          </a:p>
+          <a:p>
+            <a:pPr eaLnBrk="1" hangingPunct="1"/>
+            <a:r>
+              <a:rPr lang="en-GB" dirty="0" smtClean="0">
+                <a:solidFill>
+                  <a:schemeClr val="bg1"/>
+                </a:solidFill>
+              </a:rPr>
+              <a:t>Statistics collection framework of Omnet++</a:t>
+            </a:r>
+          </a:p>
+          <a:p>
+            <a:pPr eaLnBrk="1" hangingPunct="1"/>
+            <a:r>
+              <a:rPr lang="en-GB" dirty="0" smtClean="0">
+                <a:solidFill>
+                  <a:schemeClr val="bg1"/>
+                </a:solidFill>
+              </a:rPr>
+              <a:t>Contains a DHT storage implementation</a:t>
+            </a:r>
+          </a:p>
+          <a:p>
+            <a:endParaRPr lang="en-GB" dirty="0"/>
           </a:p>
         </p:txBody>
       </p:sp>
       <p:pic>
         <p:nvPicPr>
-          <p:cNvPr id="15365" name="Picture 8" descr="Final MIH logo.png"/>
+          <p:cNvPr id="8" name="Picture 8" descr="Final MIH logo.png"/>
           <p:cNvPicPr>
             <a:picLocks noChangeAspect="1"/>
           </p:cNvPicPr>
@@ -8150,7 +8212,7 @@
         </p:blipFill>
         <p:spPr bwMode="auto">
           <a:xfrm>
-            <a:off x="6175375" y="4754563"/>
+            <a:off x="6861175" y="5297488"/>
             <a:ext cx="2968625" cy="2098675"/>
           </a:xfrm>
           <a:prstGeom prst="rect">
@@ -8165,223 +8227,9 @@
           </a:ln>
         </p:spPr>
       </p:pic>
-      <p:sp>
-        <p:nvSpPr>
-          <p:cNvPr id="6" name="Content Placeholder 5"/>
-          <p:cNvSpPr>
-            <a:spLocks noGrp="1"/>
-          </p:cNvSpPr>
-          <p:nvPr>
-            <p:ph idx="1"/>
-          </p:nvPr>
-        </p:nvSpPr>
-        <p:spPr/>
-        <p:txBody>
-          <a:bodyPr/>
-          <a:lstStyle/>
-          <a:p>
-            <a:pPr eaLnBrk="1" hangingPunct="1"/>
-            <a:r>
-              <a:rPr lang="en-US" dirty="0" smtClean="0">
-                <a:solidFill>
-                  <a:schemeClr val="bg1"/>
-                </a:solidFill>
-              </a:rPr>
-              <a:t>Implemented in </a:t>
-            </a:r>
-            <a:r>
-              <a:rPr lang="en-US" dirty="0" err="1" smtClean="0">
-                <a:solidFill>
-                  <a:schemeClr val="bg1"/>
-                </a:solidFill>
-              </a:rPr>
-              <a:t>Oversim</a:t>
-            </a:r>
-            <a:r>
-              <a:rPr lang="en-US" dirty="0" smtClean="0">
-                <a:solidFill>
-                  <a:schemeClr val="bg1"/>
-                </a:solidFill>
-              </a:rPr>
-              <a:t>, based on </a:t>
-            </a:r>
-            <a:r>
-              <a:rPr lang="en-US" dirty="0" smtClean="0">
-                <a:solidFill>
-                  <a:schemeClr val="bg1"/>
-                </a:solidFill>
-              </a:rPr>
-              <a:t>the</a:t>
-            </a:r>
-            <a:br>
-              <a:rPr lang="en-US" dirty="0" smtClean="0">
-                <a:solidFill>
-                  <a:schemeClr val="bg1"/>
-                </a:solidFill>
-              </a:rPr>
-            </a:br>
-            <a:r>
-              <a:rPr lang="en-US" dirty="0" err="1" smtClean="0">
-                <a:solidFill>
-                  <a:schemeClr val="bg1"/>
-                </a:solidFill>
-              </a:rPr>
-              <a:t>Omnet</a:t>
-            </a:r>
-            <a:r>
-              <a:rPr lang="en-US" dirty="0" smtClean="0">
-                <a:solidFill>
-                  <a:schemeClr val="bg1"/>
-                </a:solidFill>
-              </a:rPr>
-              <a:t>+</a:t>
-            </a:r>
-            <a:r>
-              <a:rPr lang="en-US" dirty="0" smtClean="0">
-                <a:solidFill>
-                  <a:schemeClr val="bg1"/>
-                </a:solidFill>
-              </a:rPr>
-              <a:t>+ network simulator.</a:t>
-            </a:r>
-          </a:p>
-          <a:p>
-            <a:pPr eaLnBrk="1" hangingPunct="1"/>
-            <a:r>
-              <a:rPr lang="en-US" dirty="0" err="1" smtClean="0">
-                <a:solidFill>
-                  <a:schemeClr val="bg1"/>
-                </a:solidFill>
-              </a:rPr>
-              <a:t>Oversim</a:t>
-            </a:r>
-            <a:r>
-              <a:rPr lang="en-US" dirty="0" smtClean="0">
-                <a:solidFill>
-                  <a:schemeClr val="bg1"/>
-                </a:solidFill>
-              </a:rPr>
-              <a:t> contains </a:t>
-            </a:r>
-            <a:r>
-              <a:rPr lang="en-US" dirty="0" smtClean="0">
-                <a:solidFill>
-                  <a:schemeClr val="bg1"/>
-                </a:solidFill>
-              </a:rPr>
-              <a:t>multiple underlay models</a:t>
-            </a:r>
-          </a:p>
-          <a:p>
-            <a:pPr eaLnBrk="1" hangingPunct="1"/>
-            <a:r>
-              <a:rPr lang="en-US" dirty="0" err="1" smtClean="0">
-                <a:solidFill>
-                  <a:schemeClr val="bg1"/>
-                </a:solidFill>
-              </a:rPr>
-              <a:t>Oversim</a:t>
-            </a:r>
-            <a:r>
-              <a:rPr lang="en-US" dirty="0" smtClean="0">
-                <a:solidFill>
-                  <a:schemeClr val="bg1"/>
-                </a:solidFill>
-              </a:rPr>
-              <a:t> implements many </a:t>
-            </a:r>
-            <a:r>
-              <a:rPr lang="en-US" dirty="0" smtClean="0">
-                <a:solidFill>
-                  <a:schemeClr val="bg1"/>
-                </a:solidFill>
-              </a:rPr>
-              <a:t>P2P routing overlays (Pastry, Chord, </a:t>
-            </a:r>
-            <a:r>
-              <a:rPr lang="en-US" dirty="0" err="1" smtClean="0">
-                <a:solidFill>
-                  <a:schemeClr val="bg1"/>
-                </a:solidFill>
-              </a:rPr>
-              <a:t>Kademlia</a:t>
-            </a:r>
-            <a:r>
-              <a:rPr lang="en-US" dirty="0" smtClean="0">
-                <a:solidFill>
-                  <a:schemeClr val="bg1"/>
-                </a:solidFill>
-              </a:rPr>
-              <a:t>)</a:t>
-            </a:r>
-          </a:p>
-          <a:p>
-            <a:pPr eaLnBrk="1" hangingPunct="1"/>
-            <a:r>
-              <a:rPr lang="en-US" dirty="0" smtClean="0">
-                <a:solidFill>
-                  <a:schemeClr val="bg1"/>
-                </a:solidFill>
-              </a:rPr>
-              <a:t>Statistics collection framework of </a:t>
-            </a:r>
-            <a:r>
-              <a:rPr lang="en-US" dirty="0" err="1" smtClean="0">
-                <a:solidFill>
-                  <a:schemeClr val="bg1"/>
-                </a:solidFill>
-              </a:rPr>
-              <a:t>Omnet</a:t>
-            </a:r>
-            <a:r>
-              <a:rPr lang="en-US" dirty="0" smtClean="0">
-                <a:solidFill>
-                  <a:schemeClr val="bg1"/>
-                </a:solidFill>
-              </a:rPr>
-              <a:t>++</a:t>
-            </a:r>
-            <a:endParaRPr lang="en-US" dirty="0" smtClean="0">
-              <a:solidFill>
-                <a:schemeClr val="bg1"/>
-              </a:solidFill>
-            </a:endParaRPr>
-          </a:p>
-          <a:p>
-            <a:pPr eaLnBrk="1" hangingPunct="1"/>
-            <a:r>
-              <a:rPr lang="en-US" dirty="0" smtClean="0">
-                <a:solidFill>
-                  <a:schemeClr val="bg1"/>
-                </a:solidFill>
-              </a:rPr>
-              <a:t>Contains a </a:t>
-            </a:r>
-            <a:r>
-              <a:rPr lang="en-US" dirty="0" smtClean="0">
-                <a:solidFill>
-                  <a:schemeClr val="bg1"/>
-                </a:solidFill>
-              </a:rPr>
-              <a:t>DHT storage </a:t>
-            </a:r>
-            <a:r>
-              <a:rPr lang="en-US" dirty="0" smtClean="0">
-                <a:solidFill>
-                  <a:schemeClr val="bg1"/>
-                </a:solidFill>
-              </a:rPr>
-              <a:t>implementation</a:t>
-            </a:r>
-          </a:p>
-          <a:p>
-            <a:endParaRPr lang="en-ZA" dirty="0"/>
-          </a:p>
-        </p:txBody>
-      </p:sp>
       <p:pic>
         <p:nvPicPr>
-          <p:cNvPr id="7" name="Picture 1"/>
+          <p:cNvPr id="9" name="Picture 1"/>
           <p:cNvPicPr>
             <a:picLocks noChangeAspect="1"/>
           </p:cNvPicPr>
@@ -8396,7 +8244,7 @@
         </p:blipFill>
         <p:spPr bwMode="auto">
           <a:xfrm>
-            <a:off x="531813" y="5867400"/>
+            <a:off x="150813" y="6369050"/>
             <a:ext cx="2106612" cy="317500"/>
           </a:xfrm>
           <a:prstGeom prst="rect">
@@ -8417,17 +8265,17 @@
     <a:masterClrMapping/>
   </p:clrMapOvr>
   <mc:AlternateContent xmlns:mc="http://schemas.openxmlformats.org/markup-compatibility/2006">
-    <mc:Choice xmlns:p14="http://schemas.microsoft.com/office/powerpoint/2010/main" Requires="p14">
+    <mc:Choice xmlns:p14="http://schemas.microsoft.com/office/powerpoint/2010/main" xmlns="" Requires="p14">
       <p:transition spd="slow" p14:dur="2000" advTm="119"/>
     </mc:Choice>
     <mc:Fallback>
-      <p:transition xmlns:p14="http://schemas.microsoft.com/office/powerpoint/2010/main" spd="slow" advTm="119"/>
+      <p:transition spd="slow" advTm="119"/>
     </mc:Fallback>
   </mc:AlternateContent>
   <p:timing>
     <p:tnLst>
       <p:par>
-        <p:cTn xmlns:p14="http://schemas.microsoft.com/office/powerpoint/2010/main" id="1" dur="indefinite" restart="never" nodeType="tmRoot"/>
+        <p:cTn id="1" dur="indefinite" restart="never" nodeType="tmRoot"/>
       </p:par>
     </p:tnLst>
   </p:timing>
@@ -8435,7 +8283,7 @@
 </file>
 
 <file path=ppt/slides/slide26.xml><?xml version="1.0" encoding="utf-8"?>
-<p:sld xmlns:a="http://schemas.openxmlformats.org/drawingml/2006/main" xmlns:r="http://schemas.openxmlformats.org/officeDocument/2006/relationships" xmlns:p="http://schemas.openxmlformats.org/presentationml/2006/main">
+<p:sld xmlns:a="http://schemas.openxmlformats.org/drawingml/2006/main" xmlns:r="http://schemas.openxmlformats.org/officeDocument/2006/relationships" xmlns:p="http://schemas.openxmlformats.org/presentationml/2006/main" show="0">
   <p:cSld>
     <p:spTree>
       <p:nvGrpSpPr>
@@ -8491,7 +8339,7 @@
           <a:lstStyle/>
           <a:p>
             <a:pPr algn="ctr"/>
-            <a:endParaRPr lang="en-US" sz="1800">
+            <a:endParaRPr lang="en-US" sz="1800" dirty="0">
               <a:solidFill>
                 <a:srgbClr val="FFFFFF"/>
               </a:solidFill>
@@ -8516,31 +8364,25 @@
           <a:p>
             <a:pPr eaLnBrk="1" hangingPunct="1"/>
             <a:r>
-              <a:rPr lang="en-US" dirty="0" err="1" smtClean="0">
+              <a:rPr lang="en-US" dirty="0" smtClean="0">
                 <a:solidFill>
                   <a:schemeClr val="bg1"/>
                 </a:solidFill>
               </a:rPr>
-              <a:t>Oversim</a:t>
-            </a:r>
-            <a:r>
-              <a:rPr lang="en-US" dirty="0" smtClean="0">
-                <a:solidFill>
-                  <a:schemeClr val="bg1"/>
-                </a:solidFill>
-              </a:rPr>
-              <a:t> architecture</a:t>
+              <a:t>Oversim architecture</a:t>
             </a:r>
           </a:p>
         </p:txBody>
       </p:sp>
       <p:pic>
         <p:nvPicPr>
-          <p:cNvPr id="15365" name="Picture 8" descr="Final MIH logo.png"/>
+          <p:cNvPr id="28674" name="Picture 2"/>
           <p:cNvPicPr>
-            <a:picLocks noChangeAspect="1"/>
+            <a:picLocks noGrp="1" noChangeAspect="1" noChangeArrowheads="1"/>
           </p:cNvPicPr>
-          <p:nvPr/>
+          <p:nvPr>
+            <p:ph idx="1"/>
+          </p:nvPr>
         </p:nvPicPr>
         <p:blipFill>
           <a:blip r:embed="rId2"/>
@@ -8551,8 +8393,8 @@
         </p:blipFill>
         <p:spPr bwMode="auto">
           <a:xfrm>
-            <a:off x="6175375" y="4754563"/>
-            <a:ext cx="2968625" cy="2098675"/>
+            <a:off x="1087230" y="1229066"/>
+            <a:ext cx="6969541" cy="3800134"/>
           </a:xfrm>
           <a:prstGeom prst="rect">
             <a:avLst/>
@@ -8568,13 +8410,11 @@
       </p:pic>
       <p:pic>
         <p:nvPicPr>
-          <p:cNvPr id="28674" name="Picture 2"/>
+          <p:cNvPr id="8" name="Picture 8" descr="Final MIH logo.png"/>
           <p:cNvPicPr>
-            <a:picLocks noGrp="1" noChangeAspect="1" noChangeArrowheads="1"/>
+            <a:picLocks noChangeAspect="1"/>
           </p:cNvPicPr>
-          <p:nvPr>
-            <p:ph idx="1"/>
-          </p:nvPr>
+          <p:nvPr/>
         </p:nvPicPr>
         <p:blipFill>
           <a:blip r:embed="rId3"/>
@@ -8585,8 +8425,8 @@
         </p:blipFill>
         <p:spPr bwMode="auto">
           <a:xfrm>
-            <a:off x="1087230" y="1229066"/>
-            <a:ext cx="6969541" cy="3800134"/>
+            <a:off x="6861175" y="5297488"/>
+            <a:ext cx="2968625" cy="2098675"/>
           </a:xfrm>
           <a:prstGeom prst="rect">
             <a:avLst/>
@@ -8602,7 +8442,7 @@
       </p:pic>
       <p:pic>
         <p:nvPicPr>
-          <p:cNvPr id="7" name="Picture 1"/>
+          <p:cNvPr id="9" name="Picture 1"/>
           <p:cNvPicPr>
             <a:picLocks noChangeAspect="1"/>
           </p:cNvPicPr>
@@ -8617,7 +8457,7 @@
         </p:blipFill>
         <p:spPr bwMode="auto">
           <a:xfrm>
-            <a:off x="531813" y="5867400"/>
+            <a:off x="150813" y="6369050"/>
             <a:ext cx="2106612" cy="317500"/>
           </a:xfrm>
           <a:prstGeom prst="rect">
@@ -8637,18 +8477,11 @@
   <p:clrMapOvr>
     <a:masterClrMapping/>
   </p:clrMapOvr>
-  <mc:AlternateContent xmlns:mc="http://schemas.openxmlformats.org/markup-compatibility/2006">
-    <mc:Choice xmlns:p14="http://schemas.microsoft.com/office/powerpoint/2010/main" Requires="p14">
-      <p:transition spd="slow" p14:dur="2000" advTm="678"/>
-    </mc:Choice>
-    <mc:Fallback>
-      <p:transition xmlns:p14="http://schemas.microsoft.com/office/powerpoint/2010/main" spd="slow" advTm="678"/>
-    </mc:Fallback>
-  </mc:AlternateContent>
+  <p:transition spd="slow" advTm="678"/>
   <p:timing>
     <p:tnLst>
       <p:par>
-        <p:cTn xmlns:p14="http://schemas.microsoft.com/office/powerpoint/2010/main" id="1" dur="indefinite" restart="never" nodeType="tmRoot"/>
+        <p:cTn id="1" dur="indefinite" restart="never" nodeType="tmRoot"/>
       </p:par>
     </p:tnLst>
   </p:timing>
@@ -8656,7 +8489,7 @@
 </file>
 
 <file path=ppt/slides/slide27.xml><?xml version="1.0" encoding="utf-8"?>
-<p:sld xmlns:a="http://schemas.openxmlformats.org/drawingml/2006/main" xmlns:r="http://schemas.openxmlformats.org/officeDocument/2006/relationships" xmlns:p="http://schemas.openxmlformats.org/presentationml/2006/main">
+<p:sld xmlns:a="http://schemas.openxmlformats.org/drawingml/2006/main" xmlns:r="http://schemas.openxmlformats.org/officeDocument/2006/relationships" xmlns:p="http://schemas.openxmlformats.org/presentationml/2006/main" show="0">
   <p:cSld>
     <p:spTree>
       <p:nvGrpSpPr>
@@ -8712,7 +8545,7 @@
           <a:lstStyle/>
           <a:p>
             <a:pPr algn="ctr"/>
-            <a:endParaRPr lang="en-US" sz="1800">
+            <a:endParaRPr lang="en-US" sz="1800" dirty="0">
               <a:solidFill>
                 <a:srgbClr val="FFFFFF"/>
               </a:solidFill>
@@ -8742,34 +8575,20 @@
                   <a:schemeClr val="bg1"/>
                 </a:solidFill>
               </a:rPr>
-              <a:t>Extended </a:t>
-            </a:r>
-            <a:r>
-              <a:rPr lang="en-US" dirty="0" err="1" smtClean="0">
-                <a:solidFill>
-                  <a:schemeClr val="bg1"/>
-                </a:solidFill>
-              </a:rPr>
-              <a:t>Oversim</a:t>
-            </a:r>
-            <a:r>
-              <a:rPr lang="en-US" dirty="0" smtClean="0">
-                <a:solidFill>
-                  <a:schemeClr val="bg1"/>
-                </a:solidFill>
-              </a:rPr>
-              <a:t> architecture</a:t>
+              <a:t>Extended Oversim architecture</a:t>
             </a:r>
           </a:p>
         </p:txBody>
       </p:sp>
       <p:pic>
         <p:nvPicPr>
-          <p:cNvPr id="15365" name="Picture 8" descr="Final MIH logo.png"/>
+          <p:cNvPr id="29698" name="Picture 2"/>
           <p:cNvPicPr>
-            <a:picLocks noChangeAspect="1"/>
+            <a:picLocks noGrp="1" noChangeAspect="1" noChangeArrowheads="1"/>
           </p:cNvPicPr>
-          <p:nvPr/>
+          <p:nvPr>
+            <p:ph idx="1"/>
+          </p:nvPr>
         </p:nvPicPr>
         <p:blipFill>
           <a:blip r:embed="rId2"/>
@@ -8780,8 +8599,8 @@
         </p:blipFill>
         <p:spPr bwMode="auto">
           <a:xfrm>
-            <a:off x="6175375" y="4754563"/>
-            <a:ext cx="2968625" cy="2098675"/>
+            <a:off x="457200" y="1282805"/>
+            <a:ext cx="6215198" cy="4424258"/>
           </a:xfrm>
           <a:prstGeom prst="rect">
             <a:avLst/>
@@ -8797,13 +8616,11 @@
       </p:pic>
       <p:pic>
         <p:nvPicPr>
-          <p:cNvPr id="29698" name="Picture 2"/>
+          <p:cNvPr id="7" name="Picture 8" descr="Final MIH logo.png"/>
           <p:cNvPicPr>
-            <a:picLocks noGrp="1" noChangeAspect="1" noChangeArrowheads="1"/>
+            <a:picLocks noChangeAspect="1"/>
           </p:cNvPicPr>
-          <p:nvPr>
-            <p:ph idx="1"/>
-          </p:nvPr>
+          <p:nvPr/>
         </p:nvPicPr>
         <p:blipFill>
           <a:blip r:embed="rId3"/>
@@ -8814,8 +8631,8 @@
         </p:blipFill>
         <p:spPr bwMode="auto">
           <a:xfrm>
-            <a:off x="457200" y="1282805"/>
-            <a:ext cx="6215198" cy="4424258"/>
+            <a:off x="6861175" y="5297488"/>
+            <a:ext cx="2968625" cy="2098675"/>
           </a:xfrm>
           <a:prstGeom prst="rect">
             <a:avLst/>
@@ -8831,7 +8648,7 @@
       </p:pic>
       <p:pic>
         <p:nvPicPr>
-          <p:cNvPr id="8" name="Picture 1"/>
+          <p:cNvPr id="9" name="Picture 1"/>
           <p:cNvPicPr>
             <a:picLocks noChangeAspect="1"/>
           </p:cNvPicPr>
@@ -8846,7 +8663,7 @@
         </p:blipFill>
         <p:spPr bwMode="auto">
           <a:xfrm>
-            <a:off x="531813" y="5867400"/>
+            <a:off x="150813" y="6369050"/>
             <a:ext cx="2106612" cy="317500"/>
           </a:xfrm>
           <a:prstGeom prst="rect">
@@ -8866,18 +8683,11 @@
   <p:clrMapOvr>
     <a:masterClrMapping/>
   </p:clrMapOvr>
-  <mc:AlternateContent xmlns:mc="http://schemas.openxmlformats.org/markup-compatibility/2006">
-    <mc:Choice xmlns:p14="http://schemas.microsoft.com/office/powerpoint/2010/main" Requires="p14">
-      <p:transition spd="slow" p14:dur="2000" advTm="349"/>
-    </mc:Choice>
-    <mc:Fallback>
-      <p:transition xmlns:p14="http://schemas.microsoft.com/office/powerpoint/2010/main" spd="slow" advTm="349"/>
-    </mc:Fallback>
-  </mc:AlternateContent>
+  <p:transition spd="slow" advTm="349"/>
   <p:timing>
     <p:tnLst>
       <p:par>
-        <p:cTn xmlns:p14="http://schemas.microsoft.com/office/powerpoint/2010/main" id="1" dur="indefinite" restart="never" nodeType="tmRoot"/>
+        <p:cTn id="1" dur="indefinite" restart="never" nodeType="tmRoot"/>
       </p:par>
     </p:tnLst>
   </p:timing>
@@ -8885,7 +8695,7 @@
 </file>
 
 <file path=ppt/slides/slide28.xml><?xml version="1.0" encoding="utf-8"?>
-<p:sld xmlns:a="http://schemas.openxmlformats.org/drawingml/2006/main" xmlns:r="http://schemas.openxmlformats.org/officeDocument/2006/relationships" xmlns:p="http://schemas.openxmlformats.org/presentationml/2006/main">
+<p:sld xmlns:a="http://schemas.openxmlformats.org/drawingml/2006/main" xmlns:r="http://schemas.openxmlformats.org/officeDocument/2006/relationships" xmlns:p="http://schemas.openxmlformats.org/presentationml/2006/main" show="0">
   <p:cSld>
     <p:spTree>
       <p:nvGrpSpPr>
@@ -8941,7 +8751,7 @@
           <a:lstStyle/>
           <a:p>
             <a:pPr algn="ctr"/>
-            <a:endParaRPr lang="en-US" sz="1800">
+            <a:endParaRPr lang="en-US" sz="1800" dirty="0">
               <a:solidFill>
                 <a:srgbClr val="FFFFFF"/>
               </a:solidFill>
@@ -8966,47 +8776,25 @@
           <a:p>
             <a:pPr eaLnBrk="1" hangingPunct="1"/>
             <a:r>
-              <a:rPr lang="en-US" dirty="0" err="1" smtClean="0">
+              <a:rPr lang="en-US" dirty="0" smtClean="0">
                 <a:solidFill>
                   <a:schemeClr val="bg1"/>
                 </a:solidFill>
               </a:rPr>
-              <a:t>Pithos</a:t>
-            </a:r>
-            <a:r>
-              <a:rPr lang="en-US" dirty="0" smtClean="0">
-                <a:solidFill>
-                  <a:schemeClr val="bg1"/>
-                </a:solidFill>
-              </a:rPr>
-              <a:t> </a:t>
-            </a:r>
-            <a:r>
-              <a:rPr lang="en-US" dirty="0" err="1" smtClean="0">
-                <a:solidFill>
-                  <a:schemeClr val="bg1"/>
-                </a:solidFill>
-              </a:rPr>
-              <a:t>Oversim</a:t>
-            </a:r>
-            <a:r>
-              <a:rPr lang="en-US" dirty="0" smtClean="0">
-                <a:solidFill>
-                  <a:schemeClr val="bg1"/>
-                </a:solidFill>
-              </a:rPr>
-              <a:t> architecture</a:t>
+              <a:t>Pithos Oversim architecture</a:t>
             </a:r>
           </a:p>
         </p:txBody>
       </p:sp>
       <p:pic>
         <p:nvPicPr>
-          <p:cNvPr id="15365" name="Picture 8" descr="Final MIH logo.png"/>
+          <p:cNvPr id="30723" name="Picture 3"/>
           <p:cNvPicPr>
-            <a:picLocks noChangeAspect="1"/>
+            <a:picLocks noGrp="1" noChangeAspect="1" noChangeArrowheads="1"/>
           </p:cNvPicPr>
-          <p:nvPr/>
+          <p:nvPr>
+            <p:ph idx="1"/>
+          </p:nvPr>
         </p:nvPicPr>
         <p:blipFill>
           <a:blip r:embed="rId2"/>
@@ -9017,8 +8805,8 @@
         </p:blipFill>
         <p:spPr bwMode="auto">
           <a:xfrm>
-            <a:off x="6175375" y="4754563"/>
-            <a:ext cx="2968625" cy="2098675"/>
+            <a:off x="1543050" y="1219200"/>
+            <a:ext cx="4920575" cy="4525963"/>
           </a:xfrm>
           <a:prstGeom prst="rect">
             <a:avLst/>
@@ -9034,7 +8822,7 @@
       </p:pic>
       <p:pic>
         <p:nvPicPr>
-          <p:cNvPr id="8" name="Picture 1"/>
+          <p:cNvPr id="9" name="Picture 8" descr="Final MIH logo.png"/>
           <p:cNvPicPr>
             <a:picLocks noChangeAspect="1"/>
           </p:cNvPicPr>
@@ -9049,8 +8837,8 @@
         </p:blipFill>
         <p:spPr bwMode="auto">
           <a:xfrm>
-            <a:off x="531813" y="5867400"/>
-            <a:ext cx="2106612" cy="317500"/>
+            <a:off x="6861175" y="5297488"/>
+            <a:ext cx="2968625" cy="2098675"/>
           </a:xfrm>
           <a:prstGeom prst="rect">
             <a:avLst/>
@@ -9066,13 +8854,11 @@
       </p:pic>
       <p:pic>
         <p:nvPicPr>
-          <p:cNvPr id="30723" name="Picture 3"/>
+          <p:cNvPr id="10" name="Picture 1"/>
           <p:cNvPicPr>
-            <a:picLocks noGrp="1" noChangeAspect="1" noChangeArrowheads="1"/>
+            <a:picLocks noChangeAspect="1"/>
           </p:cNvPicPr>
-          <p:nvPr>
-            <p:ph idx="1"/>
-          </p:nvPr>
+          <p:nvPr/>
         </p:nvPicPr>
         <p:blipFill>
           <a:blip r:embed="rId4"/>
@@ -9083,8 +8869,8 @@
         </p:blipFill>
         <p:spPr bwMode="auto">
           <a:xfrm>
-            <a:off x="1543050" y="1219200"/>
-            <a:ext cx="4920575" cy="4525963"/>
+            <a:off x="150813" y="6369050"/>
+            <a:ext cx="2106612" cy="317500"/>
           </a:xfrm>
           <a:prstGeom prst="rect">
             <a:avLst/>
@@ -9103,18 +8889,11 @@
   <p:clrMapOvr>
     <a:masterClrMapping/>
   </p:clrMapOvr>
-  <mc:AlternateContent xmlns:mc="http://schemas.openxmlformats.org/markup-compatibility/2006">
-    <mc:Choice xmlns:p14="http://schemas.microsoft.com/office/powerpoint/2010/main" Requires="p14">
-      <p:transition spd="slow" p14:dur="2000" advTm="309"/>
-    </mc:Choice>
-    <mc:Fallback>
-      <p:transition xmlns:p14="http://schemas.microsoft.com/office/powerpoint/2010/main" spd="slow" advTm="309"/>
-    </mc:Fallback>
-  </mc:AlternateContent>
+  <p:transition spd="slow" advTm="309"/>
   <p:timing>
     <p:tnLst>
       <p:par>
-        <p:cTn xmlns:p14="http://schemas.microsoft.com/office/powerpoint/2010/main" id="1" dur="indefinite" restart="never" nodeType="tmRoot"/>
+        <p:cTn id="1" dur="indefinite" restart="never" nodeType="tmRoot"/>
       </p:par>
     </p:tnLst>
   </p:timing>
@@ -9178,7 +8957,7 @@
           <a:lstStyle/>
           <a:p>
             <a:pPr algn="ctr"/>
-            <a:endParaRPr lang="en-US" sz="1800">
+            <a:endParaRPr lang="en-US" sz="1800" dirty="0">
               <a:solidFill>
                 <a:srgbClr val="FFFFFF"/>
               </a:solidFill>
@@ -9203,27 +8982,120 @@
           <a:p>
             <a:pPr eaLnBrk="1" hangingPunct="1"/>
             <a:r>
-              <a:rPr lang="en-US" dirty="0" err="1" smtClean="0">
+              <a:rPr lang="en-US" dirty="0" smtClean="0">
                 <a:solidFill>
                   <a:schemeClr val="bg1"/>
                 </a:solidFill>
               </a:rPr>
-              <a:t>Pithos</a:t>
-            </a:r>
-            <a:r>
-              <a:rPr lang="en-US" dirty="0" smtClean="0">
+              <a:t>Pithos evaluation</a:t>
+            </a:r>
+          </a:p>
+        </p:txBody>
+      </p:sp>
+      <p:sp>
+        <p:nvSpPr>
+          <p:cNvPr id="7" name="Content Placeholder 6"/>
+          <p:cNvSpPr>
+            <a:spLocks noGrp="1"/>
+          </p:cNvSpPr>
+          <p:nvPr>
+            <p:ph idx="1"/>
+          </p:nvPr>
+        </p:nvSpPr>
+        <p:spPr>
+          <a:xfrm>
+            <a:off x="457200" y="1179513"/>
+            <a:ext cx="8229600" cy="4525963"/>
+          </a:xfrm>
+        </p:spPr>
+        <p:txBody>
+          <a:bodyPr/>
+          <a:lstStyle/>
+          <a:p>
+            <a:r>
+              <a:rPr lang="en-GB" dirty="0" smtClean="0">
                 <a:solidFill>
                   <a:schemeClr val="bg1"/>
                 </a:solidFill>
               </a:rPr>
-              <a:t> evaluation</a:t>
+              <a:t>2500 peers, 100 super peers</a:t>
+            </a:r>
+          </a:p>
+          <a:p>
+            <a:r>
+              <a:rPr lang="en-GB" dirty="0" smtClean="0">
+                <a:solidFill>
+                  <a:schemeClr val="bg1"/>
+                </a:solidFill>
+              </a:rPr>
+              <a:t>5 million storage and retrieval requests</a:t>
+            </a:r>
+          </a:p>
+          <a:p>
+            <a:r>
+              <a:rPr lang="en-GB" dirty="0" smtClean="0">
+                <a:solidFill>
+                  <a:schemeClr val="bg1"/>
+                </a:solidFill>
+              </a:rPr>
+              <a:t>600,000 objects stored</a:t>
+            </a:r>
+          </a:p>
+          <a:p>
+            <a:r>
+              <a:rPr lang="en-GB" dirty="0" smtClean="0">
+                <a:solidFill>
+                  <a:schemeClr val="bg1"/>
+                </a:solidFill>
+              </a:rPr>
+              <a:t>5s per request per node</a:t>
+            </a:r>
+          </a:p>
+          <a:p>
+            <a:r>
+              <a:rPr lang="en-GB" dirty="0" smtClean="0">
+                <a:solidFill>
+                  <a:schemeClr val="bg1"/>
+                </a:solidFill>
+              </a:rPr>
+              <a:t>Coordinate-based underlay network</a:t>
+            </a:r>
+          </a:p>
+          <a:p>
+            <a:r>
+              <a:rPr lang="en-GB" dirty="0" smtClean="0">
+                <a:solidFill>
+                  <a:schemeClr val="bg1"/>
+                </a:solidFill>
+              </a:rPr>
+              <a:t>Exponential node lifetimes with 1800s mean</a:t>
+            </a:r>
+          </a:p>
+          <a:p>
+            <a:r>
+              <a:rPr lang="en-GB" dirty="0" smtClean="0">
+                <a:solidFill>
+                  <a:schemeClr val="bg1"/>
+                </a:solidFill>
+              </a:rPr>
+              <a:t>1024 byte objects with 300s TTL</a:t>
+            </a:r>
+          </a:p>
+          <a:p>
+            <a:r>
+              <a:rPr lang="en-GB" dirty="0" smtClean="0">
+                <a:solidFill>
+                  <a:schemeClr val="bg1"/>
+                </a:solidFill>
+              </a:rPr>
+              <a:t>Chord routing overlay</a:t>
             </a:r>
           </a:p>
         </p:txBody>
       </p:sp>
       <p:pic>
         <p:nvPicPr>
-          <p:cNvPr id="15365" name="Picture 8" descr="Final MIH logo.png"/>
+          <p:cNvPr id="9" name="Picture 8" descr="Final MIH logo.png"/>
           <p:cNvPicPr>
             <a:picLocks noChangeAspect="1"/>
           </p:cNvPicPr>
@@ -9238,7 +9110,7 @@
         </p:blipFill>
         <p:spPr bwMode="auto">
           <a:xfrm>
-            <a:off x="6175375" y="4754563"/>
+            <a:off x="6861175" y="5297488"/>
             <a:ext cx="2968625" cy="2098675"/>
           </a:xfrm>
           <a:prstGeom prst="rect">
@@ -9255,7 +9127,7 @@
       </p:pic>
       <p:pic>
         <p:nvPicPr>
-          <p:cNvPr id="8" name="Picture 1"/>
+          <p:cNvPr id="10" name="Picture 1"/>
           <p:cNvPicPr>
             <a:picLocks noChangeAspect="1"/>
           </p:cNvPicPr>
@@ -9270,7 +9142,7 @@
         </p:blipFill>
         <p:spPr bwMode="auto">
           <a:xfrm>
-            <a:off x="531813" y="5867400"/>
+            <a:off x="150813" y="6369050"/>
             <a:ext cx="2106612" cy="317500"/>
           </a:xfrm>
           <a:prstGeom prst="rect">
@@ -9285,153 +9157,23 @@
           </a:ln>
         </p:spPr>
       </p:pic>
-      <p:sp>
-        <p:nvSpPr>
-          <p:cNvPr id="7" name="Content Placeholder 6"/>
-          <p:cNvSpPr>
-            <a:spLocks noGrp="1"/>
-          </p:cNvSpPr>
-          <p:nvPr>
-            <p:ph idx="1"/>
-          </p:nvPr>
-        </p:nvSpPr>
-        <p:spPr>
-          <a:xfrm>
-            <a:off x="457200" y="1179513"/>
-            <a:ext cx="8229600" cy="4525963"/>
-          </a:xfrm>
-        </p:spPr>
-        <p:txBody>
-          <a:bodyPr/>
-          <a:lstStyle/>
-          <a:p>
-            <a:r>
-              <a:rPr lang="en-US" dirty="0" smtClean="0">
-                <a:solidFill>
-                  <a:schemeClr val="bg1"/>
-                </a:solidFill>
-              </a:rPr>
-              <a:t>2500 peers, 100 super </a:t>
-            </a:r>
-            <a:r>
-              <a:rPr lang="en-US" dirty="0" smtClean="0">
-                <a:solidFill>
-                  <a:schemeClr val="bg1"/>
-                </a:solidFill>
-              </a:rPr>
-              <a:t>peers</a:t>
-            </a:r>
-            <a:endParaRPr lang="en-US" dirty="0" smtClean="0">
-              <a:solidFill>
-                <a:schemeClr val="bg1"/>
-              </a:solidFill>
-            </a:endParaRPr>
-          </a:p>
-          <a:p>
-            <a:r>
-              <a:rPr lang="en-US" dirty="0" smtClean="0">
-                <a:solidFill>
-                  <a:schemeClr val="bg1"/>
-                </a:solidFill>
-              </a:rPr>
-              <a:t>5 million storage and retrieval requests</a:t>
-            </a:r>
-          </a:p>
-          <a:p>
-            <a:r>
-              <a:rPr lang="en-US" dirty="0" smtClean="0">
-                <a:solidFill>
-                  <a:schemeClr val="bg1"/>
-                </a:solidFill>
-              </a:rPr>
-              <a:t>600,000 objects stored</a:t>
-            </a:r>
-          </a:p>
-          <a:p>
-            <a:r>
-              <a:rPr lang="en-US" dirty="0" smtClean="0">
-                <a:solidFill>
-                  <a:schemeClr val="bg1"/>
-                </a:solidFill>
-              </a:rPr>
-              <a:t>5s per request per node</a:t>
-            </a:r>
-          </a:p>
-          <a:p>
-            <a:r>
-              <a:rPr lang="en-US" dirty="0" smtClean="0">
-                <a:solidFill>
-                  <a:schemeClr val="bg1"/>
-                </a:solidFill>
-              </a:rPr>
-              <a:t>Coordinate-based underla</a:t>
-            </a:r>
-            <a:r>
-              <a:rPr lang="en-US" dirty="0" smtClean="0">
-                <a:solidFill>
-                  <a:schemeClr val="bg1"/>
-                </a:solidFill>
-              </a:rPr>
-              <a:t>y network</a:t>
-            </a:r>
-            <a:endParaRPr lang="en-US" dirty="0" smtClean="0">
-              <a:solidFill>
-                <a:schemeClr val="bg1"/>
-              </a:solidFill>
-            </a:endParaRPr>
-          </a:p>
-          <a:p>
-            <a:r>
-              <a:rPr lang="en-US" dirty="0" smtClean="0">
-                <a:solidFill>
-                  <a:schemeClr val="bg1"/>
-                </a:solidFill>
-              </a:rPr>
-              <a:t>Exponential node lifetimes with 1800s mean</a:t>
-            </a:r>
-          </a:p>
-          <a:p>
-            <a:r>
-              <a:rPr lang="en-US" dirty="0" smtClean="0">
-                <a:solidFill>
-                  <a:schemeClr val="bg1"/>
-                </a:solidFill>
-              </a:rPr>
-              <a:t>1024 byte objects with 300s TTL</a:t>
-            </a:r>
-          </a:p>
-          <a:p>
-            <a:r>
-              <a:rPr lang="en-US" dirty="0" smtClean="0">
-                <a:solidFill>
-                  <a:schemeClr val="bg1"/>
-                </a:solidFill>
-              </a:rPr>
-              <a:t>Chord routing overlay</a:t>
-            </a:r>
-          </a:p>
-          <a:p>
-            <a:endParaRPr lang="en-ZA" dirty="0"/>
-          </a:p>
-        </p:txBody>
-      </p:sp>
     </p:spTree>
   </p:cSld>
   <p:clrMapOvr>
     <a:masterClrMapping/>
   </p:clrMapOvr>
   <mc:AlternateContent xmlns:mc="http://schemas.openxmlformats.org/markup-compatibility/2006">
-    <mc:Choice xmlns:p14="http://schemas.microsoft.com/office/powerpoint/2010/main" Requires="p14">
+    <mc:Choice xmlns:p14="http://schemas.microsoft.com/office/powerpoint/2010/main" xmlns="" Requires="p14">
       <p:transition spd="slow" p14:dur="2000" advTm="248"/>
     </mc:Choice>
     <mc:Fallback>
-      <p:transition xmlns:p14="http://schemas.microsoft.com/office/powerpoint/2010/main" spd="slow" advTm="248"/>
+      <p:transition spd="slow" advTm="248"/>
     </mc:Fallback>
   </mc:AlternateContent>
   <p:timing>
     <p:tnLst>
       <p:par>
-        <p:cTn xmlns:p14="http://schemas.microsoft.com/office/powerpoint/2010/main" id="1" dur="indefinite" restart="never" nodeType="tmRoot"/>
+        <p:cTn id="1" dur="indefinite" restart="never" nodeType="tmRoot"/>
       </p:par>
     </p:tnLst>
   </p:timing>
@@ -9495,7 +9237,7 @@
           <a:lstStyle/>
           <a:p>
             <a:pPr algn="ctr"/>
-            <a:endParaRPr lang="en-US" sz="1800">
+            <a:endParaRPr lang="en-US" sz="1800" dirty="0">
               <a:solidFill>
                 <a:srgbClr val="FFFFFF"/>
               </a:solidFill>
@@ -9547,7 +9289,7 @@
           <a:p>
             <a:pPr eaLnBrk="1" hangingPunct="1"/>
             <a:r>
-              <a:rPr lang="en-US" dirty="0" smtClean="0">
+              <a:rPr lang="en-GB" dirty="0" smtClean="0">
                 <a:solidFill>
                   <a:schemeClr val="bg1"/>
                 </a:solidFill>
@@ -9558,7 +9300,7 @@
           <a:p>
             <a:pPr eaLnBrk="1" hangingPunct="1"/>
             <a:r>
-              <a:rPr lang="en-US" dirty="0" smtClean="0">
+              <a:rPr lang="en-GB" dirty="0" smtClean="0">
                 <a:solidFill>
                   <a:schemeClr val="bg1"/>
                 </a:solidFill>
@@ -9569,34 +9311,18 @@
           <a:p>
             <a:pPr eaLnBrk="1" hangingPunct="1"/>
             <a:r>
-              <a:rPr lang="en-US" dirty="0" smtClean="0">
+              <a:rPr lang="en-GB" dirty="0" smtClean="0">
                 <a:solidFill>
                   <a:schemeClr val="bg1"/>
                 </a:solidFill>
               </a:rPr>
-              <a:t>Example: Massively </a:t>
-            </a:r>
-            <a:r>
-              <a:rPr lang="en-US" dirty="0" err="1" smtClean="0">
-                <a:solidFill>
-                  <a:schemeClr val="bg1"/>
-                </a:solidFill>
-              </a:rPr>
-              <a:t>Muliplayer</a:t>
-            </a:r>
-            <a:r>
-              <a:rPr lang="en-US" dirty="0" smtClean="0">
-                <a:solidFill>
-                  <a:schemeClr val="bg1"/>
-                </a:solidFill>
-              </a:rPr>
-              <a:t> Online Games</a:t>
+              <a:t>Example: Massively Multiplayer Online Games</a:t>
             </a:r>
           </a:p>
           <a:p>
             <a:pPr eaLnBrk="1" hangingPunct="1"/>
             <a:r>
-              <a:rPr lang="en-US" dirty="0" smtClean="0">
+              <a:rPr lang="en-GB" dirty="0" smtClean="0">
                 <a:solidFill>
                   <a:schemeClr val="bg1"/>
                 </a:solidFill>
@@ -9607,7 +9333,7 @@
           <a:p>
             <a:pPr eaLnBrk="1" hangingPunct="1"/>
             <a:r>
-              <a:rPr lang="en-US" dirty="0" smtClean="0">
+              <a:rPr lang="en-GB" dirty="0" smtClean="0">
                 <a:solidFill>
                   <a:schemeClr val="bg1"/>
                 </a:solidFill>
@@ -9618,7 +9344,7 @@
           <a:p>
             <a:pPr eaLnBrk="1" hangingPunct="1"/>
             <a:r>
-              <a:rPr lang="en-US" dirty="0" smtClean="0">
+              <a:rPr lang="en-GB" dirty="0" smtClean="0">
                 <a:solidFill>
                   <a:schemeClr val="bg1"/>
                 </a:solidFill>
@@ -9629,7 +9355,7 @@
           <a:p>
             <a:pPr eaLnBrk="1" hangingPunct="1"/>
             <a:r>
-              <a:rPr lang="en-US" dirty="0" smtClean="0">
+              <a:rPr lang="en-GB" dirty="0" smtClean="0">
                 <a:solidFill>
                   <a:schemeClr val="bg1"/>
                 </a:solidFill>
@@ -9639,7 +9365,7 @@
           </a:p>
           <a:p>
             <a:pPr eaLnBrk="1" hangingPunct="1"/>
-            <a:endParaRPr lang="en-US" dirty="0" smtClean="0">
+            <a:endParaRPr lang="en-GB" dirty="0" smtClean="0">
               <a:solidFill>
                 <a:schemeClr val="bg1"/>
               </a:solidFill>
@@ -9649,7 +9375,7 @@
       </p:sp>
       <p:pic>
         <p:nvPicPr>
-          <p:cNvPr id="15364" name="Picture 1"/>
+          <p:cNvPr id="7" name="Picture 8" descr="Final MIH logo.png"/>
           <p:cNvPicPr>
             <a:picLocks noChangeAspect="1"/>
           </p:cNvPicPr>
@@ -9664,8 +9390,8 @@
         </p:blipFill>
         <p:spPr bwMode="auto">
           <a:xfrm>
-            <a:off x="531813" y="5867400"/>
-            <a:ext cx="2106612" cy="317500"/>
+            <a:off x="6861175" y="5297488"/>
+            <a:ext cx="2968625" cy="2098675"/>
           </a:xfrm>
           <a:prstGeom prst="rect">
             <a:avLst/>
@@ -9681,7 +9407,7 @@
       </p:pic>
       <p:pic>
         <p:nvPicPr>
-          <p:cNvPr id="15365" name="Picture 8" descr="Final MIH logo.png"/>
+          <p:cNvPr id="8" name="Picture 1"/>
           <p:cNvPicPr>
             <a:picLocks noChangeAspect="1"/>
           </p:cNvPicPr>
@@ -9696,8 +9422,8 @@
         </p:blipFill>
         <p:spPr bwMode="auto">
           <a:xfrm>
-            <a:off x="6175375" y="4754563"/>
-            <a:ext cx="2968625" cy="2098675"/>
+            <a:off x="150813" y="6369050"/>
+            <a:ext cx="2106612" cy="317500"/>
           </a:xfrm>
           <a:prstGeom prst="rect">
             <a:avLst/>
@@ -9717,17 +9443,17 @@
     <a:masterClrMapping/>
   </p:clrMapOvr>
   <mc:AlternateContent xmlns:mc="http://schemas.openxmlformats.org/markup-compatibility/2006">
-    <mc:Choice xmlns:p14="http://schemas.microsoft.com/office/powerpoint/2010/main" Requires="p14">
+    <mc:Choice xmlns:p14="http://schemas.microsoft.com/office/powerpoint/2010/main" xmlns="" Requires="p14">
       <p:transition spd="slow" p14:dur="2000" advTm="216"/>
     </mc:Choice>
     <mc:Fallback>
-      <p:transition xmlns:p14="http://schemas.microsoft.com/office/powerpoint/2010/main" spd="slow" advTm="216"/>
+      <p:transition spd="slow" advTm="216"/>
     </mc:Fallback>
   </mc:AlternateContent>
   <p:timing>
     <p:tnLst>
       <p:par>
-        <p:cTn xmlns:p14="http://schemas.microsoft.com/office/powerpoint/2010/main" id="1" dur="indefinite" restart="never" nodeType="tmRoot"/>
+        <p:cTn id="1" dur="indefinite" restart="never" nodeType="tmRoot"/>
       </p:par>
     </p:tnLst>
   </p:timing>
@@ -9791,7 +9517,7 @@
           <a:lstStyle/>
           <a:p>
             <a:pPr algn="ctr"/>
-            <a:endParaRPr lang="en-US" sz="1800">
+            <a:endParaRPr lang="en-US" sz="1800" dirty="0">
               <a:solidFill>
                 <a:srgbClr val="FFFFFF"/>
               </a:solidFill>
@@ -9826,9 +9552,75 @@
           </a:p>
         </p:txBody>
       </p:sp>
+      <p:sp>
+        <p:nvSpPr>
+          <p:cNvPr id="7" name="Content Placeholder 6"/>
+          <p:cNvSpPr>
+            <a:spLocks noGrp="1"/>
+          </p:cNvSpPr>
+          <p:nvPr>
+            <p:ph idx="1"/>
+          </p:nvPr>
+        </p:nvSpPr>
+        <p:spPr/>
+        <p:txBody>
+          <a:bodyPr/>
+          <a:lstStyle/>
+          <a:p>
+            <a:r>
+              <a:rPr lang="en-GB" dirty="0" smtClean="0">
+                <a:solidFill>
+                  <a:schemeClr val="bg1"/>
+                </a:solidFill>
+              </a:rPr>
+              <a:t>Fast storage, fast retrieval</a:t>
+            </a:r>
+          </a:p>
+          <a:p>
+            <a:r>
+              <a:rPr lang="en-GB" dirty="0" smtClean="0">
+                <a:solidFill>
+                  <a:schemeClr val="bg1"/>
+                </a:solidFill>
+              </a:rPr>
+              <a:t>100% group probability</a:t>
+            </a:r>
+          </a:p>
+          <a:p>
+            <a:r>
+              <a:rPr lang="en-GB" dirty="0" smtClean="0">
+                <a:solidFill>
+                  <a:schemeClr val="bg1"/>
+                </a:solidFill>
+              </a:rPr>
+              <a:t>No malicious nodes</a:t>
+            </a:r>
+          </a:p>
+          <a:p>
+            <a:r>
+              <a:rPr lang="en-GB" dirty="0" smtClean="0">
+                <a:solidFill>
+                  <a:schemeClr val="bg1"/>
+                </a:solidFill>
+              </a:rPr>
+              <a:t>1800s node lifetime</a:t>
+            </a:r>
+          </a:p>
+          <a:p>
+            <a:endParaRPr lang="en-GB" dirty="0" smtClean="0">
+              <a:solidFill>
+                <a:schemeClr val="bg1"/>
+              </a:solidFill>
+            </a:endParaRPr>
+          </a:p>
+          <a:p>
+            <a:endParaRPr lang="en-GB" dirty="0"/>
+          </a:p>
+        </p:txBody>
+      </p:sp>
       <p:pic>
         <p:nvPicPr>
-          <p:cNvPr id="15365" name="Picture 8" descr="Final MIH logo.png"/>
+          <p:cNvPr id="9" name="Picture 8" descr="Final MIH logo.png"/>
           <p:cNvPicPr>
             <a:picLocks noChangeAspect="1"/>
           </p:cNvPicPr>
@@ -9843,7 +9635,7 @@
         </p:blipFill>
         <p:spPr bwMode="auto">
           <a:xfrm>
-            <a:off x="6175375" y="4754563"/>
+            <a:off x="6861175" y="5297488"/>
             <a:ext cx="2968625" cy="2098675"/>
           </a:xfrm>
           <a:prstGeom prst="rect">
@@ -9860,7 +9652,7 @@
       </p:pic>
       <p:pic>
         <p:nvPicPr>
-          <p:cNvPr id="8" name="Picture 1"/>
+          <p:cNvPr id="10" name="Picture 1"/>
           <p:cNvPicPr>
             <a:picLocks noChangeAspect="1"/>
           </p:cNvPicPr>
@@ -9875,7 +9667,7 @@
         </p:blipFill>
         <p:spPr bwMode="auto">
           <a:xfrm>
-            <a:off x="531813" y="5867400"/>
+            <a:off x="150813" y="6369050"/>
             <a:ext cx="2106612" cy="317500"/>
           </a:xfrm>
           <a:prstGeom prst="rect">
@@ -9890,102 +9682,23 @@
           </a:ln>
         </p:spPr>
       </p:pic>
-      <p:sp>
-        <p:nvSpPr>
-          <p:cNvPr id="7" name="Content Placeholder 6"/>
-          <p:cNvSpPr>
-            <a:spLocks noGrp="1"/>
-          </p:cNvSpPr>
-          <p:nvPr>
-            <p:ph idx="1"/>
-          </p:nvPr>
-        </p:nvSpPr>
-        <p:spPr/>
-        <p:txBody>
-          <a:bodyPr/>
-          <a:lstStyle/>
-          <a:p>
-            <a:r>
-              <a:rPr lang="en-US" dirty="0" smtClean="0">
-                <a:solidFill>
-                  <a:schemeClr val="bg1"/>
-                </a:solidFill>
-              </a:rPr>
-              <a:t>Fast storage, fast retrieval</a:t>
-            </a:r>
-          </a:p>
-          <a:p>
-            <a:r>
-              <a:rPr lang="en-US" dirty="0" smtClean="0">
-                <a:solidFill>
-                  <a:schemeClr val="bg1"/>
-                </a:solidFill>
-              </a:rPr>
-              <a:t>100% group probability</a:t>
-            </a:r>
-          </a:p>
-          <a:p>
-            <a:r>
-              <a:rPr lang="en-US" dirty="0" smtClean="0">
-                <a:solidFill>
-                  <a:schemeClr val="bg1"/>
-                </a:solidFill>
-              </a:rPr>
-              <a:t>No malicious </a:t>
-            </a:r>
-            <a:r>
-              <a:rPr lang="en-US" dirty="0" smtClean="0">
-                <a:solidFill>
-                  <a:schemeClr val="bg1"/>
-                </a:solidFill>
-              </a:rPr>
-              <a:t>nodes</a:t>
-            </a:r>
-          </a:p>
-          <a:p>
-            <a:r>
-              <a:rPr lang="en-US" dirty="0" smtClean="0">
-                <a:solidFill>
-                  <a:schemeClr val="bg1"/>
-                </a:solidFill>
-              </a:rPr>
-              <a:t>1800s node lifetime</a:t>
-            </a:r>
-            <a:endParaRPr lang="en-US" dirty="0" smtClean="0">
-              <a:solidFill>
-                <a:schemeClr val="bg1"/>
-              </a:solidFill>
-            </a:endParaRPr>
-          </a:p>
-          <a:p>
-            <a:endParaRPr lang="en-US" dirty="0" smtClean="0">
-              <a:solidFill>
-                <a:schemeClr val="bg1"/>
-              </a:solidFill>
-            </a:endParaRPr>
-          </a:p>
-          <a:p>
-            <a:endParaRPr lang="en-ZA" dirty="0"/>
-          </a:p>
-        </p:txBody>
-      </p:sp>
     </p:spTree>
   </p:cSld>
   <p:clrMapOvr>
     <a:masterClrMapping/>
   </p:clrMapOvr>
   <mc:AlternateContent xmlns:mc="http://schemas.openxmlformats.org/markup-compatibility/2006">
-    <mc:Choice xmlns:p14="http://schemas.microsoft.com/office/powerpoint/2010/main" Requires="p14">
+    <mc:Choice xmlns:p14="http://schemas.microsoft.com/office/powerpoint/2010/main" xmlns="" Requires="p14">
       <p:transition spd="slow" p14:dur="2000"/>
     </mc:Choice>
     <mc:Fallback>
-      <p:transition xmlns:p14="http://schemas.microsoft.com/office/powerpoint/2010/main" spd="slow"/>
+      <p:transition spd="slow"/>
     </mc:Fallback>
   </mc:AlternateContent>
   <p:timing>
     <p:tnLst>
       <p:par>
-        <p:cTn xmlns:p14="http://schemas.microsoft.com/office/powerpoint/2010/main" id="1" dur="indefinite" restart="never" nodeType="tmRoot"/>
+        <p:cTn id="1" dur="indefinite" restart="never" nodeType="tmRoot"/>
       </p:par>
     </p:tnLst>
   </p:timing>
@@ -10049,7 +9762,7 @@
           <a:lstStyle/>
           <a:p>
             <a:pPr algn="ctr"/>
-            <a:endParaRPr lang="en-US" sz="1800">
+            <a:endParaRPr lang="en-US" sz="1800" dirty="0">
               <a:solidFill>
                 <a:srgbClr val="FFFFFF"/>
               </a:solidFill>
@@ -10086,11 +9799,13 @@
       </p:sp>
       <p:pic>
         <p:nvPicPr>
-          <p:cNvPr id="15365" name="Picture 8" descr="Final MIH logo.png"/>
+          <p:cNvPr id="32770" name="Picture 2"/>
           <p:cNvPicPr>
-            <a:picLocks noChangeAspect="1"/>
+            <a:picLocks noGrp="1" noChangeAspect="1" noChangeArrowheads="1"/>
           </p:cNvPicPr>
-          <p:nvPr/>
+          <p:nvPr>
+            <p:ph idx="1"/>
+          </p:nvPr>
         </p:nvPicPr>
         <p:blipFill>
           <a:blip r:embed="rId2"/>
@@ -10101,8 +9816,8 @@
         </p:blipFill>
         <p:spPr bwMode="auto">
           <a:xfrm>
-            <a:off x="6175375" y="4754563"/>
-            <a:ext cx="2968625" cy="2098675"/>
+            <a:off x="457200" y="3313113"/>
+            <a:ext cx="8229600" cy="1823905"/>
           </a:xfrm>
           <a:prstGeom prst="rect">
             <a:avLst/>
@@ -10118,9 +9833,9 @@
       </p:pic>
       <p:pic>
         <p:nvPicPr>
-          <p:cNvPr id="8" name="Picture 1"/>
+          <p:cNvPr id="32771" name="Picture 3"/>
           <p:cNvPicPr>
-            <a:picLocks noChangeAspect="1"/>
+            <a:picLocks noChangeAspect="1" noChangeArrowheads="1"/>
           </p:cNvPicPr>
           <p:nvPr/>
         </p:nvPicPr>
@@ -10133,8 +9848,8 @@
         </p:blipFill>
         <p:spPr bwMode="auto">
           <a:xfrm>
-            <a:off x="531813" y="5867400"/>
-            <a:ext cx="2106612" cy="317500"/>
+            <a:off x="2061369" y="1674813"/>
+            <a:ext cx="5021262" cy="1217955"/>
           </a:xfrm>
           <a:prstGeom prst="rect">
             <a:avLst/>
@@ -10150,13 +9865,11 @@
       </p:pic>
       <p:pic>
         <p:nvPicPr>
-          <p:cNvPr id="32770" name="Picture 2"/>
+          <p:cNvPr id="9" name="Picture 8" descr="Final MIH logo.png"/>
           <p:cNvPicPr>
-            <a:picLocks noGrp="1" noChangeAspect="1" noChangeArrowheads="1"/>
+            <a:picLocks noChangeAspect="1"/>
           </p:cNvPicPr>
-          <p:nvPr>
-            <p:ph idx="1"/>
-          </p:nvPr>
+          <p:nvPr/>
         </p:nvPicPr>
         <p:blipFill>
           <a:blip r:embed="rId4"/>
@@ -10167,8 +9880,8 @@
         </p:blipFill>
         <p:spPr bwMode="auto">
           <a:xfrm>
-            <a:off x="457200" y="3313113"/>
-            <a:ext cx="8229600" cy="1823905"/>
+            <a:off x="6861175" y="5297488"/>
+            <a:ext cx="2968625" cy="2098675"/>
           </a:xfrm>
           <a:prstGeom prst="rect">
             <a:avLst/>
@@ -10184,9 +9897,9 @@
       </p:pic>
       <p:pic>
         <p:nvPicPr>
-          <p:cNvPr id="32771" name="Picture 3"/>
+          <p:cNvPr id="10" name="Picture 1"/>
           <p:cNvPicPr>
-            <a:picLocks noChangeAspect="1" noChangeArrowheads="1"/>
+            <a:picLocks noChangeAspect="1"/>
           </p:cNvPicPr>
           <p:nvPr/>
         </p:nvPicPr>
@@ -10199,8 +9912,8 @@
         </p:blipFill>
         <p:spPr bwMode="auto">
           <a:xfrm>
-            <a:off x="2061369" y="1674813"/>
-            <a:ext cx="5021262" cy="1217955"/>
+            <a:off x="150813" y="6369050"/>
+            <a:ext cx="2106612" cy="317500"/>
           </a:xfrm>
           <a:prstGeom prst="rect">
             <a:avLst/>
@@ -10220,17 +9933,17 @@
     <a:masterClrMapping/>
   </p:clrMapOvr>
   <mc:AlternateContent xmlns:mc="http://schemas.openxmlformats.org/markup-compatibility/2006">
-    <mc:Choice xmlns:p14="http://schemas.microsoft.com/office/powerpoint/2010/main" Requires="p14">
+    <mc:Choice xmlns:p14="http://schemas.microsoft.com/office/powerpoint/2010/main" xmlns="" Requires="p14">
       <p:transition spd="slow" p14:dur="2000"/>
     </mc:Choice>
     <mc:Fallback>
-      <p:transition xmlns:p14="http://schemas.microsoft.com/office/powerpoint/2010/main" spd="slow"/>
+      <p:transition spd="slow"/>
     </mc:Fallback>
   </mc:AlternateContent>
   <p:timing>
     <p:tnLst>
       <p:par>
-        <p:cTn xmlns:p14="http://schemas.microsoft.com/office/powerpoint/2010/main" id="1" dur="indefinite" restart="never" nodeType="tmRoot"/>
+        <p:cTn id="1" dur="indefinite" restart="never" nodeType="tmRoot"/>
       </p:par>
     </p:tnLst>
   </p:timing>
@@ -10294,7 +10007,7 @@
           <a:lstStyle/>
           <a:p>
             <a:pPr algn="ctr"/>
-            <a:endParaRPr lang="en-US" sz="1800">
+            <a:endParaRPr lang="en-US" sz="1800" dirty="0">
               <a:solidFill>
                 <a:srgbClr val="FFFFFF"/>
               </a:solidFill>
@@ -10331,11 +10044,13 @@
       </p:sp>
       <p:pic>
         <p:nvPicPr>
-          <p:cNvPr id="15365" name="Picture 8" descr="Final MIH logo.png"/>
+          <p:cNvPr id="33794" name="Picture 2"/>
           <p:cNvPicPr>
-            <a:picLocks noChangeAspect="1"/>
+            <a:picLocks noGrp="1" noChangeAspect="1" noChangeArrowheads="1"/>
           </p:cNvPicPr>
-          <p:nvPr/>
+          <p:nvPr>
+            <p:ph idx="1"/>
+          </p:nvPr>
         </p:nvPicPr>
         <p:blipFill>
           <a:blip r:embed="rId2"/>
@@ -10346,8 +10061,8 @@
         </p:blipFill>
         <p:spPr bwMode="auto">
           <a:xfrm>
-            <a:off x="6175375" y="4754563"/>
-            <a:ext cx="2968625" cy="2098675"/>
+            <a:off x="457200" y="2307772"/>
+            <a:ext cx="8229600" cy="2242457"/>
           </a:xfrm>
           <a:prstGeom prst="rect">
             <a:avLst/>
@@ -10363,7 +10078,7 @@
       </p:pic>
       <p:pic>
         <p:nvPicPr>
-          <p:cNvPr id="8" name="Picture 1"/>
+          <p:cNvPr id="7" name="Picture 8" descr="Final MIH logo.png"/>
           <p:cNvPicPr>
             <a:picLocks noChangeAspect="1"/>
           </p:cNvPicPr>
@@ -10378,8 +10093,8 @@
         </p:blipFill>
         <p:spPr bwMode="auto">
           <a:xfrm>
-            <a:off x="531813" y="5867400"/>
-            <a:ext cx="2106612" cy="317500"/>
+            <a:off x="6861175" y="5297488"/>
+            <a:ext cx="2968625" cy="2098675"/>
           </a:xfrm>
           <a:prstGeom prst="rect">
             <a:avLst/>
@@ -10395,13 +10110,11 @@
       </p:pic>
       <p:pic>
         <p:nvPicPr>
-          <p:cNvPr id="33794" name="Picture 2"/>
+          <p:cNvPr id="9" name="Picture 1"/>
           <p:cNvPicPr>
-            <a:picLocks noGrp="1" noChangeAspect="1" noChangeArrowheads="1"/>
+            <a:picLocks noChangeAspect="1"/>
           </p:cNvPicPr>
-          <p:nvPr>
-            <p:ph idx="1"/>
-          </p:nvPr>
+          <p:nvPr/>
         </p:nvPicPr>
         <p:blipFill>
           <a:blip r:embed="rId4"/>
@@ -10412,8 +10125,8 @@
         </p:blipFill>
         <p:spPr bwMode="auto">
           <a:xfrm>
-            <a:off x="457200" y="2307772"/>
-            <a:ext cx="8229600" cy="2242457"/>
+            <a:off x="150813" y="6369050"/>
+            <a:ext cx="2106612" cy="317500"/>
           </a:xfrm>
           <a:prstGeom prst="rect">
             <a:avLst/>
@@ -10433,17 +10146,17 @@
     <a:masterClrMapping/>
   </p:clrMapOvr>
   <mc:AlternateContent xmlns:mc="http://schemas.openxmlformats.org/markup-compatibility/2006">
-    <mc:Choice xmlns:p14="http://schemas.microsoft.com/office/powerpoint/2010/main" Requires="p14">
+    <mc:Choice xmlns:p14="http://schemas.microsoft.com/office/powerpoint/2010/main" xmlns="" Requires="p14">
       <p:transition spd="slow" p14:dur="2000"/>
     </mc:Choice>
     <mc:Fallback>
-      <p:transition xmlns:p14="http://schemas.microsoft.com/office/powerpoint/2010/main" spd="slow"/>
+      <p:transition spd="slow"/>
     </mc:Fallback>
   </mc:AlternateContent>
   <p:timing>
     <p:tnLst>
       <p:par>
-        <p:cTn xmlns:p14="http://schemas.microsoft.com/office/powerpoint/2010/main" id="1" dur="indefinite" restart="never" nodeType="tmRoot"/>
+        <p:cTn id="1" dur="indefinite" restart="never" nodeType="tmRoot"/>
       </p:par>
     </p:tnLst>
   </p:timing>
@@ -10507,7 +10220,7 @@
           <a:lstStyle/>
           <a:p>
             <a:pPr algn="ctr"/>
-            <a:endParaRPr lang="en-US" sz="1800">
+            <a:endParaRPr lang="en-US" sz="1800" dirty="0">
               <a:solidFill>
                 <a:srgbClr val="FFFFFF"/>
               </a:solidFill>
@@ -10544,11 +10257,13 @@
       </p:sp>
       <p:pic>
         <p:nvPicPr>
-          <p:cNvPr id="15365" name="Picture 8" descr="Final MIH logo.png"/>
+          <p:cNvPr id="34818" name="Picture 2"/>
           <p:cNvPicPr>
-            <a:picLocks noChangeAspect="1"/>
+            <a:picLocks noGrp="1" noChangeAspect="1" noChangeArrowheads="1"/>
           </p:cNvPicPr>
-          <p:nvPr/>
+          <p:nvPr>
+            <p:ph idx="1"/>
+          </p:nvPr>
         </p:nvPicPr>
         <p:blipFill>
           <a:blip r:embed="rId2"/>
@@ -10559,8 +10274,8 @@
         </p:blipFill>
         <p:spPr bwMode="auto">
           <a:xfrm>
-            <a:off x="6175375" y="4754563"/>
-            <a:ext cx="2968625" cy="2098675"/>
+            <a:off x="872331" y="1227138"/>
+            <a:ext cx="7399338" cy="3823774"/>
           </a:xfrm>
           <a:prstGeom prst="rect">
             <a:avLst/>
@@ -10576,7 +10291,7 @@
       </p:pic>
       <p:pic>
         <p:nvPicPr>
-          <p:cNvPr id="8" name="Picture 1"/>
+          <p:cNvPr id="7" name="Picture 8" descr="Final MIH logo.png"/>
           <p:cNvPicPr>
             <a:picLocks noChangeAspect="1"/>
           </p:cNvPicPr>
@@ -10591,8 +10306,8 @@
         </p:blipFill>
         <p:spPr bwMode="auto">
           <a:xfrm>
-            <a:off x="531813" y="5867400"/>
-            <a:ext cx="2106612" cy="317500"/>
+            <a:off x="6861175" y="5297488"/>
+            <a:ext cx="2968625" cy="2098675"/>
           </a:xfrm>
           <a:prstGeom prst="rect">
             <a:avLst/>
@@ -10608,13 +10323,11 @@
       </p:pic>
       <p:pic>
         <p:nvPicPr>
-          <p:cNvPr id="34818" name="Picture 2"/>
+          <p:cNvPr id="9" name="Picture 1"/>
           <p:cNvPicPr>
-            <a:picLocks noGrp="1" noChangeAspect="1" noChangeArrowheads="1"/>
+            <a:picLocks noChangeAspect="1"/>
           </p:cNvPicPr>
-          <p:nvPr>
-            <p:ph idx="1"/>
-          </p:nvPr>
+          <p:nvPr/>
         </p:nvPicPr>
         <p:blipFill>
           <a:blip r:embed="rId4"/>
@@ -10625,8 +10338,8 @@
         </p:blipFill>
         <p:spPr bwMode="auto">
           <a:xfrm>
-            <a:off x="872331" y="1227138"/>
-            <a:ext cx="7399338" cy="3823774"/>
+            <a:off x="150813" y="6369050"/>
+            <a:ext cx="2106612" cy="317500"/>
           </a:xfrm>
           <a:prstGeom prst="rect">
             <a:avLst/>
@@ -10646,17 +10359,17 @@
     <a:masterClrMapping/>
   </p:clrMapOvr>
   <mc:AlternateContent xmlns:mc="http://schemas.openxmlformats.org/markup-compatibility/2006">
-    <mc:Choice xmlns:p14="http://schemas.microsoft.com/office/powerpoint/2010/main" Requires="p14">
+    <mc:Choice xmlns:p14="http://schemas.microsoft.com/office/powerpoint/2010/main" xmlns="" Requires="p14">
       <p:transition spd="slow" p14:dur="2000" advTm="27657"/>
     </mc:Choice>
     <mc:Fallback>
-      <p:transition xmlns:p14="http://schemas.microsoft.com/office/powerpoint/2010/main" spd="slow" advTm="27657"/>
+      <p:transition spd="slow" advTm="27657"/>
     </mc:Fallback>
   </mc:AlternateContent>
   <p:timing>
     <p:tnLst>
       <p:par>
-        <p:cTn xmlns:p14="http://schemas.microsoft.com/office/powerpoint/2010/main" id="1" dur="indefinite" restart="never" nodeType="tmRoot"/>
+        <p:cTn id="1" dur="indefinite" restart="never" nodeType="tmRoot"/>
       </p:par>
     </p:tnLst>
   </p:timing>
@@ -10720,7 +10433,7 @@
           <a:lstStyle/>
           <a:p>
             <a:pPr algn="ctr"/>
-            <a:endParaRPr lang="en-US" sz="1800">
+            <a:endParaRPr lang="en-US" sz="1800" dirty="0">
               <a:solidFill>
                 <a:srgbClr val="FFFFFF"/>
               </a:solidFill>
@@ -10757,11 +10470,13 @@
       </p:sp>
       <p:pic>
         <p:nvPicPr>
-          <p:cNvPr id="15365" name="Picture 8" descr="Final MIH logo.png"/>
+          <p:cNvPr id="35842" name="Picture 2"/>
           <p:cNvPicPr>
-            <a:picLocks noChangeAspect="1"/>
+            <a:picLocks noGrp="1" noChangeAspect="1" noChangeArrowheads="1"/>
           </p:cNvPicPr>
-          <p:nvPr/>
+          <p:nvPr>
+            <p:ph idx="1"/>
+          </p:nvPr>
         </p:nvPicPr>
         <p:blipFill>
           <a:blip r:embed="rId2"/>
@@ -10772,8 +10487,8 @@
         </p:blipFill>
         <p:spPr bwMode="auto">
           <a:xfrm>
-            <a:off x="6175375" y="4754563"/>
-            <a:ext cx="2968625" cy="2098675"/>
+            <a:off x="919163" y="1188926"/>
+            <a:ext cx="7305674" cy="3885567"/>
           </a:xfrm>
           <a:prstGeom prst="rect">
             <a:avLst/>
@@ -10789,7 +10504,7 @@
       </p:pic>
       <p:pic>
         <p:nvPicPr>
-          <p:cNvPr id="8" name="Picture 1"/>
+          <p:cNvPr id="9" name="Picture 8" descr="Final MIH logo.png"/>
           <p:cNvPicPr>
             <a:picLocks noChangeAspect="1"/>
           </p:cNvPicPr>
@@ -10804,8 +10519,8 @@
         </p:blipFill>
         <p:spPr bwMode="auto">
           <a:xfrm>
-            <a:off x="531813" y="5867400"/>
-            <a:ext cx="2106612" cy="317500"/>
+            <a:off x="6861175" y="5297488"/>
+            <a:ext cx="2968625" cy="2098675"/>
           </a:xfrm>
           <a:prstGeom prst="rect">
             <a:avLst/>
@@ -10821,13 +10536,11 @@
       </p:pic>
       <p:pic>
         <p:nvPicPr>
-          <p:cNvPr id="35842" name="Picture 2"/>
+          <p:cNvPr id="10" name="Picture 1"/>
           <p:cNvPicPr>
-            <a:picLocks noGrp="1" noChangeAspect="1" noChangeArrowheads="1"/>
+            <a:picLocks noChangeAspect="1"/>
           </p:cNvPicPr>
-          <p:nvPr>
-            <p:ph idx="1"/>
-          </p:nvPr>
+          <p:nvPr/>
         </p:nvPicPr>
         <p:blipFill>
           <a:blip r:embed="rId4"/>
@@ -10838,8 +10551,8 @@
         </p:blipFill>
         <p:spPr bwMode="auto">
           <a:xfrm>
-            <a:off x="919163" y="1188926"/>
-            <a:ext cx="7305674" cy="3885567"/>
+            <a:off x="150813" y="6369050"/>
+            <a:ext cx="2106612" cy="317500"/>
           </a:xfrm>
           <a:prstGeom prst="rect">
             <a:avLst/>
@@ -10859,17 +10572,17 @@
     <a:masterClrMapping/>
   </p:clrMapOvr>
   <mc:AlternateContent xmlns:mc="http://schemas.openxmlformats.org/markup-compatibility/2006">
-    <mc:Choice xmlns:p14="http://schemas.microsoft.com/office/powerpoint/2010/main" Requires="p14">
+    <mc:Choice xmlns:p14="http://schemas.microsoft.com/office/powerpoint/2010/main" xmlns="" Requires="p14">
       <p:transition spd="slow" p14:dur="2000" advTm="534159"/>
     </mc:Choice>
     <mc:Fallback>
-      <p:transition xmlns:p14="http://schemas.microsoft.com/office/powerpoint/2010/main" spd="slow" advTm="534159"/>
+      <p:transition spd="slow" advTm="534159"/>
     </mc:Fallback>
   </mc:AlternateContent>
   <p:timing>
     <p:tnLst>
       <p:par>
-        <p:cTn xmlns:p14="http://schemas.microsoft.com/office/powerpoint/2010/main" id="1" dur="indefinite" restart="never" nodeType="tmRoot"/>
+        <p:cTn id="1" dur="indefinite" restart="never" nodeType="tmRoot"/>
       </p:par>
     </p:tnLst>
   </p:timing>
@@ -10933,7 +10646,7 @@
           <a:lstStyle/>
           <a:p>
             <a:pPr algn="ctr"/>
-            <a:endParaRPr lang="en-US" sz="1800">
+            <a:endParaRPr lang="en-US" sz="1800" dirty="0">
               <a:solidFill>
                 <a:srgbClr val="FFFFFF"/>
               </a:solidFill>
@@ -10970,11 +10683,13 @@
       </p:sp>
       <p:pic>
         <p:nvPicPr>
-          <p:cNvPr id="15365" name="Picture 8" descr="Final MIH logo.png"/>
+          <p:cNvPr id="36866" name="Picture 2"/>
           <p:cNvPicPr>
-            <a:picLocks noChangeAspect="1"/>
+            <a:picLocks noGrp="1" noChangeAspect="1" noChangeArrowheads="1"/>
           </p:cNvPicPr>
-          <p:nvPr/>
+          <p:nvPr>
+            <p:ph idx="1"/>
+          </p:nvPr>
         </p:nvPicPr>
         <p:blipFill>
           <a:blip r:embed="rId2"/>
@@ -10985,8 +10700,8 @@
         </p:blipFill>
         <p:spPr bwMode="auto">
           <a:xfrm>
-            <a:off x="6175375" y="4754563"/>
-            <a:ext cx="2968625" cy="2098675"/>
+            <a:off x="896144" y="1208087"/>
+            <a:ext cx="7351712" cy="3932455"/>
           </a:xfrm>
           <a:prstGeom prst="rect">
             <a:avLst/>
@@ -11002,7 +10717,7 @@
       </p:pic>
       <p:pic>
         <p:nvPicPr>
-          <p:cNvPr id="8" name="Picture 1"/>
+          <p:cNvPr id="7" name="Picture 8" descr="Final MIH logo.png"/>
           <p:cNvPicPr>
             <a:picLocks noChangeAspect="1"/>
           </p:cNvPicPr>
@@ -11017,8 +10732,8 @@
         </p:blipFill>
         <p:spPr bwMode="auto">
           <a:xfrm>
-            <a:off x="531813" y="5867400"/>
-            <a:ext cx="2106612" cy="317500"/>
+            <a:off x="6861175" y="5297488"/>
+            <a:ext cx="2968625" cy="2098675"/>
           </a:xfrm>
           <a:prstGeom prst="rect">
             <a:avLst/>
@@ -11034,13 +10749,11 @@
       </p:pic>
       <p:pic>
         <p:nvPicPr>
-          <p:cNvPr id="36866" name="Picture 2"/>
+          <p:cNvPr id="9" name="Picture 1"/>
           <p:cNvPicPr>
-            <a:picLocks noGrp="1" noChangeAspect="1" noChangeArrowheads="1"/>
+            <a:picLocks noChangeAspect="1"/>
           </p:cNvPicPr>
-          <p:nvPr>
-            <p:ph idx="1"/>
-          </p:nvPr>
+          <p:nvPr/>
         </p:nvPicPr>
         <p:blipFill>
           <a:blip r:embed="rId4"/>
@@ -11051,8 +10764,8 @@
         </p:blipFill>
         <p:spPr bwMode="auto">
           <a:xfrm>
-            <a:off x="896144" y="1208087"/>
-            <a:ext cx="7351712" cy="3932455"/>
+            <a:off x="150813" y="6369050"/>
+            <a:ext cx="2106612" cy="317500"/>
           </a:xfrm>
           <a:prstGeom prst="rect">
             <a:avLst/>
@@ -11072,17 +10785,17 @@
     <a:masterClrMapping/>
   </p:clrMapOvr>
   <mc:AlternateContent xmlns:mc="http://schemas.openxmlformats.org/markup-compatibility/2006">
-    <mc:Choice xmlns:p14="http://schemas.microsoft.com/office/powerpoint/2010/main" Requires="p14">
+    <mc:Choice xmlns:p14="http://schemas.microsoft.com/office/powerpoint/2010/main" xmlns="" Requires="p14">
       <p:transition spd="slow" p14:dur="2000" advTm="177"/>
     </mc:Choice>
     <mc:Fallback>
-      <p:transition xmlns:p14="http://schemas.microsoft.com/office/powerpoint/2010/main" spd="slow" advTm="177"/>
+      <p:transition spd="slow" advTm="177"/>
     </mc:Fallback>
   </mc:AlternateContent>
   <p:timing>
     <p:tnLst>
       <p:par>
-        <p:cTn xmlns:p14="http://schemas.microsoft.com/office/powerpoint/2010/main" id="1" dur="indefinite" restart="never" nodeType="tmRoot"/>
+        <p:cTn id="1" dur="indefinite" restart="never" nodeType="tmRoot"/>
       </p:par>
     </p:tnLst>
   </p:timing>
@@ -11146,7 +10859,7 @@
           <a:lstStyle/>
           <a:p>
             <a:pPr algn="ctr"/>
-            <a:endParaRPr lang="en-US" sz="1800">
+            <a:endParaRPr lang="en-US" sz="1800" dirty="0">
               <a:solidFill>
                 <a:srgbClr val="FFFFFF"/>
               </a:solidFill>
@@ -11183,11 +10896,13 @@
       </p:sp>
       <p:pic>
         <p:nvPicPr>
-          <p:cNvPr id="15365" name="Picture 8" descr="Final MIH logo.png"/>
+          <p:cNvPr id="37890" name="Picture 2"/>
           <p:cNvPicPr>
-            <a:picLocks noChangeAspect="1"/>
+            <a:picLocks noGrp="1" noChangeAspect="1" noChangeArrowheads="1"/>
           </p:cNvPicPr>
-          <p:nvPr/>
+          <p:nvPr>
+            <p:ph idx="1"/>
+          </p:nvPr>
         </p:nvPicPr>
         <p:blipFill>
           <a:blip r:embed="rId2"/>
@@ -11198,8 +10913,8 @@
         </p:blipFill>
         <p:spPr bwMode="auto">
           <a:xfrm>
-            <a:off x="6175375" y="4754563"/>
-            <a:ext cx="2968625" cy="2098675"/>
+            <a:off x="923925" y="1198407"/>
+            <a:ext cx="7296150" cy="3914357"/>
           </a:xfrm>
           <a:prstGeom prst="rect">
             <a:avLst/>
@@ -11215,7 +10930,7 @@
       </p:pic>
       <p:pic>
         <p:nvPicPr>
-          <p:cNvPr id="8" name="Picture 1"/>
+          <p:cNvPr id="7" name="Picture 8" descr="Final MIH logo.png"/>
           <p:cNvPicPr>
             <a:picLocks noChangeAspect="1"/>
           </p:cNvPicPr>
@@ -11230,8 +10945,8 @@
         </p:blipFill>
         <p:spPr bwMode="auto">
           <a:xfrm>
-            <a:off x="531813" y="5867400"/>
-            <a:ext cx="2106612" cy="317500"/>
+            <a:off x="6861175" y="5297488"/>
+            <a:ext cx="2968625" cy="2098675"/>
           </a:xfrm>
           <a:prstGeom prst="rect">
             <a:avLst/>
@@ -11247,13 +10962,11 @@
       </p:pic>
       <p:pic>
         <p:nvPicPr>
-          <p:cNvPr id="37890" name="Picture 2"/>
+          <p:cNvPr id="9" name="Picture 1"/>
           <p:cNvPicPr>
-            <a:picLocks noGrp="1" noChangeAspect="1" noChangeArrowheads="1"/>
+            <a:picLocks noChangeAspect="1"/>
           </p:cNvPicPr>
-          <p:nvPr>
-            <p:ph idx="1"/>
-          </p:nvPr>
+          <p:nvPr/>
         </p:nvPicPr>
         <p:blipFill>
           <a:blip r:embed="rId4"/>
@@ -11264,8 +10977,8 @@
         </p:blipFill>
         <p:spPr bwMode="auto">
           <a:xfrm>
-            <a:off x="923925" y="1198407"/>
-            <a:ext cx="7296150" cy="3914357"/>
+            <a:off x="150813" y="6369050"/>
+            <a:ext cx="2106612" cy="317500"/>
           </a:xfrm>
           <a:prstGeom prst="rect">
             <a:avLst/>
@@ -11285,17 +10998,17 @@
     <a:masterClrMapping/>
   </p:clrMapOvr>
   <mc:AlternateContent xmlns:mc="http://schemas.openxmlformats.org/markup-compatibility/2006">
-    <mc:Choice xmlns:p14="http://schemas.microsoft.com/office/powerpoint/2010/main" Requires="p14">
+    <mc:Choice xmlns:p14="http://schemas.microsoft.com/office/powerpoint/2010/main" xmlns="" Requires="p14">
       <p:transition spd="slow" p14:dur="2000" advTm="159"/>
     </mc:Choice>
     <mc:Fallback>
-      <p:transition xmlns:p14="http://schemas.microsoft.com/office/powerpoint/2010/main" spd="slow" advTm="159"/>
+      <p:transition spd="slow" advTm="159"/>
     </mc:Fallback>
   </mc:AlternateContent>
   <p:timing>
     <p:tnLst>
       <p:par>
-        <p:cTn xmlns:p14="http://schemas.microsoft.com/office/powerpoint/2010/main" id="1" dur="indefinite" restart="never" nodeType="tmRoot"/>
+        <p:cTn id="1" dur="indefinite" restart="never" nodeType="tmRoot"/>
       </p:par>
     </p:tnLst>
   </p:timing>
@@ -11359,7 +11072,7 @@
           <a:lstStyle/>
           <a:p>
             <a:pPr algn="ctr"/>
-            <a:endParaRPr lang="en-US" sz="1800">
+            <a:endParaRPr lang="en-US" sz="1800" dirty="0">
               <a:solidFill>
                 <a:srgbClr val="FFFFFF"/>
               </a:solidFill>
@@ -11384,31 +11097,25 @@
           <a:p>
             <a:pPr eaLnBrk="1" hangingPunct="1"/>
             <a:r>
-              <a:rPr lang="en-US" dirty="0" err="1" smtClean="0">
+              <a:rPr lang="en-US" dirty="0" smtClean="0">
                 <a:solidFill>
                   <a:schemeClr val="bg1"/>
                 </a:solidFill>
               </a:rPr>
-              <a:t>Pithos</a:t>
-            </a:r>
-            <a:r>
-              <a:rPr lang="en-US" dirty="0" smtClean="0">
-                <a:solidFill>
-                  <a:schemeClr val="bg1"/>
-                </a:solidFill>
-              </a:rPr>
-              <a:t> fairness</a:t>
+              <a:t>Pithos fairness</a:t>
             </a:r>
           </a:p>
         </p:txBody>
       </p:sp>
       <p:pic>
         <p:nvPicPr>
-          <p:cNvPr id="15365" name="Picture 8" descr="Final MIH logo.png"/>
+          <p:cNvPr id="38914" name="Picture 2"/>
           <p:cNvPicPr>
-            <a:picLocks noChangeAspect="1"/>
+            <a:picLocks noGrp="1" noChangeAspect="1" noChangeArrowheads="1"/>
           </p:cNvPicPr>
-          <p:nvPr/>
+          <p:nvPr>
+            <p:ph idx="1"/>
+          </p:nvPr>
         </p:nvPicPr>
         <p:blipFill>
           <a:blip r:embed="rId2"/>
@@ -11419,8 +11126,8 @@
         </p:blipFill>
         <p:spPr bwMode="auto">
           <a:xfrm>
-            <a:off x="6175375" y="4754563"/>
-            <a:ext cx="2968625" cy="2098675"/>
+            <a:off x="946483" y="1201305"/>
+            <a:ext cx="7251035" cy="3885045"/>
           </a:xfrm>
           <a:prstGeom prst="rect">
             <a:avLst/>
@@ -11436,7 +11143,7 @@
       </p:pic>
       <p:pic>
         <p:nvPicPr>
-          <p:cNvPr id="8" name="Picture 1"/>
+          <p:cNvPr id="7" name="Picture 8" descr="Final MIH logo.png"/>
           <p:cNvPicPr>
             <a:picLocks noChangeAspect="1"/>
           </p:cNvPicPr>
@@ -11451,8 +11158,8 @@
         </p:blipFill>
         <p:spPr bwMode="auto">
           <a:xfrm>
-            <a:off x="531813" y="5867400"/>
-            <a:ext cx="2106612" cy="317500"/>
+            <a:off x="6861175" y="5297488"/>
+            <a:ext cx="2968625" cy="2098675"/>
           </a:xfrm>
           <a:prstGeom prst="rect">
             <a:avLst/>
@@ -11468,13 +11175,11 @@
       </p:pic>
       <p:pic>
         <p:nvPicPr>
-          <p:cNvPr id="38914" name="Picture 2"/>
+          <p:cNvPr id="9" name="Picture 1"/>
           <p:cNvPicPr>
-            <a:picLocks noGrp="1" noChangeAspect="1" noChangeArrowheads="1"/>
+            <a:picLocks noChangeAspect="1"/>
           </p:cNvPicPr>
-          <p:nvPr>
-            <p:ph idx="1"/>
-          </p:nvPr>
+          <p:nvPr/>
         </p:nvPicPr>
         <p:blipFill>
           <a:blip r:embed="rId4"/>
@@ -11485,8 +11190,8 @@
         </p:blipFill>
         <p:spPr bwMode="auto">
           <a:xfrm>
-            <a:off x="946483" y="1201305"/>
-            <a:ext cx="7251035" cy="3885045"/>
+            <a:off x="150813" y="6369050"/>
+            <a:ext cx="2106612" cy="317500"/>
           </a:xfrm>
           <a:prstGeom prst="rect">
             <a:avLst/>
@@ -11505,18 +11210,11 @@
   <p:clrMapOvr>
     <a:masterClrMapping/>
   </p:clrMapOvr>
-  <mc:AlternateContent xmlns:mc="http://schemas.openxmlformats.org/markup-compatibility/2006">
-    <mc:Choice xmlns:p14="http://schemas.microsoft.com/office/powerpoint/2010/main" Requires="p14">
-      <p:transition spd="slow" p14:dur="2000" advTm="201"/>
-    </mc:Choice>
-    <mc:Fallback>
-      <p:transition xmlns:p14="http://schemas.microsoft.com/office/powerpoint/2010/main" spd="slow" advTm="201"/>
-    </mc:Fallback>
-  </mc:AlternateContent>
+  <p:transition spd="slow" advTm="201"/>
   <p:timing>
     <p:tnLst>
       <p:par>
-        <p:cTn xmlns:p14="http://schemas.microsoft.com/office/powerpoint/2010/main" id="1" dur="indefinite" restart="never" nodeType="tmRoot"/>
+        <p:cTn id="1" dur="indefinite" restart="never" nodeType="tmRoot"/>
       </p:par>
     </p:tnLst>
   </p:timing>
@@ -11580,7 +11278,7 @@
           <a:lstStyle/>
           <a:p>
             <a:pPr algn="ctr"/>
-            <a:endParaRPr lang="en-US" sz="1800">
+            <a:endParaRPr lang="en-US" sz="1800" dirty="0">
               <a:solidFill>
                 <a:srgbClr val="FFFFFF"/>
               </a:solidFill>
@@ -11605,31 +11303,25 @@
           <a:p>
             <a:pPr eaLnBrk="1" hangingPunct="1"/>
             <a:r>
-              <a:rPr lang="en-US" dirty="0" err="1" smtClean="0">
+              <a:rPr lang="en-US" dirty="0" smtClean="0">
                 <a:solidFill>
                   <a:schemeClr val="bg1"/>
                 </a:solidFill>
               </a:rPr>
-              <a:t>Pithos</a:t>
-            </a:r>
-            <a:r>
-              <a:rPr lang="en-US" dirty="0" smtClean="0">
-                <a:solidFill>
-                  <a:schemeClr val="bg1"/>
-                </a:solidFill>
-              </a:rPr>
-              <a:t> scalability</a:t>
+              <a:t>Pithos scalability</a:t>
             </a:r>
           </a:p>
         </p:txBody>
       </p:sp>
       <p:pic>
         <p:nvPicPr>
-          <p:cNvPr id="15365" name="Picture 8" descr="Final MIH logo.png"/>
+          <p:cNvPr id="39939" name="Picture 3"/>
           <p:cNvPicPr>
-            <a:picLocks noChangeAspect="1"/>
+            <a:picLocks noGrp="1" noChangeAspect="1" noChangeArrowheads="1"/>
           </p:cNvPicPr>
-          <p:nvPr/>
+          <p:nvPr>
+            <p:ph idx="1"/>
+          </p:nvPr>
         </p:nvPicPr>
         <p:blipFill>
           <a:blip r:embed="rId2"/>
@@ -11640,8 +11332,8 @@
         </p:blipFill>
         <p:spPr bwMode="auto">
           <a:xfrm>
-            <a:off x="6175375" y="4754563"/>
-            <a:ext cx="2968625" cy="2098675"/>
+            <a:off x="457200" y="2267565"/>
+            <a:ext cx="8229600" cy="2322871"/>
           </a:xfrm>
           <a:prstGeom prst="rect">
             <a:avLst/>
@@ -11657,7 +11349,7 @@
       </p:pic>
       <p:pic>
         <p:nvPicPr>
-          <p:cNvPr id="8" name="Picture 1"/>
+          <p:cNvPr id="7" name="Picture 8" descr="Final MIH logo.png"/>
           <p:cNvPicPr>
             <a:picLocks noChangeAspect="1"/>
           </p:cNvPicPr>
@@ -11672,8 +11364,8 @@
         </p:blipFill>
         <p:spPr bwMode="auto">
           <a:xfrm>
-            <a:off x="531813" y="5867400"/>
-            <a:ext cx="2106612" cy="317500"/>
+            <a:off x="6861175" y="5297488"/>
+            <a:ext cx="2968625" cy="2098675"/>
           </a:xfrm>
           <a:prstGeom prst="rect">
             <a:avLst/>
@@ -11689,13 +11381,11 @@
       </p:pic>
       <p:pic>
         <p:nvPicPr>
-          <p:cNvPr id="39939" name="Picture 3"/>
+          <p:cNvPr id="9" name="Picture 1"/>
           <p:cNvPicPr>
-            <a:picLocks noGrp="1" noChangeAspect="1" noChangeArrowheads="1"/>
+            <a:picLocks noChangeAspect="1"/>
           </p:cNvPicPr>
-          <p:nvPr>
-            <p:ph idx="1"/>
-          </p:nvPr>
+          <p:nvPr/>
         </p:nvPicPr>
         <p:blipFill>
           <a:blip r:embed="rId4"/>
@@ -11706,8 +11396,8 @@
         </p:blipFill>
         <p:spPr bwMode="auto">
           <a:xfrm>
-            <a:off x="457200" y="2267565"/>
-            <a:ext cx="8229600" cy="2322871"/>
+            <a:off x="150813" y="6369050"/>
+            <a:ext cx="2106612" cy="317500"/>
           </a:xfrm>
           <a:prstGeom prst="rect">
             <a:avLst/>
@@ -11727,17 +11417,17 @@
     <a:masterClrMapping/>
   </p:clrMapOvr>
   <mc:AlternateContent xmlns:mc="http://schemas.openxmlformats.org/markup-compatibility/2006">
-    <mc:Choice xmlns:p14="http://schemas.microsoft.com/office/powerpoint/2010/main" Requires="p14">
+    <mc:Choice xmlns:p14="http://schemas.microsoft.com/office/powerpoint/2010/main" xmlns="" Requires="p14">
       <p:transition spd="slow" p14:dur="2000" advTm="387"/>
     </mc:Choice>
     <mc:Fallback>
-      <p:transition xmlns:p14="http://schemas.microsoft.com/office/powerpoint/2010/main" spd="slow" advTm="387"/>
+      <p:transition spd="slow" advTm="387"/>
     </mc:Fallback>
   </mc:AlternateContent>
   <p:timing>
     <p:tnLst>
       <p:par>
-        <p:cTn xmlns:p14="http://schemas.microsoft.com/office/powerpoint/2010/main" id="1" dur="indefinite" restart="never" nodeType="tmRoot"/>
+        <p:cTn id="1" dur="indefinite" restart="never" nodeType="tmRoot"/>
       </p:par>
     </p:tnLst>
   </p:timing>
@@ -11801,7 +11491,7 @@
           <a:lstStyle/>
           <a:p>
             <a:pPr algn="ctr"/>
-            <a:endParaRPr lang="en-US" sz="1800">
+            <a:endParaRPr lang="en-US" sz="1800" dirty="0">
               <a:solidFill>
                 <a:srgbClr val="FFFFFF"/>
               </a:solidFill>
@@ -11826,21 +11516,78 @@
           <a:p>
             <a:pPr eaLnBrk="1" hangingPunct="1"/>
             <a:r>
-              <a:rPr lang="en-US" dirty="0" smtClean="0">
+              <a:rPr lang="en-GB" dirty="0" smtClean="0">
                 <a:solidFill>
                   <a:schemeClr val="bg1"/>
                 </a:solidFill>
               </a:rPr>
-              <a:t>Conclusion</a:t>
-            </a:r>
+              <a:t>Modelling object lifetimes</a:t>
+            </a:r>
+            <a:endParaRPr lang="en-GB" dirty="0" smtClean="0">
+              <a:solidFill>
+                <a:schemeClr val="bg1"/>
+              </a:solidFill>
+            </a:endParaRPr>
+          </a:p>
+        </p:txBody>
+      </p:sp>
+      <p:sp>
+        <p:nvSpPr>
+          <p:cNvPr id="7" name="Content Placeholder 6"/>
+          <p:cNvSpPr>
+            <a:spLocks noGrp="1"/>
+          </p:cNvSpPr>
+          <p:nvPr>
+            <p:ph idx="1"/>
+          </p:nvPr>
+        </p:nvSpPr>
+        <p:spPr>
+          <a:xfrm>
+            <a:off x="457200" y="1600201"/>
+            <a:ext cx="8229600" cy="2476500"/>
+          </a:xfrm>
+        </p:spPr>
+        <p:txBody>
+          <a:bodyPr/>
+          <a:lstStyle/>
+          <a:p>
+            <a:r>
+              <a:rPr lang="en-GB" dirty="0" smtClean="0">
+                <a:solidFill>
+                  <a:schemeClr val="bg1"/>
+                </a:solidFill>
+              </a:rPr>
+              <a:t>It would be helpful to design Pithos (and any distributed storage) with a specific reliability.</a:t>
+            </a:r>
+          </a:p>
+          <a:p>
+            <a:r>
+              <a:rPr lang="en-GB" dirty="0" smtClean="0">
+                <a:solidFill>
+                  <a:schemeClr val="bg1"/>
+                </a:solidFill>
+              </a:rPr>
+              <a:t>Reliability depends on object lifetimes.</a:t>
+            </a:r>
+          </a:p>
+          <a:p>
+            <a:r>
+              <a:rPr lang="en-GB" dirty="0" smtClean="0">
+                <a:solidFill>
+                  <a:schemeClr val="bg1"/>
+                </a:solidFill>
+              </a:rPr>
+              <a:t>Reliability engineering can  help with that:</a:t>
+            </a:r>
+            <a:endParaRPr lang="en-ZA" dirty="0"/>
           </a:p>
         </p:txBody>
       </p:sp>
       <p:pic>
         <p:nvPicPr>
-          <p:cNvPr id="15365" name="Picture 8" descr="Final MIH logo.png"/>
+          <p:cNvPr id="1028" name="Picture 4"/>
           <p:cNvPicPr>
-            <a:picLocks noChangeAspect="1"/>
+            <a:picLocks noChangeAspect="1" noChangeArrowheads="1"/>
           </p:cNvPicPr>
           <p:nvPr/>
         </p:nvPicPr>
@@ -11853,8 +11600,8 @@
         </p:blipFill>
         <p:spPr bwMode="auto">
           <a:xfrm>
-            <a:off x="7454900" y="5659124"/>
-            <a:ext cx="1689100" cy="1194113"/>
+            <a:off x="655638" y="4076701"/>
+            <a:ext cx="5866848" cy="1587500"/>
           </a:xfrm>
           <a:prstGeom prst="rect">
             <a:avLst/>
@@ -11868,128 +11615,9 @@
           </a:ln>
         </p:spPr>
       </p:pic>
-      <p:sp>
-        <p:nvSpPr>
-          <p:cNvPr id="7" name="Content Placeholder 6"/>
-          <p:cNvSpPr>
-            <a:spLocks noGrp="1"/>
-          </p:cNvSpPr>
-          <p:nvPr>
-            <p:ph idx="1"/>
-          </p:nvPr>
-        </p:nvSpPr>
-        <p:spPr>
-          <a:xfrm>
-            <a:off x="457200" y="1214438"/>
-            <a:ext cx="8229600" cy="4525963"/>
-          </a:xfrm>
-        </p:spPr>
-        <p:txBody>
-          <a:bodyPr/>
-          <a:lstStyle/>
-          <a:p>
-            <a:r>
-              <a:rPr lang="en-US" dirty="0" smtClean="0">
-                <a:solidFill>
-                  <a:schemeClr val="bg1"/>
-                </a:solidFill>
-              </a:rPr>
-              <a:t>Developed a generic state consistency model for MMVEs.</a:t>
-            </a:r>
-          </a:p>
-          <a:p>
-            <a:r>
-              <a:rPr lang="en-US" dirty="0" smtClean="0">
-                <a:solidFill>
-                  <a:schemeClr val="bg1"/>
-                </a:solidFill>
-              </a:rPr>
-              <a:t>Investigated issue of state management and state persistency for P2P MMVEs.</a:t>
-            </a:r>
-          </a:p>
-          <a:p>
-            <a:r>
-              <a:rPr lang="en-US" dirty="0" smtClean="0">
-                <a:solidFill>
-                  <a:schemeClr val="bg1"/>
-                </a:solidFill>
-              </a:rPr>
-              <a:t>Found that highly scalable, fair and highly responsive storage is still lacking.</a:t>
-            </a:r>
-          </a:p>
-          <a:p>
-            <a:r>
-              <a:rPr lang="en-US" dirty="0" smtClean="0">
-                <a:solidFill>
-                  <a:schemeClr val="bg1"/>
-                </a:solidFill>
-              </a:rPr>
-              <a:t>Developed </a:t>
-            </a:r>
-            <a:r>
-              <a:rPr lang="en-US" dirty="0" err="1" smtClean="0">
-                <a:solidFill>
-                  <a:schemeClr val="bg1"/>
-                </a:solidFill>
-              </a:rPr>
-              <a:t>Pithos</a:t>
-            </a:r>
-            <a:r>
-              <a:rPr lang="en-US" dirty="0" smtClean="0">
-                <a:solidFill>
-                  <a:schemeClr val="bg1"/>
-                </a:solidFill>
-              </a:rPr>
-              <a:t> to satisfy identified storage requirements for P2P MMVEs.</a:t>
-            </a:r>
-          </a:p>
-          <a:p>
-            <a:r>
-              <a:rPr lang="en-US" dirty="0" smtClean="0">
-                <a:solidFill>
-                  <a:schemeClr val="bg1"/>
-                </a:solidFill>
-              </a:rPr>
-              <a:t>Evaluated </a:t>
-            </a:r>
-            <a:r>
-              <a:rPr lang="en-US" dirty="0" err="1" smtClean="0">
-                <a:solidFill>
-                  <a:schemeClr val="bg1"/>
-                </a:solidFill>
-              </a:rPr>
-              <a:t>Pithos</a:t>
-            </a:r>
-            <a:r>
-              <a:rPr lang="en-US" dirty="0" smtClean="0">
-                <a:solidFill>
-                  <a:schemeClr val="bg1"/>
-                </a:solidFill>
-              </a:rPr>
-              <a:t> as an </a:t>
-            </a:r>
-            <a:r>
-              <a:rPr lang="en-US" dirty="0" err="1" smtClean="0">
-                <a:solidFill>
-                  <a:schemeClr val="bg1"/>
-                </a:solidFill>
-              </a:rPr>
-              <a:t>Oversim</a:t>
-            </a:r>
-            <a:r>
-              <a:rPr lang="en-US" dirty="0" smtClean="0">
-                <a:solidFill>
-                  <a:schemeClr val="bg1"/>
-                </a:solidFill>
-              </a:rPr>
-              <a:t> simulation</a:t>
-            </a:r>
-          </a:p>
-        </p:txBody>
-      </p:sp>
       <p:pic>
         <p:nvPicPr>
-          <p:cNvPr id="9" name="Picture 1"/>
+          <p:cNvPr id="11" name="Picture 8" descr="Final MIH logo.png"/>
           <p:cNvPicPr>
             <a:picLocks noChangeAspect="1"/>
           </p:cNvPicPr>
@@ -12004,7 +11632,39 @@
         </p:blipFill>
         <p:spPr bwMode="auto">
           <a:xfrm>
-            <a:off x="531813" y="6184900"/>
+            <a:off x="6861175" y="5297488"/>
+            <a:ext cx="2968625" cy="2098675"/>
+          </a:xfrm>
+          <a:prstGeom prst="rect">
+            <a:avLst/>
+          </a:prstGeom>
+          <a:noFill/>
+          <a:ln w="9525">
+            <a:noFill/>
+            <a:miter lim="800000"/>
+            <a:headEnd/>
+            <a:tailEnd/>
+          </a:ln>
+        </p:spPr>
+      </p:pic>
+      <p:pic>
+        <p:nvPicPr>
+          <p:cNvPr id="12" name="Picture 1"/>
+          <p:cNvPicPr>
+            <a:picLocks noChangeAspect="1"/>
+          </p:cNvPicPr>
+          <p:nvPr/>
+        </p:nvPicPr>
+        <p:blipFill>
+          <a:blip r:embed="rId4"/>
+          <a:srcRect/>
+          <a:stretch>
+            <a:fillRect/>
+          </a:stretch>
+        </p:blipFill>
+        <p:spPr bwMode="auto">
+          <a:xfrm>
+            <a:off x="150813" y="6369050"/>
             <a:ext cx="2106612" cy="317500"/>
           </a:xfrm>
           <a:prstGeom prst="rect">
@@ -12025,17 +11685,17 @@
     <a:masterClrMapping/>
   </p:clrMapOvr>
   <mc:AlternateContent xmlns:mc="http://schemas.openxmlformats.org/markup-compatibility/2006">
-    <mc:Choice xmlns:p14="http://schemas.microsoft.com/office/powerpoint/2010/main" Requires="p14">
-      <p:transition spd="slow" p14:dur="2000" advTm="30058"/>
+    <mc:Choice xmlns:p14="http://schemas.microsoft.com/office/powerpoint/2010/main" xmlns="" Requires="p14">
+      <p:transition spd="slow" p14:dur="2000" advTm="387"/>
     </mc:Choice>
     <mc:Fallback>
-      <p:transition xmlns:p14="http://schemas.microsoft.com/office/powerpoint/2010/main" spd="slow" advTm="30058"/>
+      <p:transition spd="slow" advTm="387"/>
     </mc:Fallback>
   </mc:AlternateContent>
   <p:timing>
     <p:tnLst>
       <p:par>
-        <p:cTn xmlns:p14="http://schemas.microsoft.com/office/powerpoint/2010/main" id="1" dur="indefinite" restart="never" nodeType="tmRoot"/>
+        <p:cTn id="1" dur="indefinite" restart="never" nodeType="tmRoot"/>
       </p:par>
     </p:tnLst>
   </p:timing>
@@ -12099,7 +11759,7 @@
           <a:lstStyle/>
           <a:p>
             <a:pPr algn="ctr"/>
-            <a:endParaRPr lang="en-US" sz="1800">
+            <a:endParaRPr lang="en-US" sz="1800" dirty="0">
               <a:solidFill>
                 <a:srgbClr val="FFFFFF"/>
               </a:solidFill>
@@ -12163,17 +11823,2016 @@
     <a:masterClrMapping/>
   </p:clrMapOvr>
   <mc:AlternateContent xmlns:mc="http://schemas.openxmlformats.org/markup-compatibility/2006">
-    <mc:Choice xmlns:p14="http://schemas.microsoft.com/office/powerpoint/2010/main" Requires="p14">
+    <mc:Choice xmlns:p14="http://schemas.microsoft.com/office/powerpoint/2010/main" xmlns="" Requires="p14">
       <p:transition spd="slow" p14:dur="2000" advTm="154"/>
     </mc:Choice>
     <mc:Fallback>
-      <p:transition xmlns:p14="http://schemas.microsoft.com/office/powerpoint/2010/main" spd="slow" advTm="154"/>
+      <p:transition spd="slow" advTm="154"/>
     </mc:Fallback>
   </mc:AlternateContent>
   <p:timing>
     <p:tnLst>
       <p:par>
-        <p:cTn xmlns:p14="http://schemas.microsoft.com/office/powerpoint/2010/main" id="1" dur="indefinite" restart="never" nodeType="tmRoot"/>
+        <p:cTn id="1" dur="indefinite" restart="never" nodeType="tmRoot"/>
+      </p:par>
+    </p:tnLst>
+  </p:timing>
+</p:sld>
+</file>
+
+<file path=ppt/slides/slide40.xml><?xml version="1.0" encoding="utf-8"?>
+<p:sld xmlns:a="http://schemas.openxmlformats.org/drawingml/2006/main" xmlns:r="http://schemas.openxmlformats.org/officeDocument/2006/relationships" xmlns:p="http://schemas.openxmlformats.org/presentationml/2006/main">
+  <p:cSld>
+    <p:spTree>
+      <p:nvGrpSpPr>
+        <p:cNvPr id="1" name=""/>
+        <p:cNvGrpSpPr/>
+        <p:nvPr/>
+      </p:nvGrpSpPr>
+      <p:grpSpPr>
+        <a:xfrm>
+          <a:off x="0" y="0"/>
+          <a:ext cx="0" cy="0"/>
+          <a:chOff x="0" y="0"/>
+          <a:chExt cx="0" cy="0"/>
+        </a:xfrm>
+      </p:grpSpPr>
+      <p:sp>
+        <p:nvSpPr>
+          <p:cNvPr id="15361" name="Rectangle 9"/>
+          <p:cNvSpPr>
+            <a:spLocks noChangeArrowheads="1"/>
+          </p:cNvSpPr>
+          <p:nvPr/>
+        </p:nvSpPr>
+        <p:spPr bwMode="auto">
+          <a:xfrm>
+            <a:off x="0" y="0"/>
+            <a:ext cx="9144000" cy="6858000"/>
+          </a:xfrm>
+          <a:prstGeom prst="rect">
+            <a:avLst/>
+          </a:prstGeom>
+          <a:solidFill>
+            <a:schemeClr val="tx1"/>
+          </a:solidFill>
+          <a:ln w="9525">
+            <a:solidFill>
+              <a:srgbClr val="4A7EBB"/>
+            </a:solidFill>
+            <a:miter lim="800000"/>
+            <a:headEnd/>
+            <a:tailEnd/>
+          </a:ln>
+          <a:effectLst>
+            <a:outerShdw dist="23000" dir="5400000" rotWithShape="0">
+              <a:srgbClr val="808080">
+                <a:alpha val="34998"/>
+              </a:srgbClr>
+            </a:outerShdw>
+          </a:effectLst>
+        </p:spPr>
+        <p:txBody>
+          <a:bodyPr anchor="ctr"/>
+          <a:lstStyle/>
+          <a:p>
+            <a:pPr algn="ctr"/>
+            <a:endParaRPr lang="en-US" sz="1800" dirty="0">
+              <a:solidFill>
+                <a:srgbClr val="FFFFFF"/>
+              </a:solidFill>
+            </a:endParaRPr>
+          </a:p>
+        </p:txBody>
+      </p:sp>
+      <p:sp>
+        <p:nvSpPr>
+          <p:cNvPr id="15362" name="Title 1"/>
+          <p:cNvSpPr>
+            <a:spLocks noGrp="1"/>
+          </p:cNvSpPr>
+          <p:nvPr>
+            <p:ph type="title"/>
+          </p:nvPr>
+        </p:nvSpPr>
+        <p:spPr/>
+        <p:txBody>
+          <a:bodyPr/>
+          <a:lstStyle/>
+          <a:p>
+            <a:pPr eaLnBrk="1" hangingPunct="1"/>
+            <a:r>
+              <a:rPr lang="en-GB" dirty="0" smtClean="0">
+                <a:solidFill>
+                  <a:schemeClr val="bg1"/>
+                </a:solidFill>
+              </a:rPr>
+              <a:t>Extending the classic model</a:t>
+            </a:r>
+            <a:endParaRPr lang="en-GB" dirty="0" smtClean="0">
+              <a:solidFill>
+                <a:schemeClr val="bg1"/>
+              </a:solidFill>
+            </a:endParaRPr>
+          </a:p>
+        </p:txBody>
+      </p:sp>
+      <p:sp>
+        <p:nvSpPr>
+          <p:cNvPr id="7" name="Content Placeholder 6"/>
+          <p:cNvSpPr>
+            <a:spLocks noGrp="1"/>
+          </p:cNvSpPr>
+          <p:nvPr>
+            <p:ph idx="1"/>
+          </p:nvPr>
+        </p:nvSpPr>
+        <p:spPr>
+          <a:xfrm>
+            <a:off x="457199" y="1417638"/>
+            <a:ext cx="4635502" cy="4278312"/>
+          </a:xfrm>
+        </p:spPr>
+        <p:txBody>
+          <a:bodyPr/>
+          <a:lstStyle/>
+          <a:p>
+            <a:r>
+              <a:rPr lang="en-GB" dirty="0" smtClean="0">
+                <a:solidFill>
+                  <a:schemeClr val="bg1"/>
+                </a:solidFill>
+              </a:rPr>
+              <a:t>But Pithos makes use of groups to store data.</a:t>
+            </a:r>
+          </a:p>
+          <a:p>
+            <a:r>
+              <a:rPr lang="en-GB" dirty="0" smtClean="0">
+                <a:solidFill>
+                  <a:schemeClr val="bg1"/>
+                </a:solidFill>
+              </a:rPr>
+              <a:t>These groups might be limited in size, which might affect object lifetime.</a:t>
+            </a:r>
+          </a:p>
+          <a:p>
+            <a:r>
+              <a:rPr lang="en-GB" dirty="0" smtClean="0">
+                <a:solidFill>
+                  <a:schemeClr val="bg1"/>
+                </a:solidFill>
+              </a:rPr>
+              <a:t>Model object lifetime by extending the classic model:</a:t>
+            </a:r>
+            <a:endParaRPr lang="en-ZA" dirty="0"/>
+          </a:p>
+        </p:txBody>
+      </p:sp>
+      <p:pic>
+        <p:nvPicPr>
+          <p:cNvPr id="2050" name="Picture 2"/>
+          <p:cNvPicPr>
+            <a:picLocks noChangeAspect="1" noChangeArrowheads="1"/>
+          </p:cNvPicPr>
+          <p:nvPr/>
+        </p:nvPicPr>
+        <p:blipFill>
+          <a:blip r:embed="rId2"/>
+          <a:srcRect/>
+          <a:stretch>
+            <a:fillRect/>
+          </a:stretch>
+        </p:blipFill>
+        <p:spPr bwMode="auto">
+          <a:xfrm>
+            <a:off x="5092700" y="1417638"/>
+            <a:ext cx="3933825" cy="3536104"/>
+          </a:xfrm>
+          <a:prstGeom prst="rect">
+            <a:avLst/>
+          </a:prstGeom>
+          <a:noFill/>
+          <a:ln w="9525">
+            <a:noFill/>
+            <a:miter lim="800000"/>
+            <a:headEnd/>
+            <a:tailEnd/>
+          </a:ln>
+        </p:spPr>
+      </p:pic>
+      <p:pic>
+        <p:nvPicPr>
+          <p:cNvPr id="9" name="Picture 8" descr="Final MIH logo.png"/>
+          <p:cNvPicPr>
+            <a:picLocks noChangeAspect="1"/>
+          </p:cNvPicPr>
+          <p:nvPr/>
+        </p:nvPicPr>
+        <p:blipFill>
+          <a:blip r:embed="rId3"/>
+          <a:srcRect/>
+          <a:stretch>
+            <a:fillRect/>
+          </a:stretch>
+        </p:blipFill>
+        <p:spPr bwMode="auto">
+          <a:xfrm>
+            <a:off x="6861175" y="5297488"/>
+            <a:ext cx="2968625" cy="2098675"/>
+          </a:xfrm>
+          <a:prstGeom prst="rect">
+            <a:avLst/>
+          </a:prstGeom>
+          <a:noFill/>
+          <a:ln w="9525">
+            <a:noFill/>
+            <a:miter lim="800000"/>
+            <a:headEnd/>
+            <a:tailEnd/>
+          </a:ln>
+        </p:spPr>
+      </p:pic>
+      <p:pic>
+        <p:nvPicPr>
+          <p:cNvPr id="10" name="Picture 1"/>
+          <p:cNvPicPr>
+            <a:picLocks noChangeAspect="1"/>
+          </p:cNvPicPr>
+          <p:nvPr/>
+        </p:nvPicPr>
+        <p:blipFill>
+          <a:blip r:embed="rId4"/>
+          <a:srcRect/>
+          <a:stretch>
+            <a:fillRect/>
+          </a:stretch>
+        </p:blipFill>
+        <p:spPr bwMode="auto">
+          <a:xfrm>
+            <a:off x="150813" y="6369050"/>
+            <a:ext cx="2106612" cy="317500"/>
+          </a:xfrm>
+          <a:prstGeom prst="rect">
+            <a:avLst/>
+          </a:prstGeom>
+          <a:noFill/>
+          <a:ln w="9525">
+            <a:noFill/>
+            <a:miter lim="800000"/>
+            <a:headEnd/>
+            <a:tailEnd/>
+          </a:ln>
+        </p:spPr>
+      </p:pic>
+    </p:spTree>
+  </p:cSld>
+  <p:clrMapOvr>
+    <a:masterClrMapping/>
+  </p:clrMapOvr>
+  <mc:AlternateContent xmlns:mc="http://schemas.openxmlformats.org/markup-compatibility/2006">
+    <mc:Choice xmlns:p14="http://schemas.microsoft.com/office/powerpoint/2010/main" xmlns="" Requires="p14">
+      <p:transition spd="slow" p14:dur="2000" advTm="387"/>
+    </mc:Choice>
+    <mc:Fallback>
+      <p:transition spd="slow" advTm="387"/>
+    </mc:Fallback>
+  </mc:AlternateContent>
+  <p:timing>
+    <p:tnLst>
+      <p:par>
+        <p:cTn id="1" dur="indefinite" restart="never" nodeType="tmRoot"/>
+      </p:par>
+    </p:tnLst>
+  </p:timing>
+</p:sld>
+</file>
+
+<file path=ppt/slides/slide41.xml><?xml version="1.0" encoding="utf-8"?>
+<p:sld xmlns:a="http://schemas.openxmlformats.org/drawingml/2006/main" xmlns:r="http://schemas.openxmlformats.org/officeDocument/2006/relationships" xmlns:p="http://schemas.openxmlformats.org/presentationml/2006/main">
+  <p:cSld>
+    <p:spTree>
+      <p:nvGrpSpPr>
+        <p:cNvPr id="1" name=""/>
+        <p:cNvGrpSpPr/>
+        <p:nvPr/>
+      </p:nvGrpSpPr>
+      <p:grpSpPr>
+        <a:xfrm>
+          <a:off x="0" y="0"/>
+          <a:ext cx="0" cy="0"/>
+          <a:chOff x="0" y="0"/>
+          <a:chExt cx="0" cy="0"/>
+        </a:xfrm>
+      </p:grpSpPr>
+      <p:sp>
+        <p:nvSpPr>
+          <p:cNvPr id="15361" name="Rectangle 9"/>
+          <p:cNvSpPr>
+            <a:spLocks noChangeArrowheads="1"/>
+          </p:cNvSpPr>
+          <p:nvPr/>
+        </p:nvSpPr>
+        <p:spPr bwMode="auto">
+          <a:xfrm>
+            <a:off x="0" y="0"/>
+            <a:ext cx="9144000" cy="6858000"/>
+          </a:xfrm>
+          <a:prstGeom prst="rect">
+            <a:avLst/>
+          </a:prstGeom>
+          <a:solidFill>
+            <a:schemeClr val="tx1"/>
+          </a:solidFill>
+          <a:ln w="9525">
+            <a:solidFill>
+              <a:srgbClr val="4A7EBB"/>
+            </a:solidFill>
+            <a:miter lim="800000"/>
+            <a:headEnd/>
+            <a:tailEnd/>
+          </a:ln>
+          <a:effectLst>
+            <a:outerShdw dist="23000" dir="5400000" rotWithShape="0">
+              <a:srgbClr val="808080">
+                <a:alpha val="34998"/>
+              </a:srgbClr>
+            </a:outerShdw>
+          </a:effectLst>
+        </p:spPr>
+        <p:txBody>
+          <a:bodyPr anchor="ctr"/>
+          <a:lstStyle/>
+          <a:p>
+            <a:pPr algn="ctr"/>
+            <a:endParaRPr lang="en-US" sz="1800" dirty="0">
+              <a:solidFill>
+                <a:srgbClr val="FFFFFF"/>
+              </a:solidFill>
+            </a:endParaRPr>
+          </a:p>
+        </p:txBody>
+      </p:sp>
+      <p:sp>
+        <p:nvSpPr>
+          <p:cNvPr id="15362" name="Title 1"/>
+          <p:cNvSpPr>
+            <a:spLocks noGrp="1"/>
+          </p:cNvSpPr>
+          <p:nvPr>
+            <p:ph type="title"/>
+          </p:nvPr>
+        </p:nvSpPr>
+        <p:spPr/>
+        <p:txBody>
+          <a:bodyPr/>
+          <a:lstStyle/>
+          <a:p>
+            <a:pPr eaLnBrk="1" hangingPunct="1"/>
+            <a:r>
+              <a:rPr lang="en-GB" dirty="0" smtClean="0">
+                <a:solidFill>
+                  <a:schemeClr val="bg1"/>
+                </a:solidFill>
+              </a:rPr>
+              <a:t>The model</a:t>
+            </a:r>
+            <a:endParaRPr lang="en-GB" dirty="0" smtClean="0">
+              <a:solidFill>
+                <a:schemeClr val="bg1"/>
+              </a:solidFill>
+            </a:endParaRPr>
+          </a:p>
+        </p:txBody>
+      </p:sp>
+      <p:pic>
+        <p:nvPicPr>
+          <p:cNvPr id="8" name="Picture 1"/>
+          <p:cNvPicPr>
+            <a:picLocks noChangeAspect="1"/>
+          </p:cNvPicPr>
+          <p:nvPr/>
+        </p:nvPicPr>
+        <p:blipFill>
+          <a:blip r:embed="rId2"/>
+          <a:srcRect/>
+          <a:stretch>
+            <a:fillRect/>
+          </a:stretch>
+        </p:blipFill>
+        <p:spPr bwMode="auto">
+          <a:xfrm>
+            <a:off x="531813" y="5867400"/>
+            <a:ext cx="2106612" cy="317500"/>
+          </a:xfrm>
+          <a:prstGeom prst="rect">
+            <a:avLst/>
+          </a:prstGeom>
+          <a:noFill/>
+          <a:ln w="9525">
+            <a:noFill/>
+            <a:miter lim="800000"/>
+            <a:headEnd/>
+            <a:tailEnd/>
+          </a:ln>
+        </p:spPr>
+      </p:pic>
+      <p:pic>
+        <p:nvPicPr>
+          <p:cNvPr id="3075" name="Picture 3"/>
+          <p:cNvPicPr>
+            <a:picLocks noChangeAspect="1" noChangeArrowheads="1"/>
+          </p:cNvPicPr>
+          <p:nvPr/>
+        </p:nvPicPr>
+        <p:blipFill>
+          <a:blip r:embed="rId3"/>
+          <a:srcRect/>
+          <a:stretch>
+            <a:fillRect/>
+          </a:stretch>
+        </p:blipFill>
+        <p:spPr bwMode="auto">
+          <a:xfrm>
+            <a:off x="295275" y="1223963"/>
+            <a:ext cx="4419600" cy="5417849"/>
+          </a:xfrm>
+          <a:prstGeom prst="rect">
+            <a:avLst/>
+          </a:prstGeom>
+          <a:noFill/>
+          <a:ln w="9525">
+            <a:noFill/>
+            <a:miter lim="800000"/>
+            <a:headEnd/>
+            <a:tailEnd/>
+          </a:ln>
+        </p:spPr>
+      </p:pic>
+      <p:pic>
+        <p:nvPicPr>
+          <p:cNvPr id="12" name="Picture 8" descr="Final MIH logo.png"/>
+          <p:cNvPicPr>
+            <a:picLocks noChangeAspect="1"/>
+          </p:cNvPicPr>
+          <p:nvPr/>
+        </p:nvPicPr>
+        <p:blipFill>
+          <a:blip r:embed="rId4"/>
+          <a:srcRect/>
+          <a:stretch>
+            <a:fillRect/>
+          </a:stretch>
+        </p:blipFill>
+        <p:spPr bwMode="auto">
+          <a:xfrm>
+            <a:off x="6861175" y="5297488"/>
+            <a:ext cx="2968625" cy="2098675"/>
+          </a:xfrm>
+          <a:prstGeom prst="rect">
+            <a:avLst/>
+          </a:prstGeom>
+          <a:noFill/>
+          <a:ln w="9525">
+            <a:noFill/>
+            <a:miter lim="800000"/>
+            <a:headEnd/>
+            <a:tailEnd/>
+          </a:ln>
+        </p:spPr>
+      </p:pic>
+      <p:sp>
+        <p:nvSpPr>
+          <p:cNvPr id="13" name="Content Placeholder 6"/>
+          <p:cNvSpPr>
+            <a:spLocks noGrp="1"/>
+          </p:cNvSpPr>
+          <p:nvPr>
+            <p:ph idx="1"/>
+          </p:nvPr>
+        </p:nvSpPr>
+        <p:spPr>
+          <a:xfrm>
+            <a:off x="4714874" y="1223963"/>
+            <a:ext cx="4314825" cy="4443412"/>
+          </a:xfrm>
+        </p:spPr>
+        <p:txBody>
+          <a:bodyPr/>
+          <a:lstStyle/>
+          <a:p>
+            <a:r>
+              <a:rPr lang="en-GB" dirty="0" smtClean="0">
+                <a:solidFill>
+                  <a:schemeClr val="bg1"/>
+                </a:solidFill>
+              </a:rPr>
+              <a:t>White states are initial states</a:t>
+            </a:r>
+          </a:p>
+          <a:p>
+            <a:r>
+              <a:rPr lang="en-GB" dirty="0" smtClean="0">
+                <a:solidFill>
+                  <a:schemeClr val="bg1"/>
+                </a:solidFill>
+              </a:rPr>
+              <a:t>Red states are absorption states</a:t>
+            </a:r>
+          </a:p>
+          <a:p>
+            <a:r>
+              <a:rPr lang="en-GB" dirty="0" smtClean="0">
+                <a:solidFill>
+                  <a:schemeClr val="bg1"/>
+                </a:solidFill>
+              </a:rPr>
+              <a:t>Blue states are interior states</a:t>
+            </a:r>
+            <a:endParaRPr lang="en-ZA" dirty="0"/>
+          </a:p>
+        </p:txBody>
+      </p:sp>
+    </p:spTree>
+  </p:cSld>
+  <p:clrMapOvr>
+    <a:masterClrMapping/>
+  </p:clrMapOvr>
+  <mc:AlternateContent xmlns:mc="http://schemas.openxmlformats.org/markup-compatibility/2006">
+    <mc:Choice xmlns:p14="http://schemas.microsoft.com/office/powerpoint/2010/main" xmlns="" Requires="p14">
+      <p:transition spd="slow" p14:dur="2000" advTm="387"/>
+    </mc:Choice>
+    <mc:Fallback>
+      <p:transition spd="slow" advTm="387"/>
+    </mc:Fallback>
+  </mc:AlternateContent>
+  <p:timing>
+    <p:tnLst>
+      <p:par>
+        <p:cTn id="1" dur="indefinite" restart="never" nodeType="tmRoot"/>
+      </p:par>
+    </p:tnLst>
+  </p:timing>
+</p:sld>
+</file>
+
+<file path=ppt/slides/slide42.xml><?xml version="1.0" encoding="utf-8"?>
+<p:sld xmlns:a="http://schemas.openxmlformats.org/drawingml/2006/main" xmlns:r="http://schemas.openxmlformats.org/officeDocument/2006/relationships" xmlns:p="http://schemas.openxmlformats.org/presentationml/2006/main">
+  <p:cSld>
+    <p:spTree>
+      <p:nvGrpSpPr>
+        <p:cNvPr id="1" name=""/>
+        <p:cNvGrpSpPr/>
+        <p:nvPr/>
+      </p:nvGrpSpPr>
+      <p:grpSpPr>
+        <a:xfrm>
+          <a:off x="0" y="0"/>
+          <a:ext cx="0" cy="0"/>
+          <a:chOff x="0" y="0"/>
+          <a:chExt cx="0" cy="0"/>
+        </a:xfrm>
+      </p:grpSpPr>
+      <p:sp>
+        <p:nvSpPr>
+          <p:cNvPr id="15361" name="Rectangle 9"/>
+          <p:cNvSpPr>
+            <a:spLocks noChangeArrowheads="1"/>
+          </p:cNvSpPr>
+          <p:nvPr/>
+        </p:nvSpPr>
+        <p:spPr bwMode="auto">
+          <a:xfrm>
+            <a:off x="0" y="0"/>
+            <a:ext cx="9144000" cy="6858000"/>
+          </a:xfrm>
+          <a:prstGeom prst="rect">
+            <a:avLst/>
+          </a:prstGeom>
+          <a:solidFill>
+            <a:schemeClr val="tx1"/>
+          </a:solidFill>
+          <a:ln w="9525">
+            <a:solidFill>
+              <a:srgbClr val="4A7EBB"/>
+            </a:solidFill>
+            <a:miter lim="800000"/>
+            <a:headEnd/>
+            <a:tailEnd/>
+          </a:ln>
+          <a:effectLst>
+            <a:outerShdw dist="23000" dir="5400000" rotWithShape="0">
+              <a:srgbClr val="808080">
+                <a:alpha val="34998"/>
+              </a:srgbClr>
+            </a:outerShdw>
+          </a:effectLst>
+        </p:spPr>
+        <p:txBody>
+          <a:bodyPr anchor="ctr"/>
+          <a:lstStyle/>
+          <a:p>
+            <a:pPr algn="ctr"/>
+            <a:endParaRPr lang="en-US" sz="1800" dirty="0">
+              <a:solidFill>
+                <a:srgbClr val="FFFFFF"/>
+              </a:solidFill>
+            </a:endParaRPr>
+          </a:p>
+        </p:txBody>
+      </p:sp>
+      <p:sp>
+        <p:nvSpPr>
+          <p:cNvPr id="15362" name="Title 1"/>
+          <p:cNvSpPr>
+            <a:spLocks noGrp="1"/>
+          </p:cNvSpPr>
+          <p:nvPr>
+            <p:ph type="title"/>
+          </p:nvPr>
+        </p:nvSpPr>
+        <p:spPr/>
+        <p:txBody>
+          <a:bodyPr/>
+          <a:lstStyle/>
+          <a:p>
+            <a:pPr eaLnBrk="1" hangingPunct="1"/>
+            <a:r>
+              <a:rPr lang="en-GB" dirty="0" smtClean="0">
+                <a:solidFill>
+                  <a:schemeClr val="bg1"/>
+                </a:solidFill>
+              </a:rPr>
+              <a:t>The model</a:t>
+            </a:r>
+            <a:endParaRPr lang="en-GB" dirty="0" smtClean="0">
+              <a:solidFill>
+                <a:schemeClr val="bg1"/>
+              </a:solidFill>
+            </a:endParaRPr>
+          </a:p>
+        </p:txBody>
+      </p:sp>
+      <p:pic>
+        <p:nvPicPr>
+          <p:cNvPr id="8" name="Picture 1"/>
+          <p:cNvPicPr>
+            <a:picLocks noChangeAspect="1"/>
+          </p:cNvPicPr>
+          <p:nvPr/>
+        </p:nvPicPr>
+        <p:blipFill>
+          <a:blip r:embed="rId2"/>
+          <a:srcRect/>
+          <a:stretch>
+            <a:fillRect/>
+          </a:stretch>
+        </p:blipFill>
+        <p:spPr bwMode="auto">
+          <a:xfrm>
+            <a:off x="531813" y="5867400"/>
+            <a:ext cx="2106612" cy="317500"/>
+          </a:xfrm>
+          <a:prstGeom prst="rect">
+            <a:avLst/>
+          </a:prstGeom>
+          <a:noFill/>
+          <a:ln w="9525">
+            <a:noFill/>
+            <a:miter lim="800000"/>
+            <a:headEnd/>
+            <a:tailEnd/>
+          </a:ln>
+        </p:spPr>
+      </p:pic>
+      <p:pic>
+        <p:nvPicPr>
+          <p:cNvPr id="3075" name="Picture 3"/>
+          <p:cNvPicPr>
+            <a:picLocks noChangeAspect="1" noChangeArrowheads="1"/>
+          </p:cNvPicPr>
+          <p:nvPr/>
+        </p:nvPicPr>
+        <p:blipFill>
+          <a:blip r:embed="rId3"/>
+          <a:srcRect/>
+          <a:stretch>
+            <a:fillRect/>
+          </a:stretch>
+        </p:blipFill>
+        <p:spPr bwMode="auto">
+          <a:xfrm>
+            <a:off x="295275" y="1223963"/>
+            <a:ext cx="4419600" cy="5417849"/>
+          </a:xfrm>
+          <a:prstGeom prst="rect">
+            <a:avLst/>
+          </a:prstGeom>
+          <a:noFill/>
+          <a:ln w="9525">
+            <a:noFill/>
+            <a:miter lim="800000"/>
+            <a:headEnd/>
+            <a:tailEnd/>
+          </a:ln>
+        </p:spPr>
+      </p:pic>
+      <p:pic>
+        <p:nvPicPr>
+          <p:cNvPr id="12" name="Picture 8" descr="Final MIH logo.png"/>
+          <p:cNvPicPr>
+            <a:picLocks noChangeAspect="1"/>
+          </p:cNvPicPr>
+          <p:nvPr/>
+        </p:nvPicPr>
+        <p:blipFill>
+          <a:blip r:embed="rId4"/>
+          <a:srcRect/>
+          <a:stretch>
+            <a:fillRect/>
+          </a:stretch>
+        </p:blipFill>
+        <p:spPr bwMode="auto">
+          <a:xfrm>
+            <a:off x="6861175" y="5297488"/>
+            <a:ext cx="2968625" cy="2098675"/>
+          </a:xfrm>
+          <a:prstGeom prst="rect">
+            <a:avLst/>
+          </a:prstGeom>
+          <a:noFill/>
+          <a:ln w="9525">
+            <a:noFill/>
+            <a:miter lim="800000"/>
+            <a:headEnd/>
+            <a:tailEnd/>
+          </a:ln>
+        </p:spPr>
+      </p:pic>
+      <p:sp>
+        <p:nvSpPr>
+          <p:cNvPr id="13" name="Content Placeholder 6"/>
+          <p:cNvSpPr>
+            <a:spLocks noGrp="1"/>
+          </p:cNvSpPr>
+          <p:nvPr>
+            <p:ph idx="1"/>
+          </p:nvPr>
+        </p:nvSpPr>
+        <p:spPr>
+          <a:xfrm>
+            <a:off x="4714874" y="1223963"/>
+            <a:ext cx="4314825" cy="4443412"/>
+          </a:xfrm>
+        </p:spPr>
+        <p:txBody>
+          <a:bodyPr/>
+          <a:lstStyle/>
+          <a:p>
+            <a:r>
+              <a:rPr lang="en-GB" dirty="0" smtClean="0">
+                <a:solidFill>
+                  <a:schemeClr val="bg1"/>
+                </a:solidFill>
+              </a:rPr>
+              <a:t>White states are initial states</a:t>
+            </a:r>
+          </a:p>
+          <a:p>
+            <a:r>
+              <a:rPr lang="en-GB" dirty="0" smtClean="0">
+                <a:solidFill>
+                  <a:schemeClr val="bg1"/>
+                </a:solidFill>
+              </a:rPr>
+              <a:t>Red states are absorption states</a:t>
+            </a:r>
+          </a:p>
+          <a:p>
+            <a:r>
+              <a:rPr lang="en-GB" dirty="0" smtClean="0">
+                <a:solidFill>
+                  <a:schemeClr val="bg1"/>
+                </a:solidFill>
+              </a:rPr>
+              <a:t>Blue states are interior states</a:t>
+            </a:r>
+            <a:endParaRPr lang="en-ZA" dirty="0"/>
+          </a:p>
+        </p:txBody>
+      </p:sp>
+    </p:spTree>
+  </p:cSld>
+  <p:clrMapOvr>
+    <a:masterClrMapping/>
+  </p:clrMapOvr>
+  <mc:AlternateContent xmlns:mc="http://schemas.openxmlformats.org/markup-compatibility/2006">
+    <mc:Choice xmlns:p14="http://schemas.microsoft.com/office/powerpoint/2010/main" xmlns="" Requires="p14">
+      <p:transition spd="slow" p14:dur="2000" advTm="387"/>
+    </mc:Choice>
+    <mc:Fallback>
+      <p:transition spd="slow" advTm="387"/>
+    </mc:Fallback>
+  </mc:AlternateContent>
+  <p:timing>
+    <p:tnLst>
+      <p:par>
+        <p:cTn id="1" dur="indefinite" restart="never" nodeType="tmRoot"/>
+      </p:par>
+    </p:tnLst>
+  </p:timing>
+</p:sld>
+</file>
+
+<file path=ppt/slides/slide43.xml><?xml version="1.0" encoding="utf-8"?>
+<p:sld xmlns:a="http://schemas.openxmlformats.org/drawingml/2006/main" xmlns:r="http://schemas.openxmlformats.org/officeDocument/2006/relationships" xmlns:p="http://schemas.openxmlformats.org/presentationml/2006/main">
+  <p:cSld>
+    <p:spTree>
+      <p:nvGrpSpPr>
+        <p:cNvPr id="1" name=""/>
+        <p:cNvGrpSpPr/>
+        <p:nvPr/>
+      </p:nvGrpSpPr>
+      <p:grpSpPr>
+        <a:xfrm>
+          <a:off x="0" y="0"/>
+          <a:ext cx="0" cy="0"/>
+          <a:chOff x="0" y="0"/>
+          <a:chExt cx="0" cy="0"/>
+        </a:xfrm>
+      </p:grpSpPr>
+      <p:sp>
+        <p:nvSpPr>
+          <p:cNvPr id="15361" name="Rectangle 9"/>
+          <p:cNvSpPr>
+            <a:spLocks noChangeArrowheads="1"/>
+          </p:cNvSpPr>
+          <p:nvPr/>
+        </p:nvSpPr>
+        <p:spPr bwMode="auto">
+          <a:xfrm>
+            <a:off x="0" y="0"/>
+            <a:ext cx="9144000" cy="6858000"/>
+          </a:xfrm>
+          <a:prstGeom prst="rect">
+            <a:avLst/>
+          </a:prstGeom>
+          <a:solidFill>
+            <a:schemeClr val="tx1"/>
+          </a:solidFill>
+          <a:ln w="9525">
+            <a:solidFill>
+              <a:srgbClr val="4A7EBB"/>
+            </a:solidFill>
+            <a:miter lim="800000"/>
+            <a:headEnd/>
+            <a:tailEnd/>
+          </a:ln>
+          <a:effectLst>
+            <a:outerShdw dist="23000" dir="5400000" rotWithShape="0">
+              <a:srgbClr val="808080">
+                <a:alpha val="34998"/>
+              </a:srgbClr>
+            </a:outerShdw>
+          </a:effectLst>
+        </p:spPr>
+        <p:txBody>
+          <a:bodyPr anchor="ctr"/>
+          <a:lstStyle/>
+          <a:p>
+            <a:pPr algn="ctr"/>
+            <a:endParaRPr lang="en-US" sz="1800" dirty="0">
+              <a:solidFill>
+                <a:srgbClr val="FFFFFF"/>
+              </a:solidFill>
+            </a:endParaRPr>
+          </a:p>
+        </p:txBody>
+      </p:sp>
+      <p:sp>
+        <p:nvSpPr>
+          <p:cNvPr id="15362" name="Title 1"/>
+          <p:cNvSpPr>
+            <a:spLocks noGrp="1"/>
+          </p:cNvSpPr>
+          <p:nvPr>
+            <p:ph type="title"/>
+          </p:nvPr>
+        </p:nvSpPr>
+        <p:spPr/>
+        <p:txBody>
+          <a:bodyPr/>
+          <a:lstStyle/>
+          <a:p>
+            <a:pPr eaLnBrk="1" hangingPunct="1"/>
+            <a:r>
+              <a:rPr lang="en-GB" dirty="0" smtClean="0">
+                <a:solidFill>
+                  <a:schemeClr val="bg1"/>
+                </a:solidFill>
+              </a:rPr>
+              <a:t>Lifetimes for initial and average network sizes</a:t>
+            </a:r>
+            <a:endParaRPr lang="en-GB" dirty="0" smtClean="0">
+              <a:solidFill>
+                <a:schemeClr val="bg1"/>
+              </a:solidFill>
+            </a:endParaRPr>
+          </a:p>
+        </p:txBody>
+      </p:sp>
+      <p:pic>
+        <p:nvPicPr>
+          <p:cNvPr id="8" name="Picture 1"/>
+          <p:cNvPicPr>
+            <a:picLocks noChangeAspect="1"/>
+          </p:cNvPicPr>
+          <p:nvPr/>
+        </p:nvPicPr>
+        <p:blipFill>
+          <a:blip r:embed="rId2"/>
+          <a:srcRect/>
+          <a:stretch>
+            <a:fillRect/>
+          </a:stretch>
+        </p:blipFill>
+        <p:spPr bwMode="auto">
+          <a:xfrm>
+            <a:off x="531813" y="5867400"/>
+            <a:ext cx="2106612" cy="317500"/>
+          </a:xfrm>
+          <a:prstGeom prst="rect">
+            <a:avLst/>
+          </a:prstGeom>
+          <a:noFill/>
+          <a:ln w="9525">
+            <a:noFill/>
+            <a:miter lim="800000"/>
+            <a:headEnd/>
+            <a:tailEnd/>
+          </a:ln>
+        </p:spPr>
+      </p:pic>
+      <p:pic>
+        <p:nvPicPr>
+          <p:cNvPr id="12" name="Picture 8" descr="Final MIH logo.png"/>
+          <p:cNvPicPr>
+            <a:picLocks noChangeAspect="1"/>
+          </p:cNvPicPr>
+          <p:nvPr/>
+        </p:nvPicPr>
+        <p:blipFill>
+          <a:blip r:embed="rId3"/>
+          <a:srcRect/>
+          <a:stretch>
+            <a:fillRect/>
+          </a:stretch>
+        </p:blipFill>
+        <p:spPr bwMode="auto">
+          <a:xfrm>
+            <a:off x="6861175" y="5297488"/>
+            <a:ext cx="2968625" cy="2098675"/>
+          </a:xfrm>
+          <a:prstGeom prst="rect">
+            <a:avLst/>
+          </a:prstGeom>
+          <a:noFill/>
+          <a:ln w="9525">
+            <a:noFill/>
+            <a:miter lim="800000"/>
+            <a:headEnd/>
+            <a:tailEnd/>
+          </a:ln>
+        </p:spPr>
+      </p:pic>
+      <p:sp>
+        <p:nvSpPr>
+          <p:cNvPr id="9" name="Content Placeholder 8"/>
+          <p:cNvSpPr>
+            <a:spLocks noGrp="1"/>
+          </p:cNvSpPr>
+          <p:nvPr>
+            <p:ph idx="1"/>
+          </p:nvPr>
+        </p:nvSpPr>
+        <p:spPr/>
+        <p:txBody>
+          <a:bodyPr/>
+          <a:lstStyle/>
+          <a:p>
+            <a:endParaRPr lang="en-GB"/>
+          </a:p>
+        </p:txBody>
+      </p:sp>
+      <p:pic>
+        <p:nvPicPr>
+          <p:cNvPr id="4099" name="Picture 3"/>
+          <p:cNvPicPr>
+            <a:picLocks noChangeAspect="1" noChangeArrowheads="1"/>
+          </p:cNvPicPr>
+          <p:nvPr/>
+        </p:nvPicPr>
+        <p:blipFill>
+          <a:blip r:embed="rId4"/>
+          <a:srcRect/>
+          <a:stretch>
+            <a:fillRect/>
+          </a:stretch>
+        </p:blipFill>
+        <p:spPr bwMode="auto">
+          <a:xfrm>
+            <a:off x="457200" y="1600200"/>
+            <a:ext cx="8239125" cy="4128518"/>
+          </a:xfrm>
+          <a:prstGeom prst="rect">
+            <a:avLst/>
+          </a:prstGeom>
+          <a:noFill/>
+          <a:ln w="9525">
+            <a:noFill/>
+            <a:miter lim="800000"/>
+            <a:headEnd/>
+            <a:tailEnd/>
+          </a:ln>
+        </p:spPr>
+      </p:pic>
+    </p:spTree>
+  </p:cSld>
+  <p:clrMapOvr>
+    <a:masterClrMapping/>
+  </p:clrMapOvr>
+  <mc:AlternateContent xmlns:mc="http://schemas.openxmlformats.org/markup-compatibility/2006">
+    <mc:Choice xmlns:p14="http://schemas.microsoft.com/office/powerpoint/2010/main" xmlns="" Requires="p14">
+      <p:transition spd="slow" p14:dur="2000" advTm="387"/>
+    </mc:Choice>
+    <mc:Fallback>
+      <p:transition spd="slow" advTm="387"/>
+    </mc:Fallback>
+  </mc:AlternateContent>
+  <p:timing>
+    <p:tnLst>
+      <p:par>
+        <p:cTn id="1" dur="indefinite" restart="never" nodeType="tmRoot"/>
+      </p:par>
+    </p:tnLst>
+  </p:timing>
+</p:sld>
+</file>
+
+<file path=ppt/slides/slide44.xml><?xml version="1.0" encoding="utf-8"?>
+<p:sld xmlns:a="http://schemas.openxmlformats.org/drawingml/2006/main" xmlns:r="http://schemas.openxmlformats.org/officeDocument/2006/relationships" xmlns:p="http://schemas.openxmlformats.org/presentationml/2006/main">
+  <p:cSld>
+    <p:spTree>
+      <p:nvGrpSpPr>
+        <p:cNvPr id="1" name=""/>
+        <p:cNvGrpSpPr/>
+        <p:nvPr/>
+      </p:nvGrpSpPr>
+      <p:grpSpPr>
+        <a:xfrm>
+          <a:off x="0" y="0"/>
+          <a:ext cx="0" cy="0"/>
+          <a:chOff x="0" y="0"/>
+          <a:chExt cx="0" cy="0"/>
+        </a:xfrm>
+      </p:grpSpPr>
+      <p:sp>
+        <p:nvSpPr>
+          <p:cNvPr id="15361" name="Rectangle 9"/>
+          <p:cNvSpPr>
+            <a:spLocks noChangeArrowheads="1"/>
+          </p:cNvSpPr>
+          <p:nvPr/>
+        </p:nvSpPr>
+        <p:spPr bwMode="auto">
+          <a:xfrm>
+            <a:off x="0" y="0"/>
+            <a:ext cx="9144000" cy="6858000"/>
+          </a:xfrm>
+          <a:prstGeom prst="rect">
+            <a:avLst/>
+          </a:prstGeom>
+          <a:solidFill>
+            <a:schemeClr val="tx1"/>
+          </a:solidFill>
+          <a:ln w="9525">
+            <a:solidFill>
+              <a:srgbClr val="4A7EBB"/>
+            </a:solidFill>
+            <a:miter lim="800000"/>
+            <a:headEnd/>
+            <a:tailEnd/>
+          </a:ln>
+          <a:effectLst>
+            <a:outerShdw dist="23000" dir="5400000" rotWithShape="0">
+              <a:srgbClr val="808080">
+                <a:alpha val="34998"/>
+              </a:srgbClr>
+            </a:outerShdw>
+          </a:effectLst>
+        </p:spPr>
+        <p:txBody>
+          <a:bodyPr anchor="ctr"/>
+          <a:lstStyle/>
+          <a:p>
+            <a:pPr algn="ctr"/>
+            <a:endParaRPr lang="en-US" sz="1800" dirty="0">
+              <a:solidFill>
+                <a:srgbClr val="FFFFFF"/>
+              </a:solidFill>
+            </a:endParaRPr>
+          </a:p>
+        </p:txBody>
+      </p:sp>
+      <p:sp>
+        <p:nvSpPr>
+          <p:cNvPr id="15362" name="Title 1"/>
+          <p:cNvSpPr>
+            <a:spLocks noGrp="1"/>
+          </p:cNvSpPr>
+          <p:nvPr>
+            <p:ph type="title"/>
+          </p:nvPr>
+        </p:nvSpPr>
+        <p:spPr/>
+        <p:txBody>
+          <a:bodyPr/>
+          <a:lstStyle/>
+          <a:p>
+            <a:pPr eaLnBrk="1" hangingPunct="1"/>
+            <a:r>
+              <a:rPr lang="en-GB" dirty="0" smtClean="0">
+                <a:solidFill>
+                  <a:schemeClr val="bg1"/>
+                </a:solidFill>
+              </a:rPr>
+              <a:t>Lifetimes for initial and average network sizes</a:t>
+            </a:r>
+            <a:endParaRPr lang="en-GB" dirty="0" smtClean="0">
+              <a:solidFill>
+                <a:schemeClr val="bg1"/>
+              </a:solidFill>
+            </a:endParaRPr>
+          </a:p>
+        </p:txBody>
+      </p:sp>
+      <p:pic>
+        <p:nvPicPr>
+          <p:cNvPr id="8" name="Picture 1"/>
+          <p:cNvPicPr>
+            <a:picLocks noChangeAspect="1"/>
+          </p:cNvPicPr>
+          <p:nvPr/>
+        </p:nvPicPr>
+        <p:blipFill>
+          <a:blip r:embed="rId2"/>
+          <a:srcRect/>
+          <a:stretch>
+            <a:fillRect/>
+          </a:stretch>
+        </p:blipFill>
+        <p:spPr bwMode="auto">
+          <a:xfrm>
+            <a:off x="531813" y="5867400"/>
+            <a:ext cx="2106612" cy="317500"/>
+          </a:xfrm>
+          <a:prstGeom prst="rect">
+            <a:avLst/>
+          </a:prstGeom>
+          <a:noFill/>
+          <a:ln w="9525">
+            <a:noFill/>
+            <a:miter lim="800000"/>
+            <a:headEnd/>
+            <a:tailEnd/>
+          </a:ln>
+        </p:spPr>
+      </p:pic>
+      <p:pic>
+        <p:nvPicPr>
+          <p:cNvPr id="12" name="Picture 8" descr="Final MIH logo.png"/>
+          <p:cNvPicPr>
+            <a:picLocks noChangeAspect="1"/>
+          </p:cNvPicPr>
+          <p:nvPr/>
+        </p:nvPicPr>
+        <p:blipFill>
+          <a:blip r:embed="rId3"/>
+          <a:srcRect/>
+          <a:stretch>
+            <a:fillRect/>
+          </a:stretch>
+        </p:blipFill>
+        <p:spPr bwMode="auto">
+          <a:xfrm>
+            <a:off x="6861175" y="5297488"/>
+            <a:ext cx="2968625" cy="2098675"/>
+          </a:xfrm>
+          <a:prstGeom prst="rect">
+            <a:avLst/>
+          </a:prstGeom>
+          <a:noFill/>
+          <a:ln w="9525">
+            <a:noFill/>
+            <a:miter lim="800000"/>
+            <a:headEnd/>
+            <a:tailEnd/>
+          </a:ln>
+        </p:spPr>
+      </p:pic>
+      <p:sp>
+        <p:nvSpPr>
+          <p:cNvPr id="9" name="Content Placeholder 8"/>
+          <p:cNvSpPr>
+            <a:spLocks noGrp="1"/>
+          </p:cNvSpPr>
+          <p:nvPr>
+            <p:ph idx="1"/>
+          </p:nvPr>
+        </p:nvSpPr>
+        <p:spPr/>
+        <p:txBody>
+          <a:bodyPr/>
+          <a:lstStyle/>
+          <a:p>
+            <a:endParaRPr lang="en-GB"/>
+          </a:p>
+        </p:txBody>
+      </p:sp>
+      <p:pic>
+        <p:nvPicPr>
+          <p:cNvPr id="5122" name="Picture 2"/>
+          <p:cNvPicPr>
+            <a:picLocks noChangeAspect="1" noChangeArrowheads="1"/>
+          </p:cNvPicPr>
+          <p:nvPr/>
+        </p:nvPicPr>
+        <p:blipFill>
+          <a:blip r:embed="rId4"/>
+          <a:srcRect/>
+          <a:stretch>
+            <a:fillRect/>
+          </a:stretch>
+        </p:blipFill>
+        <p:spPr bwMode="auto">
+          <a:xfrm>
+            <a:off x="1052513" y="1785938"/>
+            <a:ext cx="7038975" cy="3857625"/>
+          </a:xfrm>
+          <a:prstGeom prst="rect">
+            <a:avLst/>
+          </a:prstGeom>
+          <a:noFill/>
+          <a:ln w="9525">
+            <a:noFill/>
+            <a:miter lim="800000"/>
+            <a:headEnd/>
+            <a:tailEnd/>
+          </a:ln>
+        </p:spPr>
+      </p:pic>
+    </p:spTree>
+  </p:cSld>
+  <p:clrMapOvr>
+    <a:masterClrMapping/>
+  </p:clrMapOvr>
+  <mc:AlternateContent xmlns:mc="http://schemas.openxmlformats.org/markup-compatibility/2006">
+    <mc:Choice xmlns:p14="http://schemas.microsoft.com/office/powerpoint/2010/main" xmlns="" Requires="p14">
+      <p:transition spd="slow" p14:dur="2000" advTm="387"/>
+    </mc:Choice>
+    <mc:Fallback>
+      <p:transition spd="slow" advTm="387"/>
+    </mc:Fallback>
+  </mc:AlternateContent>
+  <p:timing>
+    <p:tnLst>
+      <p:par>
+        <p:cTn id="1" dur="indefinite" restart="never" nodeType="tmRoot"/>
+      </p:par>
+    </p:tnLst>
+  </p:timing>
+</p:sld>
+</file>
+
+<file path=ppt/slides/slide45.xml><?xml version="1.0" encoding="utf-8"?>
+<p:sld xmlns:a="http://schemas.openxmlformats.org/drawingml/2006/main" xmlns:r="http://schemas.openxmlformats.org/officeDocument/2006/relationships" xmlns:p="http://schemas.openxmlformats.org/presentationml/2006/main">
+  <p:cSld>
+    <p:spTree>
+      <p:nvGrpSpPr>
+        <p:cNvPr id="1" name=""/>
+        <p:cNvGrpSpPr/>
+        <p:nvPr/>
+      </p:nvGrpSpPr>
+      <p:grpSpPr>
+        <a:xfrm>
+          <a:off x="0" y="0"/>
+          <a:ext cx="0" cy="0"/>
+          <a:chOff x="0" y="0"/>
+          <a:chExt cx="0" cy="0"/>
+        </a:xfrm>
+      </p:grpSpPr>
+      <p:sp>
+        <p:nvSpPr>
+          <p:cNvPr id="15361" name="Rectangle 9"/>
+          <p:cNvSpPr>
+            <a:spLocks noChangeArrowheads="1"/>
+          </p:cNvSpPr>
+          <p:nvPr/>
+        </p:nvSpPr>
+        <p:spPr bwMode="auto">
+          <a:xfrm>
+            <a:off x="0" y="0"/>
+            <a:ext cx="9144000" cy="6858000"/>
+          </a:xfrm>
+          <a:prstGeom prst="rect">
+            <a:avLst/>
+          </a:prstGeom>
+          <a:solidFill>
+            <a:schemeClr val="tx1"/>
+          </a:solidFill>
+          <a:ln w="9525">
+            <a:solidFill>
+              <a:srgbClr val="4A7EBB"/>
+            </a:solidFill>
+            <a:miter lim="800000"/>
+            <a:headEnd/>
+            <a:tailEnd/>
+          </a:ln>
+          <a:effectLst>
+            <a:outerShdw dist="23000" dir="5400000" rotWithShape="0">
+              <a:srgbClr val="808080">
+                <a:alpha val="34998"/>
+              </a:srgbClr>
+            </a:outerShdw>
+          </a:effectLst>
+        </p:spPr>
+        <p:txBody>
+          <a:bodyPr anchor="ctr"/>
+          <a:lstStyle/>
+          <a:p>
+            <a:pPr algn="ctr"/>
+            <a:endParaRPr lang="en-US" sz="1800" dirty="0">
+              <a:solidFill>
+                <a:srgbClr val="FFFFFF"/>
+              </a:solidFill>
+            </a:endParaRPr>
+          </a:p>
+        </p:txBody>
+      </p:sp>
+      <p:sp>
+        <p:nvSpPr>
+          <p:cNvPr id="15362" name="Title 1"/>
+          <p:cNvSpPr>
+            <a:spLocks noGrp="1"/>
+          </p:cNvSpPr>
+          <p:nvPr>
+            <p:ph type="title"/>
+          </p:nvPr>
+        </p:nvSpPr>
+        <p:spPr/>
+        <p:txBody>
+          <a:bodyPr/>
+          <a:lstStyle/>
+          <a:p>
+            <a:pPr eaLnBrk="1" hangingPunct="1"/>
+            <a:r>
+              <a:rPr lang="en-GB" dirty="0" smtClean="0">
+                <a:solidFill>
+                  <a:schemeClr val="bg1"/>
+                </a:solidFill>
+              </a:rPr>
+              <a:t>Lifetimes for initial and average network sizes</a:t>
+            </a:r>
+            <a:endParaRPr lang="en-GB" dirty="0" smtClean="0">
+              <a:solidFill>
+                <a:schemeClr val="bg1"/>
+              </a:solidFill>
+            </a:endParaRPr>
+          </a:p>
+        </p:txBody>
+      </p:sp>
+      <p:pic>
+        <p:nvPicPr>
+          <p:cNvPr id="8" name="Picture 1"/>
+          <p:cNvPicPr>
+            <a:picLocks noChangeAspect="1"/>
+          </p:cNvPicPr>
+          <p:nvPr/>
+        </p:nvPicPr>
+        <p:blipFill>
+          <a:blip r:embed="rId2"/>
+          <a:srcRect/>
+          <a:stretch>
+            <a:fillRect/>
+          </a:stretch>
+        </p:blipFill>
+        <p:spPr bwMode="auto">
+          <a:xfrm>
+            <a:off x="531813" y="5867400"/>
+            <a:ext cx="2106612" cy="317500"/>
+          </a:xfrm>
+          <a:prstGeom prst="rect">
+            <a:avLst/>
+          </a:prstGeom>
+          <a:noFill/>
+          <a:ln w="9525">
+            <a:noFill/>
+            <a:miter lim="800000"/>
+            <a:headEnd/>
+            <a:tailEnd/>
+          </a:ln>
+        </p:spPr>
+      </p:pic>
+      <p:pic>
+        <p:nvPicPr>
+          <p:cNvPr id="12" name="Picture 8" descr="Final MIH logo.png"/>
+          <p:cNvPicPr>
+            <a:picLocks noChangeAspect="1"/>
+          </p:cNvPicPr>
+          <p:nvPr/>
+        </p:nvPicPr>
+        <p:blipFill>
+          <a:blip r:embed="rId3"/>
+          <a:srcRect/>
+          <a:stretch>
+            <a:fillRect/>
+          </a:stretch>
+        </p:blipFill>
+        <p:spPr bwMode="auto">
+          <a:xfrm>
+            <a:off x="6861175" y="5297488"/>
+            <a:ext cx="2968625" cy="2098675"/>
+          </a:xfrm>
+          <a:prstGeom prst="rect">
+            <a:avLst/>
+          </a:prstGeom>
+          <a:noFill/>
+          <a:ln w="9525">
+            <a:noFill/>
+            <a:miter lim="800000"/>
+            <a:headEnd/>
+            <a:tailEnd/>
+          </a:ln>
+        </p:spPr>
+      </p:pic>
+      <p:sp>
+        <p:nvSpPr>
+          <p:cNvPr id="9" name="Content Placeholder 8"/>
+          <p:cNvSpPr>
+            <a:spLocks noGrp="1"/>
+          </p:cNvSpPr>
+          <p:nvPr>
+            <p:ph idx="1"/>
+          </p:nvPr>
+        </p:nvSpPr>
+        <p:spPr/>
+        <p:txBody>
+          <a:bodyPr/>
+          <a:lstStyle/>
+          <a:p>
+            <a:endParaRPr lang="en-GB"/>
+          </a:p>
+        </p:txBody>
+      </p:sp>
+      <p:pic>
+        <p:nvPicPr>
+          <p:cNvPr id="6146" name="Picture 2"/>
+          <p:cNvPicPr>
+            <a:picLocks noChangeAspect="1" noChangeArrowheads="1"/>
+          </p:cNvPicPr>
+          <p:nvPr/>
+        </p:nvPicPr>
+        <p:blipFill>
+          <a:blip r:embed="rId4"/>
+          <a:srcRect/>
+          <a:stretch>
+            <a:fillRect/>
+          </a:stretch>
+        </p:blipFill>
+        <p:spPr bwMode="auto">
+          <a:xfrm>
+            <a:off x="1104900" y="1600200"/>
+            <a:ext cx="6934200" cy="3971925"/>
+          </a:xfrm>
+          <a:prstGeom prst="rect">
+            <a:avLst/>
+          </a:prstGeom>
+          <a:noFill/>
+          <a:ln w="9525">
+            <a:noFill/>
+            <a:miter lim="800000"/>
+            <a:headEnd/>
+            <a:tailEnd/>
+          </a:ln>
+        </p:spPr>
+      </p:pic>
+    </p:spTree>
+  </p:cSld>
+  <p:clrMapOvr>
+    <a:masterClrMapping/>
+  </p:clrMapOvr>
+  <mc:AlternateContent xmlns:mc="http://schemas.openxmlformats.org/markup-compatibility/2006">
+    <mc:Choice xmlns:p14="http://schemas.microsoft.com/office/powerpoint/2010/main" xmlns="" Requires="p14">
+      <p:transition spd="slow" p14:dur="2000" advTm="387"/>
+    </mc:Choice>
+    <mc:Fallback>
+      <p:transition spd="slow" advTm="387"/>
+    </mc:Fallback>
+  </mc:AlternateContent>
+  <p:timing>
+    <p:tnLst>
+      <p:par>
+        <p:cTn id="1" dur="indefinite" restart="never" nodeType="tmRoot"/>
+      </p:par>
+    </p:tnLst>
+  </p:timing>
+</p:sld>
+</file>
+
+<file path=ppt/slides/slide46.xml><?xml version="1.0" encoding="utf-8"?>
+<p:sld xmlns:a="http://schemas.openxmlformats.org/drawingml/2006/main" xmlns:r="http://schemas.openxmlformats.org/officeDocument/2006/relationships" xmlns:p="http://schemas.openxmlformats.org/presentationml/2006/main">
+  <p:cSld>
+    <p:spTree>
+      <p:nvGrpSpPr>
+        <p:cNvPr id="1" name=""/>
+        <p:cNvGrpSpPr/>
+        <p:nvPr/>
+      </p:nvGrpSpPr>
+      <p:grpSpPr>
+        <a:xfrm>
+          <a:off x="0" y="0"/>
+          <a:ext cx="0" cy="0"/>
+          <a:chOff x="0" y="0"/>
+          <a:chExt cx="0" cy="0"/>
+        </a:xfrm>
+      </p:grpSpPr>
+      <p:sp>
+        <p:nvSpPr>
+          <p:cNvPr id="15361" name="Rectangle 9"/>
+          <p:cNvSpPr>
+            <a:spLocks noChangeArrowheads="1"/>
+          </p:cNvSpPr>
+          <p:nvPr/>
+        </p:nvSpPr>
+        <p:spPr bwMode="auto">
+          <a:xfrm>
+            <a:off x="0" y="0"/>
+            <a:ext cx="9144000" cy="6858000"/>
+          </a:xfrm>
+          <a:prstGeom prst="rect">
+            <a:avLst/>
+          </a:prstGeom>
+          <a:solidFill>
+            <a:schemeClr val="tx1"/>
+          </a:solidFill>
+          <a:ln w="9525">
+            <a:solidFill>
+              <a:srgbClr val="4A7EBB"/>
+            </a:solidFill>
+            <a:miter lim="800000"/>
+            <a:headEnd/>
+            <a:tailEnd/>
+          </a:ln>
+          <a:effectLst>
+            <a:outerShdw dist="23000" dir="5400000" rotWithShape="0">
+              <a:srgbClr val="808080">
+                <a:alpha val="34998"/>
+              </a:srgbClr>
+            </a:outerShdw>
+          </a:effectLst>
+        </p:spPr>
+        <p:txBody>
+          <a:bodyPr anchor="ctr"/>
+          <a:lstStyle/>
+          <a:p>
+            <a:pPr algn="ctr"/>
+            <a:endParaRPr lang="en-US" sz="1800" dirty="0">
+              <a:solidFill>
+                <a:srgbClr val="FFFFFF"/>
+              </a:solidFill>
+            </a:endParaRPr>
+          </a:p>
+        </p:txBody>
+      </p:sp>
+      <p:sp>
+        <p:nvSpPr>
+          <p:cNvPr id="15362" name="Title 1"/>
+          <p:cNvSpPr>
+            <a:spLocks noGrp="1"/>
+          </p:cNvSpPr>
+          <p:nvPr>
+            <p:ph type="title"/>
+          </p:nvPr>
+        </p:nvSpPr>
+        <p:spPr/>
+        <p:txBody>
+          <a:bodyPr/>
+          <a:lstStyle/>
+          <a:p>
+            <a:pPr eaLnBrk="1" hangingPunct="1"/>
+            <a:r>
+              <a:rPr lang="en-GB" dirty="0" smtClean="0">
+                <a:solidFill>
+                  <a:schemeClr val="bg1"/>
+                </a:solidFill>
+              </a:rPr>
+              <a:t>Lifetimes for initial and average network sizes</a:t>
+            </a:r>
+            <a:endParaRPr lang="en-GB" dirty="0" smtClean="0">
+              <a:solidFill>
+                <a:schemeClr val="bg1"/>
+              </a:solidFill>
+            </a:endParaRPr>
+          </a:p>
+        </p:txBody>
+      </p:sp>
+      <p:pic>
+        <p:nvPicPr>
+          <p:cNvPr id="8" name="Picture 1"/>
+          <p:cNvPicPr>
+            <a:picLocks noChangeAspect="1"/>
+          </p:cNvPicPr>
+          <p:nvPr/>
+        </p:nvPicPr>
+        <p:blipFill>
+          <a:blip r:embed="rId2"/>
+          <a:srcRect/>
+          <a:stretch>
+            <a:fillRect/>
+          </a:stretch>
+        </p:blipFill>
+        <p:spPr bwMode="auto">
+          <a:xfrm>
+            <a:off x="531813" y="5867400"/>
+            <a:ext cx="2106612" cy="317500"/>
+          </a:xfrm>
+          <a:prstGeom prst="rect">
+            <a:avLst/>
+          </a:prstGeom>
+          <a:noFill/>
+          <a:ln w="9525">
+            <a:noFill/>
+            <a:miter lim="800000"/>
+            <a:headEnd/>
+            <a:tailEnd/>
+          </a:ln>
+        </p:spPr>
+      </p:pic>
+      <p:pic>
+        <p:nvPicPr>
+          <p:cNvPr id="12" name="Picture 8" descr="Final MIH logo.png"/>
+          <p:cNvPicPr>
+            <a:picLocks noChangeAspect="1"/>
+          </p:cNvPicPr>
+          <p:nvPr/>
+        </p:nvPicPr>
+        <p:blipFill>
+          <a:blip r:embed="rId3"/>
+          <a:srcRect/>
+          <a:stretch>
+            <a:fillRect/>
+          </a:stretch>
+        </p:blipFill>
+        <p:spPr bwMode="auto">
+          <a:xfrm>
+            <a:off x="6861175" y="5297488"/>
+            <a:ext cx="2968625" cy="2098675"/>
+          </a:xfrm>
+          <a:prstGeom prst="rect">
+            <a:avLst/>
+          </a:prstGeom>
+          <a:noFill/>
+          <a:ln w="9525">
+            <a:noFill/>
+            <a:miter lim="800000"/>
+            <a:headEnd/>
+            <a:tailEnd/>
+          </a:ln>
+        </p:spPr>
+      </p:pic>
+      <p:sp>
+        <p:nvSpPr>
+          <p:cNvPr id="9" name="Content Placeholder 8"/>
+          <p:cNvSpPr>
+            <a:spLocks noGrp="1"/>
+          </p:cNvSpPr>
+          <p:nvPr>
+            <p:ph idx="1"/>
+          </p:nvPr>
+        </p:nvSpPr>
+        <p:spPr/>
+        <p:txBody>
+          <a:bodyPr/>
+          <a:lstStyle/>
+          <a:p>
+            <a:endParaRPr lang="en-GB"/>
+          </a:p>
+        </p:txBody>
+      </p:sp>
+      <p:pic>
+        <p:nvPicPr>
+          <p:cNvPr id="7171" name="Picture 3"/>
+          <p:cNvPicPr>
+            <a:picLocks noChangeAspect="1" noChangeArrowheads="1"/>
+          </p:cNvPicPr>
+          <p:nvPr/>
+        </p:nvPicPr>
+        <p:blipFill>
+          <a:blip r:embed="rId4"/>
+          <a:srcRect/>
+          <a:stretch>
+            <a:fillRect/>
+          </a:stretch>
+        </p:blipFill>
+        <p:spPr bwMode="auto">
+          <a:xfrm>
+            <a:off x="604838" y="1465263"/>
+            <a:ext cx="7934325" cy="4201075"/>
+          </a:xfrm>
+          <a:prstGeom prst="rect">
+            <a:avLst/>
+          </a:prstGeom>
+          <a:noFill/>
+          <a:ln w="9525">
+            <a:noFill/>
+            <a:miter lim="800000"/>
+            <a:headEnd/>
+            <a:tailEnd/>
+          </a:ln>
+        </p:spPr>
+      </p:pic>
+    </p:spTree>
+  </p:cSld>
+  <p:clrMapOvr>
+    <a:masterClrMapping/>
+  </p:clrMapOvr>
+  <mc:AlternateContent xmlns:mc="http://schemas.openxmlformats.org/markup-compatibility/2006">
+    <mc:Choice xmlns:p14="http://schemas.microsoft.com/office/powerpoint/2010/main" xmlns="" Requires="p14">
+      <p:transition spd="slow" p14:dur="2000" advTm="387"/>
+    </mc:Choice>
+    <mc:Fallback>
+      <p:transition spd="slow" advTm="387"/>
+    </mc:Fallback>
+  </mc:AlternateContent>
+  <p:timing>
+    <p:tnLst>
+      <p:par>
+        <p:cTn id="1" dur="indefinite" restart="never" nodeType="tmRoot"/>
+      </p:par>
+    </p:tnLst>
+  </p:timing>
+</p:sld>
+</file>
+
+<file path=ppt/slides/slide47.xml><?xml version="1.0" encoding="utf-8"?>
+<p:sld xmlns:a="http://schemas.openxmlformats.org/drawingml/2006/main" xmlns:r="http://schemas.openxmlformats.org/officeDocument/2006/relationships" xmlns:p="http://schemas.openxmlformats.org/presentationml/2006/main">
+  <p:cSld>
+    <p:spTree>
+      <p:nvGrpSpPr>
+        <p:cNvPr id="1" name=""/>
+        <p:cNvGrpSpPr/>
+        <p:nvPr/>
+      </p:nvGrpSpPr>
+      <p:grpSpPr>
+        <a:xfrm>
+          <a:off x="0" y="0"/>
+          <a:ext cx="0" cy="0"/>
+          <a:chOff x="0" y="0"/>
+          <a:chExt cx="0" cy="0"/>
+        </a:xfrm>
+      </p:grpSpPr>
+      <p:sp>
+        <p:nvSpPr>
+          <p:cNvPr id="15361" name="Rectangle 9"/>
+          <p:cNvSpPr>
+            <a:spLocks noChangeArrowheads="1"/>
+          </p:cNvSpPr>
+          <p:nvPr/>
+        </p:nvSpPr>
+        <p:spPr bwMode="auto">
+          <a:xfrm>
+            <a:off x="0" y="0"/>
+            <a:ext cx="9144000" cy="6858000"/>
+          </a:xfrm>
+          <a:prstGeom prst="rect">
+            <a:avLst/>
+          </a:prstGeom>
+          <a:solidFill>
+            <a:schemeClr val="tx1"/>
+          </a:solidFill>
+          <a:ln w="9525">
+            <a:solidFill>
+              <a:srgbClr val="4A7EBB"/>
+            </a:solidFill>
+            <a:miter lim="800000"/>
+            <a:headEnd/>
+            <a:tailEnd/>
+          </a:ln>
+          <a:effectLst>
+            <a:outerShdw dist="23000" dir="5400000" rotWithShape="0">
+              <a:srgbClr val="808080">
+                <a:alpha val="34998"/>
+              </a:srgbClr>
+            </a:outerShdw>
+          </a:effectLst>
+        </p:spPr>
+        <p:txBody>
+          <a:bodyPr anchor="ctr"/>
+          <a:lstStyle/>
+          <a:p>
+            <a:pPr algn="ctr"/>
+            <a:endParaRPr lang="en-US" sz="1800" dirty="0">
+              <a:solidFill>
+                <a:srgbClr val="FFFFFF"/>
+              </a:solidFill>
+            </a:endParaRPr>
+          </a:p>
+        </p:txBody>
+      </p:sp>
+      <p:sp>
+        <p:nvSpPr>
+          <p:cNvPr id="15362" name="Title 1"/>
+          <p:cNvSpPr>
+            <a:spLocks noGrp="1"/>
+          </p:cNvSpPr>
+          <p:nvPr>
+            <p:ph type="title"/>
+          </p:nvPr>
+        </p:nvSpPr>
+        <p:spPr/>
+        <p:txBody>
+          <a:bodyPr/>
+          <a:lstStyle/>
+          <a:p>
+            <a:pPr eaLnBrk="1" hangingPunct="1"/>
+            <a:r>
+              <a:rPr lang="en-US" dirty="0" smtClean="0">
+                <a:solidFill>
+                  <a:schemeClr val="bg1"/>
+                </a:solidFill>
+              </a:rPr>
+              <a:t>Conclusion</a:t>
+            </a:r>
+          </a:p>
+        </p:txBody>
+      </p:sp>
+      <p:pic>
+        <p:nvPicPr>
+          <p:cNvPr id="15365" name="Picture 8" descr="Final MIH logo.png"/>
+          <p:cNvPicPr>
+            <a:picLocks noChangeAspect="1"/>
+          </p:cNvPicPr>
+          <p:nvPr/>
+        </p:nvPicPr>
+        <p:blipFill>
+          <a:blip r:embed="rId2"/>
+          <a:srcRect/>
+          <a:stretch>
+            <a:fillRect/>
+          </a:stretch>
+        </p:blipFill>
+        <p:spPr bwMode="auto">
+          <a:xfrm>
+            <a:off x="7454900" y="5659124"/>
+            <a:ext cx="1689100" cy="1194113"/>
+          </a:xfrm>
+          <a:prstGeom prst="rect">
+            <a:avLst/>
+          </a:prstGeom>
+          <a:noFill/>
+          <a:ln w="9525">
+            <a:noFill/>
+            <a:miter lim="800000"/>
+            <a:headEnd/>
+            <a:tailEnd/>
+          </a:ln>
+        </p:spPr>
+      </p:pic>
+      <p:sp>
+        <p:nvSpPr>
+          <p:cNvPr id="7" name="Content Placeholder 6"/>
+          <p:cNvSpPr>
+            <a:spLocks noGrp="1"/>
+          </p:cNvSpPr>
+          <p:nvPr>
+            <p:ph idx="1"/>
+          </p:nvPr>
+        </p:nvSpPr>
+        <p:spPr>
+          <a:xfrm>
+            <a:off x="457200" y="1214438"/>
+            <a:ext cx="8229600" cy="4525963"/>
+          </a:xfrm>
+        </p:spPr>
+        <p:txBody>
+          <a:bodyPr/>
+          <a:lstStyle/>
+          <a:p>
+            <a:r>
+              <a:rPr lang="en-GB" dirty="0" smtClean="0">
+                <a:solidFill>
+                  <a:schemeClr val="bg1"/>
+                </a:solidFill>
+              </a:rPr>
+              <a:t>Developed a generic state consistency model for MMVEs.</a:t>
+            </a:r>
+          </a:p>
+          <a:p>
+            <a:r>
+              <a:rPr lang="en-GB" dirty="0" smtClean="0">
+                <a:solidFill>
+                  <a:schemeClr val="bg1"/>
+                </a:solidFill>
+              </a:rPr>
+              <a:t>Investigated issue of state management and state persistency for P2P MMVEs.</a:t>
+            </a:r>
+          </a:p>
+          <a:p>
+            <a:r>
+              <a:rPr lang="en-GB" dirty="0" smtClean="0">
+                <a:solidFill>
+                  <a:schemeClr val="bg1"/>
+                </a:solidFill>
+              </a:rPr>
+              <a:t>Found that highly scalable, fair and highly responsive storage is still lacking.</a:t>
+            </a:r>
+          </a:p>
+          <a:p>
+            <a:r>
+              <a:rPr lang="en-GB" dirty="0" smtClean="0">
+                <a:solidFill>
+                  <a:schemeClr val="bg1"/>
+                </a:solidFill>
+              </a:rPr>
+              <a:t>Developed Pithos to satisfy identified storage requirements for P2P MMVEs.</a:t>
+            </a:r>
+          </a:p>
+          <a:p>
+            <a:r>
+              <a:rPr lang="en-GB" dirty="0" smtClean="0">
+                <a:solidFill>
+                  <a:schemeClr val="bg1"/>
+                </a:solidFill>
+              </a:rPr>
+              <a:t>Evaluated Pithos as an Oversim simulation</a:t>
+            </a:r>
+            <a:endParaRPr lang="en-GB" dirty="0" smtClean="0">
+              <a:solidFill>
+                <a:schemeClr val="bg1"/>
+              </a:solidFill>
+            </a:endParaRPr>
+          </a:p>
+        </p:txBody>
+      </p:sp>
+      <p:pic>
+        <p:nvPicPr>
+          <p:cNvPr id="10" name="Picture 1"/>
+          <p:cNvPicPr>
+            <a:picLocks noChangeAspect="1"/>
+          </p:cNvPicPr>
+          <p:nvPr/>
+        </p:nvPicPr>
+        <p:blipFill>
+          <a:blip r:embed="rId3"/>
+          <a:srcRect/>
+          <a:stretch>
+            <a:fillRect/>
+          </a:stretch>
+        </p:blipFill>
+        <p:spPr bwMode="auto">
+          <a:xfrm>
+            <a:off x="150813" y="6369050"/>
+            <a:ext cx="2106612" cy="317500"/>
+          </a:xfrm>
+          <a:prstGeom prst="rect">
+            <a:avLst/>
+          </a:prstGeom>
+          <a:noFill/>
+          <a:ln w="9525">
+            <a:noFill/>
+            <a:miter lim="800000"/>
+            <a:headEnd/>
+            <a:tailEnd/>
+          </a:ln>
+        </p:spPr>
+      </p:pic>
+    </p:spTree>
+  </p:cSld>
+  <p:clrMapOvr>
+    <a:masterClrMapping/>
+  </p:clrMapOvr>
+  <mc:AlternateContent xmlns:mc="http://schemas.openxmlformats.org/markup-compatibility/2006">
+    <mc:Choice xmlns:p14="http://schemas.microsoft.com/office/powerpoint/2010/main" xmlns="" Requires="p14">
+      <p:transition spd="slow" p14:dur="2000" advTm="30058"/>
+    </mc:Choice>
+    <mc:Fallback>
+      <p:transition spd="slow" advTm="30058"/>
+    </mc:Fallback>
+  </mc:AlternateContent>
+  <p:timing>
+    <p:tnLst>
+      <p:par>
+        <p:cTn id="1" dur="indefinite" restart="never" nodeType="tmRoot"/>
       </p:par>
     </p:tnLst>
   </p:timing>
@@ -12237,7 +13896,7 @@
           <a:lstStyle/>
           <a:p>
             <a:pPr algn="ctr"/>
-            <a:endParaRPr lang="en-US" sz="1800">
+            <a:endParaRPr lang="en-US" sz="1800" dirty="0">
               <a:solidFill>
                 <a:srgbClr val="FFFFFF"/>
               </a:solidFill>
@@ -12272,21 +13931,8 @@
                   <a:schemeClr val="bg1"/>
                 </a:solidFill>
               </a:rPr>
-              <a:t>MMVE examples: World of </a:t>
-            </a:r>
-            <a:r>
-              <a:rPr lang="en-US" dirty="0" err="1" smtClean="0">
-                <a:solidFill>
-                  <a:schemeClr val="bg1"/>
-                </a:solidFill>
-              </a:rPr>
-              <a:t>Warcraft</a:t>
-            </a:r>
-            <a:endParaRPr lang="en-US" dirty="0" smtClean="0">
-              <a:solidFill>
-                <a:schemeClr val="bg1"/>
-              </a:solidFill>
-            </a:endParaRPr>
+              <a:t>MMVE examples: World of Warcraft</a:t>
+            </a:r>
           </a:p>
         </p:txBody>
       </p:sp>
@@ -12319,17 +13965,17 @@
     <a:masterClrMapping/>
   </p:clrMapOvr>
   <mc:AlternateContent xmlns:mc="http://schemas.openxmlformats.org/markup-compatibility/2006">
-    <mc:Choice xmlns:p14="http://schemas.microsoft.com/office/powerpoint/2010/main" Requires="p14">
+    <mc:Choice xmlns:p14="http://schemas.microsoft.com/office/powerpoint/2010/main" xmlns="" Requires="p14">
       <p:transition spd="slow" p14:dur="2000" advTm="138"/>
     </mc:Choice>
     <mc:Fallback>
-      <p:transition xmlns:p14="http://schemas.microsoft.com/office/powerpoint/2010/main" spd="slow" advTm="138"/>
+      <p:transition spd="slow" advTm="138"/>
     </mc:Fallback>
   </mc:AlternateContent>
   <p:timing>
     <p:tnLst>
       <p:par>
-        <p:cTn xmlns:p14="http://schemas.microsoft.com/office/powerpoint/2010/main" id="1" dur="indefinite" restart="never" nodeType="tmRoot"/>
+        <p:cTn id="1" dur="indefinite" restart="never" nodeType="tmRoot"/>
       </p:par>
     </p:tnLst>
   </p:timing>
@@ -12393,7 +14039,7 @@
           <a:lstStyle/>
           <a:p>
             <a:pPr algn="ctr"/>
-            <a:endParaRPr lang="en-US" sz="1800">
+            <a:endParaRPr lang="en-US" sz="1800" dirty="0">
               <a:solidFill>
                 <a:srgbClr val="FFFFFF"/>
               </a:solidFill>
@@ -12425,7 +14071,89 @@
               </a:rPr>
               <a:t>Issues of Client/Server MMEs</a:t>
             </a:r>
-            <a:endParaRPr lang="en-US" dirty="0" smtClean="0">
+          </a:p>
+        </p:txBody>
+      </p:sp>
+      <p:sp>
+        <p:nvSpPr>
+          <p:cNvPr id="15363" name="Content Placeholder 5"/>
+          <p:cNvSpPr>
+            <a:spLocks noGrp="1"/>
+          </p:cNvSpPr>
+          <p:nvPr>
+            <p:ph idx="1"/>
+          </p:nvPr>
+        </p:nvSpPr>
+        <p:spPr/>
+        <p:txBody>
+          <a:bodyPr/>
+          <a:lstStyle/>
+          <a:p>
+            <a:pPr eaLnBrk="1" hangingPunct="1"/>
+            <a:r>
+              <a:rPr lang="en-GB" dirty="0" smtClean="0">
+                <a:solidFill>
+                  <a:schemeClr val="bg1"/>
+                </a:solidFill>
+              </a:rPr>
+              <a:t>High cost of robustness</a:t>
+            </a:r>
+          </a:p>
+          <a:p>
+            <a:pPr eaLnBrk="1" hangingPunct="1"/>
+            <a:r>
+              <a:rPr lang="en-GB" dirty="0" smtClean="0">
+                <a:solidFill>
+                  <a:schemeClr val="bg1"/>
+                </a:solidFill>
+              </a:rPr>
+              <a:t>High cost of scalability</a:t>
+            </a:r>
+          </a:p>
+          <a:p>
+            <a:pPr eaLnBrk="1" hangingPunct="1"/>
+            <a:r>
+              <a:rPr lang="en-GB" dirty="0" smtClean="0">
+                <a:solidFill>
+                  <a:schemeClr val="bg1"/>
+                </a:solidFill>
+              </a:rPr>
+              <a:t>High operator cost</a:t>
+            </a:r>
+          </a:p>
+          <a:p>
+            <a:pPr eaLnBrk="1" hangingPunct="1"/>
+            <a:r>
+              <a:rPr lang="en-GB" dirty="0" smtClean="0">
+                <a:solidFill>
+                  <a:schemeClr val="bg1"/>
+                </a:solidFill>
+              </a:rPr>
+              <a:t>Low responsiveness</a:t>
+            </a:r>
+          </a:p>
+          <a:p>
+            <a:pPr eaLnBrk="1" hangingPunct="1"/>
+            <a:r>
+              <a:rPr lang="en-GB" dirty="0" smtClean="0">
+                <a:solidFill>
+                  <a:schemeClr val="bg1"/>
+                </a:solidFill>
+              </a:rPr>
+              <a:t>High amount of required server bandwidth</a:t>
+            </a:r>
+          </a:p>
+          <a:p>
+            <a:pPr eaLnBrk="1" hangingPunct="1"/>
+            <a:r>
+              <a:rPr lang="en-GB" dirty="0" smtClean="0">
+                <a:solidFill>
+                  <a:schemeClr val="bg1"/>
+                </a:solidFill>
+              </a:rPr>
+              <a:t>Weak handling of transient loads</a:t>
+            </a:r>
+            <a:endParaRPr lang="en-GB" dirty="0" smtClean="0">
               <a:solidFill>
                 <a:schemeClr val="bg1"/>
               </a:solidFill>
@@ -12433,96 +14161,9 @@
           </a:p>
         </p:txBody>
       </p:sp>
-      <p:sp>
-        <p:nvSpPr>
-          <p:cNvPr id="15363" name="Content Placeholder 5"/>
-          <p:cNvSpPr>
-            <a:spLocks noGrp="1"/>
-          </p:cNvSpPr>
-          <p:nvPr>
-            <p:ph idx="1"/>
-          </p:nvPr>
-        </p:nvSpPr>
-        <p:spPr/>
-        <p:txBody>
-          <a:bodyPr/>
-          <a:lstStyle/>
-          <a:p>
-            <a:pPr eaLnBrk="1" hangingPunct="1"/>
-            <a:r>
-              <a:rPr lang="en-US" dirty="0" smtClean="0">
-                <a:solidFill>
-                  <a:schemeClr val="bg1"/>
-                </a:solidFill>
-              </a:rPr>
-              <a:t>High cost of robustness</a:t>
-            </a:r>
-          </a:p>
-          <a:p>
-            <a:pPr eaLnBrk="1" hangingPunct="1"/>
-            <a:r>
-              <a:rPr lang="en-US" dirty="0" smtClean="0">
-                <a:solidFill>
-                  <a:schemeClr val="bg1"/>
-                </a:solidFill>
-              </a:rPr>
-              <a:t>High cost of scalability</a:t>
-            </a:r>
-          </a:p>
-          <a:p>
-            <a:pPr eaLnBrk="1" hangingPunct="1"/>
-            <a:r>
-              <a:rPr lang="en-US" dirty="0" smtClean="0">
-                <a:solidFill>
-                  <a:schemeClr val="bg1"/>
-                </a:solidFill>
-              </a:rPr>
-              <a:t>High operator cost</a:t>
-            </a:r>
-          </a:p>
-          <a:p>
-            <a:pPr eaLnBrk="1" hangingPunct="1"/>
-            <a:r>
-              <a:rPr lang="en-US" dirty="0" smtClean="0">
-                <a:solidFill>
-                  <a:schemeClr val="bg1"/>
-                </a:solidFill>
-              </a:rPr>
-              <a:t>Low responsiveness</a:t>
-            </a:r>
-          </a:p>
-          <a:p>
-            <a:pPr eaLnBrk="1" hangingPunct="1"/>
-            <a:r>
-              <a:rPr lang="en-US" dirty="0" smtClean="0">
-                <a:solidFill>
-                  <a:schemeClr val="bg1"/>
-                </a:solidFill>
-              </a:rPr>
-              <a:t>High amount of required server bandwidth</a:t>
-            </a:r>
-          </a:p>
-          <a:p>
-            <a:pPr eaLnBrk="1" hangingPunct="1"/>
-            <a:r>
-              <a:rPr lang="en-US" dirty="0" smtClean="0">
-                <a:solidFill>
-                  <a:schemeClr val="bg1"/>
-                </a:solidFill>
-              </a:rPr>
-              <a:t>Weak handling of transient loads</a:t>
-            </a:r>
-            <a:endParaRPr lang="en-US" dirty="0" smtClean="0">
-              <a:solidFill>
-                <a:schemeClr val="bg1"/>
-              </a:solidFill>
-            </a:endParaRPr>
-          </a:p>
-        </p:txBody>
-      </p:sp>
       <p:pic>
         <p:nvPicPr>
-          <p:cNvPr id="15364" name="Picture 1"/>
+          <p:cNvPr id="7" name="Picture 8" descr="Final MIH logo.png"/>
           <p:cNvPicPr>
             <a:picLocks noChangeAspect="1"/>
           </p:cNvPicPr>
@@ -12537,8 +14178,8 @@
         </p:blipFill>
         <p:spPr bwMode="auto">
           <a:xfrm>
-            <a:off x="531813" y="5867400"/>
-            <a:ext cx="2106612" cy="317500"/>
+            <a:off x="6861175" y="5297488"/>
+            <a:ext cx="2968625" cy="2098675"/>
           </a:xfrm>
           <a:prstGeom prst="rect">
             <a:avLst/>
@@ -12554,7 +14195,7 @@
       </p:pic>
       <p:pic>
         <p:nvPicPr>
-          <p:cNvPr id="15365" name="Picture 8" descr="Final MIH logo.png"/>
+          <p:cNvPr id="8" name="Picture 1"/>
           <p:cNvPicPr>
             <a:picLocks noChangeAspect="1"/>
           </p:cNvPicPr>
@@ -12569,8 +14210,8 @@
         </p:blipFill>
         <p:spPr bwMode="auto">
           <a:xfrm>
-            <a:off x="6175375" y="4754563"/>
-            <a:ext cx="2968625" cy="2098675"/>
+            <a:off x="150813" y="6369050"/>
+            <a:ext cx="2106612" cy="317500"/>
           </a:xfrm>
           <a:prstGeom prst="rect">
             <a:avLst/>
@@ -12590,17 +14231,17 @@
     <a:masterClrMapping/>
   </p:clrMapOvr>
   <mc:AlternateContent xmlns:mc="http://schemas.openxmlformats.org/markup-compatibility/2006">
-    <mc:Choice xmlns:p14="http://schemas.microsoft.com/office/powerpoint/2010/main" Requires="p14">
+    <mc:Choice xmlns:p14="http://schemas.microsoft.com/office/powerpoint/2010/main" xmlns="" Requires="p14">
       <p:transition spd="slow" p14:dur="2000" advTm="123"/>
     </mc:Choice>
     <mc:Fallback>
-      <p:transition xmlns:p14="http://schemas.microsoft.com/office/powerpoint/2010/main" spd="slow" advTm="123"/>
+      <p:transition spd="slow" advTm="123"/>
     </mc:Fallback>
   </mc:AlternateContent>
   <p:timing>
     <p:tnLst>
       <p:par>
-        <p:cTn xmlns:p14="http://schemas.microsoft.com/office/powerpoint/2010/main" id="1" dur="indefinite" restart="never" nodeType="tmRoot"/>
+        <p:cTn id="1" dur="indefinite" restart="never" nodeType="tmRoot"/>
       </p:par>
     </p:tnLst>
   </p:timing>
@@ -12664,7 +14305,7 @@
           <a:lstStyle/>
           <a:p>
             <a:pPr algn="ctr"/>
-            <a:endParaRPr lang="en-US" sz="1800">
+            <a:endParaRPr lang="en-US" sz="1800" dirty="0">
               <a:solidFill>
                 <a:srgbClr val="FFFFFF"/>
               </a:solidFill>
@@ -12716,7 +14357,7 @@
           <a:p>
             <a:pPr eaLnBrk="1" hangingPunct="1"/>
             <a:r>
-              <a:rPr lang="en-US" dirty="0" smtClean="0">
+              <a:rPr lang="en-GB" dirty="0" smtClean="0">
                 <a:solidFill>
                   <a:schemeClr val="bg1"/>
                 </a:solidFill>
@@ -12727,7 +14368,7 @@
           <a:p>
             <a:pPr eaLnBrk="1" hangingPunct="1"/>
             <a:r>
-              <a:rPr lang="en-US" dirty="0" smtClean="0">
+              <a:rPr lang="en-GB" dirty="0" smtClean="0">
                 <a:solidFill>
                   <a:schemeClr val="bg1"/>
                 </a:solidFill>
@@ -12738,7 +14379,7 @@
           <a:p>
             <a:pPr eaLnBrk="1" hangingPunct="1"/>
             <a:r>
-              <a:rPr lang="en-US" dirty="0" smtClean="0">
+              <a:rPr lang="en-GB" dirty="0" smtClean="0">
                 <a:solidFill>
                   <a:schemeClr val="bg1"/>
                 </a:solidFill>
@@ -12749,7 +14390,7 @@
           <a:p>
             <a:pPr eaLnBrk="1" hangingPunct="1"/>
             <a:r>
-              <a:rPr lang="en-US" dirty="0" smtClean="0">
+              <a:rPr lang="en-GB" dirty="0" smtClean="0">
                 <a:solidFill>
                   <a:schemeClr val="bg1"/>
                 </a:solidFill>
@@ -12760,26 +14401,18 @@
           <a:p>
             <a:pPr eaLnBrk="1" hangingPunct="1"/>
             <a:r>
-              <a:rPr lang="en-US" dirty="0" smtClean="0">
+              <a:rPr lang="en-GB" dirty="0" smtClean="0">
                 <a:solidFill>
                   <a:schemeClr val="bg1"/>
                 </a:solidFill>
               </a:rPr>
-              <a:t>Improved </a:t>
-            </a:r>
-            <a:r>
-              <a:rPr lang="en-US" dirty="0" smtClean="0">
-                <a:solidFill>
-                  <a:schemeClr val="bg1"/>
-                </a:solidFill>
-              </a:rPr>
-              <a:t>responsiveness</a:t>
+              <a:t>Improved responsiveness</a:t>
             </a:r>
           </a:p>
           <a:p>
             <a:pPr eaLnBrk="1" hangingPunct="1"/>
             <a:r>
-              <a:rPr lang="en-US" dirty="0" smtClean="0">
+              <a:rPr lang="en-GB" dirty="0" smtClean="0">
                 <a:solidFill>
                   <a:schemeClr val="bg1"/>
                 </a:solidFill>
@@ -12790,14 +14423,14 @@
           <a:p>
             <a:pPr eaLnBrk="1" hangingPunct="1"/>
             <a:r>
-              <a:rPr lang="en-US" dirty="0" smtClean="0">
+              <a:rPr lang="en-GB" dirty="0" smtClean="0">
                 <a:solidFill>
                   <a:schemeClr val="bg1"/>
                 </a:solidFill>
               </a:rPr>
               <a:t>Resistance to faults and attacks</a:t>
             </a:r>
-            <a:endParaRPr lang="en-US" dirty="0" smtClean="0">
+            <a:endParaRPr lang="en-GB" dirty="0" smtClean="0">
               <a:solidFill>
                 <a:schemeClr val="bg1"/>
               </a:solidFill>
@@ -12807,7 +14440,7 @@
       </p:sp>
       <p:pic>
         <p:nvPicPr>
-          <p:cNvPr id="15364" name="Picture 1"/>
+          <p:cNvPr id="7" name="Picture 8" descr="Final MIH logo.png"/>
           <p:cNvPicPr>
             <a:picLocks noChangeAspect="1"/>
           </p:cNvPicPr>
@@ -12822,8 +14455,8 @@
         </p:blipFill>
         <p:spPr bwMode="auto">
           <a:xfrm>
-            <a:off x="531813" y="5867400"/>
-            <a:ext cx="2106612" cy="317500"/>
+            <a:off x="6861175" y="5297488"/>
+            <a:ext cx="2968625" cy="2098675"/>
           </a:xfrm>
           <a:prstGeom prst="rect">
             <a:avLst/>
@@ -12839,7 +14472,7 @@
       </p:pic>
       <p:pic>
         <p:nvPicPr>
-          <p:cNvPr id="15365" name="Picture 8" descr="Final MIH logo.png"/>
+          <p:cNvPr id="8" name="Picture 1"/>
           <p:cNvPicPr>
             <a:picLocks noChangeAspect="1"/>
           </p:cNvPicPr>
@@ -12854,8 +14487,8 @@
         </p:blipFill>
         <p:spPr bwMode="auto">
           <a:xfrm>
-            <a:off x="6175375" y="4754563"/>
-            <a:ext cx="2968625" cy="2098675"/>
+            <a:off x="150813" y="6369050"/>
+            <a:ext cx="2106612" cy="317500"/>
           </a:xfrm>
           <a:prstGeom prst="rect">
             <a:avLst/>
@@ -12872,7 +14505,7 @@
     </p:spTree>
     <p:extLst>
       <p:ext uri="{BB962C8B-B14F-4D97-AF65-F5344CB8AC3E}">
-        <p14:creationId xmlns:p14="http://schemas.microsoft.com/office/powerpoint/2010/main" val="2494923949"/>
+        <p14:creationId xmlns:p14="http://schemas.microsoft.com/office/powerpoint/2010/main" xmlns="" val="2494923949"/>
       </p:ext>
     </p:extLst>
   </p:cSld>
@@ -12880,17 +14513,17 @@
     <a:masterClrMapping/>
   </p:clrMapOvr>
   <mc:AlternateContent xmlns:mc="http://schemas.openxmlformats.org/markup-compatibility/2006">
-    <mc:Choice xmlns:p14="http://schemas.microsoft.com/office/powerpoint/2010/main" Requires="p14">
+    <mc:Choice xmlns:p14="http://schemas.microsoft.com/office/powerpoint/2010/main" xmlns="" Requires="p14">
       <p:transition spd="slow" p14:dur="2000" advTm="213"/>
     </mc:Choice>
     <mc:Fallback>
-      <p:transition xmlns:p14="http://schemas.microsoft.com/office/powerpoint/2010/main" spd="slow" advTm="213"/>
+      <p:transition spd="slow" advTm="213"/>
     </mc:Fallback>
   </mc:AlternateContent>
   <p:timing>
     <p:tnLst>
       <p:par>
-        <p:cTn xmlns:p14="http://schemas.microsoft.com/office/powerpoint/2010/main" id="1" dur="indefinite" restart="never" nodeType="tmRoot"/>
+        <p:cTn id="1" dur="indefinite" restart="never" nodeType="tmRoot"/>
       </p:par>
     </p:tnLst>
   </p:timing>
@@ -12954,7 +14587,7 @@
           <a:lstStyle/>
           <a:p>
             <a:pPr algn="ctr"/>
-            <a:endParaRPr lang="en-US" sz="1800">
+            <a:endParaRPr lang="en-US" sz="1800" dirty="0">
               <a:solidFill>
                 <a:srgbClr val="FFFFFF"/>
               </a:solidFill>
@@ -13006,86 +14639,60 @@
           <a:p>
             <a:pPr eaLnBrk="1" hangingPunct="1"/>
             <a:r>
-              <a:rPr lang="en-US" dirty="0" smtClean="0">
+              <a:rPr lang="en-GB" dirty="0" smtClean="0">
                 <a:solidFill>
                   <a:schemeClr val="bg1"/>
                 </a:solidFill>
               </a:rPr>
-              <a:t>High degree of </a:t>
-            </a:r>
-            <a:r>
-              <a:rPr lang="en-US" dirty="0" err="1" smtClean="0">
+              <a:t>High degree of decentralisation</a:t>
+            </a:r>
+          </a:p>
+          <a:p>
+            <a:pPr eaLnBrk="1" hangingPunct="1"/>
+            <a:r>
+              <a:rPr lang="en-GB" dirty="0" smtClean="0">
                 <a:solidFill>
                   <a:schemeClr val="bg1"/>
                 </a:solidFill>
               </a:rPr>
-              <a:t>decentralisation</a:t>
-            </a:r>
-            <a:endParaRPr lang="en-US" dirty="0" smtClean="0">
+              <a:t>Self-organisation</a:t>
+            </a:r>
+          </a:p>
+          <a:p>
+            <a:pPr eaLnBrk="1" hangingPunct="1"/>
+            <a:r>
+              <a:rPr lang="en-GB" dirty="0" smtClean="0">
+                <a:solidFill>
+                  <a:schemeClr val="bg1"/>
+                </a:solidFill>
+              </a:rPr>
+              <a:t>Multiple administrative domains</a:t>
+            </a:r>
+          </a:p>
+          <a:p>
+            <a:pPr eaLnBrk="1" hangingPunct="1"/>
+            <a:r>
+              <a:rPr lang="en-GB" dirty="0" smtClean="0">
+                <a:solidFill>
+                  <a:schemeClr val="bg1"/>
+                </a:solidFill>
+              </a:rPr>
+              <a:t>P2P routing overlay</a:t>
+            </a:r>
+          </a:p>
+          <a:p>
+            <a:pPr eaLnBrk="1" hangingPunct="1"/>
+            <a:endParaRPr lang="en-GB" dirty="0" smtClean="0">
               <a:solidFill>
                 <a:schemeClr val="bg1"/>
               </a:solidFill>
             </a:endParaRPr>
           </a:p>
-          <a:p>
-            <a:pPr eaLnBrk="1" hangingPunct="1"/>
-            <a:r>
-              <a:rPr lang="en-US" dirty="0" smtClean="0">
-                <a:solidFill>
-                  <a:schemeClr val="bg1"/>
-                </a:solidFill>
-              </a:rPr>
-              <a:t>Self-</a:t>
-            </a:r>
-            <a:r>
-              <a:rPr lang="en-US" dirty="0" err="1" smtClean="0">
-                <a:solidFill>
-                  <a:schemeClr val="bg1"/>
-                </a:solidFill>
-              </a:rPr>
-              <a:t>organisation</a:t>
-            </a:r>
-            <a:endParaRPr lang="en-US" dirty="0" smtClean="0">
-              <a:solidFill>
-                <a:schemeClr val="bg1"/>
-              </a:solidFill>
-            </a:endParaRPr>
-          </a:p>
-          <a:p>
-            <a:pPr eaLnBrk="1" hangingPunct="1"/>
-            <a:r>
-              <a:rPr lang="en-US" dirty="0" smtClean="0">
-                <a:solidFill>
-                  <a:schemeClr val="bg1"/>
-                </a:solidFill>
-              </a:rPr>
-              <a:t>Multiple administrative domains</a:t>
-            </a:r>
-          </a:p>
-          <a:p>
-            <a:pPr eaLnBrk="1" hangingPunct="1"/>
-            <a:r>
-              <a:rPr lang="en-US" dirty="0" smtClean="0">
-                <a:solidFill>
-                  <a:schemeClr val="bg1"/>
-                </a:solidFill>
-              </a:rPr>
-              <a:t>P2P routing overlay</a:t>
-            </a:r>
-          </a:p>
-          <a:p>
-            <a:pPr eaLnBrk="1" hangingPunct="1"/>
-            <a:endParaRPr lang="en-US" dirty="0" smtClean="0">
-              <a:solidFill>
-                <a:schemeClr val="bg1"/>
-              </a:solidFill>
-            </a:endParaRPr>
-          </a:p>
         </p:txBody>
       </p:sp>
       <p:pic>
         <p:nvPicPr>
-          <p:cNvPr id="15364" name="Picture 1"/>
+          <p:cNvPr id="7" name="Picture 8" descr="Final MIH logo.png"/>
           <p:cNvPicPr>
             <a:picLocks noChangeAspect="1"/>
           </p:cNvPicPr>
@@ -13100,8 +14707,8 @@
         </p:blipFill>
         <p:spPr bwMode="auto">
           <a:xfrm>
-            <a:off x="531813" y="5867400"/>
-            <a:ext cx="2106612" cy="317500"/>
+            <a:off x="6861175" y="5297488"/>
+            <a:ext cx="2968625" cy="2098675"/>
           </a:xfrm>
           <a:prstGeom prst="rect">
             <a:avLst/>
@@ -13117,7 +14724,7 @@
       </p:pic>
       <p:pic>
         <p:nvPicPr>
-          <p:cNvPr id="15365" name="Picture 8" descr="Final MIH logo.png"/>
+          <p:cNvPr id="8" name="Picture 1"/>
           <p:cNvPicPr>
             <a:picLocks noChangeAspect="1"/>
           </p:cNvPicPr>
@@ -13132,8 +14739,8 @@
         </p:blipFill>
         <p:spPr bwMode="auto">
           <a:xfrm>
-            <a:off x="6175375" y="4754563"/>
-            <a:ext cx="2968625" cy="2098675"/>
+            <a:off x="150813" y="6369050"/>
+            <a:ext cx="2106612" cy="317500"/>
           </a:xfrm>
           <a:prstGeom prst="rect">
             <a:avLst/>
@@ -13153,17 +14760,17 @@
     <a:masterClrMapping/>
   </p:clrMapOvr>
   <mc:AlternateContent xmlns:mc="http://schemas.openxmlformats.org/markup-compatibility/2006">
-    <mc:Choice xmlns:p14="http://schemas.microsoft.com/office/powerpoint/2010/main" Requires="p14">
+    <mc:Choice xmlns:p14="http://schemas.microsoft.com/office/powerpoint/2010/main" xmlns="" Requires="p14">
       <p:transition spd="slow" p14:dur="2000" advTm="85933"/>
     </mc:Choice>
     <mc:Fallback>
-      <p:transition xmlns:p14="http://schemas.microsoft.com/office/powerpoint/2010/main" spd="slow" advTm="85933"/>
+      <p:transition spd="slow" advTm="85933"/>
     </mc:Fallback>
   </mc:AlternateContent>
   <p:timing>
     <p:tnLst>
       <p:par>
-        <p:cTn xmlns:p14="http://schemas.microsoft.com/office/powerpoint/2010/main" id="1" dur="indefinite" restart="never" nodeType="tmRoot"/>
+        <p:cTn id="1" dur="indefinite" restart="never" nodeType="tmRoot"/>
       </p:par>
     </p:tnLst>
   </p:timing>
@@ -13227,7 +14834,7 @@
           <a:lstStyle/>
           <a:p>
             <a:pPr algn="ctr"/>
-            <a:endParaRPr lang="en-US" sz="1800">
+            <a:endParaRPr lang="en-US" sz="1800" dirty="0">
               <a:solidFill>
                 <a:srgbClr val="FFFFFF"/>
               </a:solidFill>
@@ -13279,7 +14886,7 @@
           <a:p>
             <a:pPr eaLnBrk="1" hangingPunct="1"/>
             <a:r>
-              <a:rPr lang="en-US" dirty="0" smtClean="0">
+              <a:rPr lang="en-GB" dirty="0" smtClean="0">
                 <a:solidFill>
                   <a:schemeClr val="bg1"/>
                 </a:solidFill>
@@ -13290,7 +14897,7 @@
           <a:p>
             <a:pPr eaLnBrk="1" hangingPunct="1"/>
             <a:r>
-              <a:rPr lang="en-US" dirty="0" smtClean="0">
+              <a:rPr lang="en-GB" dirty="0" smtClean="0">
                 <a:solidFill>
                   <a:schemeClr val="bg1"/>
                 </a:solidFill>
@@ -13301,7 +14908,7 @@
           <a:p>
             <a:pPr eaLnBrk="1" hangingPunct="1"/>
             <a:r>
-              <a:rPr lang="en-US" dirty="0" smtClean="0">
+              <a:rPr lang="en-GB" dirty="0" smtClean="0">
                 <a:solidFill>
                   <a:schemeClr val="bg1"/>
                 </a:solidFill>
@@ -13312,7 +14919,7 @@
           <a:p>
             <a:pPr eaLnBrk="1" hangingPunct="1"/>
             <a:r>
-              <a:rPr lang="en-US" dirty="0" smtClean="0">
+              <a:rPr lang="en-GB" dirty="0" smtClean="0">
                 <a:solidFill>
                   <a:schemeClr val="bg1"/>
                 </a:solidFill>
@@ -13323,7 +14930,7 @@
           <a:p>
             <a:pPr eaLnBrk="1" hangingPunct="1"/>
             <a:r>
-              <a:rPr lang="en-US" dirty="0" smtClean="0">
+              <a:rPr lang="en-GB" dirty="0" smtClean="0">
                 <a:solidFill>
                   <a:schemeClr val="bg1"/>
                 </a:solidFill>
@@ -13333,7 +14940,7 @@
           </a:p>
           <a:p>
             <a:pPr eaLnBrk="1" hangingPunct="1"/>
-            <a:endParaRPr lang="en-US" dirty="0" smtClean="0">
+            <a:endParaRPr lang="en-GB" dirty="0" smtClean="0">
               <a:solidFill>
                 <a:schemeClr val="bg1"/>
               </a:solidFill>
@@ -13343,7 +14950,7 @@
       </p:sp>
       <p:pic>
         <p:nvPicPr>
-          <p:cNvPr id="15364" name="Picture 1"/>
+          <p:cNvPr id="7" name="Picture 8" descr="Final MIH logo.png"/>
           <p:cNvPicPr>
             <a:picLocks noChangeAspect="1"/>
           </p:cNvPicPr>
@@ -13358,8 +14965,8 @@
         </p:blipFill>
         <p:spPr bwMode="auto">
           <a:xfrm>
-            <a:off x="531813" y="5867400"/>
-            <a:ext cx="2106612" cy="317500"/>
+            <a:off x="6861175" y="5297488"/>
+            <a:ext cx="2968625" cy="2098675"/>
           </a:xfrm>
           <a:prstGeom prst="rect">
             <a:avLst/>
@@ -13375,7 +14982,7 @@
       </p:pic>
       <p:pic>
         <p:nvPicPr>
-          <p:cNvPr id="15365" name="Picture 8" descr="Final MIH logo.png"/>
+          <p:cNvPr id="8" name="Picture 1"/>
           <p:cNvPicPr>
             <a:picLocks noChangeAspect="1"/>
           </p:cNvPicPr>
@@ -13390,8 +14997,8 @@
         </p:blipFill>
         <p:spPr bwMode="auto">
           <a:xfrm>
-            <a:off x="6175375" y="4754563"/>
-            <a:ext cx="2968625" cy="2098675"/>
+            <a:off x="150813" y="6369050"/>
+            <a:ext cx="2106612" cy="317500"/>
           </a:xfrm>
           <a:prstGeom prst="rect">
             <a:avLst/>
@@ -13411,17 +15018,17 @@
     <a:masterClrMapping/>
   </p:clrMapOvr>
   <mc:AlternateContent xmlns:mc="http://schemas.openxmlformats.org/markup-compatibility/2006">
-    <mc:Choice xmlns:p14="http://schemas.microsoft.com/office/powerpoint/2010/main" Requires="p14">
+    <mc:Choice xmlns:p14="http://schemas.microsoft.com/office/powerpoint/2010/main" xmlns="" Requires="p14">
       <p:transition spd="slow" p14:dur="2000" advTm="129969"/>
     </mc:Choice>
     <mc:Fallback>
-      <p:transition xmlns:p14="http://schemas.microsoft.com/office/powerpoint/2010/main" spd="slow" advTm="129969"/>
+      <p:transition spd="slow" advTm="129969"/>
     </mc:Fallback>
   </mc:AlternateContent>
   <p:timing>
     <p:tnLst>
       <p:par>
-        <p:cTn xmlns:p14="http://schemas.microsoft.com/office/powerpoint/2010/main" id="1" dur="indefinite" restart="never" nodeType="tmRoot"/>
+        <p:cTn id="1" dur="indefinite" restart="never" nodeType="tmRoot"/>
       </p:par>
     </p:tnLst>
   </p:timing>
